--- a/Vehicle Loan Default Prediction.pptx
+++ b/Vehicle Loan Default Prediction.pptx
@@ -5,7 +5,7 @@
     <p:sldMasterId id="2147483648" r:id="rId1"/>
   </p:sldMasterIdLst>
   <p:notesMasterIdLst>
-    <p:notesMasterId r:id="rId11"/>
+    <p:notesMasterId r:id="rId12"/>
   </p:notesMasterIdLst>
   <p:sldIdLst>
     <p:sldId id="328" r:id="rId2"/>
@@ -13,10 +13,11 @@
     <p:sldId id="329" r:id="rId4"/>
     <p:sldId id="257" r:id="rId5"/>
     <p:sldId id="258" r:id="rId6"/>
-    <p:sldId id="335" r:id="rId7"/>
-    <p:sldId id="337" r:id="rId8"/>
-    <p:sldId id="336" r:id="rId9"/>
-    <p:sldId id="263" r:id="rId10"/>
+    <p:sldId id="338" r:id="rId7"/>
+    <p:sldId id="335" r:id="rId8"/>
+    <p:sldId id="337" r:id="rId9"/>
+    <p:sldId id="336" r:id="rId10"/>
+    <p:sldId id="263" r:id="rId11"/>
   </p:sldIdLst>
   <p:sldSz cx="9144000" cy="6858000" type="screen4x3"/>
   <p:notesSz cx="6858000" cy="9144000"/>
@@ -3880,122 +3881,7 @@
 </p:sld>
 </file>
 
-<file path=ppt/slides/slide2.xml><?xml version="1.0" encoding="utf-8"?>
-<p:sld xmlns:a="http://schemas.openxmlformats.org/drawingml/2006/main" xmlns:r="http://schemas.openxmlformats.org/officeDocument/2006/relationships" xmlns:p="http://schemas.openxmlformats.org/presentationml/2006/main">
-  <p:cSld>
-    <p:spTree>
-      <p:nvGrpSpPr>
-        <p:cNvPr id="1" name=""/>
-        <p:cNvGrpSpPr/>
-        <p:nvPr/>
-      </p:nvGrpSpPr>
-      <p:grpSpPr>
-        <a:xfrm>
-          <a:off x="0" y="0"/>
-          <a:ext cx="0" cy="0"/>
-          <a:chOff x="0" y="0"/>
-          <a:chExt cx="0" cy="0"/>
-        </a:xfrm>
-      </p:grpSpPr>
-      <p:sp>
-        <p:nvSpPr>
-          <p:cNvPr id="2" name="Title 1">
-            <a:extLst>
-              <a:ext uri="{FF2B5EF4-FFF2-40B4-BE49-F238E27FC236}">
-                <a16:creationId xmlns:a16="http://schemas.microsoft.com/office/drawing/2014/main" id="{543925F3-AEA9-4425-BE85-A907329B807D}"/>
-              </a:ext>
-            </a:extLst>
-          </p:cNvPr>
-          <p:cNvSpPr>
-            <a:spLocks noGrp="1"/>
-          </p:cNvSpPr>
-          <p:nvPr>
-            <p:ph type="title"/>
-          </p:nvPr>
-        </p:nvSpPr>
-        <p:spPr/>
-        <p:txBody>
-          <a:bodyPr/>
-          <a:lstStyle/>
-          <a:p>
-            <a:pPr algn="l"/>
-            <a:r>
-              <a:rPr lang="en-US" dirty="0"/>
-              <a:t>Introduction</a:t>
-            </a:r>
-          </a:p>
-        </p:txBody>
-      </p:sp>
-      <p:sp>
-        <p:nvSpPr>
-          <p:cNvPr id="3" name="Content Placeholder 2">
-            <a:extLst>
-              <a:ext uri="{FF2B5EF4-FFF2-40B4-BE49-F238E27FC236}">
-                <a16:creationId xmlns:a16="http://schemas.microsoft.com/office/drawing/2014/main" id="{58171DD3-3E42-48DF-95D4-3408C189D523}"/>
-              </a:ext>
-            </a:extLst>
-          </p:cNvPr>
-          <p:cNvSpPr>
-            <a:spLocks noGrp="1"/>
-          </p:cNvSpPr>
-          <p:nvPr>
-            <p:ph idx="1"/>
-          </p:nvPr>
-        </p:nvSpPr>
-        <p:spPr>
-          <a:xfrm>
-            <a:off x="457200" y="1295400"/>
-            <a:ext cx="8686800" cy="5562600"/>
-          </a:xfrm>
-        </p:spPr>
-        <p:txBody>
-          <a:bodyPr>
-            <a:normAutofit fontScale="85000" lnSpcReduction="10000"/>
-          </a:bodyPr>
-          <a:lstStyle/>
-          <a:p>
-            <a:r>
-              <a:rPr lang="en-US" dirty="0"/>
-              <a:t>People avail vehicle loan from banks to buy their dream cars. Car loans have taken off in India witnessing an increase in growth of 18-20% which is a huge increase in 2019.</a:t>
-            </a:r>
-          </a:p>
-          <a:p>
-            <a:r>
-              <a:rPr lang="en-US" dirty="0"/>
-              <a:t>Bank and vehicle finance companies are making this dream come true by providing the vehicle loan facility. </a:t>
-            </a:r>
-          </a:p>
-          <a:p>
-            <a:r>
-              <a:rPr lang="en-US" dirty="0"/>
-              <a:t>Financing a vehicle involves a lot of technicalities like the kind of vehicle to be financed, the route on which the vehicle will be plying, the operating expenses of the customer, etc. </a:t>
-            </a:r>
-          </a:p>
-          <a:p>
-            <a:r>
-              <a:rPr lang="en-US" dirty="0"/>
-              <a:t>It is also being influenced by processing fee, loan clearance time, requirement of documentation and methodology being followed in computation of interest.</a:t>
-            </a:r>
-          </a:p>
-          <a:p>
-            <a:endParaRPr lang="en-US" dirty="0"/>
-          </a:p>
-        </p:txBody>
-      </p:sp>
-    </p:spTree>
-    <p:extLst>
-      <p:ext uri="{BB962C8B-B14F-4D97-AF65-F5344CB8AC3E}">
-        <p14:creationId xmlns:p14="http://schemas.microsoft.com/office/powerpoint/2010/main" val="3561413167"/>
-      </p:ext>
-    </p:extLst>
-  </p:cSld>
-  <p:clrMapOvr>
-    <a:masterClrMapping/>
-  </p:clrMapOvr>
-</p:sld>
-</file>
-
-<file path=ppt/slides/slide3.xml><?xml version="1.0" encoding="utf-8"?>
+<file path=ppt/slides/slide10.xml><?xml version="1.0" encoding="utf-8"?>
 <p:sld xmlns:a="http://schemas.openxmlformats.org/drawingml/2006/main" xmlns:r="http://schemas.openxmlformats.org/officeDocument/2006/relationships" xmlns:p="http://schemas.openxmlformats.org/presentationml/2006/main">
   <p:cSld>
     <p:spTree>
@@ -4106,7 +3992,7 @@
       </p:sp>
       <p:sp>
         <p:nvSpPr>
-          <p:cNvPr id="30" name="Content Placeholder 2"/>
+          <p:cNvPr id="9" name="Content Placeholder 2"/>
           <p:cNvSpPr txBox="1">
             <a:spLocks/>
           </p:cNvSpPr>
@@ -4114,8 +4000,8 @@
         </p:nvSpPr>
         <p:spPr>
           <a:xfrm>
-            <a:off x="429658" y="980501"/>
-            <a:ext cx="8485742" cy="5648899"/>
+            <a:off x="3042062" y="1958439"/>
+            <a:ext cx="4730338" cy="1546761"/>
           </a:xfrm>
           <a:prstGeom prst="rect">
             <a:avLst/>
@@ -4123,7 +4009,7 @@
         </p:spPr>
         <p:txBody>
           <a:bodyPr vert="horz" lIns="91440" tIns="45720" rIns="91440" bIns="45720" rtlCol="0">
-            <a:normAutofit lnSpcReduction="10000"/>
+            <a:normAutofit/>
           </a:bodyPr>
           <a:lstStyle>
             <a:lvl1pPr marL="0" indent="0" algn="ctr" defTabSz="914400" rtl="0" eaLnBrk="1" latinLnBrk="0" hangingPunct="1">
@@ -4281,6 +4167,442 @@
             </a:lvl9pPr>
           </a:lstStyle>
           <a:p>
+            <a:pPr lvl="1" algn="l"/>
+            <a:endParaRPr lang="en-IN" sz="4000" dirty="0">
+              <a:solidFill>
+                <a:srgbClr val="0055A0"/>
+              </a:solidFill>
+            </a:endParaRPr>
+          </a:p>
+          <a:p>
+            <a:pPr lvl="1" algn="l"/>
+            <a:r>
+              <a:rPr lang="en-IN" sz="4000" dirty="0">
+                <a:solidFill>
+                  <a:srgbClr val="0055A0"/>
+                </a:solidFill>
+              </a:rPr>
+              <a:t>Thank You</a:t>
+            </a:r>
+          </a:p>
+        </p:txBody>
+      </p:sp>
+    </p:spTree>
+    <p:extLst>
+      <p:ext uri="{BB962C8B-B14F-4D97-AF65-F5344CB8AC3E}">
+        <p14:creationId xmlns:p14="http://schemas.microsoft.com/office/powerpoint/2010/main" val="3724216054"/>
+      </p:ext>
+    </p:extLst>
+  </p:cSld>
+  <p:clrMapOvr>
+    <a:masterClrMapping/>
+  </p:clrMapOvr>
+</p:sld>
+</file>
+
+<file path=ppt/slides/slide2.xml><?xml version="1.0" encoding="utf-8"?>
+<p:sld xmlns:a="http://schemas.openxmlformats.org/drawingml/2006/main" xmlns:r="http://schemas.openxmlformats.org/officeDocument/2006/relationships" xmlns:p="http://schemas.openxmlformats.org/presentationml/2006/main">
+  <p:cSld>
+    <p:spTree>
+      <p:nvGrpSpPr>
+        <p:cNvPr id="1" name=""/>
+        <p:cNvGrpSpPr/>
+        <p:nvPr/>
+      </p:nvGrpSpPr>
+      <p:grpSpPr>
+        <a:xfrm>
+          <a:off x="0" y="0"/>
+          <a:ext cx="0" cy="0"/>
+          <a:chOff x="0" y="0"/>
+          <a:chExt cx="0" cy="0"/>
+        </a:xfrm>
+      </p:grpSpPr>
+      <p:sp>
+        <p:nvSpPr>
+          <p:cNvPr id="2" name="Title 1">
+            <a:extLst>
+              <a:ext uri="{FF2B5EF4-FFF2-40B4-BE49-F238E27FC236}">
+                <a16:creationId xmlns:a16="http://schemas.microsoft.com/office/drawing/2014/main" id="{543925F3-AEA9-4425-BE85-A907329B807D}"/>
+              </a:ext>
+            </a:extLst>
+          </p:cNvPr>
+          <p:cNvSpPr>
+            <a:spLocks noGrp="1"/>
+          </p:cNvSpPr>
+          <p:nvPr>
+            <p:ph type="title"/>
+          </p:nvPr>
+        </p:nvSpPr>
+        <p:spPr/>
+        <p:txBody>
+          <a:bodyPr>
+            <a:normAutofit/>
+          </a:bodyPr>
+          <a:lstStyle/>
+          <a:p>
+            <a:pPr algn="l"/>
+            <a:r>
+              <a:rPr lang="en-US" sz="4000" dirty="0"/>
+              <a:t>Introduction</a:t>
+            </a:r>
+          </a:p>
+        </p:txBody>
+      </p:sp>
+      <p:sp>
+        <p:nvSpPr>
+          <p:cNvPr id="3" name="Content Placeholder 2">
+            <a:extLst>
+              <a:ext uri="{FF2B5EF4-FFF2-40B4-BE49-F238E27FC236}">
+                <a16:creationId xmlns:a16="http://schemas.microsoft.com/office/drawing/2014/main" id="{58171DD3-3E42-48DF-95D4-3408C189D523}"/>
+              </a:ext>
+            </a:extLst>
+          </p:cNvPr>
+          <p:cNvSpPr>
+            <a:spLocks noGrp="1"/>
+          </p:cNvSpPr>
+          <p:nvPr>
+            <p:ph idx="1"/>
+          </p:nvPr>
+        </p:nvSpPr>
+        <p:spPr>
+          <a:xfrm>
+            <a:off x="457200" y="1295400"/>
+            <a:ext cx="8686800" cy="5562600"/>
+          </a:xfrm>
+        </p:spPr>
+        <p:txBody>
+          <a:bodyPr>
+            <a:normAutofit lnSpcReduction="10000"/>
+          </a:bodyPr>
+          <a:lstStyle/>
+          <a:p>
+            <a:r>
+              <a:rPr lang="en-US" sz="2800" dirty="0"/>
+              <a:t>People avail vehicle loan from banks to buy their dream cars. Car loans have taken off in India witnessing an increase in growth of 18-20% which is a huge increase in 2019.</a:t>
+            </a:r>
+          </a:p>
+          <a:p>
+            <a:r>
+              <a:rPr lang="en-US" sz="2800" dirty="0"/>
+              <a:t>Bank and vehicle finance companies are making this dream come true by providing the vehicle loan facility. </a:t>
+            </a:r>
+          </a:p>
+          <a:p>
+            <a:r>
+              <a:rPr lang="en-US" sz="2800" dirty="0"/>
+              <a:t>Financing a vehicle involves a lot of technicalities like the kind of vehicle to be financed, the route on which the vehicle will be plying, the operating expenses of the customer, etc. </a:t>
+            </a:r>
+          </a:p>
+          <a:p>
+            <a:r>
+              <a:rPr lang="en-US" sz="2800" dirty="0"/>
+              <a:t>It is also being influenced by processing fee, loan clearance time, requirement of documentation and methodology being followed in computation of interest.</a:t>
+            </a:r>
+          </a:p>
+          <a:p>
+            <a:endParaRPr lang="en-US" dirty="0"/>
+          </a:p>
+        </p:txBody>
+      </p:sp>
+    </p:spTree>
+    <p:extLst>
+      <p:ext uri="{BB962C8B-B14F-4D97-AF65-F5344CB8AC3E}">
+        <p14:creationId xmlns:p14="http://schemas.microsoft.com/office/powerpoint/2010/main" val="3561413167"/>
+      </p:ext>
+    </p:extLst>
+  </p:cSld>
+  <p:clrMapOvr>
+    <a:masterClrMapping/>
+  </p:clrMapOvr>
+</p:sld>
+</file>
+
+<file path=ppt/slides/slide3.xml><?xml version="1.0" encoding="utf-8"?>
+<p:sld xmlns:a="http://schemas.openxmlformats.org/drawingml/2006/main" xmlns:r="http://schemas.openxmlformats.org/officeDocument/2006/relationships" xmlns:p="http://schemas.openxmlformats.org/presentationml/2006/main">
+  <p:cSld>
+    <p:spTree>
+      <p:nvGrpSpPr>
+        <p:cNvPr id="1" name=""/>
+        <p:cNvGrpSpPr/>
+        <p:nvPr/>
+      </p:nvGrpSpPr>
+      <p:grpSpPr>
+        <a:xfrm>
+          <a:off x="0" y="0"/>
+          <a:ext cx="0" cy="0"/>
+          <a:chOff x="0" y="0"/>
+          <a:chExt cx="0" cy="0"/>
+        </a:xfrm>
+      </p:grpSpPr>
+      <p:sp>
+        <p:nvSpPr>
+          <p:cNvPr id="4" name="Round Diagonal Corner Rectangle 3"/>
+          <p:cNvSpPr/>
+          <p:nvPr/>
+        </p:nvSpPr>
+        <p:spPr>
+          <a:xfrm>
+            <a:off x="45026" y="58880"/>
+            <a:ext cx="206087" cy="2209800"/>
+          </a:xfrm>
+          <a:prstGeom prst="round2DiagRect">
+            <a:avLst/>
+          </a:prstGeom>
+          <a:solidFill>
+            <a:srgbClr val="0070C0"/>
+          </a:solidFill>
+          <a:ln>
+            <a:solidFill>
+              <a:srgbClr val="0070C0"/>
+            </a:solidFill>
+          </a:ln>
+        </p:spPr>
+        <p:style>
+          <a:lnRef idx="2">
+            <a:schemeClr val="accent3"/>
+          </a:lnRef>
+          <a:fillRef idx="1">
+            <a:schemeClr val="lt1"/>
+          </a:fillRef>
+          <a:effectRef idx="0">
+            <a:schemeClr val="accent3"/>
+          </a:effectRef>
+          <a:fontRef idx="minor">
+            <a:schemeClr val="dk1"/>
+          </a:fontRef>
+        </p:style>
+        <p:txBody>
+          <a:bodyPr rtlCol="0" anchor="ctr"/>
+          <a:lstStyle/>
+          <a:p>
+            <a:pPr algn="ctr"/>
+            <a:endParaRPr lang="en-US"/>
+          </a:p>
+        </p:txBody>
+      </p:sp>
+      <p:sp>
+        <p:nvSpPr>
+          <p:cNvPr id="5" name="Round Diagonal Corner Rectangle 4"/>
+          <p:cNvSpPr/>
+          <p:nvPr/>
+        </p:nvSpPr>
+        <p:spPr>
+          <a:xfrm>
+            <a:off x="45026" y="2313700"/>
+            <a:ext cx="206087" cy="4461170"/>
+          </a:xfrm>
+          <a:prstGeom prst="round2DiagRect">
+            <a:avLst/>
+          </a:prstGeom>
+          <a:solidFill>
+            <a:srgbClr val="00B0F0"/>
+          </a:solidFill>
+          <a:ln>
+            <a:solidFill>
+              <a:srgbClr val="00B0F0"/>
+            </a:solidFill>
+          </a:ln>
+        </p:spPr>
+        <p:style>
+          <a:lnRef idx="2">
+            <a:schemeClr val="accent3"/>
+          </a:lnRef>
+          <a:fillRef idx="1">
+            <a:schemeClr val="lt1"/>
+          </a:fillRef>
+          <a:effectRef idx="0">
+            <a:schemeClr val="accent3"/>
+          </a:effectRef>
+          <a:fontRef idx="minor">
+            <a:schemeClr val="dk1"/>
+          </a:fontRef>
+        </p:style>
+        <p:txBody>
+          <a:bodyPr rtlCol="0" anchor="ctr"/>
+          <a:lstStyle/>
+          <a:p>
+            <a:pPr algn="ctr"/>
+            <a:endParaRPr lang="en-US"/>
+          </a:p>
+        </p:txBody>
+      </p:sp>
+      <p:sp>
+        <p:nvSpPr>
+          <p:cNvPr id="30" name="Content Placeholder 2"/>
+          <p:cNvSpPr txBox="1">
+            <a:spLocks/>
+          </p:cNvSpPr>
+          <p:nvPr/>
+        </p:nvSpPr>
+        <p:spPr>
+          <a:xfrm>
+            <a:off x="429658" y="980501"/>
+            <a:ext cx="8485742" cy="5648899"/>
+          </a:xfrm>
+          <a:prstGeom prst="rect">
+            <a:avLst/>
+          </a:prstGeom>
+        </p:spPr>
+        <p:txBody>
+          <a:bodyPr vert="horz" lIns="91440" tIns="45720" rIns="91440" bIns="45720" rtlCol="0">
+            <a:normAutofit/>
+          </a:bodyPr>
+          <a:lstStyle>
+            <a:lvl1pPr marL="0" indent="0" algn="ctr" defTabSz="914400" rtl="0" eaLnBrk="1" latinLnBrk="0" hangingPunct="1">
+              <a:spcBef>
+                <a:spcPct val="20000"/>
+              </a:spcBef>
+              <a:buFont typeface="Arial" panose="020B0604020202020204" pitchFamily="34" charset="0"/>
+              <a:buNone/>
+              <a:defRPr sz="3200" kern="1200">
+                <a:solidFill>
+                  <a:schemeClr val="tx1">
+                    <a:tint val="75000"/>
+                  </a:schemeClr>
+                </a:solidFill>
+                <a:latin typeface="+mn-lt"/>
+                <a:ea typeface="+mn-ea"/>
+                <a:cs typeface="+mn-cs"/>
+              </a:defRPr>
+            </a:lvl1pPr>
+            <a:lvl2pPr marL="457200" indent="0" algn="ctr" defTabSz="914400" rtl="0" eaLnBrk="1" latinLnBrk="0" hangingPunct="1">
+              <a:spcBef>
+                <a:spcPct val="20000"/>
+              </a:spcBef>
+              <a:buFont typeface="Arial" panose="020B0604020202020204" pitchFamily="34" charset="0"/>
+              <a:buNone/>
+              <a:defRPr sz="2800" kern="1200">
+                <a:solidFill>
+                  <a:schemeClr val="tx1">
+                    <a:tint val="75000"/>
+                  </a:schemeClr>
+                </a:solidFill>
+                <a:latin typeface="+mn-lt"/>
+                <a:ea typeface="+mn-ea"/>
+                <a:cs typeface="+mn-cs"/>
+              </a:defRPr>
+            </a:lvl2pPr>
+            <a:lvl3pPr marL="914400" indent="0" algn="ctr" defTabSz="914400" rtl="0" eaLnBrk="1" latinLnBrk="0" hangingPunct="1">
+              <a:spcBef>
+                <a:spcPct val="20000"/>
+              </a:spcBef>
+              <a:buFont typeface="Arial" panose="020B0604020202020204" pitchFamily="34" charset="0"/>
+              <a:buNone/>
+              <a:defRPr sz="2400" kern="1200">
+                <a:solidFill>
+                  <a:schemeClr val="tx1">
+                    <a:tint val="75000"/>
+                  </a:schemeClr>
+                </a:solidFill>
+                <a:latin typeface="+mn-lt"/>
+                <a:ea typeface="+mn-ea"/>
+                <a:cs typeface="+mn-cs"/>
+              </a:defRPr>
+            </a:lvl3pPr>
+            <a:lvl4pPr marL="1371600" indent="0" algn="ctr" defTabSz="914400" rtl="0" eaLnBrk="1" latinLnBrk="0" hangingPunct="1">
+              <a:spcBef>
+                <a:spcPct val="20000"/>
+              </a:spcBef>
+              <a:buFont typeface="Arial" panose="020B0604020202020204" pitchFamily="34" charset="0"/>
+              <a:buNone/>
+              <a:defRPr sz="2000" kern="1200">
+                <a:solidFill>
+                  <a:schemeClr val="tx1">
+                    <a:tint val="75000"/>
+                  </a:schemeClr>
+                </a:solidFill>
+                <a:latin typeface="+mn-lt"/>
+                <a:ea typeface="+mn-ea"/>
+                <a:cs typeface="+mn-cs"/>
+              </a:defRPr>
+            </a:lvl4pPr>
+            <a:lvl5pPr marL="1828800" indent="0" algn="ctr" defTabSz="914400" rtl="0" eaLnBrk="1" latinLnBrk="0" hangingPunct="1">
+              <a:spcBef>
+                <a:spcPct val="20000"/>
+              </a:spcBef>
+              <a:buFont typeface="Arial" panose="020B0604020202020204" pitchFamily="34" charset="0"/>
+              <a:buNone/>
+              <a:defRPr sz="2000" kern="1200">
+                <a:solidFill>
+                  <a:schemeClr val="tx1">
+                    <a:tint val="75000"/>
+                  </a:schemeClr>
+                </a:solidFill>
+                <a:latin typeface="+mn-lt"/>
+                <a:ea typeface="+mn-ea"/>
+                <a:cs typeface="+mn-cs"/>
+              </a:defRPr>
+            </a:lvl5pPr>
+            <a:lvl6pPr marL="2286000" indent="0" algn="ctr" defTabSz="914400" rtl="0" eaLnBrk="1" latinLnBrk="0" hangingPunct="1">
+              <a:spcBef>
+                <a:spcPct val="20000"/>
+              </a:spcBef>
+              <a:buFont typeface="Arial" panose="020B0604020202020204" pitchFamily="34" charset="0"/>
+              <a:buNone/>
+              <a:defRPr sz="2000" kern="1200">
+                <a:solidFill>
+                  <a:schemeClr val="tx1">
+                    <a:tint val="75000"/>
+                  </a:schemeClr>
+                </a:solidFill>
+                <a:latin typeface="+mn-lt"/>
+                <a:ea typeface="+mn-ea"/>
+                <a:cs typeface="+mn-cs"/>
+              </a:defRPr>
+            </a:lvl6pPr>
+            <a:lvl7pPr marL="2743200" indent="0" algn="ctr" defTabSz="914400" rtl="0" eaLnBrk="1" latinLnBrk="0" hangingPunct="1">
+              <a:spcBef>
+                <a:spcPct val="20000"/>
+              </a:spcBef>
+              <a:buFont typeface="Arial" panose="020B0604020202020204" pitchFamily="34" charset="0"/>
+              <a:buNone/>
+              <a:defRPr sz="2000" kern="1200">
+                <a:solidFill>
+                  <a:schemeClr val="tx1">
+                    <a:tint val="75000"/>
+                  </a:schemeClr>
+                </a:solidFill>
+                <a:latin typeface="+mn-lt"/>
+                <a:ea typeface="+mn-ea"/>
+                <a:cs typeface="+mn-cs"/>
+              </a:defRPr>
+            </a:lvl7pPr>
+            <a:lvl8pPr marL="3200400" indent="0" algn="ctr" defTabSz="914400" rtl="0" eaLnBrk="1" latinLnBrk="0" hangingPunct="1">
+              <a:spcBef>
+                <a:spcPct val="20000"/>
+              </a:spcBef>
+              <a:buFont typeface="Arial" panose="020B0604020202020204" pitchFamily="34" charset="0"/>
+              <a:buNone/>
+              <a:defRPr sz="2000" kern="1200">
+                <a:solidFill>
+                  <a:schemeClr val="tx1">
+                    <a:tint val="75000"/>
+                  </a:schemeClr>
+                </a:solidFill>
+                <a:latin typeface="+mn-lt"/>
+                <a:ea typeface="+mn-ea"/>
+                <a:cs typeface="+mn-cs"/>
+              </a:defRPr>
+            </a:lvl8pPr>
+            <a:lvl9pPr marL="3657600" indent="0" algn="ctr" defTabSz="914400" rtl="0" eaLnBrk="1" latinLnBrk="0" hangingPunct="1">
+              <a:spcBef>
+                <a:spcPct val="20000"/>
+              </a:spcBef>
+              <a:buFont typeface="Arial" panose="020B0604020202020204" pitchFamily="34" charset="0"/>
+              <a:buNone/>
+              <a:defRPr sz="2000" kern="1200">
+                <a:solidFill>
+                  <a:schemeClr val="tx1">
+                    <a:tint val="75000"/>
+                  </a:schemeClr>
+                </a:solidFill>
+                <a:latin typeface="+mn-lt"/>
+                <a:ea typeface="+mn-ea"/>
+                <a:cs typeface="+mn-cs"/>
+              </a:defRPr>
+            </a:lvl9pPr>
+          </a:lstStyle>
+          <a:p>
             <a:pPr marL="342900" indent="-342900" algn="l">
               <a:buFont typeface="Arial" panose="020B0604020202020204" pitchFamily="34" charset="0"/>
               <a:buChar char="•"/>
@@ -4335,12 +4657,6 @@
               </a:rPr>
               <a:t>To find out problem faced by consumers in availing of vehicle finance</a:t>
             </a:r>
-          </a:p>
-          <a:p>
-            <a:pPr marL="800100" lvl="1" indent="-342900" algn="l">
-              <a:buFont typeface="Wingdings" panose="05000000000000000000" pitchFamily="2" charset="2"/>
-              <a:buChar char="Ø"/>
-            </a:pPr>
             <a:endParaRPr lang="en-IN" sz="2000" dirty="0">
               <a:solidFill>
                 <a:schemeClr val="tx1"/>
@@ -4444,7 +4760,7 @@
           <a:lstStyle/>
           <a:p>
             <a:r>
-              <a:rPr lang="en-US" sz="4000">
+              <a:rPr lang="en-US" sz="4000" dirty="0">
                 <a:ea typeface="굴림" panose="020B0600000101010101" pitchFamily="34" charset="-127"/>
               </a:rPr>
               <a:t>Problem Definition</a:t>
@@ -4507,7 +4823,7 @@
           <a:p>
             <a:pPr algn="l"/>
             <a:r>
-              <a:rPr lang="en-IN" sz="1650" b="1" dirty="0">
+              <a:rPr lang="en-IN" sz="1650" dirty="0">
                 <a:latin typeface="Arial Rounded MT Bold" panose="020F0704030504030204" pitchFamily="34" charset="0"/>
               </a:rPr>
               <a:t>Distribution plot on numerical features:</a:t>
@@ -4771,13 +5087,11 @@
       </p:sp>
       <p:pic>
         <p:nvPicPr>
-          <p:cNvPr id="4" name="Content Placeholder 3"/>
+          <p:cNvPr id="5" name="Picture 4"/>
           <p:cNvPicPr>
-            <a:picLocks noGrp="1" noChangeAspect="1"/>
+            <a:picLocks noChangeAspect="1"/>
           </p:cNvPicPr>
-          <p:nvPr>
-            <p:ph idx="1"/>
-          </p:nvPr>
+          <p:nvPr/>
         </p:nvPicPr>
         <p:blipFill>
           <a:blip r:embed="rId2">
@@ -4793,14 +5107,17 @@
         </p:blipFill>
         <p:spPr>
           <a:xfrm>
-            <a:off x="457036" y="2050628"/>
-            <a:ext cx="3052063" cy="2177370"/>
+            <a:off x="735291" y="2223674"/>
+            <a:ext cx="3329687" cy="2177370"/>
           </a:xfrm>
+          <a:prstGeom prst="rect">
+            <a:avLst/>
+          </a:prstGeom>
         </p:spPr>
       </p:pic>
       <p:pic>
         <p:nvPicPr>
-          <p:cNvPr id="5" name="Picture 4"/>
+          <p:cNvPr id="6" name="Picture 5"/>
           <p:cNvPicPr>
             <a:picLocks noChangeAspect="1"/>
           </p:cNvPicPr>
@@ -4820,8 +5137,8 @@
         </p:blipFill>
         <p:spPr>
           <a:xfrm>
-            <a:off x="3291853" y="2130876"/>
-            <a:ext cx="3034343" cy="2177370"/>
+            <a:off x="5079024" y="2223674"/>
+            <a:ext cx="2835935" cy="2177370"/>
           </a:xfrm>
           <a:prstGeom prst="rect">
             <a:avLst/>
@@ -4830,7 +5147,7 @@
       </p:pic>
       <p:pic>
         <p:nvPicPr>
-          <p:cNvPr id="6" name="Picture 5"/>
+          <p:cNvPr id="11" name="Picture 10"/>
           <p:cNvPicPr>
             <a:picLocks noChangeAspect="1"/>
           </p:cNvPicPr>
@@ -4850,8 +5167,8 @@
         </p:blipFill>
         <p:spPr>
           <a:xfrm>
-            <a:off x="6096990" y="2085148"/>
-            <a:ext cx="2835935" cy="2177370"/>
+            <a:off x="762000" y="4353974"/>
+            <a:ext cx="3302978" cy="2275426"/>
           </a:xfrm>
           <a:prstGeom prst="rect">
             <a:avLst/>
@@ -4860,7 +5177,7 @@
       </p:pic>
       <p:pic>
         <p:nvPicPr>
-          <p:cNvPr id="7" name="Picture 6"/>
+          <p:cNvPr id="12" name="Picture 11"/>
           <p:cNvPicPr>
             <a:picLocks noChangeAspect="1"/>
           </p:cNvPicPr>
@@ -4880,67 +5197,7 @@
         </p:blipFill>
         <p:spPr>
           <a:xfrm>
-            <a:off x="590207" y="4522377"/>
-            <a:ext cx="2785722" cy="1989188"/>
-          </a:xfrm>
-          <a:prstGeom prst="rect">
-            <a:avLst/>
-          </a:prstGeom>
-        </p:spPr>
-      </p:pic>
-      <p:pic>
-        <p:nvPicPr>
-          <p:cNvPr id="11" name="Picture 10"/>
-          <p:cNvPicPr>
-            <a:picLocks noChangeAspect="1"/>
-          </p:cNvPicPr>
-          <p:nvPr/>
-        </p:nvPicPr>
-        <p:blipFill>
-          <a:blip r:embed="rId6">
-            <a:extLst>
-              <a:ext uri="{28A0092B-C50C-407E-A947-70E740481C1C}">
-                <a14:useLocalDpi xmlns:a14="http://schemas.microsoft.com/office/drawing/2010/main" val="0"/>
-              </a:ext>
-            </a:extLst>
-          </a:blip>
-          <a:stretch>
-            <a:fillRect/>
-          </a:stretch>
-        </p:blipFill>
-        <p:spPr>
-          <a:xfrm>
-            <a:off x="3294210" y="4476496"/>
-            <a:ext cx="2867440" cy="2035069"/>
-          </a:xfrm>
-          <a:prstGeom prst="rect">
-            <a:avLst/>
-          </a:prstGeom>
-        </p:spPr>
-      </p:pic>
-      <p:pic>
-        <p:nvPicPr>
-          <p:cNvPr id="12" name="Picture 11"/>
-          <p:cNvPicPr>
-            <a:picLocks noChangeAspect="1"/>
-          </p:cNvPicPr>
-          <p:nvPr/>
-        </p:nvPicPr>
-        <p:blipFill>
-          <a:blip r:embed="rId7">
-            <a:extLst>
-              <a:ext uri="{28A0092B-C50C-407E-A947-70E740481C1C}">
-                <a14:useLocalDpi xmlns:a14="http://schemas.microsoft.com/office/drawing/2010/main" val="0"/>
-              </a:ext>
-            </a:extLst>
-          </a:blip>
-          <a:stretch>
-            <a:fillRect/>
-          </a:stretch>
-        </p:blipFill>
-        <p:spPr>
-          <a:xfrm>
-            <a:off x="6202742" y="4353974"/>
+            <a:off x="5120116" y="4353974"/>
             <a:ext cx="2753750" cy="2131524"/>
           </a:xfrm>
           <a:prstGeom prst="rect">
@@ -4983,6 +5240,174 @@
           <p:cNvPr id="2" name="Title 1">
             <a:extLst>
               <a:ext uri="{FF2B5EF4-FFF2-40B4-BE49-F238E27FC236}">
+                <a16:creationId xmlns:a16="http://schemas.microsoft.com/office/drawing/2014/main" id="{9AB43798-AC9D-4740-8653-01EC298A70B8}"/>
+              </a:ext>
+            </a:extLst>
+          </p:cNvPr>
+          <p:cNvSpPr>
+            <a:spLocks noGrp="1"/>
+          </p:cNvSpPr>
+          <p:nvPr>
+            <p:ph type="title"/>
+          </p:nvPr>
+        </p:nvSpPr>
+        <p:spPr/>
+        <p:txBody>
+          <a:bodyPr>
+            <a:normAutofit fontScale="90000"/>
+          </a:bodyPr>
+          <a:lstStyle/>
+          <a:p>
+            <a:r>
+              <a:rPr lang="en-US" dirty="0"/>
+              <a:t>Loan Default from Employment Type</a:t>
+            </a:r>
+          </a:p>
+        </p:txBody>
+      </p:sp>
+      <p:pic>
+        <p:nvPicPr>
+          <p:cNvPr id="5" name="Content Placeholder 4">
+            <a:extLst>
+              <a:ext uri="{FF2B5EF4-FFF2-40B4-BE49-F238E27FC236}">
+                <a16:creationId xmlns:a16="http://schemas.microsoft.com/office/drawing/2014/main" id="{3CE1B430-A11B-49FC-BFAC-6265DEF3CCE0}"/>
+              </a:ext>
+            </a:extLst>
+          </p:cNvPr>
+          <p:cNvPicPr>
+            <a:picLocks noGrp="1" noChangeAspect="1"/>
+          </p:cNvPicPr>
+          <p:nvPr>
+            <p:ph idx="1"/>
+          </p:nvPr>
+        </p:nvPicPr>
+        <p:blipFill rotWithShape="1">
+          <a:blip r:embed="rId2">
+            <a:extLst>
+              <a:ext uri="{28A0092B-C50C-407E-A947-70E740481C1C}">
+                <a14:useLocalDpi xmlns:a14="http://schemas.microsoft.com/office/drawing/2010/main" val="0"/>
+              </a:ext>
+            </a:extLst>
+          </a:blip>
+          <a:srcRect l="-101" t="4871" r="-234" b="961"/>
+          <a:stretch/>
+        </p:blipFill>
+        <p:spPr>
+          <a:xfrm>
+            <a:off x="457200" y="2057400"/>
+            <a:ext cx="8534400" cy="4419600"/>
+          </a:xfrm>
+        </p:spPr>
+      </p:pic>
+      <p:sp>
+        <p:nvSpPr>
+          <p:cNvPr id="6" name="TextBox 5">
+            <a:extLst>
+              <a:ext uri="{FF2B5EF4-FFF2-40B4-BE49-F238E27FC236}">
+                <a16:creationId xmlns:a16="http://schemas.microsoft.com/office/drawing/2014/main" id="{A9207DB9-9FE6-4200-801D-6AF13131EED7}"/>
+              </a:ext>
+            </a:extLst>
+          </p:cNvPr>
+          <p:cNvSpPr txBox="1"/>
+          <p:nvPr/>
+        </p:nvSpPr>
+        <p:spPr>
+          <a:xfrm>
+            <a:off x="1981200" y="1981200"/>
+            <a:ext cx="1600200" cy="369332"/>
+          </a:xfrm>
+          <a:prstGeom prst="rect">
+            <a:avLst/>
+          </a:prstGeom>
+          <a:solidFill>
+            <a:schemeClr val="bg1"/>
+          </a:solidFill>
+        </p:spPr>
+        <p:txBody>
+          <a:bodyPr wrap="square" rtlCol="0">
+            <a:spAutoFit/>
+          </a:bodyPr>
+          <a:lstStyle/>
+          <a:p>
+            <a:r>
+              <a:rPr lang="en-US" dirty="0"/>
+              <a:t>Not Defaulted</a:t>
+            </a:r>
+          </a:p>
+        </p:txBody>
+      </p:sp>
+      <p:sp>
+        <p:nvSpPr>
+          <p:cNvPr id="7" name="TextBox 6">
+            <a:extLst>
+              <a:ext uri="{FF2B5EF4-FFF2-40B4-BE49-F238E27FC236}">
+                <a16:creationId xmlns:a16="http://schemas.microsoft.com/office/drawing/2014/main" id="{015D19A7-76D6-4B90-8482-E07C37484E64}"/>
+              </a:ext>
+            </a:extLst>
+          </p:cNvPr>
+          <p:cNvSpPr txBox="1"/>
+          <p:nvPr/>
+        </p:nvSpPr>
+        <p:spPr>
+          <a:xfrm>
+            <a:off x="5867400" y="1973344"/>
+            <a:ext cx="1600200" cy="369332"/>
+          </a:xfrm>
+          <a:prstGeom prst="rect">
+            <a:avLst/>
+          </a:prstGeom>
+          <a:solidFill>
+            <a:schemeClr val="bg1"/>
+          </a:solidFill>
+        </p:spPr>
+        <p:txBody>
+          <a:bodyPr wrap="square" rtlCol="0">
+            <a:spAutoFit/>
+          </a:bodyPr>
+          <a:lstStyle/>
+          <a:p>
+            <a:r>
+              <a:rPr lang="en-US" dirty="0"/>
+              <a:t>Defaulted</a:t>
+            </a:r>
+          </a:p>
+        </p:txBody>
+      </p:sp>
+    </p:spTree>
+    <p:extLst>
+      <p:ext uri="{BB962C8B-B14F-4D97-AF65-F5344CB8AC3E}">
+        <p14:creationId xmlns:p14="http://schemas.microsoft.com/office/powerpoint/2010/main" val="3871781603"/>
+      </p:ext>
+    </p:extLst>
+  </p:cSld>
+  <p:clrMapOvr>
+    <a:masterClrMapping/>
+  </p:clrMapOvr>
+</p:sld>
+</file>
+
+<file path=ppt/slides/slide7.xml><?xml version="1.0" encoding="utf-8"?>
+<p:sld xmlns:a="http://schemas.openxmlformats.org/drawingml/2006/main" xmlns:r="http://schemas.openxmlformats.org/officeDocument/2006/relationships" xmlns:p="http://schemas.openxmlformats.org/presentationml/2006/main">
+  <p:cSld>
+    <p:spTree>
+      <p:nvGrpSpPr>
+        <p:cNvPr id="1" name=""/>
+        <p:cNvGrpSpPr/>
+        <p:nvPr/>
+      </p:nvGrpSpPr>
+      <p:grpSpPr>
+        <a:xfrm>
+          <a:off x="0" y="0"/>
+          <a:ext cx="0" cy="0"/>
+          <a:chOff x="0" y="0"/>
+          <a:chExt cx="0" cy="0"/>
+        </a:xfrm>
+      </p:grpSpPr>
+      <p:sp>
+        <p:nvSpPr>
+          <p:cNvPr id="2" name="Title 1">
+            <a:extLst>
+              <a:ext uri="{FF2B5EF4-FFF2-40B4-BE49-F238E27FC236}">
                 <a16:creationId xmlns:a16="http://schemas.microsoft.com/office/drawing/2014/main" id="{B6CDA166-D565-4795-B1AA-87976669D899}"/>
               </a:ext>
             </a:extLst>
@@ -5004,6 +5429,7 @@
           <a:bodyPr/>
           <a:lstStyle/>
           <a:p>
+            <a:pPr algn="l"/>
             <a:r>
               <a:rPr lang="en-US" dirty="0"/>
               <a:t>Statistical significance of variables</a:t>
@@ -5027,14 +5453,14 @@
             <p:ph idx="1"/>
             <p:extLst>
               <p:ext uri="{D42A27DB-BD31-4B8C-83A1-F6EECF244321}">
-                <p14:modId xmlns:p14="http://schemas.microsoft.com/office/powerpoint/2010/main" val="2173130277"/>
+                <p14:modId xmlns:p14="http://schemas.microsoft.com/office/powerpoint/2010/main" val="2492861082"/>
               </p:ext>
             </p:extLst>
           </p:nvPr>
         </p:nvGraphicFramePr>
         <p:xfrm>
           <a:off x="457200" y="1600200"/>
-          <a:ext cx="8229600" cy="3657600"/>
+          <a:ext cx="8229600" cy="4114800"/>
         </p:xfrm>
         <a:graphic>
           <a:graphicData uri="http://schemas.openxmlformats.org/drawingml/2006/table">
@@ -5365,6 +5791,53 @@
                   </a:ext>
                 </a:extLst>
               </a:tr>
+              <a:tr h="370840">
+                <a:tc>
+                  <a:txBody>
+                    <a:bodyPr/>
+                    <a:lstStyle/>
+                    <a:p>
+                      <a:pPr marL="0" marR="0" lvl="0" indent="0" algn="l" defTabSz="914400" rtl="0" eaLnBrk="1" fontAlgn="auto" latinLnBrk="0" hangingPunct="1">
+                        <a:lnSpc>
+                          <a:spcPct val="100000"/>
+                        </a:lnSpc>
+                        <a:spcBef>
+                          <a:spcPts val="0"/>
+                        </a:spcBef>
+                        <a:spcAft>
+                          <a:spcPts val="0"/>
+                        </a:spcAft>
+                        <a:buClrTx/>
+                        <a:buSzTx/>
+                        <a:buFontTx/>
+                        <a:buNone/>
+                        <a:tabLst/>
+                        <a:defRPr/>
+                      </a:pPr>
+                      <a:endParaRPr lang="en-IN" sz="2400" dirty="0"/>
+                    </a:p>
+                  </a:txBody>
+                  <a:tcPr/>
+                </a:tc>
+                <a:tc>
+                  <a:txBody>
+                    <a:bodyPr/>
+                    <a:lstStyle/>
+                    <a:p>
+                      <a:r>
+                        <a:rPr lang="en-IN" sz="2400" dirty="0"/>
+                        <a:t>Aadhar Flag</a:t>
+                      </a:r>
+                    </a:p>
+                  </a:txBody>
+                  <a:tcPr/>
+                </a:tc>
+                <a:extLst>
+                  <a:ext uri="{0D108BD9-81ED-4DB2-BD59-A6C34878D82A}">
+                    <a16:rowId xmlns:a16="http://schemas.microsoft.com/office/drawing/2014/main" val="122713326"/>
+                  </a:ext>
+                </a:extLst>
+              </a:tr>
             </a:tbl>
           </a:graphicData>
         </a:graphic>
@@ -5373,167 +5846,6 @@
     <p:extLst>
       <p:ext uri="{BB962C8B-B14F-4D97-AF65-F5344CB8AC3E}">
         <p14:creationId xmlns:p14="http://schemas.microsoft.com/office/powerpoint/2010/main" val="146618133"/>
-      </p:ext>
-    </p:extLst>
-  </p:cSld>
-  <p:clrMapOvr>
-    <a:masterClrMapping/>
-  </p:clrMapOvr>
-</p:sld>
-</file>
-
-<file path=ppt/slides/slide7.xml><?xml version="1.0" encoding="utf-8"?>
-<p:sld xmlns:a="http://schemas.openxmlformats.org/drawingml/2006/main" xmlns:r="http://schemas.openxmlformats.org/officeDocument/2006/relationships" xmlns:p="http://schemas.openxmlformats.org/presentationml/2006/main">
-  <p:cSld>
-    <p:spTree>
-      <p:nvGrpSpPr>
-        <p:cNvPr id="1" name=""/>
-        <p:cNvGrpSpPr/>
-        <p:nvPr/>
-      </p:nvGrpSpPr>
-      <p:grpSpPr>
-        <a:xfrm>
-          <a:off x="0" y="0"/>
-          <a:ext cx="0" cy="0"/>
-          <a:chOff x="0" y="0"/>
-          <a:chExt cx="0" cy="0"/>
-        </a:xfrm>
-      </p:grpSpPr>
-      <p:sp>
-        <p:nvSpPr>
-          <p:cNvPr id="2" name="Title 1">
-            <a:extLst>
-              <a:ext uri="{FF2B5EF4-FFF2-40B4-BE49-F238E27FC236}">
-                <a16:creationId xmlns:a16="http://schemas.microsoft.com/office/drawing/2014/main" id="{541A397E-F577-49FF-BC80-010E4660590D}"/>
-              </a:ext>
-            </a:extLst>
-          </p:cNvPr>
-          <p:cNvSpPr>
-            <a:spLocks noGrp="1"/>
-          </p:cNvSpPr>
-          <p:nvPr>
-            <p:ph type="title"/>
-          </p:nvPr>
-        </p:nvSpPr>
-        <p:spPr/>
-        <p:txBody>
-          <a:bodyPr/>
-          <a:lstStyle/>
-          <a:p>
-            <a:r>
-              <a:rPr lang="en-US" dirty="0"/>
-              <a:t>Feature Engineering</a:t>
-            </a:r>
-          </a:p>
-        </p:txBody>
-      </p:sp>
-      <p:sp>
-        <p:nvSpPr>
-          <p:cNvPr id="3" name="Content Placeholder 2">
-            <a:extLst>
-              <a:ext uri="{FF2B5EF4-FFF2-40B4-BE49-F238E27FC236}">
-                <a16:creationId xmlns:a16="http://schemas.microsoft.com/office/drawing/2014/main" id="{4887195E-57E5-4EF2-9755-BE81F07132A4}"/>
-              </a:ext>
-            </a:extLst>
-          </p:cNvPr>
-          <p:cNvSpPr>
-            <a:spLocks noGrp="1"/>
-          </p:cNvSpPr>
-          <p:nvPr>
-            <p:ph idx="1"/>
-          </p:nvPr>
-        </p:nvSpPr>
-        <p:spPr/>
-        <p:txBody>
-          <a:bodyPr>
-            <a:normAutofit/>
-          </a:bodyPr>
-          <a:lstStyle/>
-          <a:p>
-            <a:pPr marL="0" indent="0">
-              <a:buNone/>
-            </a:pPr>
-            <a:r>
-              <a:rPr lang="en-IN" sz="2400" dirty="0"/>
-              <a:t>1. </a:t>
-            </a:r>
-            <a:r>
-              <a:rPr lang="en-IN" sz="2400" b="1" dirty="0"/>
-              <a:t>Transformations</a:t>
-            </a:r>
-            <a:r>
-              <a:rPr lang="en-IN" sz="2400" dirty="0"/>
-              <a:t> :</a:t>
-            </a:r>
-          </a:p>
-          <a:p>
-            <a:pPr marL="0" indent="0">
-              <a:buNone/>
-            </a:pPr>
-            <a:r>
-              <a:rPr lang="en-IN" sz="2400" dirty="0"/>
-              <a:t>Yes . Since the data is not normally distributed (Highly right skewed), We tried Log transform, Sqrt transform.</a:t>
-            </a:r>
-          </a:p>
-          <a:p>
-            <a:pPr marL="0" indent="0">
-              <a:buNone/>
-            </a:pPr>
-            <a:r>
-              <a:rPr lang="en-IN" sz="2400" dirty="0"/>
-              <a:t>2. </a:t>
-            </a:r>
-            <a:r>
-              <a:rPr lang="en-IN" sz="2400" b="1" dirty="0"/>
-              <a:t>Scaling the data </a:t>
-            </a:r>
-            <a:r>
-              <a:rPr lang="en-IN" sz="2400" dirty="0"/>
-              <a:t>:</a:t>
-            </a:r>
-          </a:p>
-          <a:p>
-            <a:pPr marL="0" indent="0">
-              <a:buNone/>
-            </a:pPr>
-            <a:r>
-              <a:rPr lang="en-IN" sz="2400" dirty="0"/>
-              <a:t>Yes, the data has been scaled.</a:t>
-            </a:r>
-          </a:p>
-          <a:p>
-            <a:pPr marL="0" indent="0">
-              <a:buNone/>
-            </a:pPr>
-            <a:r>
-              <a:rPr lang="en-IN" sz="2400" dirty="0"/>
-              <a:t>3. </a:t>
-            </a:r>
-            <a:r>
-              <a:rPr lang="en-IN" sz="2400" b="1" dirty="0"/>
-              <a:t>Dimensionality reduction </a:t>
-            </a:r>
-            <a:r>
-              <a:rPr lang="en-IN" sz="2400" dirty="0"/>
-              <a:t>:</a:t>
-            </a:r>
-          </a:p>
-          <a:p>
-            <a:pPr marL="0" indent="0">
-              <a:buNone/>
-            </a:pPr>
-            <a:r>
-              <a:rPr lang="en-IN" sz="2400" dirty="0"/>
-              <a:t> Since there is no multicollinearity in our data, We haven’t done PCA.</a:t>
-            </a:r>
-            <a:endParaRPr lang="en-US" sz="2400" dirty="0"/>
-          </a:p>
-        </p:txBody>
-      </p:sp>
-    </p:spTree>
-    <p:extLst>
-      <p:ext uri="{BB962C8B-B14F-4D97-AF65-F5344CB8AC3E}">
-        <p14:creationId xmlns:p14="http://schemas.microsoft.com/office/powerpoint/2010/main" val="3227524239"/>
       </p:ext>
     </p:extLst>
   </p:cSld>
@@ -5565,7 +5877,7 @@
           <p:cNvPr id="2" name="Title 1">
             <a:extLst>
               <a:ext uri="{FF2B5EF4-FFF2-40B4-BE49-F238E27FC236}">
-                <a16:creationId xmlns:a16="http://schemas.microsoft.com/office/drawing/2014/main" id="{F6584AFD-6D6B-41BD-8AA7-E55CA8893D30}"/>
+                <a16:creationId xmlns:a16="http://schemas.microsoft.com/office/drawing/2014/main" id="{541A397E-F577-49FF-BC80-010E4660590D}"/>
               </a:ext>
             </a:extLst>
           </p:cNvPr>
@@ -5581,9 +5893,10 @@
           <a:bodyPr/>
           <a:lstStyle/>
           <a:p>
+            <a:pPr algn="l"/>
             <a:r>
               <a:rPr lang="en-US" dirty="0"/>
-              <a:t>Assumptions</a:t>
+              <a:t>Feature Engineering</a:t>
             </a:r>
           </a:p>
         </p:txBody>
@@ -5593,7 +5906,7 @@
           <p:cNvPr id="3" name="Content Placeholder 2">
             <a:extLst>
               <a:ext uri="{FF2B5EF4-FFF2-40B4-BE49-F238E27FC236}">
-                <a16:creationId xmlns:a16="http://schemas.microsoft.com/office/drawing/2014/main" id="{1DD175B5-E4E4-4BD1-8A11-20DED898F8EA}"/>
+                <a16:creationId xmlns:a16="http://schemas.microsoft.com/office/drawing/2014/main" id="{4887195E-57E5-4EF2-9755-BE81F07132A4}"/>
               </a:ext>
             </a:extLst>
           </p:cNvPr>
@@ -5611,9 +5924,20 @@
           </a:bodyPr>
           <a:lstStyle/>
           <a:p>
+            <a:pPr marL="0" indent="0">
+              <a:buNone/>
+            </a:pPr>
+            <a:r>
+              <a:rPr lang="en-IN" sz="2400" dirty="0"/>
+              <a:t>1. </a:t>
+            </a:r>
             <a:r>
               <a:rPr lang="en-IN" sz="2400" b="1" dirty="0"/>
-              <a:t>General Assumptions: </a:t>
+              <a:t>Transformations</a:t>
+            </a:r>
+            <a:r>
+              <a:rPr lang="en-IN" sz="2400" dirty="0"/>
+              <a:t> :</a:t>
             </a:r>
           </a:p>
           <a:p>
@@ -5622,7 +5946,7 @@
             </a:pPr>
             <a:r>
               <a:rPr lang="en-IN" sz="2400" dirty="0"/>
-              <a:t>      -&gt; No redundant data.</a:t>
+              <a:t>Yes . Since the data is not normally distributed (Highly right skewed), We tried Log transform, Sqrt transform.</a:t>
             </a:r>
           </a:p>
           <a:p>
@@ -5630,43 +5954,60 @@
               <a:buNone/>
             </a:pPr>
             <a:r>
+              <a:rPr lang="en-IN" sz="2400" dirty="0"/>
+              <a:t>2. </a:t>
+            </a:r>
+            <a:r>
               <a:rPr lang="en-IN" sz="2400" b="1" dirty="0"/>
-              <a:t>      </a:t>
+              <a:t>Scaling the data </a:t>
             </a:r>
             <a:r>
               <a:rPr lang="en-IN" sz="2400" dirty="0"/>
-              <a:t>-&gt; Absence of Multicollinearity</a:t>
-            </a:r>
-          </a:p>
-          <a:p>
+              <a:t>:</a:t>
+            </a:r>
+          </a:p>
+          <a:p>
+            <a:pPr marL="0" indent="0">
+              <a:buNone/>
+            </a:pPr>
+            <a:r>
+              <a:rPr lang="en-IN" sz="2400" dirty="0"/>
+              <a:t>Yes, the data has been scaled.</a:t>
+            </a:r>
+          </a:p>
+          <a:p>
+            <a:pPr marL="0" indent="0">
+              <a:buNone/>
+            </a:pPr>
+            <a:r>
+              <a:rPr lang="en-IN" sz="2400" dirty="0"/>
+              <a:t>3. </a:t>
+            </a:r>
             <a:r>
               <a:rPr lang="en-IN" sz="2400" b="1" dirty="0"/>
-              <a:t>Naive Bayes</a:t>
-            </a:r>
-            <a:r>
-              <a:rPr lang="en-US" sz="2400" b="1" dirty="0"/>
-              <a:t> -  </a:t>
-            </a:r>
-            <a:r>
-              <a:rPr lang="en-US" sz="2400" dirty="0"/>
-              <a:t>Attributes are conditionally independent.</a:t>
-            </a:r>
-          </a:p>
-          <a:p>
-            <a:r>
-              <a:rPr lang="en-US" sz="2400" dirty="0"/>
-              <a:t>Decision Tree, Random Forest, KNN – No assumptions</a:t>
-            </a:r>
-          </a:p>
-          <a:p>
-            <a:endParaRPr lang="en-IN" sz="2400" b="1" dirty="0"/>
+              <a:t>Dimensionality reduction </a:t>
+            </a:r>
+            <a:r>
+              <a:rPr lang="en-IN" sz="2400" dirty="0"/>
+              <a:t>:</a:t>
+            </a:r>
+          </a:p>
+          <a:p>
+            <a:pPr marL="0" indent="0">
+              <a:buNone/>
+            </a:pPr>
+            <a:r>
+              <a:rPr lang="en-IN" sz="2400" dirty="0"/>
+              <a:t> Since there is no multicollinearity in our data, We haven’t done PCA.</a:t>
+            </a:r>
+            <a:endParaRPr lang="en-US" sz="2400" dirty="0"/>
           </a:p>
         </p:txBody>
       </p:sp>
     </p:spTree>
     <p:extLst>
       <p:ext uri="{BB962C8B-B14F-4D97-AF65-F5344CB8AC3E}">
-        <p14:creationId xmlns:p14="http://schemas.microsoft.com/office/powerpoint/2010/main" val="1235205643"/>
+        <p14:creationId xmlns:p14="http://schemas.microsoft.com/office/powerpoint/2010/main" val="3227524239"/>
       </p:ext>
     </p:extLst>
   </p:cSld>
@@ -5695,99 +6036,127 @@
       </p:grpSpPr>
       <p:sp>
         <p:nvSpPr>
-          <p:cNvPr id="4" name="Round Diagonal Corner Rectangle 3"/>
-          <p:cNvSpPr/>
-          <p:nvPr/>
+          <p:cNvPr id="2" name="Title 1">
+            <a:extLst>
+              <a:ext uri="{FF2B5EF4-FFF2-40B4-BE49-F238E27FC236}">
+                <a16:creationId xmlns:a16="http://schemas.microsoft.com/office/drawing/2014/main" id="{F6584AFD-6D6B-41BD-8AA7-E55CA8893D30}"/>
+              </a:ext>
+            </a:extLst>
+          </p:cNvPr>
+          <p:cNvSpPr>
+            <a:spLocks noGrp="1"/>
+          </p:cNvSpPr>
+          <p:nvPr>
+            <p:ph type="title"/>
+          </p:nvPr>
         </p:nvSpPr>
         <p:spPr>
           <a:xfrm>
-            <a:off x="45026" y="58880"/>
-            <a:ext cx="206087" cy="2209800"/>
+            <a:off x="696798" y="228600"/>
+            <a:ext cx="8229600" cy="1143000"/>
           </a:xfrm>
-          <a:prstGeom prst="round2DiagRect">
-            <a:avLst/>
-          </a:prstGeom>
-          <a:solidFill>
-            <a:srgbClr val="0070C0"/>
-          </a:solidFill>
-          <a:ln>
-            <a:solidFill>
-              <a:srgbClr val="0070C0"/>
-            </a:solidFill>
-          </a:ln>
         </p:spPr>
-        <p:style>
-          <a:lnRef idx="2">
-            <a:schemeClr val="accent3"/>
-          </a:lnRef>
-          <a:fillRef idx="1">
-            <a:schemeClr val="lt1"/>
-          </a:fillRef>
-          <a:effectRef idx="0">
-            <a:schemeClr val="accent3"/>
-          </a:effectRef>
-          <a:fontRef idx="minor">
-            <a:schemeClr val="dk1"/>
-          </a:fontRef>
-        </p:style>
-        <p:txBody>
-          <a:bodyPr rtlCol="0" anchor="ctr"/>
+        <p:txBody>
+          <a:bodyPr/>
           <a:lstStyle/>
           <a:p>
-            <a:pPr algn="ctr"/>
-            <a:endParaRPr lang="en-US"/>
-          </a:p>
-        </p:txBody>
-      </p:sp>
-      <p:sp>
-        <p:nvSpPr>
-          <p:cNvPr id="5" name="Round Diagonal Corner Rectangle 4"/>
-          <p:cNvSpPr/>
-          <p:nvPr/>
+            <a:pPr algn="l"/>
+            <a:r>
+              <a:rPr lang="en-US" dirty="0"/>
+              <a:t>Assumptions</a:t>
+            </a:r>
+          </a:p>
+        </p:txBody>
+      </p:sp>
+      <p:sp>
+        <p:nvSpPr>
+          <p:cNvPr id="3" name="Content Placeholder 2">
+            <a:extLst>
+              <a:ext uri="{FF2B5EF4-FFF2-40B4-BE49-F238E27FC236}">
+                <a16:creationId xmlns:a16="http://schemas.microsoft.com/office/drawing/2014/main" id="{1DD175B5-E4E4-4BD1-8A11-20DED898F8EA}"/>
+              </a:ext>
+            </a:extLst>
+          </p:cNvPr>
+          <p:cNvSpPr>
+            <a:spLocks noGrp="1"/>
+          </p:cNvSpPr>
+          <p:nvPr>
+            <p:ph idx="1"/>
+          </p:nvPr>
         </p:nvSpPr>
         <p:spPr>
           <a:xfrm>
-            <a:off x="45026" y="2313700"/>
-            <a:ext cx="206087" cy="4461170"/>
+            <a:off x="446988" y="1295400"/>
+            <a:ext cx="8229600" cy="2362200"/>
           </a:xfrm>
-          <a:prstGeom prst="round2DiagRect">
-            <a:avLst/>
-          </a:prstGeom>
-          <a:solidFill>
-            <a:srgbClr val="00B0F0"/>
-          </a:solidFill>
-          <a:ln>
-            <a:solidFill>
-              <a:srgbClr val="00B0F0"/>
-            </a:solidFill>
-          </a:ln>
         </p:spPr>
-        <p:style>
-          <a:lnRef idx="2">
-            <a:schemeClr val="accent3"/>
-          </a:lnRef>
-          <a:fillRef idx="1">
-            <a:schemeClr val="lt1"/>
-          </a:fillRef>
-          <a:effectRef idx="0">
-            <a:schemeClr val="accent3"/>
-          </a:effectRef>
-          <a:fontRef idx="minor">
-            <a:schemeClr val="dk1"/>
-          </a:fontRef>
-        </p:style>
-        <p:txBody>
-          <a:bodyPr rtlCol="0" anchor="ctr"/>
+        <p:txBody>
+          <a:bodyPr>
+            <a:normAutofit/>
+          </a:bodyPr>
           <a:lstStyle/>
           <a:p>
-            <a:pPr algn="ctr"/>
-            <a:endParaRPr lang="en-US"/>
-          </a:p>
-        </p:txBody>
-      </p:sp>
-      <p:sp>
-        <p:nvSpPr>
-          <p:cNvPr id="9" name="Content Placeholder 2"/>
+            <a:r>
+              <a:rPr lang="en-IN" sz="2400" b="1" dirty="0"/>
+              <a:t>General Assumptions: </a:t>
+            </a:r>
+          </a:p>
+          <a:p>
+            <a:pPr marL="0" indent="0">
+              <a:buNone/>
+            </a:pPr>
+            <a:r>
+              <a:rPr lang="en-IN" sz="2400" dirty="0"/>
+              <a:t>      1. No redundant data.</a:t>
+            </a:r>
+          </a:p>
+          <a:p>
+            <a:pPr marL="0" indent="0">
+              <a:buNone/>
+            </a:pPr>
+            <a:r>
+              <a:rPr lang="en-IN" sz="2400" b="1" dirty="0"/>
+              <a:t>      </a:t>
+            </a:r>
+            <a:r>
+              <a:rPr lang="en-IN" sz="2400" dirty="0"/>
+              <a:t>2.  Absence of Multicollinearity</a:t>
+            </a:r>
+          </a:p>
+          <a:p>
+            <a:r>
+              <a:rPr lang="en-IN" sz="2400" b="1" dirty="0"/>
+              <a:t>Naive Bayes</a:t>
+            </a:r>
+            <a:r>
+              <a:rPr lang="en-US" sz="2400" b="1" dirty="0"/>
+              <a:t> -  </a:t>
+            </a:r>
+            <a:r>
+              <a:rPr lang="en-US" sz="2400" dirty="0"/>
+              <a:t>Attributes are conditionally independent.</a:t>
+            </a:r>
+          </a:p>
+          <a:p>
+            <a:r>
+              <a:rPr lang="en-US" sz="2400" dirty="0"/>
+              <a:t>Decision Tree, Random Forest, KNN – No assumptions</a:t>
+            </a:r>
+          </a:p>
+          <a:p>
+            <a:endParaRPr lang="en-IN" sz="2400" b="1" dirty="0"/>
+          </a:p>
+        </p:txBody>
+      </p:sp>
+      <p:sp>
+        <p:nvSpPr>
+          <p:cNvPr id="4" name="Title 1">
+            <a:extLst>
+              <a:ext uri="{FF2B5EF4-FFF2-40B4-BE49-F238E27FC236}">
+                <a16:creationId xmlns:a16="http://schemas.microsoft.com/office/drawing/2014/main" id="{A148EF26-8D46-4B15-973B-75E03A95CDAE}"/>
+              </a:ext>
+            </a:extLst>
+          </p:cNvPr>
           <p:cNvSpPr txBox="1">
             <a:spLocks/>
           </p:cNvSpPr>
@@ -5795,165 +6164,199 @@
         </p:nvSpPr>
         <p:spPr>
           <a:xfrm>
-            <a:off x="3042062" y="1958439"/>
-            <a:ext cx="4730338" cy="1546761"/>
+            <a:off x="685800" y="3657600"/>
+            <a:ext cx="8229600" cy="1143000"/>
           </a:xfrm>
           <a:prstGeom prst="rect">
             <a:avLst/>
           </a:prstGeom>
         </p:spPr>
         <p:txBody>
+          <a:bodyPr vert="horz" lIns="91440" tIns="45720" rIns="91440" bIns="45720" rtlCol="0" anchor="ctr">
+            <a:normAutofit/>
+          </a:bodyPr>
+          <a:lstStyle>
+            <a:lvl1pPr algn="ctr" defTabSz="914400" rtl="0" eaLnBrk="1" latinLnBrk="0" hangingPunct="1">
+              <a:spcBef>
+                <a:spcPct val="0"/>
+              </a:spcBef>
+              <a:buNone/>
+              <a:defRPr sz="4400" kern="1200">
+                <a:solidFill>
+                  <a:schemeClr val="tx1"/>
+                </a:solidFill>
+                <a:latin typeface="+mj-lt"/>
+                <a:ea typeface="+mj-ea"/>
+                <a:cs typeface="+mj-cs"/>
+              </a:defRPr>
+            </a:lvl1pPr>
+          </a:lstStyle>
+          <a:p>
+            <a:pPr algn="l"/>
+            <a:r>
+              <a:rPr lang="en-US" dirty="0"/>
+              <a:t>Reference</a:t>
+            </a:r>
+          </a:p>
+        </p:txBody>
+      </p:sp>
+      <p:sp>
+        <p:nvSpPr>
+          <p:cNvPr id="5" name="Content Placeholder 2">
+            <a:extLst>
+              <a:ext uri="{FF2B5EF4-FFF2-40B4-BE49-F238E27FC236}">
+                <a16:creationId xmlns:a16="http://schemas.microsoft.com/office/drawing/2014/main" id="{AC2B98C8-1410-4EE3-98A2-9AA56034D000}"/>
+              </a:ext>
+            </a:extLst>
+          </p:cNvPr>
+          <p:cNvSpPr txBox="1">
+            <a:spLocks/>
+          </p:cNvSpPr>
+          <p:nvPr/>
+        </p:nvSpPr>
+        <p:spPr>
+          <a:xfrm>
+            <a:off x="685800" y="4724400"/>
+            <a:ext cx="8229600" cy="4525963"/>
+          </a:xfrm>
+          <a:prstGeom prst="rect">
+            <a:avLst/>
+          </a:prstGeom>
+        </p:spPr>
+        <p:txBody>
           <a:bodyPr vert="horz" lIns="91440" tIns="45720" rIns="91440" bIns="45720" rtlCol="0">
             <a:normAutofit/>
           </a:bodyPr>
           <a:lstStyle>
-            <a:lvl1pPr marL="0" indent="0" algn="ctr" defTabSz="914400" rtl="0" eaLnBrk="1" latinLnBrk="0" hangingPunct="1">
+            <a:lvl1pPr marL="342900" indent="-342900" algn="l" defTabSz="914400" rtl="0" eaLnBrk="1" latinLnBrk="0" hangingPunct="1">
               <a:spcBef>
                 <a:spcPct val="20000"/>
               </a:spcBef>
               <a:buFont typeface="Arial" panose="020B0604020202020204" pitchFamily="34" charset="0"/>
-              <a:buNone/>
+              <a:buChar char="•"/>
               <a:defRPr sz="3200" kern="1200">
                 <a:solidFill>
-                  <a:schemeClr val="tx1">
-                    <a:tint val="75000"/>
-                  </a:schemeClr>
+                  <a:schemeClr val="tx1"/>
                 </a:solidFill>
                 <a:latin typeface="+mn-lt"/>
                 <a:ea typeface="+mn-ea"/>
                 <a:cs typeface="+mn-cs"/>
               </a:defRPr>
             </a:lvl1pPr>
-            <a:lvl2pPr marL="457200" indent="0" algn="ctr" defTabSz="914400" rtl="0" eaLnBrk="1" latinLnBrk="0" hangingPunct="1">
+            <a:lvl2pPr marL="742950" indent="-285750" algn="l" defTabSz="914400" rtl="0" eaLnBrk="1" latinLnBrk="0" hangingPunct="1">
               <a:spcBef>
                 <a:spcPct val="20000"/>
               </a:spcBef>
               <a:buFont typeface="Arial" panose="020B0604020202020204" pitchFamily="34" charset="0"/>
-              <a:buNone/>
+              <a:buChar char="–"/>
               <a:defRPr sz="2800" kern="1200">
                 <a:solidFill>
-                  <a:schemeClr val="tx1">
-                    <a:tint val="75000"/>
-                  </a:schemeClr>
+                  <a:schemeClr val="tx1"/>
                 </a:solidFill>
                 <a:latin typeface="+mn-lt"/>
                 <a:ea typeface="+mn-ea"/>
                 <a:cs typeface="+mn-cs"/>
               </a:defRPr>
             </a:lvl2pPr>
-            <a:lvl3pPr marL="914400" indent="0" algn="ctr" defTabSz="914400" rtl="0" eaLnBrk="1" latinLnBrk="0" hangingPunct="1">
+            <a:lvl3pPr marL="1143000" indent="-228600" algn="l" defTabSz="914400" rtl="0" eaLnBrk="1" latinLnBrk="0" hangingPunct="1">
               <a:spcBef>
                 <a:spcPct val="20000"/>
               </a:spcBef>
               <a:buFont typeface="Arial" panose="020B0604020202020204" pitchFamily="34" charset="0"/>
-              <a:buNone/>
+              <a:buChar char="•"/>
               <a:defRPr sz="2400" kern="1200">
                 <a:solidFill>
-                  <a:schemeClr val="tx1">
-                    <a:tint val="75000"/>
-                  </a:schemeClr>
+                  <a:schemeClr val="tx1"/>
                 </a:solidFill>
                 <a:latin typeface="+mn-lt"/>
                 <a:ea typeface="+mn-ea"/>
                 <a:cs typeface="+mn-cs"/>
               </a:defRPr>
             </a:lvl3pPr>
-            <a:lvl4pPr marL="1371600" indent="0" algn="ctr" defTabSz="914400" rtl="0" eaLnBrk="1" latinLnBrk="0" hangingPunct="1">
+            <a:lvl4pPr marL="1600200" indent="-228600" algn="l" defTabSz="914400" rtl="0" eaLnBrk="1" latinLnBrk="0" hangingPunct="1">
               <a:spcBef>
                 <a:spcPct val="20000"/>
               </a:spcBef>
               <a:buFont typeface="Arial" panose="020B0604020202020204" pitchFamily="34" charset="0"/>
-              <a:buNone/>
+              <a:buChar char="–"/>
               <a:defRPr sz="2000" kern="1200">
                 <a:solidFill>
-                  <a:schemeClr val="tx1">
-                    <a:tint val="75000"/>
-                  </a:schemeClr>
+                  <a:schemeClr val="tx1"/>
                 </a:solidFill>
                 <a:latin typeface="+mn-lt"/>
                 <a:ea typeface="+mn-ea"/>
                 <a:cs typeface="+mn-cs"/>
               </a:defRPr>
             </a:lvl4pPr>
-            <a:lvl5pPr marL="1828800" indent="0" algn="ctr" defTabSz="914400" rtl="0" eaLnBrk="1" latinLnBrk="0" hangingPunct="1">
+            <a:lvl5pPr marL="2057400" indent="-228600" algn="l" defTabSz="914400" rtl="0" eaLnBrk="1" latinLnBrk="0" hangingPunct="1">
               <a:spcBef>
                 <a:spcPct val="20000"/>
               </a:spcBef>
               <a:buFont typeface="Arial" panose="020B0604020202020204" pitchFamily="34" charset="0"/>
-              <a:buNone/>
+              <a:buChar char="»"/>
               <a:defRPr sz="2000" kern="1200">
                 <a:solidFill>
-                  <a:schemeClr val="tx1">
-                    <a:tint val="75000"/>
-                  </a:schemeClr>
+                  <a:schemeClr val="tx1"/>
                 </a:solidFill>
                 <a:latin typeface="+mn-lt"/>
                 <a:ea typeface="+mn-ea"/>
                 <a:cs typeface="+mn-cs"/>
               </a:defRPr>
             </a:lvl5pPr>
-            <a:lvl6pPr marL="2286000" indent="0" algn="ctr" defTabSz="914400" rtl="0" eaLnBrk="1" latinLnBrk="0" hangingPunct="1">
+            <a:lvl6pPr marL="2514600" indent="-228600" algn="l" defTabSz="914400" rtl="0" eaLnBrk="1" latinLnBrk="0" hangingPunct="1">
               <a:spcBef>
                 <a:spcPct val="20000"/>
               </a:spcBef>
               <a:buFont typeface="Arial" panose="020B0604020202020204" pitchFamily="34" charset="0"/>
-              <a:buNone/>
+              <a:buChar char="•"/>
               <a:defRPr sz="2000" kern="1200">
                 <a:solidFill>
-                  <a:schemeClr val="tx1">
-                    <a:tint val="75000"/>
-                  </a:schemeClr>
+                  <a:schemeClr val="tx1"/>
                 </a:solidFill>
                 <a:latin typeface="+mn-lt"/>
                 <a:ea typeface="+mn-ea"/>
                 <a:cs typeface="+mn-cs"/>
               </a:defRPr>
             </a:lvl6pPr>
-            <a:lvl7pPr marL="2743200" indent="0" algn="ctr" defTabSz="914400" rtl="0" eaLnBrk="1" latinLnBrk="0" hangingPunct="1">
+            <a:lvl7pPr marL="2971800" indent="-228600" algn="l" defTabSz="914400" rtl="0" eaLnBrk="1" latinLnBrk="0" hangingPunct="1">
               <a:spcBef>
                 <a:spcPct val="20000"/>
               </a:spcBef>
               <a:buFont typeface="Arial" panose="020B0604020202020204" pitchFamily="34" charset="0"/>
-              <a:buNone/>
+              <a:buChar char="•"/>
               <a:defRPr sz="2000" kern="1200">
                 <a:solidFill>
-                  <a:schemeClr val="tx1">
-                    <a:tint val="75000"/>
-                  </a:schemeClr>
+                  <a:schemeClr val="tx1"/>
                 </a:solidFill>
                 <a:latin typeface="+mn-lt"/>
                 <a:ea typeface="+mn-ea"/>
                 <a:cs typeface="+mn-cs"/>
               </a:defRPr>
             </a:lvl7pPr>
-            <a:lvl8pPr marL="3200400" indent="0" algn="ctr" defTabSz="914400" rtl="0" eaLnBrk="1" latinLnBrk="0" hangingPunct="1">
+            <a:lvl8pPr marL="3429000" indent="-228600" algn="l" defTabSz="914400" rtl="0" eaLnBrk="1" latinLnBrk="0" hangingPunct="1">
               <a:spcBef>
                 <a:spcPct val="20000"/>
               </a:spcBef>
               <a:buFont typeface="Arial" panose="020B0604020202020204" pitchFamily="34" charset="0"/>
-              <a:buNone/>
+              <a:buChar char="•"/>
               <a:defRPr sz="2000" kern="1200">
                 <a:solidFill>
-                  <a:schemeClr val="tx1">
-                    <a:tint val="75000"/>
-                  </a:schemeClr>
+                  <a:schemeClr val="tx1"/>
                 </a:solidFill>
                 <a:latin typeface="+mn-lt"/>
                 <a:ea typeface="+mn-ea"/>
                 <a:cs typeface="+mn-cs"/>
               </a:defRPr>
             </a:lvl8pPr>
-            <a:lvl9pPr marL="3657600" indent="0" algn="ctr" defTabSz="914400" rtl="0" eaLnBrk="1" latinLnBrk="0" hangingPunct="1">
+            <a:lvl9pPr marL="3886200" indent="-228600" algn="l" defTabSz="914400" rtl="0" eaLnBrk="1" latinLnBrk="0" hangingPunct="1">
               <a:spcBef>
                 <a:spcPct val="20000"/>
               </a:spcBef>
               <a:buFont typeface="Arial" panose="020B0604020202020204" pitchFamily="34" charset="0"/>
-              <a:buNone/>
+              <a:buChar char="•"/>
               <a:defRPr sz="2000" kern="1200">
                 <a:solidFill>
-                  <a:schemeClr val="tx1">
-                    <a:tint val="75000"/>
-                  </a:schemeClr>
+                  <a:schemeClr val="tx1"/>
                 </a:solidFill>
                 <a:latin typeface="+mn-lt"/>
                 <a:ea typeface="+mn-ea"/>
@@ -5962,30 +6365,23 @@
             </a:lvl9pPr>
           </a:lstStyle>
           <a:p>
-            <a:pPr lvl="1" algn="l"/>
-            <a:endParaRPr lang="en-IN" sz="4000" dirty="0">
-              <a:solidFill>
-                <a:srgbClr val="0055A0"/>
-              </a:solidFill>
-            </a:endParaRPr>
-          </a:p>
-          <a:p>
-            <a:pPr lvl="1" algn="l"/>
-            <a:r>
-              <a:rPr lang="en-IN" sz="4000" dirty="0">
-                <a:solidFill>
-                  <a:srgbClr val="0055A0"/>
-                </a:solidFill>
+            <a:pPr marL="0" indent="0">
+              <a:buNone/>
+            </a:pPr>
+            <a:r>
+              <a:rPr lang="en-US" sz="2400" dirty="0">
+                <a:hlinkClick r:id="rId2"/>
               </a:rPr>
-              <a:t>Thanks!</a:t>
-            </a:r>
+              <a:t>https://github.com/xavierigneous/Vehicle-Loan-Default-Prediction</a:t>
+            </a:r>
+            <a:endParaRPr lang="en-IN" sz="2400" b="1" dirty="0"/>
           </a:p>
         </p:txBody>
       </p:sp>
     </p:spTree>
     <p:extLst>
       <p:ext uri="{BB962C8B-B14F-4D97-AF65-F5344CB8AC3E}">
-        <p14:creationId xmlns:p14="http://schemas.microsoft.com/office/powerpoint/2010/main" val="3724216054"/>
+        <p14:creationId xmlns:p14="http://schemas.microsoft.com/office/powerpoint/2010/main" val="1235205643"/>
       </p:ext>
     </p:extLst>
   </p:cSld>

--- a/Vehicle Loan Default Prediction.pptx
+++ b/Vehicle Loan Default Prediction.pptx
@@ -5,7 +5,7 @@
     <p:sldMasterId id="2147483648" r:id="rId1"/>
   </p:sldMasterIdLst>
   <p:notesMasterIdLst>
-    <p:notesMasterId r:id="rId12"/>
+    <p:notesMasterId r:id="rId13"/>
   </p:notesMasterIdLst>
   <p:sldIdLst>
     <p:sldId id="328" r:id="rId2"/>
@@ -13,11 +13,12 @@
     <p:sldId id="329" r:id="rId4"/>
     <p:sldId id="257" r:id="rId5"/>
     <p:sldId id="258" r:id="rId6"/>
-    <p:sldId id="338" r:id="rId7"/>
-    <p:sldId id="335" r:id="rId8"/>
-    <p:sldId id="337" r:id="rId9"/>
-    <p:sldId id="336" r:id="rId10"/>
-    <p:sldId id="263" r:id="rId11"/>
+    <p:sldId id="259" r:id="rId7"/>
+    <p:sldId id="338" r:id="rId8"/>
+    <p:sldId id="335" r:id="rId9"/>
+    <p:sldId id="337" r:id="rId10"/>
+    <p:sldId id="336" r:id="rId11"/>
+    <p:sldId id="263" r:id="rId12"/>
   </p:sldIdLst>
   <p:sldSz cx="9144000" cy="6858000" type="screen4x3"/>
   <p:notesSz cx="6858000" cy="9144000"/>
@@ -3900,6 +3901,380 @@
       </p:grpSpPr>
       <p:sp>
         <p:nvSpPr>
+          <p:cNvPr id="2" name="Title 1">
+            <a:extLst>
+              <a:ext uri="{FF2B5EF4-FFF2-40B4-BE49-F238E27FC236}">
+                <a16:creationId xmlns:a16="http://schemas.microsoft.com/office/drawing/2014/main" id="{F6584AFD-6D6B-41BD-8AA7-E55CA8893D30}"/>
+              </a:ext>
+            </a:extLst>
+          </p:cNvPr>
+          <p:cNvSpPr>
+            <a:spLocks noGrp="1"/>
+          </p:cNvSpPr>
+          <p:nvPr>
+            <p:ph type="title"/>
+          </p:nvPr>
+        </p:nvSpPr>
+        <p:spPr>
+          <a:xfrm>
+            <a:off x="696798" y="228600"/>
+            <a:ext cx="8229600" cy="1143000"/>
+          </a:xfrm>
+        </p:spPr>
+        <p:txBody>
+          <a:bodyPr/>
+          <a:lstStyle/>
+          <a:p>
+            <a:pPr algn="l"/>
+            <a:r>
+              <a:rPr lang="en-US" dirty="0"/>
+              <a:t>Assumptions</a:t>
+            </a:r>
+          </a:p>
+        </p:txBody>
+      </p:sp>
+      <p:sp>
+        <p:nvSpPr>
+          <p:cNvPr id="3" name="Content Placeholder 2">
+            <a:extLst>
+              <a:ext uri="{FF2B5EF4-FFF2-40B4-BE49-F238E27FC236}">
+                <a16:creationId xmlns:a16="http://schemas.microsoft.com/office/drawing/2014/main" id="{1DD175B5-E4E4-4BD1-8A11-20DED898F8EA}"/>
+              </a:ext>
+            </a:extLst>
+          </p:cNvPr>
+          <p:cNvSpPr>
+            <a:spLocks noGrp="1"/>
+          </p:cNvSpPr>
+          <p:nvPr>
+            <p:ph idx="1"/>
+          </p:nvPr>
+        </p:nvSpPr>
+        <p:spPr>
+          <a:xfrm>
+            <a:off x="446988" y="1295400"/>
+            <a:ext cx="8229600" cy="2362200"/>
+          </a:xfrm>
+        </p:spPr>
+        <p:txBody>
+          <a:bodyPr>
+            <a:normAutofit/>
+          </a:bodyPr>
+          <a:lstStyle/>
+          <a:p>
+            <a:r>
+              <a:rPr lang="en-IN" sz="2400" b="1" dirty="0"/>
+              <a:t>General Assumptions: </a:t>
+            </a:r>
+          </a:p>
+          <a:p>
+            <a:pPr marL="0" indent="0">
+              <a:buNone/>
+            </a:pPr>
+            <a:r>
+              <a:rPr lang="en-IN" sz="2400" dirty="0"/>
+              <a:t>      1. No redundant data.</a:t>
+            </a:r>
+          </a:p>
+          <a:p>
+            <a:pPr marL="0" indent="0">
+              <a:buNone/>
+            </a:pPr>
+            <a:r>
+              <a:rPr lang="en-IN" sz="2400" b="1" dirty="0"/>
+              <a:t>      </a:t>
+            </a:r>
+            <a:r>
+              <a:rPr lang="en-IN" sz="2400" dirty="0"/>
+              <a:t>2.  Absence of Multicollinearity</a:t>
+            </a:r>
+          </a:p>
+          <a:p>
+            <a:r>
+              <a:rPr lang="en-IN" sz="2400" b="1" dirty="0"/>
+              <a:t>Naive Bayes</a:t>
+            </a:r>
+            <a:r>
+              <a:rPr lang="en-US" sz="2400" b="1" dirty="0"/>
+              <a:t> -  </a:t>
+            </a:r>
+            <a:r>
+              <a:rPr lang="en-US" sz="2400" dirty="0"/>
+              <a:t>Attributes are conditionally independent.</a:t>
+            </a:r>
+          </a:p>
+          <a:p>
+            <a:r>
+              <a:rPr lang="en-US" sz="2400" dirty="0"/>
+              <a:t>Decision Tree, Random Forest, KNN – No assumptions</a:t>
+            </a:r>
+          </a:p>
+          <a:p>
+            <a:endParaRPr lang="en-IN" sz="2400" b="1" dirty="0"/>
+          </a:p>
+        </p:txBody>
+      </p:sp>
+      <p:sp>
+        <p:nvSpPr>
+          <p:cNvPr id="4" name="Title 1">
+            <a:extLst>
+              <a:ext uri="{FF2B5EF4-FFF2-40B4-BE49-F238E27FC236}">
+                <a16:creationId xmlns:a16="http://schemas.microsoft.com/office/drawing/2014/main" id="{A148EF26-8D46-4B15-973B-75E03A95CDAE}"/>
+              </a:ext>
+            </a:extLst>
+          </p:cNvPr>
+          <p:cNvSpPr txBox="1">
+            <a:spLocks/>
+          </p:cNvSpPr>
+          <p:nvPr/>
+        </p:nvSpPr>
+        <p:spPr>
+          <a:xfrm>
+            <a:off x="685800" y="3657600"/>
+            <a:ext cx="8229600" cy="1143000"/>
+          </a:xfrm>
+          <a:prstGeom prst="rect">
+            <a:avLst/>
+          </a:prstGeom>
+        </p:spPr>
+        <p:txBody>
+          <a:bodyPr vert="horz" lIns="91440" tIns="45720" rIns="91440" bIns="45720" rtlCol="0" anchor="ctr">
+            <a:normAutofit/>
+          </a:bodyPr>
+          <a:lstStyle>
+            <a:lvl1pPr algn="ctr" defTabSz="914400" rtl="0" eaLnBrk="1" latinLnBrk="0" hangingPunct="1">
+              <a:spcBef>
+                <a:spcPct val="0"/>
+              </a:spcBef>
+              <a:buNone/>
+              <a:defRPr sz="4400" kern="1200">
+                <a:solidFill>
+                  <a:schemeClr val="tx1"/>
+                </a:solidFill>
+                <a:latin typeface="+mj-lt"/>
+                <a:ea typeface="+mj-ea"/>
+                <a:cs typeface="+mj-cs"/>
+              </a:defRPr>
+            </a:lvl1pPr>
+          </a:lstStyle>
+          <a:p>
+            <a:pPr algn="l"/>
+            <a:r>
+              <a:rPr lang="en-US" dirty="0"/>
+              <a:t>Reference</a:t>
+            </a:r>
+          </a:p>
+        </p:txBody>
+      </p:sp>
+      <p:sp>
+        <p:nvSpPr>
+          <p:cNvPr id="5" name="Content Placeholder 2">
+            <a:extLst>
+              <a:ext uri="{FF2B5EF4-FFF2-40B4-BE49-F238E27FC236}">
+                <a16:creationId xmlns:a16="http://schemas.microsoft.com/office/drawing/2014/main" id="{AC2B98C8-1410-4EE3-98A2-9AA56034D000}"/>
+              </a:ext>
+            </a:extLst>
+          </p:cNvPr>
+          <p:cNvSpPr txBox="1">
+            <a:spLocks/>
+          </p:cNvSpPr>
+          <p:nvPr/>
+        </p:nvSpPr>
+        <p:spPr>
+          <a:xfrm>
+            <a:off x="685800" y="4724400"/>
+            <a:ext cx="8229600" cy="4525963"/>
+          </a:xfrm>
+          <a:prstGeom prst="rect">
+            <a:avLst/>
+          </a:prstGeom>
+        </p:spPr>
+        <p:txBody>
+          <a:bodyPr vert="horz" lIns="91440" tIns="45720" rIns="91440" bIns="45720" rtlCol="0">
+            <a:normAutofit/>
+          </a:bodyPr>
+          <a:lstStyle>
+            <a:lvl1pPr marL="342900" indent="-342900" algn="l" defTabSz="914400" rtl="0" eaLnBrk="1" latinLnBrk="0" hangingPunct="1">
+              <a:spcBef>
+                <a:spcPct val="20000"/>
+              </a:spcBef>
+              <a:buFont typeface="Arial" panose="020B0604020202020204" pitchFamily="34" charset="0"/>
+              <a:buChar char="•"/>
+              <a:defRPr sz="3200" kern="1200">
+                <a:solidFill>
+                  <a:schemeClr val="tx1"/>
+                </a:solidFill>
+                <a:latin typeface="+mn-lt"/>
+                <a:ea typeface="+mn-ea"/>
+                <a:cs typeface="+mn-cs"/>
+              </a:defRPr>
+            </a:lvl1pPr>
+            <a:lvl2pPr marL="742950" indent="-285750" algn="l" defTabSz="914400" rtl="0" eaLnBrk="1" latinLnBrk="0" hangingPunct="1">
+              <a:spcBef>
+                <a:spcPct val="20000"/>
+              </a:spcBef>
+              <a:buFont typeface="Arial" panose="020B0604020202020204" pitchFamily="34" charset="0"/>
+              <a:buChar char="–"/>
+              <a:defRPr sz="2800" kern="1200">
+                <a:solidFill>
+                  <a:schemeClr val="tx1"/>
+                </a:solidFill>
+                <a:latin typeface="+mn-lt"/>
+                <a:ea typeface="+mn-ea"/>
+                <a:cs typeface="+mn-cs"/>
+              </a:defRPr>
+            </a:lvl2pPr>
+            <a:lvl3pPr marL="1143000" indent="-228600" algn="l" defTabSz="914400" rtl="0" eaLnBrk="1" latinLnBrk="0" hangingPunct="1">
+              <a:spcBef>
+                <a:spcPct val="20000"/>
+              </a:spcBef>
+              <a:buFont typeface="Arial" panose="020B0604020202020204" pitchFamily="34" charset="0"/>
+              <a:buChar char="•"/>
+              <a:defRPr sz="2400" kern="1200">
+                <a:solidFill>
+                  <a:schemeClr val="tx1"/>
+                </a:solidFill>
+                <a:latin typeface="+mn-lt"/>
+                <a:ea typeface="+mn-ea"/>
+                <a:cs typeface="+mn-cs"/>
+              </a:defRPr>
+            </a:lvl3pPr>
+            <a:lvl4pPr marL="1600200" indent="-228600" algn="l" defTabSz="914400" rtl="0" eaLnBrk="1" latinLnBrk="0" hangingPunct="1">
+              <a:spcBef>
+                <a:spcPct val="20000"/>
+              </a:spcBef>
+              <a:buFont typeface="Arial" panose="020B0604020202020204" pitchFamily="34" charset="0"/>
+              <a:buChar char="–"/>
+              <a:defRPr sz="2000" kern="1200">
+                <a:solidFill>
+                  <a:schemeClr val="tx1"/>
+                </a:solidFill>
+                <a:latin typeface="+mn-lt"/>
+                <a:ea typeface="+mn-ea"/>
+                <a:cs typeface="+mn-cs"/>
+              </a:defRPr>
+            </a:lvl4pPr>
+            <a:lvl5pPr marL="2057400" indent="-228600" algn="l" defTabSz="914400" rtl="0" eaLnBrk="1" latinLnBrk="0" hangingPunct="1">
+              <a:spcBef>
+                <a:spcPct val="20000"/>
+              </a:spcBef>
+              <a:buFont typeface="Arial" panose="020B0604020202020204" pitchFamily="34" charset="0"/>
+              <a:buChar char="»"/>
+              <a:defRPr sz="2000" kern="1200">
+                <a:solidFill>
+                  <a:schemeClr val="tx1"/>
+                </a:solidFill>
+                <a:latin typeface="+mn-lt"/>
+                <a:ea typeface="+mn-ea"/>
+                <a:cs typeface="+mn-cs"/>
+              </a:defRPr>
+            </a:lvl5pPr>
+            <a:lvl6pPr marL="2514600" indent="-228600" algn="l" defTabSz="914400" rtl="0" eaLnBrk="1" latinLnBrk="0" hangingPunct="1">
+              <a:spcBef>
+                <a:spcPct val="20000"/>
+              </a:spcBef>
+              <a:buFont typeface="Arial" panose="020B0604020202020204" pitchFamily="34" charset="0"/>
+              <a:buChar char="•"/>
+              <a:defRPr sz="2000" kern="1200">
+                <a:solidFill>
+                  <a:schemeClr val="tx1"/>
+                </a:solidFill>
+                <a:latin typeface="+mn-lt"/>
+                <a:ea typeface="+mn-ea"/>
+                <a:cs typeface="+mn-cs"/>
+              </a:defRPr>
+            </a:lvl6pPr>
+            <a:lvl7pPr marL="2971800" indent="-228600" algn="l" defTabSz="914400" rtl="0" eaLnBrk="1" latinLnBrk="0" hangingPunct="1">
+              <a:spcBef>
+                <a:spcPct val="20000"/>
+              </a:spcBef>
+              <a:buFont typeface="Arial" panose="020B0604020202020204" pitchFamily="34" charset="0"/>
+              <a:buChar char="•"/>
+              <a:defRPr sz="2000" kern="1200">
+                <a:solidFill>
+                  <a:schemeClr val="tx1"/>
+                </a:solidFill>
+                <a:latin typeface="+mn-lt"/>
+                <a:ea typeface="+mn-ea"/>
+                <a:cs typeface="+mn-cs"/>
+              </a:defRPr>
+            </a:lvl7pPr>
+            <a:lvl8pPr marL="3429000" indent="-228600" algn="l" defTabSz="914400" rtl="0" eaLnBrk="1" latinLnBrk="0" hangingPunct="1">
+              <a:spcBef>
+                <a:spcPct val="20000"/>
+              </a:spcBef>
+              <a:buFont typeface="Arial" panose="020B0604020202020204" pitchFamily="34" charset="0"/>
+              <a:buChar char="•"/>
+              <a:defRPr sz="2000" kern="1200">
+                <a:solidFill>
+                  <a:schemeClr val="tx1"/>
+                </a:solidFill>
+                <a:latin typeface="+mn-lt"/>
+                <a:ea typeface="+mn-ea"/>
+                <a:cs typeface="+mn-cs"/>
+              </a:defRPr>
+            </a:lvl8pPr>
+            <a:lvl9pPr marL="3886200" indent="-228600" algn="l" defTabSz="914400" rtl="0" eaLnBrk="1" latinLnBrk="0" hangingPunct="1">
+              <a:spcBef>
+                <a:spcPct val="20000"/>
+              </a:spcBef>
+              <a:buFont typeface="Arial" panose="020B0604020202020204" pitchFamily="34" charset="0"/>
+              <a:buChar char="•"/>
+              <a:defRPr sz="2000" kern="1200">
+                <a:solidFill>
+                  <a:schemeClr val="tx1"/>
+                </a:solidFill>
+                <a:latin typeface="+mn-lt"/>
+                <a:ea typeface="+mn-ea"/>
+                <a:cs typeface="+mn-cs"/>
+              </a:defRPr>
+            </a:lvl9pPr>
+          </a:lstStyle>
+          <a:p>
+            <a:pPr marL="0" indent="0">
+              <a:buNone/>
+            </a:pPr>
+            <a:r>
+              <a:rPr lang="en-US" sz="2400" dirty="0">
+                <a:hlinkClick r:id="rId2"/>
+              </a:rPr>
+              <a:t>https://github.com/xavierigneous/Vehicle-Loan-Default-Prediction</a:t>
+            </a:r>
+            <a:endParaRPr lang="en-IN" sz="2400" b="1" dirty="0"/>
+          </a:p>
+        </p:txBody>
+      </p:sp>
+    </p:spTree>
+    <p:extLst>
+      <p:ext uri="{BB962C8B-B14F-4D97-AF65-F5344CB8AC3E}">
+        <p14:creationId xmlns:p14="http://schemas.microsoft.com/office/powerpoint/2010/main" val="1235205643"/>
+      </p:ext>
+    </p:extLst>
+  </p:cSld>
+  <p:clrMapOvr>
+    <a:masterClrMapping/>
+  </p:clrMapOvr>
+</p:sld>
+</file>
+
+<file path=ppt/slides/slide11.xml><?xml version="1.0" encoding="utf-8"?>
+<p:sld xmlns:a="http://schemas.openxmlformats.org/drawingml/2006/main" xmlns:r="http://schemas.openxmlformats.org/officeDocument/2006/relationships" xmlns:p="http://schemas.openxmlformats.org/presentationml/2006/main">
+  <p:cSld>
+    <p:spTree>
+      <p:nvGrpSpPr>
+        <p:cNvPr id="1" name=""/>
+        <p:cNvGrpSpPr/>
+        <p:nvPr/>
+      </p:nvGrpSpPr>
+      <p:grpSpPr>
+        <a:xfrm>
+          <a:off x="0" y="0"/>
+          <a:ext cx="0" cy="0"/>
+          <a:chOff x="0" y="0"/>
+          <a:chExt cx="0" cy="0"/>
+        </a:xfrm>
+      </p:grpSpPr>
+      <p:sp>
+        <p:nvSpPr>
           <p:cNvPr id="4" name="Round Diagonal Corner Rectangle 3"/>
           <p:cNvSpPr/>
           <p:nvPr/>
@@ -5237,6 +5612,206 @@
       </p:grpSpPr>
       <p:sp>
         <p:nvSpPr>
+          <p:cNvPr id="2" name="Title 1"/>
+          <p:cNvSpPr>
+            <a:spLocks noGrp="1"/>
+          </p:cNvSpPr>
+          <p:nvPr>
+            <p:ph type="title"/>
+          </p:nvPr>
+        </p:nvSpPr>
+        <p:spPr>
+          <a:xfrm>
+            <a:off x="628650" y="457200"/>
+            <a:ext cx="8134350" cy="1459298"/>
+          </a:xfrm>
+        </p:spPr>
+        <p:txBody>
+          <a:bodyPr>
+            <a:normAutofit fontScale="90000"/>
+          </a:bodyPr>
+          <a:lstStyle/>
+          <a:p>
+            <a:pPr algn="l"/>
+            <a:br>
+              <a:rPr lang="en-IN" sz="2700" dirty="0"/>
+            </a:br>
+            <a:r>
+              <a:rPr lang="en-IN" sz="2700" dirty="0"/>
+              <a:t>Box plot on significant feature:</a:t>
+            </a:r>
+            <a:br>
+              <a:rPr lang="en-IN" sz="1650" dirty="0">
+                <a:latin typeface="Arial Rounded MT Bold" panose="020F0704030504030204" pitchFamily="34" charset="0"/>
+              </a:rPr>
+            </a:br>
+            <a:br>
+              <a:rPr lang="en-IN" sz="1650" dirty="0">
+                <a:latin typeface="Arial Rounded MT Bold" panose="020F0704030504030204" pitchFamily="34" charset="0"/>
+              </a:rPr>
+            </a:br>
+            <a:r>
+              <a:rPr lang="en-IN" sz="2000" dirty="0">
+                <a:latin typeface="+mn-lt"/>
+              </a:rPr>
+              <a:t>Significant features like disbursed amount and asset amount plotted with loan defaulters, here the distribution is almost same shows no correlation with the target variable.</a:t>
+            </a:r>
+            <a:br>
+              <a:rPr lang="en-IN" sz="2000" dirty="0">
+                <a:latin typeface="+mn-lt"/>
+              </a:rPr>
+            </a:br>
+            <a:endParaRPr lang="en-IN" sz="2000" dirty="0">
+              <a:latin typeface="+mn-lt"/>
+            </a:endParaRPr>
+          </a:p>
+        </p:txBody>
+      </p:sp>
+      <p:pic>
+        <p:nvPicPr>
+          <p:cNvPr id="4" name="Content Placeholder 3"/>
+          <p:cNvPicPr>
+            <a:picLocks noGrp="1" noChangeAspect="1"/>
+          </p:cNvPicPr>
+          <p:nvPr>
+            <p:ph idx="1"/>
+          </p:nvPr>
+        </p:nvPicPr>
+        <p:blipFill>
+          <a:blip r:embed="rId2">
+            <a:extLst>
+              <a:ext uri="{28A0092B-C50C-407E-A947-70E740481C1C}">
+                <a14:useLocalDpi xmlns:a14="http://schemas.microsoft.com/office/drawing/2010/main" val="0"/>
+              </a:ext>
+            </a:extLst>
+          </a:blip>
+          <a:stretch>
+            <a:fillRect/>
+          </a:stretch>
+        </p:blipFill>
+        <p:spPr>
+          <a:xfrm>
+            <a:off x="628650" y="1916498"/>
+            <a:ext cx="3434392" cy="2050930"/>
+          </a:xfrm>
+        </p:spPr>
+      </p:pic>
+      <p:pic>
+        <p:nvPicPr>
+          <p:cNvPr id="5" name="Picture 4"/>
+          <p:cNvPicPr>
+            <a:picLocks noChangeAspect="1"/>
+          </p:cNvPicPr>
+          <p:nvPr/>
+        </p:nvPicPr>
+        <p:blipFill>
+          <a:blip r:embed="rId3">
+            <a:extLst>
+              <a:ext uri="{28A0092B-C50C-407E-A947-70E740481C1C}">
+                <a14:useLocalDpi xmlns:a14="http://schemas.microsoft.com/office/drawing/2010/main" val="0"/>
+              </a:ext>
+            </a:extLst>
+          </a:blip>
+          <a:stretch>
+            <a:fillRect/>
+          </a:stretch>
+        </p:blipFill>
+        <p:spPr>
+          <a:xfrm>
+            <a:off x="4787660" y="1834192"/>
+            <a:ext cx="3202557" cy="2093297"/>
+          </a:xfrm>
+          <a:prstGeom prst="rect">
+            <a:avLst/>
+          </a:prstGeom>
+        </p:spPr>
+      </p:pic>
+      <p:sp>
+        <p:nvSpPr>
+          <p:cNvPr id="6" name="Rectangle 5"/>
+          <p:cNvSpPr/>
+          <p:nvPr/>
+        </p:nvSpPr>
+        <p:spPr>
+          <a:xfrm>
+            <a:off x="517585" y="4273541"/>
+            <a:ext cx="7142672" cy="2123658"/>
+          </a:xfrm>
+          <a:prstGeom prst="rect">
+            <a:avLst/>
+          </a:prstGeom>
+        </p:spPr>
+        <p:txBody>
+          <a:bodyPr wrap="square">
+            <a:spAutoFit/>
+          </a:bodyPr>
+          <a:lstStyle/>
+          <a:p>
+            <a:r>
+              <a:rPr lang="en-IN" sz="2400" b="1" dirty="0"/>
+              <a:t>Multi collinearity check:</a:t>
+            </a:r>
+          </a:p>
+          <a:p>
+            <a:endParaRPr lang="en-IN" dirty="0"/>
+          </a:p>
+          <a:p>
+            <a:pPr marL="214313" indent="-214313">
+              <a:buFont typeface="Arial" panose="020B0604020202020204" pitchFamily="34" charset="0"/>
+              <a:buChar char="•"/>
+            </a:pPr>
+            <a:r>
+              <a:rPr lang="en-IN" dirty="0"/>
+              <a:t>Multi collinearity check is performed.</a:t>
+            </a:r>
+          </a:p>
+          <a:p>
+            <a:endParaRPr lang="en-IN" dirty="0"/>
+          </a:p>
+          <a:p>
+            <a:pPr marL="214313" indent="-214313">
+              <a:buFont typeface="Arial" panose="020B0604020202020204" pitchFamily="34" charset="0"/>
+              <a:buChar char="•"/>
+            </a:pPr>
+            <a:r>
+              <a:rPr lang="en-IN" dirty="0"/>
+              <a:t> Features like primary disbursed amount, secondary sanctioned amount and secondary disbursed amount is highly correlated with target variable.</a:t>
+            </a:r>
+          </a:p>
+        </p:txBody>
+      </p:sp>
+    </p:spTree>
+    <p:extLst>
+      <p:ext uri="{BB962C8B-B14F-4D97-AF65-F5344CB8AC3E}">
+        <p14:creationId xmlns:p14="http://schemas.microsoft.com/office/powerpoint/2010/main" val="4214860241"/>
+      </p:ext>
+    </p:extLst>
+  </p:cSld>
+  <p:clrMapOvr>
+    <a:masterClrMapping/>
+  </p:clrMapOvr>
+</p:sld>
+</file>
+
+<file path=ppt/slides/slide7.xml><?xml version="1.0" encoding="utf-8"?>
+<p:sld xmlns:a="http://schemas.openxmlformats.org/drawingml/2006/main" xmlns:r="http://schemas.openxmlformats.org/officeDocument/2006/relationships" xmlns:p="http://schemas.openxmlformats.org/presentationml/2006/main">
+  <p:cSld>
+    <p:spTree>
+      <p:nvGrpSpPr>
+        <p:cNvPr id="1" name=""/>
+        <p:cNvGrpSpPr/>
+        <p:nvPr/>
+      </p:nvGrpSpPr>
+      <p:grpSpPr>
+        <a:xfrm>
+          <a:off x="0" y="0"/>
+          <a:ext cx="0" cy="0"/>
+          <a:chOff x="0" y="0"/>
+          <a:chExt cx="0" cy="0"/>
+        </a:xfrm>
+      </p:grpSpPr>
+      <p:sp>
+        <p:nvSpPr>
           <p:cNvPr id="2" name="Title 1">
             <a:extLst>
               <a:ext uri="{FF2B5EF4-FFF2-40B4-BE49-F238E27FC236}">
@@ -5386,7 +5961,7 @@
 </p:sld>
 </file>
 
-<file path=ppt/slides/slide7.xml><?xml version="1.0" encoding="utf-8"?>
+<file path=ppt/slides/slide8.xml><?xml version="1.0" encoding="utf-8"?>
 <p:sld xmlns:a="http://schemas.openxmlformats.org/drawingml/2006/main" xmlns:r="http://schemas.openxmlformats.org/officeDocument/2006/relationships" xmlns:p="http://schemas.openxmlformats.org/presentationml/2006/main">
   <p:cSld>
     <p:spTree>
@@ -5855,168 +6430,6 @@
 </p:sld>
 </file>
 
-<file path=ppt/slides/slide8.xml><?xml version="1.0" encoding="utf-8"?>
-<p:sld xmlns:a="http://schemas.openxmlformats.org/drawingml/2006/main" xmlns:r="http://schemas.openxmlformats.org/officeDocument/2006/relationships" xmlns:p="http://schemas.openxmlformats.org/presentationml/2006/main">
-  <p:cSld>
-    <p:spTree>
-      <p:nvGrpSpPr>
-        <p:cNvPr id="1" name=""/>
-        <p:cNvGrpSpPr/>
-        <p:nvPr/>
-      </p:nvGrpSpPr>
-      <p:grpSpPr>
-        <a:xfrm>
-          <a:off x="0" y="0"/>
-          <a:ext cx="0" cy="0"/>
-          <a:chOff x="0" y="0"/>
-          <a:chExt cx="0" cy="0"/>
-        </a:xfrm>
-      </p:grpSpPr>
-      <p:sp>
-        <p:nvSpPr>
-          <p:cNvPr id="2" name="Title 1">
-            <a:extLst>
-              <a:ext uri="{FF2B5EF4-FFF2-40B4-BE49-F238E27FC236}">
-                <a16:creationId xmlns:a16="http://schemas.microsoft.com/office/drawing/2014/main" id="{541A397E-F577-49FF-BC80-010E4660590D}"/>
-              </a:ext>
-            </a:extLst>
-          </p:cNvPr>
-          <p:cNvSpPr>
-            <a:spLocks noGrp="1"/>
-          </p:cNvSpPr>
-          <p:nvPr>
-            <p:ph type="title"/>
-          </p:nvPr>
-        </p:nvSpPr>
-        <p:spPr/>
-        <p:txBody>
-          <a:bodyPr/>
-          <a:lstStyle/>
-          <a:p>
-            <a:pPr algn="l"/>
-            <a:r>
-              <a:rPr lang="en-US" dirty="0"/>
-              <a:t>Feature Engineering</a:t>
-            </a:r>
-          </a:p>
-        </p:txBody>
-      </p:sp>
-      <p:sp>
-        <p:nvSpPr>
-          <p:cNvPr id="3" name="Content Placeholder 2">
-            <a:extLst>
-              <a:ext uri="{FF2B5EF4-FFF2-40B4-BE49-F238E27FC236}">
-                <a16:creationId xmlns:a16="http://schemas.microsoft.com/office/drawing/2014/main" id="{4887195E-57E5-4EF2-9755-BE81F07132A4}"/>
-              </a:ext>
-            </a:extLst>
-          </p:cNvPr>
-          <p:cNvSpPr>
-            <a:spLocks noGrp="1"/>
-          </p:cNvSpPr>
-          <p:nvPr>
-            <p:ph idx="1"/>
-          </p:nvPr>
-        </p:nvSpPr>
-        <p:spPr/>
-        <p:txBody>
-          <a:bodyPr>
-            <a:normAutofit/>
-          </a:bodyPr>
-          <a:lstStyle/>
-          <a:p>
-            <a:pPr marL="0" indent="0">
-              <a:buNone/>
-            </a:pPr>
-            <a:r>
-              <a:rPr lang="en-IN" sz="2400" dirty="0"/>
-              <a:t>1. </a:t>
-            </a:r>
-            <a:r>
-              <a:rPr lang="en-IN" sz="2400" b="1" dirty="0"/>
-              <a:t>Transformations</a:t>
-            </a:r>
-            <a:r>
-              <a:rPr lang="en-IN" sz="2400" dirty="0"/>
-              <a:t> :</a:t>
-            </a:r>
-          </a:p>
-          <a:p>
-            <a:pPr marL="0" indent="0">
-              <a:buNone/>
-            </a:pPr>
-            <a:r>
-              <a:rPr lang="en-IN" sz="2400" dirty="0"/>
-              <a:t>Yes . Since the data is not normally distributed (Highly right skewed), We tried Log transform, Sqrt transform.</a:t>
-            </a:r>
-          </a:p>
-          <a:p>
-            <a:pPr marL="0" indent="0">
-              <a:buNone/>
-            </a:pPr>
-            <a:r>
-              <a:rPr lang="en-IN" sz="2400" dirty="0"/>
-              <a:t>2. </a:t>
-            </a:r>
-            <a:r>
-              <a:rPr lang="en-IN" sz="2400" b="1" dirty="0"/>
-              <a:t>Scaling the data </a:t>
-            </a:r>
-            <a:r>
-              <a:rPr lang="en-IN" sz="2400" dirty="0"/>
-              <a:t>:</a:t>
-            </a:r>
-          </a:p>
-          <a:p>
-            <a:pPr marL="0" indent="0">
-              <a:buNone/>
-            </a:pPr>
-            <a:r>
-              <a:rPr lang="en-IN" sz="2400" dirty="0"/>
-              <a:t>Yes, the data has been scaled.</a:t>
-            </a:r>
-          </a:p>
-          <a:p>
-            <a:pPr marL="0" indent="0">
-              <a:buNone/>
-            </a:pPr>
-            <a:r>
-              <a:rPr lang="en-IN" sz="2400" dirty="0"/>
-              <a:t>3. </a:t>
-            </a:r>
-            <a:r>
-              <a:rPr lang="en-IN" sz="2400" b="1" dirty="0"/>
-              <a:t>Dimensionality reduction </a:t>
-            </a:r>
-            <a:r>
-              <a:rPr lang="en-IN" sz="2400" dirty="0"/>
-              <a:t>:</a:t>
-            </a:r>
-          </a:p>
-          <a:p>
-            <a:pPr marL="0" indent="0">
-              <a:buNone/>
-            </a:pPr>
-            <a:r>
-              <a:rPr lang="en-IN" sz="2400" dirty="0"/>
-              <a:t> Since there is no multicollinearity in our data, We haven’t done PCA.</a:t>
-            </a:r>
-            <a:endParaRPr lang="en-US" sz="2400" dirty="0"/>
-          </a:p>
-        </p:txBody>
-      </p:sp>
-    </p:spTree>
-    <p:extLst>
-      <p:ext uri="{BB962C8B-B14F-4D97-AF65-F5344CB8AC3E}">
-        <p14:creationId xmlns:p14="http://schemas.microsoft.com/office/powerpoint/2010/main" val="3227524239"/>
-      </p:ext>
-    </p:extLst>
-  </p:cSld>
-  <p:clrMapOvr>
-    <a:masterClrMapping/>
-  </p:clrMapOvr>
-</p:sld>
-</file>
-
 <file path=ppt/slides/slide9.xml><?xml version="1.0" encoding="utf-8"?>
 <p:sld xmlns:a="http://schemas.openxmlformats.org/drawingml/2006/main" xmlns:r="http://schemas.openxmlformats.org/officeDocument/2006/relationships" xmlns:p="http://schemas.openxmlformats.org/presentationml/2006/main">
   <p:cSld>
@@ -6039,7 +6452,7 @@
           <p:cNvPr id="2" name="Title 1">
             <a:extLst>
               <a:ext uri="{FF2B5EF4-FFF2-40B4-BE49-F238E27FC236}">
-                <a16:creationId xmlns:a16="http://schemas.microsoft.com/office/drawing/2014/main" id="{F6584AFD-6D6B-41BD-8AA7-E55CA8893D30}"/>
+                <a16:creationId xmlns:a16="http://schemas.microsoft.com/office/drawing/2014/main" id="{541A397E-F577-49FF-BC80-010E4660590D}"/>
               </a:ext>
             </a:extLst>
           </p:cNvPr>
@@ -6050,12 +6463,7 @@
             <p:ph type="title"/>
           </p:nvPr>
         </p:nvSpPr>
-        <p:spPr>
-          <a:xfrm>
-            <a:off x="696798" y="228600"/>
-            <a:ext cx="8229600" cy="1143000"/>
-          </a:xfrm>
-        </p:spPr>
+        <p:spPr/>
         <p:txBody>
           <a:bodyPr/>
           <a:lstStyle/>
@@ -6063,7 +6471,7 @@
             <a:pPr algn="l"/>
             <a:r>
               <a:rPr lang="en-US" dirty="0"/>
-              <a:t>Assumptions</a:t>
+              <a:t>Feature Engineering</a:t>
             </a:r>
           </a:p>
         </p:txBody>
@@ -6073,7 +6481,7 @@
           <p:cNvPr id="3" name="Content Placeholder 2">
             <a:extLst>
               <a:ext uri="{FF2B5EF4-FFF2-40B4-BE49-F238E27FC236}">
-                <a16:creationId xmlns:a16="http://schemas.microsoft.com/office/drawing/2014/main" id="{1DD175B5-E4E4-4BD1-8A11-20DED898F8EA}"/>
+                <a16:creationId xmlns:a16="http://schemas.microsoft.com/office/drawing/2014/main" id="{4887195E-57E5-4EF2-9755-BE81F07132A4}"/>
               </a:ext>
             </a:extLst>
           </p:cNvPr>
@@ -6084,21 +6492,27 @@
             <p:ph idx="1"/>
           </p:nvPr>
         </p:nvSpPr>
-        <p:spPr>
-          <a:xfrm>
-            <a:off x="446988" y="1295400"/>
-            <a:ext cx="8229600" cy="2362200"/>
-          </a:xfrm>
-        </p:spPr>
+        <p:spPr/>
         <p:txBody>
           <a:bodyPr>
             <a:normAutofit/>
           </a:bodyPr>
           <a:lstStyle/>
           <a:p>
+            <a:pPr marL="0" indent="0">
+              <a:buNone/>
+            </a:pPr>
+            <a:r>
+              <a:rPr lang="en-IN" sz="2400" dirty="0"/>
+              <a:t>1. </a:t>
+            </a:r>
             <a:r>
               <a:rPr lang="en-IN" sz="2400" b="1" dirty="0"/>
-              <a:t>General Assumptions: </a:t>
+              <a:t>Transformations</a:t>
+            </a:r>
+            <a:r>
+              <a:rPr lang="en-IN" sz="2400" dirty="0"/>
+              <a:t> :</a:t>
             </a:r>
           </a:p>
           <a:p>
@@ -6107,7 +6521,7 @@
             </a:pPr>
             <a:r>
               <a:rPr lang="en-IN" sz="2400" dirty="0"/>
-              <a:t>      1. No redundant data.</a:t>
+              <a:t>Yes . Since the data is not normally distributed (Highly right skewed), We tried Log transform, Sqrt transform.</a:t>
             </a:r>
           </a:p>
           <a:p>
@@ -6115,273 +6529,60 @@
               <a:buNone/>
             </a:pPr>
             <a:r>
+              <a:rPr lang="en-IN" sz="2400" dirty="0"/>
+              <a:t>2. </a:t>
+            </a:r>
+            <a:r>
               <a:rPr lang="en-IN" sz="2400" b="1" dirty="0"/>
-              <a:t>      </a:t>
+              <a:t>Scaling the data </a:t>
             </a:r>
             <a:r>
               <a:rPr lang="en-IN" sz="2400" dirty="0"/>
-              <a:t>2.  Absence of Multicollinearity</a:t>
-            </a:r>
-          </a:p>
-          <a:p>
+              <a:t>:</a:t>
+            </a:r>
+          </a:p>
+          <a:p>
+            <a:pPr marL="0" indent="0">
+              <a:buNone/>
+            </a:pPr>
+            <a:r>
+              <a:rPr lang="en-IN" sz="2400" dirty="0"/>
+              <a:t>Yes, the data has been scaled.</a:t>
+            </a:r>
+          </a:p>
+          <a:p>
+            <a:pPr marL="0" indent="0">
+              <a:buNone/>
+            </a:pPr>
+            <a:r>
+              <a:rPr lang="en-IN" sz="2400" dirty="0"/>
+              <a:t>3. </a:t>
+            </a:r>
             <a:r>
               <a:rPr lang="en-IN" sz="2400" b="1" dirty="0"/>
-              <a:t>Naive Bayes</a:t>
-            </a:r>
-            <a:r>
-              <a:rPr lang="en-US" sz="2400" b="1" dirty="0"/>
-              <a:t> -  </a:t>
-            </a:r>
+              <a:t>Dimensionality reduction </a:t>
+            </a:r>
+            <a:r>
+              <a:rPr lang="en-IN" sz="2400" dirty="0"/>
+              <a:t>:</a:t>
+            </a:r>
+          </a:p>
+          <a:p>
+            <a:pPr marL="0" indent="0">
+              <a:buNone/>
+            </a:pPr>
             <a:r>
               <a:rPr lang="en-US" sz="2400" dirty="0"/>
-              <a:t>Attributes are conditionally independent.</a:t>
-            </a:r>
-          </a:p>
-          <a:p>
-            <a:r>
-              <a:rPr lang="en-US" sz="2400" dirty="0"/>
-              <a:t>Decision Tree, Random Forest, KNN – No assumptions</a:t>
-            </a:r>
-          </a:p>
-          <a:p>
-            <a:endParaRPr lang="en-IN" sz="2400" b="1" dirty="0"/>
-          </a:p>
-        </p:txBody>
-      </p:sp>
-      <p:sp>
-        <p:nvSpPr>
-          <p:cNvPr id="4" name="Title 1">
-            <a:extLst>
-              <a:ext uri="{FF2B5EF4-FFF2-40B4-BE49-F238E27FC236}">
-                <a16:creationId xmlns:a16="http://schemas.microsoft.com/office/drawing/2014/main" id="{A148EF26-8D46-4B15-973B-75E03A95CDAE}"/>
-              </a:ext>
-            </a:extLst>
-          </p:cNvPr>
-          <p:cNvSpPr txBox="1">
-            <a:spLocks/>
-          </p:cNvSpPr>
-          <p:nvPr/>
-        </p:nvSpPr>
-        <p:spPr>
-          <a:xfrm>
-            <a:off x="685800" y="3657600"/>
-            <a:ext cx="8229600" cy="1143000"/>
-          </a:xfrm>
-          <a:prstGeom prst="rect">
-            <a:avLst/>
-          </a:prstGeom>
-        </p:spPr>
-        <p:txBody>
-          <a:bodyPr vert="horz" lIns="91440" tIns="45720" rIns="91440" bIns="45720" rtlCol="0" anchor="ctr">
-            <a:normAutofit/>
-          </a:bodyPr>
-          <a:lstStyle>
-            <a:lvl1pPr algn="ctr" defTabSz="914400" rtl="0" eaLnBrk="1" latinLnBrk="0" hangingPunct="1">
-              <a:spcBef>
-                <a:spcPct val="0"/>
-              </a:spcBef>
-              <a:buNone/>
-              <a:defRPr sz="4400" kern="1200">
-                <a:solidFill>
-                  <a:schemeClr val="tx1"/>
-                </a:solidFill>
-                <a:latin typeface="+mj-lt"/>
-                <a:ea typeface="+mj-ea"/>
-                <a:cs typeface="+mj-cs"/>
-              </a:defRPr>
-            </a:lvl1pPr>
-          </a:lstStyle>
-          <a:p>
-            <a:pPr algn="l"/>
-            <a:r>
-              <a:rPr lang="en-US" dirty="0"/>
-              <a:t>Reference</a:t>
-            </a:r>
-          </a:p>
-        </p:txBody>
-      </p:sp>
-      <p:sp>
-        <p:nvSpPr>
-          <p:cNvPr id="5" name="Content Placeholder 2">
-            <a:extLst>
-              <a:ext uri="{FF2B5EF4-FFF2-40B4-BE49-F238E27FC236}">
-                <a16:creationId xmlns:a16="http://schemas.microsoft.com/office/drawing/2014/main" id="{AC2B98C8-1410-4EE3-98A2-9AA56034D000}"/>
-              </a:ext>
-            </a:extLst>
-          </p:cNvPr>
-          <p:cNvSpPr txBox="1">
-            <a:spLocks/>
-          </p:cNvSpPr>
-          <p:nvPr/>
-        </p:nvSpPr>
-        <p:spPr>
-          <a:xfrm>
-            <a:off x="685800" y="4724400"/>
-            <a:ext cx="8229600" cy="4525963"/>
-          </a:xfrm>
-          <a:prstGeom prst="rect">
-            <a:avLst/>
-          </a:prstGeom>
-        </p:spPr>
-        <p:txBody>
-          <a:bodyPr vert="horz" lIns="91440" tIns="45720" rIns="91440" bIns="45720" rtlCol="0">
-            <a:normAutofit/>
-          </a:bodyPr>
-          <a:lstStyle>
-            <a:lvl1pPr marL="342900" indent="-342900" algn="l" defTabSz="914400" rtl="0" eaLnBrk="1" latinLnBrk="0" hangingPunct="1">
-              <a:spcBef>
-                <a:spcPct val="20000"/>
-              </a:spcBef>
-              <a:buFont typeface="Arial" panose="020B0604020202020204" pitchFamily="34" charset="0"/>
-              <a:buChar char="•"/>
-              <a:defRPr sz="3200" kern="1200">
-                <a:solidFill>
-                  <a:schemeClr val="tx1"/>
-                </a:solidFill>
-                <a:latin typeface="+mn-lt"/>
-                <a:ea typeface="+mn-ea"/>
-                <a:cs typeface="+mn-cs"/>
-              </a:defRPr>
-            </a:lvl1pPr>
-            <a:lvl2pPr marL="742950" indent="-285750" algn="l" defTabSz="914400" rtl="0" eaLnBrk="1" latinLnBrk="0" hangingPunct="1">
-              <a:spcBef>
-                <a:spcPct val="20000"/>
-              </a:spcBef>
-              <a:buFont typeface="Arial" panose="020B0604020202020204" pitchFamily="34" charset="0"/>
-              <a:buChar char="–"/>
-              <a:defRPr sz="2800" kern="1200">
-                <a:solidFill>
-                  <a:schemeClr val="tx1"/>
-                </a:solidFill>
-                <a:latin typeface="+mn-lt"/>
-                <a:ea typeface="+mn-ea"/>
-                <a:cs typeface="+mn-cs"/>
-              </a:defRPr>
-            </a:lvl2pPr>
-            <a:lvl3pPr marL="1143000" indent="-228600" algn="l" defTabSz="914400" rtl="0" eaLnBrk="1" latinLnBrk="0" hangingPunct="1">
-              <a:spcBef>
-                <a:spcPct val="20000"/>
-              </a:spcBef>
-              <a:buFont typeface="Arial" panose="020B0604020202020204" pitchFamily="34" charset="0"/>
-              <a:buChar char="•"/>
-              <a:defRPr sz="2400" kern="1200">
-                <a:solidFill>
-                  <a:schemeClr val="tx1"/>
-                </a:solidFill>
-                <a:latin typeface="+mn-lt"/>
-                <a:ea typeface="+mn-ea"/>
-                <a:cs typeface="+mn-cs"/>
-              </a:defRPr>
-            </a:lvl3pPr>
-            <a:lvl4pPr marL="1600200" indent="-228600" algn="l" defTabSz="914400" rtl="0" eaLnBrk="1" latinLnBrk="0" hangingPunct="1">
-              <a:spcBef>
-                <a:spcPct val="20000"/>
-              </a:spcBef>
-              <a:buFont typeface="Arial" panose="020B0604020202020204" pitchFamily="34" charset="0"/>
-              <a:buChar char="–"/>
-              <a:defRPr sz="2000" kern="1200">
-                <a:solidFill>
-                  <a:schemeClr val="tx1"/>
-                </a:solidFill>
-                <a:latin typeface="+mn-lt"/>
-                <a:ea typeface="+mn-ea"/>
-                <a:cs typeface="+mn-cs"/>
-              </a:defRPr>
-            </a:lvl4pPr>
-            <a:lvl5pPr marL="2057400" indent="-228600" algn="l" defTabSz="914400" rtl="0" eaLnBrk="1" latinLnBrk="0" hangingPunct="1">
-              <a:spcBef>
-                <a:spcPct val="20000"/>
-              </a:spcBef>
-              <a:buFont typeface="Arial" panose="020B0604020202020204" pitchFamily="34" charset="0"/>
-              <a:buChar char="»"/>
-              <a:defRPr sz="2000" kern="1200">
-                <a:solidFill>
-                  <a:schemeClr val="tx1"/>
-                </a:solidFill>
-                <a:latin typeface="+mn-lt"/>
-                <a:ea typeface="+mn-ea"/>
-                <a:cs typeface="+mn-cs"/>
-              </a:defRPr>
-            </a:lvl5pPr>
-            <a:lvl6pPr marL="2514600" indent="-228600" algn="l" defTabSz="914400" rtl="0" eaLnBrk="1" latinLnBrk="0" hangingPunct="1">
-              <a:spcBef>
-                <a:spcPct val="20000"/>
-              </a:spcBef>
-              <a:buFont typeface="Arial" panose="020B0604020202020204" pitchFamily="34" charset="0"/>
-              <a:buChar char="•"/>
-              <a:defRPr sz="2000" kern="1200">
-                <a:solidFill>
-                  <a:schemeClr val="tx1"/>
-                </a:solidFill>
-                <a:latin typeface="+mn-lt"/>
-                <a:ea typeface="+mn-ea"/>
-                <a:cs typeface="+mn-cs"/>
-              </a:defRPr>
-            </a:lvl6pPr>
-            <a:lvl7pPr marL="2971800" indent="-228600" algn="l" defTabSz="914400" rtl="0" eaLnBrk="1" latinLnBrk="0" hangingPunct="1">
-              <a:spcBef>
-                <a:spcPct val="20000"/>
-              </a:spcBef>
-              <a:buFont typeface="Arial" panose="020B0604020202020204" pitchFamily="34" charset="0"/>
-              <a:buChar char="•"/>
-              <a:defRPr sz="2000" kern="1200">
-                <a:solidFill>
-                  <a:schemeClr val="tx1"/>
-                </a:solidFill>
-                <a:latin typeface="+mn-lt"/>
-                <a:ea typeface="+mn-ea"/>
-                <a:cs typeface="+mn-cs"/>
-              </a:defRPr>
-            </a:lvl7pPr>
-            <a:lvl8pPr marL="3429000" indent="-228600" algn="l" defTabSz="914400" rtl="0" eaLnBrk="1" latinLnBrk="0" hangingPunct="1">
-              <a:spcBef>
-                <a:spcPct val="20000"/>
-              </a:spcBef>
-              <a:buFont typeface="Arial" panose="020B0604020202020204" pitchFamily="34" charset="0"/>
-              <a:buChar char="•"/>
-              <a:defRPr sz="2000" kern="1200">
-                <a:solidFill>
-                  <a:schemeClr val="tx1"/>
-                </a:solidFill>
-                <a:latin typeface="+mn-lt"/>
-                <a:ea typeface="+mn-ea"/>
-                <a:cs typeface="+mn-cs"/>
-              </a:defRPr>
-            </a:lvl8pPr>
-            <a:lvl9pPr marL="3886200" indent="-228600" algn="l" defTabSz="914400" rtl="0" eaLnBrk="1" latinLnBrk="0" hangingPunct="1">
-              <a:spcBef>
-                <a:spcPct val="20000"/>
-              </a:spcBef>
-              <a:buFont typeface="Arial" panose="020B0604020202020204" pitchFamily="34" charset="0"/>
-              <a:buChar char="•"/>
-              <a:defRPr sz="2000" kern="1200">
-                <a:solidFill>
-                  <a:schemeClr val="tx1"/>
-                </a:solidFill>
-                <a:latin typeface="+mn-lt"/>
-                <a:ea typeface="+mn-ea"/>
-                <a:cs typeface="+mn-cs"/>
-              </a:defRPr>
-            </a:lvl9pPr>
-          </a:lstStyle>
-          <a:p>
-            <a:pPr marL="0" indent="0">
-              <a:buNone/>
-            </a:pPr>
-            <a:r>
-              <a:rPr lang="en-US" sz="2400" dirty="0">
-                <a:hlinkClick r:id="rId2"/>
-              </a:rPr>
-              <a:t>https://github.com/xavierigneous/Vehicle-Loan-Default-Prediction</a:t>
-            </a:r>
-            <a:endParaRPr lang="en-IN" sz="2400" b="1" dirty="0"/>
+              <a:t>Since there is no multicollinearity in our data presently(removed after checking VIF), We haven’t done PCA.</a:t>
+            </a:r>
+            <a:endParaRPr lang="en-IN" sz="2400" dirty="0"/>
           </a:p>
         </p:txBody>
       </p:sp>
     </p:spTree>
     <p:extLst>
       <p:ext uri="{BB962C8B-B14F-4D97-AF65-F5344CB8AC3E}">
-        <p14:creationId xmlns:p14="http://schemas.microsoft.com/office/powerpoint/2010/main" val="1235205643"/>
+        <p14:creationId xmlns:p14="http://schemas.microsoft.com/office/powerpoint/2010/main" val="3227524239"/>
       </p:ext>
     </p:extLst>
   </p:cSld>

--- a/Vehicle Loan Default Prediction.pptx
+++ b/Vehicle Loan Default Prediction.pptx
@@ -5748,7 +5748,7 @@
           <a:lstStyle/>
           <a:p>
             <a:r>
-              <a:rPr lang="en-IN" sz="2400" b="1" dirty="0"/>
+              <a:rPr lang="en-IN" sz="2400" dirty="0"/>
               <a:t>Multi collinearity check:</a:t>
             </a:r>
           </a:p>
@@ -5864,13 +5864,13 @@
               </a:ext>
             </a:extLst>
           </a:blip>
-          <a:srcRect l="-101" t="4871" r="-234" b="961"/>
+          <a:srcRect l="-101" t="4871" r="-234" b="4209"/>
           <a:stretch/>
         </p:blipFill>
         <p:spPr>
           <a:xfrm>
             <a:off x="457200" y="2057400"/>
-            <a:ext cx="8534400" cy="4419600"/>
+            <a:ext cx="8534400" cy="4267200"/>
           </a:xfrm>
         </p:spPr>
       </p:pic>

--- a/Vehicle Loan Default Prediction.pptx
+++ b/Vehicle Loan Default Prediction.pptx
@@ -5,20 +5,23 @@
     <p:sldMasterId id="2147483648" r:id="rId1"/>
   </p:sldMasterIdLst>
   <p:notesMasterIdLst>
-    <p:notesMasterId r:id="rId13"/>
+    <p:notesMasterId r:id="rId16"/>
   </p:notesMasterIdLst>
   <p:sldIdLst>
     <p:sldId id="328" r:id="rId2"/>
     <p:sldId id="332" r:id="rId3"/>
     <p:sldId id="329" r:id="rId4"/>
-    <p:sldId id="257" r:id="rId5"/>
-    <p:sldId id="258" r:id="rId6"/>
-    <p:sldId id="259" r:id="rId7"/>
-    <p:sldId id="338" r:id="rId8"/>
-    <p:sldId id="335" r:id="rId9"/>
-    <p:sldId id="337" r:id="rId10"/>
-    <p:sldId id="336" r:id="rId11"/>
-    <p:sldId id="263" r:id="rId12"/>
+    <p:sldId id="339" r:id="rId5"/>
+    <p:sldId id="330" r:id="rId6"/>
+    <p:sldId id="340" r:id="rId7"/>
+    <p:sldId id="257" r:id="rId8"/>
+    <p:sldId id="258" r:id="rId9"/>
+    <p:sldId id="259" r:id="rId10"/>
+    <p:sldId id="338" r:id="rId11"/>
+    <p:sldId id="335" r:id="rId12"/>
+    <p:sldId id="337" r:id="rId13"/>
+    <p:sldId id="336" r:id="rId14"/>
+    <p:sldId id="263" r:id="rId15"/>
   </p:sldIdLst>
   <p:sldSz cx="9144000" cy="6858000" type="screen4x3"/>
   <p:notesSz cx="6858000" cy="9144000"/>
@@ -230,7 +233,7 @@
           <a:p>
             <a:fld id="{CA38C360-1451-4FAC-96AE-AED9435A5117}" type="datetimeFigureOut">
               <a:rPr lang="en-US" smtClean="0"/>
-              <a:t>1/8/2020</a:t>
+              <a:t>1/9/2020</a:t>
             </a:fld>
             <a:endParaRPr lang="en-US"/>
           </a:p>
@@ -676,7 +679,7 @@
           <a:p>
             <a:fld id="{A2D47140-E761-4776-BB05-B90A68E34D64}" type="datetimeFigureOut">
               <a:rPr lang="en-US" smtClean="0"/>
-              <a:t>1/8/2020</a:t>
+              <a:t>1/9/2020</a:t>
             </a:fld>
             <a:endParaRPr lang="en-US"/>
           </a:p>
@@ -844,7 +847,7 @@
           <a:p>
             <a:fld id="{A2D47140-E761-4776-BB05-B90A68E34D64}" type="datetimeFigureOut">
               <a:rPr lang="en-US" smtClean="0"/>
-              <a:t>1/8/2020</a:t>
+              <a:t>1/9/2020</a:t>
             </a:fld>
             <a:endParaRPr lang="en-US"/>
           </a:p>
@@ -1022,7 +1025,7 @@
           <a:p>
             <a:fld id="{A2D47140-E761-4776-BB05-B90A68E34D64}" type="datetimeFigureOut">
               <a:rPr lang="en-US" smtClean="0"/>
-              <a:t>1/8/2020</a:t>
+              <a:t>1/9/2020</a:t>
             </a:fld>
             <a:endParaRPr lang="en-US"/>
           </a:p>
@@ -1190,7 +1193,7 @@
           <a:p>
             <a:fld id="{A2D47140-E761-4776-BB05-B90A68E34D64}" type="datetimeFigureOut">
               <a:rPr lang="en-US" smtClean="0"/>
-              <a:t>1/8/2020</a:t>
+              <a:t>1/9/2020</a:t>
             </a:fld>
             <a:endParaRPr lang="en-US"/>
           </a:p>
@@ -1435,7 +1438,7 @@
           <a:p>
             <a:fld id="{A2D47140-E761-4776-BB05-B90A68E34D64}" type="datetimeFigureOut">
               <a:rPr lang="en-US" smtClean="0"/>
-              <a:t>1/8/2020</a:t>
+              <a:t>1/9/2020</a:t>
             </a:fld>
             <a:endParaRPr lang="en-US"/>
           </a:p>
@@ -1720,7 +1723,7 @@
           <a:p>
             <a:fld id="{A2D47140-E761-4776-BB05-B90A68E34D64}" type="datetimeFigureOut">
               <a:rPr lang="en-US" smtClean="0"/>
-              <a:t>1/8/2020</a:t>
+              <a:t>1/9/2020</a:t>
             </a:fld>
             <a:endParaRPr lang="en-US"/>
           </a:p>
@@ -2139,7 +2142,7 @@
           <a:p>
             <a:fld id="{A2D47140-E761-4776-BB05-B90A68E34D64}" type="datetimeFigureOut">
               <a:rPr lang="en-US" smtClean="0"/>
-              <a:t>1/8/2020</a:t>
+              <a:t>1/9/2020</a:t>
             </a:fld>
             <a:endParaRPr lang="en-US"/>
           </a:p>
@@ -2256,7 +2259,7 @@
           <a:p>
             <a:fld id="{A2D47140-E761-4776-BB05-B90A68E34D64}" type="datetimeFigureOut">
               <a:rPr lang="en-US" smtClean="0"/>
-              <a:t>1/8/2020</a:t>
+              <a:t>1/9/2020</a:t>
             </a:fld>
             <a:endParaRPr lang="en-US"/>
           </a:p>
@@ -2351,7 +2354,7 @@
           <a:p>
             <a:fld id="{A2D47140-E761-4776-BB05-B90A68E34D64}" type="datetimeFigureOut">
               <a:rPr lang="en-US" smtClean="0"/>
-              <a:t>1/8/2020</a:t>
+              <a:t>1/9/2020</a:t>
             </a:fld>
             <a:endParaRPr lang="en-US"/>
           </a:p>
@@ -2626,7 +2629,7 @@
           <a:p>
             <a:fld id="{A2D47140-E761-4776-BB05-B90A68E34D64}" type="datetimeFigureOut">
               <a:rPr lang="en-US" smtClean="0"/>
-              <a:t>1/8/2020</a:t>
+              <a:t>1/9/2020</a:t>
             </a:fld>
             <a:endParaRPr lang="en-US"/>
           </a:p>
@@ -2878,7 +2881,7 @@
           <a:p>
             <a:fld id="{A2D47140-E761-4776-BB05-B90A68E34D64}" type="datetimeFigureOut">
               <a:rPr lang="en-US" smtClean="0"/>
-              <a:t>1/8/2020</a:t>
+              <a:t>1/9/2020</a:t>
             </a:fld>
             <a:endParaRPr lang="en-US"/>
           </a:p>
@@ -3089,7 +3092,7 @@
           <a:p>
             <a:fld id="{A2D47140-E761-4776-BB05-B90A68E34D64}" type="datetimeFigureOut">
               <a:rPr lang="en-US" smtClean="0"/>
-              <a:t>1/8/2020</a:t>
+              <a:t>1/9/2020</a:t>
             </a:fld>
             <a:endParaRPr lang="en-US"/>
           </a:p>
@@ -3904,1917 +3907,6 @@
           <p:cNvPr id="2" name="Title 1">
             <a:extLst>
               <a:ext uri="{FF2B5EF4-FFF2-40B4-BE49-F238E27FC236}">
-                <a16:creationId xmlns:a16="http://schemas.microsoft.com/office/drawing/2014/main" id="{F6584AFD-6D6B-41BD-8AA7-E55CA8893D30}"/>
-              </a:ext>
-            </a:extLst>
-          </p:cNvPr>
-          <p:cNvSpPr>
-            <a:spLocks noGrp="1"/>
-          </p:cNvSpPr>
-          <p:nvPr>
-            <p:ph type="title"/>
-          </p:nvPr>
-        </p:nvSpPr>
-        <p:spPr>
-          <a:xfrm>
-            <a:off x="696798" y="228600"/>
-            <a:ext cx="8229600" cy="1143000"/>
-          </a:xfrm>
-        </p:spPr>
-        <p:txBody>
-          <a:bodyPr/>
-          <a:lstStyle/>
-          <a:p>
-            <a:pPr algn="l"/>
-            <a:r>
-              <a:rPr lang="en-US" dirty="0"/>
-              <a:t>Assumptions</a:t>
-            </a:r>
-          </a:p>
-        </p:txBody>
-      </p:sp>
-      <p:sp>
-        <p:nvSpPr>
-          <p:cNvPr id="3" name="Content Placeholder 2">
-            <a:extLst>
-              <a:ext uri="{FF2B5EF4-FFF2-40B4-BE49-F238E27FC236}">
-                <a16:creationId xmlns:a16="http://schemas.microsoft.com/office/drawing/2014/main" id="{1DD175B5-E4E4-4BD1-8A11-20DED898F8EA}"/>
-              </a:ext>
-            </a:extLst>
-          </p:cNvPr>
-          <p:cNvSpPr>
-            <a:spLocks noGrp="1"/>
-          </p:cNvSpPr>
-          <p:nvPr>
-            <p:ph idx="1"/>
-          </p:nvPr>
-        </p:nvSpPr>
-        <p:spPr>
-          <a:xfrm>
-            <a:off x="446988" y="1295400"/>
-            <a:ext cx="8229600" cy="2362200"/>
-          </a:xfrm>
-        </p:spPr>
-        <p:txBody>
-          <a:bodyPr>
-            <a:normAutofit/>
-          </a:bodyPr>
-          <a:lstStyle/>
-          <a:p>
-            <a:r>
-              <a:rPr lang="en-IN" sz="2400" b="1" dirty="0"/>
-              <a:t>General Assumptions: </a:t>
-            </a:r>
-          </a:p>
-          <a:p>
-            <a:pPr marL="0" indent="0">
-              <a:buNone/>
-            </a:pPr>
-            <a:r>
-              <a:rPr lang="en-IN" sz="2400" dirty="0"/>
-              <a:t>      1. No redundant data.</a:t>
-            </a:r>
-          </a:p>
-          <a:p>
-            <a:pPr marL="0" indent="0">
-              <a:buNone/>
-            </a:pPr>
-            <a:r>
-              <a:rPr lang="en-IN" sz="2400" b="1" dirty="0"/>
-              <a:t>      </a:t>
-            </a:r>
-            <a:r>
-              <a:rPr lang="en-IN" sz="2400" dirty="0"/>
-              <a:t>2.  Absence of Multicollinearity</a:t>
-            </a:r>
-          </a:p>
-          <a:p>
-            <a:r>
-              <a:rPr lang="en-IN" sz="2400" b="1" dirty="0"/>
-              <a:t>Naive Bayes</a:t>
-            </a:r>
-            <a:r>
-              <a:rPr lang="en-US" sz="2400" b="1" dirty="0"/>
-              <a:t> -  </a:t>
-            </a:r>
-            <a:r>
-              <a:rPr lang="en-US" sz="2400" dirty="0"/>
-              <a:t>Attributes are conditionally independent.</a:t>
-            </a:r>
-          </a:p>
-          <a:p>
-            <a:r>
-              <a:rPr lang="en-US" sz="2400" dirty="0"/>
-              <a:t>Decision Tree, Random Forest, KNN – No assumptions</a:t>
-            </a:r>
-          </a:p>
-          <a:p>
-            <a:endParaRPr lang="en-IN" sz="2400" b="1" dirty="0"/>
-          </a:p>
-        </p:txBody>
-      </p:sp>
-      <p:sp>
-        <p:nvSpPr>
-          <p:cNvPr id="4" name="Title 1">
-            <a:extLst>
-              <a:ext uri="{FF2B5EF4-FFF2-40B4-BE49-F238E27FC236}">
-                <a16:creationId xmlns:a16="http://schemas.microsoft.com/office/drawing/2014/main" id="{A148EF26-8D46-4B15-973B-75E03A95CDAE}"/>
-              </a:ext>
-            </a:extLst>
-          </p:cNvPr>
-          <p:cNvSpPr txBox="1">
-            <a:spLocks/>
-          </p:cNvSpPr>
-          <p:nvPr/>
-        </p:nvSpPr>
-        <p:spPr>
-          <a:xfrm>
-            <a:off x="685800" y="3657600"/>
-            <a:ext cx="8229600" cy="1143000"/>
-          </a:xfrm>
-          <a:prstGeom prst="rect">
-            <a:avLst/>
-          </a:prstGeom>
-        </p:spPr>
-        <p:txBody>
-          <a:bodyPr vert="horz" lIns="91440" tIns="45720" rIns="91440" bIns="45720" rtlCol="0" anchor="ctr">
-            <a:normAutofit/>
-          </a:bodyPr>
-          <a:lstStyle>
-            <a:lvl1pPr algn="ctr" defTabSz="914400" rtl="0" eaLnBrk="1" latinLnBrk="0" hangingPunct="1">
-              <a:spcBef>
-                <a:spcPct val="0"/>
-              </a:spcBef>
-              <a:buNone/>
-              <a:defRPr sz="4400" kern="1200">
-                <a:solidFill>
-                  <a:schemeClr val="tx1"/>
-                </a:solidFill>
-                <a:latin typeface="+mj-lt"/>
-                <a:ea typeface="+mj-ea"/>
-                <a:cs typeface="+mj-cs"/>
-              </a:defRPr>
-            </a:lvl1pPr>
-          </a:lstStyle>
-          <a:p>
-            <a:pPr algn="l"/>
-            <a:r>
-              <a:rPr lang="en-US" dirty="0"/>
-              <a:t>Reference</a:t>
-            </a:r>
-          </a:p>
-        </p:txBody>
-      </p:sp>
-      <p:sp>
-        <p:nvSpPr>
-          <p:cNvPr id="5" name="Content Placeholder 2">
-            <a:extLst>
-              <a:ext uri="{FF2B5EF4-FFF2-40B4-BE49-F238E27FC236}">
-                <a16:creationId xmlns:a16="http://schemas.microsoft.com/office/drawing/2014/main" id="{AC2B98C8-1410-4EE3-98A2-9AA56034D000}"/>
-              </a:ext>
-            </a:extLst>
-          </p:cNvPr>
-          <p:cNvSpPr txBox="1">
-            <a:spLocks/>
-          </p:cNvSpPr>
-          <p:nvPr/>
-        </p:nvSpPr>
-        <p:spPr>
-          <a:xfrm>
-            <a:off x="685800" y="4724400"/>
-            <a:ext cx="8229600" cy="4525963"/>
-          </a:xfrm>
-          <a:prstGeom prst="rect">
-            <a:avLst/>
-          </a:prstGeom>
-        </p:spPr>
-        <p:txBody>
-          <a:bodyPr vert="horz" lIns="91440" tIns="45720" rIns="91440" bIns="45720" rtlCol="0">
-            <a:normAutofit/>
-          </a:bodyPr>
-          <a:lstStyle>
-            <a:lvl1pPr marL="342900" indent="-342900" algn="l" defTabSz="914400" rtl="0" eaLnBrk="1" latinLnBrk="0" hangingPunct="1">
-              <a:spcBef>
-                <a:spcPct val="20000"/>
-              </a:spcBef>
-              <a:buFont typeface="Arial" panose="020B0604020202020204" pitchFamily="34" charset="0"/>
-              <a:buChar char="•"/>
-              <a:defRPr sz="3200" kern="1200">
-                <a:solidFill>
-                  <a:schemeClr val="tx1"/>
-                </a:solidFill>
-                <a:latin typeface="+mn-lt"/>
-                <a:ea typeface="+mn-ea"/>
-                <a:cs typeface="+mn-cs"/>
-              </a:defRPr>
-            </a:lvl1pPr>
-            <a:lvl2pPr marL="742950" indent="-285750" algn="l" defTabSz="914400" rtl="0" eaLnBrk="1" latinLnBrk="0" hangingPunct="1">
-              <a:spcBef>
-                <a:spcPct val="20000"/>
-              </a:spcBef>
-              <a:buFont typeface="Arial" panose="020B0604020202020204" pitchFamily="34" charset="0"/>
-              <a:buChar char="–"/>
-              <a:defRPr sz="2800" kern="1200">
-                <a:solidFill>
-                  <a:schemeClr val="tx1"/>
-                </a:solidFill>
-                <a:latin typeface="+mn-lt"/>
-                <a:ea typeface="+mn-ea"/>
-                <a:cs typeface="+mn-cs"/>
-              </a:defRPr>
-            </a:lvl2pPr>
-            <a:lvl3pPr marL="1143000" indent="-228600" algn="l" defTabSz="914400" rtl="0" eaLnBrk="1" latinLnBrk="0" hangingPunct="1">
-              <a:spcBef>
-                <a:spcPct val="20000"/>
-              </a:spcBef>
-              <a:buFont typeface="Arial" panose="020B0604020202020204" pitchFamily="34" charset="0"/>
-              <a:buChar char="•"/>
-              <a:defRPr sz="2400" kern="1200">
-                <a:solidFill>
-                  <a:schemeClr val="tx1"/>
-                </a:solidFill>
-                <a:latin typeface="+mn-lt"/>
-                <a:ea typeface="+mn-ea"/>
-                <a:cs typeface="+mn-cs"/>
-              </a:defRPr>
-            </a:lvl3pPr>
-            <a:lvl4pPr marL="1600200" indent="-228600" algn="l" defTabSz="914400" rtl="0" eaLnBrk="1" latinLnBrk="0" hangingPunct="1">
-              <a:spcBef>
-                <a:spcPct val="20000"/>
-              </a:spcBef>
-              <a:buFont typeface="Arial" panose="020B0604020202020204" pitchFamily="34" charset="0"/>
-              <a:buChar char="–"/>
-              <a:defRPr sz="2000" kern="1200">
-                <a:solidFill>
-                  <a:schemeClr val="tx1"/>
-                </a:solidFill>
-                <a:latin typeface="+mn-lt"/>
-                <a:ea typeface="+mn-ea"/>
-                <a:cs typeface="+mn-cs"/>
-              </a:defRPr>
-            </a:lvl4pPr>
-            <a:lvl5pPr marL="2057400" indent="-228600" algn="l" defTabSz="914400" rtl="0" eaLnBrk="1" latinLnBrk="0" hangingPunct="1">
-              <a:spcBef>
-                <a:spcPct val="20000"/>
-              </a:spcBef>
-              <a:buFont typeface="Arial" panose="020B0604020202020204" pitchFamily="34" charset="0"/>
-              <a:buChar char="»"/>
-              <a:defRPr sz="2000" kern="1200">
-                <a:solidFill>
-                  <a:schemeClr val="tx1"/>
-                </a:solidFill>
-                <a:latin typeface="+mn-lt"/>
-                <a:ea typeface="+mn-ea"/>
-                <a:cs typeface="+mn-cs"/>
-              </a:defRPr>
-            </a:lvl5pPr>
-            <a:lvl6pPr marL="2514600" indent="-228600" algn="l" defTabSz="914400" rtl="0" eaLnBrk="1" latinLnBrk="0" hangingPunct="1">
-              <a:spcBef>
-                <a:spcPct val="20000"/>
-              </a:spcBef>
-              <a:buFont typeface="Arial" panose="020B0604020202020204" pitchFamily="34" charset="0"/>
-              <a:buChar char="•"/>
-              <a:defRPr sz="2000" kern="1200">
-                <a:solidFill>
-                  <a:schemeClr val="tx1"/>
-                </a:solidFill>
-                <a:latin typeface="+mn-lt"/>
-                <a:ea typeface="+mn-ea"/>
-                <a:cs typeface="+mn-cs"/>
-              </a:defRPr>
-            </a:lvl6pPr>
-            <a:lvl7pPr marL="2971800" indent="-228600" algn="l" defTabSz="914400" rtl="0" eaLnBrk="1" latinLnBrk="0" hangingPunct="1">
-              <a:spcBef>
-                <a:spcPct val="20000"/>
-              </a:spcBef>
-              <a:buFont typeface="Arial" panose="020B0604020202020204" pitchFamily="34" charset="0"/>
-              <a:buChar char="•"/>
-              <a:defRPr sz="2000" kern="1200">
-                <a:solidFill>
-                  <a:schemeClr val="tx1"/>
-                </a:solidFill>
-                <a:latin typeface="+mn-lt"/>
-                <a:ea typeface="+mn-ea"/>
-                <a:cs typeface="+mn-cs"/>
-              </a:defRPr>
-            </a:lvl7pPr>
-            <a:lvl8pPr marL="3429000" indent="-228600" algn="l" defTabSz="914400" rtl="0" eaLnBrk="1" latinLnBrk="0" hangingPunct="1">
-              <a:spcBef>
-                <a:spcPct val="20000"/>
-              </a:spcBef>
-              <a:buFont typeface="Arial" panose="020B0604020202020204" pitchFamily="34" charset="0"/>
-              <a:buChar char="•"/>
-              <a:defRPr sz="2000" kern="1200">
-                <a:solidFill>
-                  <a:schemeClr val="tx1"/>
-                </a:solidFill>
-                <a:latin typeface="+mn-lt"/>
-                <a:ea typeface="+mn-ea"/>
-                <a:cs typeface="+mn-cs"/>
-              </a:defRPr>
-            </a:lvl8pPr>
-            <a:lvl9pPr marL="3886200" indent="-228600" algn="l" defTabSz="914400" rtl="0" eaLnBrk="1" latinLnBrk="0" hangingPunct="1">
-              <a:spcBef>
-                <a:spcPct val="20000"/>
-              </a:spcBef>
-              <a:buFont typeface="Arial" panose="020B0604020202020204" pitchFamily="34" charset="0"/>
-              <a:buChar char="•"/>
-              <a:defRPr sz="2000" kern="1200">
-                <a:solidFill>
-                  <a:schemeClr val="tx1"/>
-                </a:solidFill>
-                <a:latin typeface="+mn-lt"/>
-                <a:ea typeface="+mn-ea"/>
-                <a:cs typeface="+mn-cs"/>
-              </a:defRPr>
-            </a:lvl9pPr>
-          </a:lstStyle>
-          <a:p>
-            <a:pPr marL="0" indent="0">
-              <a:buNone/>
-            </a:pPr>
-            <a:r>
-              <a:rPr lang="en-US" sz="2400" dirty="0">
-                <a:hlinkClick r:id="rId2"/>
-              </a:rPr>
-              <a:t>https://github.com/xavierigneous/Vehicle-Loan-Default-Prediction</a:t>
-            </a:r>
-            <a:endParaRPr lang="en-IN" sz="2400" b="1" dirty="0"/>
-          </a:p>
-        </p:txBody>
-      </p:sp>
-    </p:spTree>
-    <p:extLst>
-      <p:ext uri="{BB962C8B-B14F-4D97-AF65-F5344CB8AC3E}">
-        <p14:creationId xmlns:p14="http://schemas.microsoft.com/office/powerpoint/2010/main" val="1235205643"/>
-      </p:ext>
-    </p:extLst>
-  </p:cSld>
-  <p:clrMapOvr>
-    <a:masterClrMapping/>
-  </p:clrMapOvr>
-</p:sld>
-</file>
-
-<file path=ppt/slides/slide11.xml><?xml version="1.0" encoding="utf-8"?>
-<p:sld xmlns:a="http://schemas.openxmlformats.org/drawingml/2006/main" xmlns:r="http://schemas.openxmlformats.org/officeDocument/2006/relationships" xmlns:p="http://schemas.openxmlformats.org/presentationml/2006/main">
-  <p:cSld>
-    <p:spTree>
-      <p:nvGrpSpPr>
-        <p:cNvPr id="1" name=""/>
-        <p:cNvGrpSpPr/>
-        <p:nvPr/>
-      </p:nvGrpSpPr>
-      <p:grpSpPr>
-        <a:xfrm>
-          <a:off x="0" y="0"/>
-          <a:ext cx="0" cy="0"/>
-          <a:chOff x="0" y="0"/>
-          <a:chExt cx="0" cy="0"/>
-        </a:xfrm>
-      </p:grpSpPr>
-      <p:sp>
-        <p:nvSpPr>
-          <p:cNvPr id="4" name="Round Diagonal Corner Rectangle 3"/>
-          <p:cNvSpPr/>
-          <p:nvPr/>
-        </p:nvSpPr>
-        <p:spPr>
-          <a:xfrm>
-            <a:off x="45026" y="58880"/>
-            <a:ext cx="206087" cy="2209800"/>
-          </a:xfrm>
-          <a:prstGeom prst="round2DiagRect">
-            <a:avLst/>
-          </a:prstGeom>
-          <a:solidFill>
-            <a:srgbClr val="0070C0"/>
-          </a:solidFill>
-          <a:ln>
-            <a:solidFill>
-              <a:srgbClr val="0070C0"/>
-            </a:solidFill>
-          </a:ln>
-        </p:spPr>
-        <p:style>
-          <a:lnRef idx="2">
-            <a:schemeClr val="accent3"/>
-          </a:lnRef>
-          <a:fillRef idx="1">
-            <a:schemeClr val="lt1"/>
-          </a:fillRef>
-          <a:effectRef idx="0">
-            <a:schemeClr val="accent3"/>
-          </a:effectRef>
-          <a:fontRef idx="minor">
-            <a:schemeClr val="dk1"/>
-          </a:fontRef>
-        </p:style>
-        <p:txBody>
-          <a:bodyPr rtlCol="0" anchor="ctr"/>
-          <a:lstStyle/>
-          <a:p>
-            <a:pPr algn="ctr"/>
-            <a:endParaRPr lang="en-US"/>
-          </a:p>
-        </p:txBody>
-      </p:sp>
-      <p:sp>
-        <p:nvSpPr>
-          <p:cNvPr id="5" name="Round Diagonal Corner Rectangle 4"/>
-          <p:cNvSpPr/>
-          <p:nvPr/>
-        </p:nvSpPr>
-        <p:spPr>
-          <a:xfrm>
-            <a:off x="45026" y="2313700"/>
-            <a:ext cx="206087" cy="4461170"/>
-          </a:xfrm>
-          <a:prstGeom prst="round2DiagRect">
-            <a:avLst/>
-          </a:prstGeom>
-          <a:solidFill>
-            <a:srgbClr val="00B0F0"/>
-          </a:solidFill>
-          <a:ln>
-            <a:solidFill>
-              <a:srgbClr val="00B0F0"/>
-            </a:solidFill>
-          </a:ln>
-        </p:spPr>
-        <p:style>
-          <a:lnRef idx="2">
-            <a:schemeClr val="accent3"/>
-          </a:lnRef>
-          <a:fillRef idx="1">
-            <a:schemeClr val="lt1"/>
-          </a:fillRef>
-          <a:effectRef idx="0">
-            <a:schemeClr val="accent3"/>
-          </a:effectRef>
-          <a:fontRef idx="minor">
-            <a:schemeClr val="dk1"/>
-          </a:fontRef>
-        </p:style>
-        <p:txBody>
-          <a:bodyPr rtlCol="0" anchor="ctr"/>
-          <a:lstStyle/>
-          <a:p>
-            <a:pPr algn="ctr"/>
-            <a:endParaRPr lang="en-US"/>
-          </a:p>
-        </p:txBody>
-      </p:sp>
-      <p:sp>
-        <p:nvSpPr>
-          <p:cNvPr id="9" name="Content Placeholder 2"/>
-          <p:cNvSpPr txBox="1">
-            <a:spLocks/>
-          </p:cNvSpPr>
-          <p:nvPr/>
-        </p:nvSpPr>
-        <p:spPr>
-          <a:xfrm>
-            <a:off x="3042062" y="1958439"/>
-            <a:ext cx="4730338" cy="1546761"/>
-          </a:xfrm>
-          <a:prstGeom prst="rect">
-            <a:avLst/>
-          </a:prstGeom>
-        </p:spPr>
-        <p:txBody>
-          <a:bodyPr vert="horz" lIns="91440" tIns="45720" rIns="91440" bIns="45720" rtlCol="0">
-            <a:normAutofit/>
-          </a:bodyPr>
-          <a:lstStyle>
-            <a:lvl1pPr marL="0" indent="0" algn="ctr" defTabSz="914400" rtl="0" eaLnBrk="1" latinLnBrk="0" hangingPunct="1">
-              <a:spcBef>
-                <a:spcPct val="20000"/>
-              </a:spcBef>
-              <a:buFont typeface="Arial" panose="020B0604020202020204" pitchFamily="34" charset="0"/>
-              <a:buNone/>
-              <a:defRPr sz="3200" kern="1200">
-                <a:solidFill>
-                  <a:schemeClr val="tx1">
-                    <a:tint val="75000"/>
-                  </a:schemeClr>
-                </a:solidFill>
-                <a:latin typeface="+mn-lt"/>
-                <a:ea typeface="+mn-ea"/>
-                <a:cs typeface="+mn-cs"/>
-              </a:defRPr>
-            </a:lvl1pPr>
-            <a:lvl2pPr marL="457200" indent="0" algn="ctr" defTabSz="914400" rtl="0" eaLnBrk="1" latinLnBrk="0" hangingPunct="1">
-              <a:spcBef>
-                <a:spcPct val="20000"/>
-              </a:spcBef>
-              <a:buFont typeface="Arial" panose="020B0604020202020204" pitchFamily="34" charset="0"/>
-              <a:buNone/>
-              <a:defRPr sz="2800" kern="1200">
-                <a:solidFill>
-                  <a:schemeClr val="tx1">
-                    <a:tint val="75000"/>
-                  </a:schemeClr>
-                </a:solidFill>
-                <a:latin typeface="+mn-lt"/>
-                <a:ea typeface="+mn-ea"/>
-                <a:cs typeface="+mn-cs"/>
-              </a:defRPr>
-            </a:lvl2pPr>
-            <a:lvl3pPr marL="914400" indent="0" algn="ctr" defTabSz="914400" rtl="0" eaLnBrk="1" latinLnBrk="0" hangingPunct="1">
-              <a:spcBef>
-                <a:spcPct val="20000"/>
-              </a:spcBef>
-              <a:buFont typeface="Arial" panose="020B0604020202020204" pitchFamily="34" charset="0"/>
-              <a:buNone/>
-              <a:defRPr sz="2400" kern="1200">
-                <a:solidFill>
-                  <a:schemeClr val="tx1">
-                    <a:tint val="75000"/>
-                  </a:schemeClr>
-                </a:solidFill>
-                <a:latin typeface="+mn-lt"/>
-                <a:ea typeface="+mn-ea"/>
-                <a:cs typeface="+mn-cs"/>
-              </a:defRPr>
-            </a:lvl3pPr>
-            <a:lvl4pPr marL="1371600" indent="0" algn="ctr" defTabSz="914400" rtl="0" eaLnBrk="1" latinLnBrk="0" hangingPunct="1">
-              <a:spcBef>
-                <a:spcPct val="20000"/>
-              </a:spcBef>
-              <a:buFont typeface="Arial" panose="020B0604020202020204" pitchFamily="34" charset="0"/>
-              <a:buNone/>
-              <a:defRPr sz="2000" kern="1200">
-                <a:solidFill>
-                  <a:schemeClr val="tx1">
-                    <a:tint val="75000"/>
-                  </a:schemeClr>
-                </a:solidFill>
-                <a:latin typeface="+mn-lt"/>
-                <a:ea typeface="+mn-ea"/>
-                <a:cs typeface="+mn-cs"/>
-              </a:defRPr>
-            </a:lvl4pPr>
-            <a:lvl5pPr marL="1828800" indent="0" algn="ctr" defTabSz="914400" rtl="0" eaLnBrk="1" latinLnBrk="0" hangingPunct="1">
-              <a:spcBef>
-                <a:spcPct val="20000"/>
-              </a:spcBef>
-              <a:buFont typeface="Arial" panose="020B0604020202020204" pitchFamily="34" charset="0"/>
-              <a:buNone/>
-              <a:defRPr sz="2000" kern="1200">
-                <a:solidFill>
-                  <a:schemeClr val="tx1">
-                    <a:tint val="75000"/>
-                  </a:schemeClr>
-                </a:solidFill>
-                <a:latin typeface="+mn-lt"/>
-                <a:ea typeface="+mn-ea"/>
-                <a:cs typeface="+mn-cs"/>
-              </a:defRPr>
-            </a:lvl5pPr>
-            <a:lvl6pPr marL="2286000" indent="0" algn="ctr" defTabSz="914400" rtl="0" eaLnBrk="1" latinLnBrk="0" hangingPunct="1">
-              <a:spcBef>
-                <a:spcPct val="20000"/>
-              </a:spcBef>
-              <a:buFont typeface="Arial" panose="020B0604020202020204" pitchFamily="34" charset="0"/>
-              <a:buNone/>
-              <a:defRPr sz="2000" kern="1200">
-                <a:solidFill>
-                  <a:schemeClr val="tx1">
-                    <a:tint val="75000"/>
-                  </a:schemeClr>
-                </a:solidFill>
-                <a:latin typeface="+mn-lt"/>
-                <a:ea typeface="+mn-ea"/>
-                <a:cs typeface="+mn-cs"/>
-              </a:defRPr>
-            </a:lvl6pPr>
-            <a:lvl7pPr marL="2743200" indent="0" algn="ctr" defTabSz="914400" rtl="0" eaLnBrk="1" latinLnBrk="0" hangingPunct="1">
-              <a:spcBef>
-                <a:spcPct val="20000"/>
-              </a:spcBef>
-              <a:buFont typeface="Arial" panose="020B0604020202020204" pitchFamily="34" charset="0"/>
-              <a:buNone/>
-              <a:defRPr sz="2000" kern="1200">
-                <a:solidFill>
-                  <a:schemeClr val="tx1">
-                    <a:tint val="75000"/>
-                  </a:schemeClr>
-                </a:solidFill>
-                <a:latin typeface="+mn-lt"/>
-                <a:ea typeface="+mn-ea"/>
-                <a:cs typeface="+mn-cs"/>
-              </a:defRPr>
-            </a:lvl7pPr>
-            <a:lvl8pPr marL="3200400" indent="0" algn="ctr" defTabSz="914400" rtl="0" eaLnBrk="1" latinLnBrk="0" hangingPunct="1">
-              <a:spcBef>
-                <a:spcPct val="20000"/>
-              </a:spcBef>
-              <a:buFont typeface="Arial" panose="020B0604020202020204" pitchFamily="34" charset="0"/>
-              <a:buNone/>
-              <a:defRPr sz="2000" kern="1200">
-                <a:solidFill>
-                  <a:schemeClr val="tx1">
-                    <a:tint val="75000"/>
-                  </a:schemeClr>
-                </a:solidFill>
-                <a:latin typeface="+mn-lt"/>
-                <a:ea typeface="+mn-ea"/>
-                <a:cs typeface="+mn-cs"/>
-              </a:defRPr>
-            </a:lvl8pPr>
-            <a:lvl9pPr marL="3657600" indent="0" algn="ctr" defTabSz="914400" rtl="0" eaLnBrk="1" latinLnBrk="0" hangingPunct="1">
-              <a:spcBef>
-                <a:spcPct val="20000"/>
-              </a:spcBef>
-              <a:buFont typeface="Arial" panose="020B0604020202020204" pitchFamily="34" charset="0"/>
-              <a:buNone/>
-              <a:defRPr sz="2000" kern="1200">
-                <a:solidFill>
-                  <a:schemeClr val="tx1">
-                    <a:tint val="75000"/>
-                  </a:schemeClr>
-                </a:solidFill>
-                <a:latin typeface="+mn-lt"/>
-                <a:ea typeface="+mn-ea"/>
-                <a:cs typeface="+mn-cs"/>
-              </a:defRPr>
-            </a:lvl9pPr>
-          </a:lstStyle>
-          <a:p>
-            <a:pPr lvl="1" algn="l"/>
-            <a:endParaRPr lang="en-IN" sz="4000" dirty="0">
-              <a:solidFill>
-                <a:srgbClr val="0055A0"/>
-              </a:solidFill>
-            </a:endParaRPr>
-          </a:p>
-          <a:p>
-            <a:pPr lvl="1" algn="l"/>
-            <a:r>
-              <a:rPr lang="en-IN" sz="4000" dirty="0">
-                <a:solidFill>
-                  <a:srgbClr val="0055A0"/>
-                </a:solidFill>
-              </a:rPr>
-              <a:t>Thank You</a:t>
-            </a:r>
-          </a:p>
-        </p:txBody>
-      </p:sp>
-    </p:spTree>
-    <p:extLst>
-      <p:ext uri="{BB962C8B-B14F-4D97-AF65-F5344CB8AC3E}">
-        <p14:creationId xmlns:p14="http://schemas.microsoft.com/office/powerpoint/2010/main" val="3724216054"/>
-      </p:ext>
-    </p:extLst>
-  </p:cSld>
-  <p:clrMapOvr>
-    <a:masterClrMapping/>
-  </p:clrMapOvr>
-</p:sld>
-</file>
-
-<file path=ppt/slides/slide2.xml><?xml version="1.0" encoding="utf-8"?>
-<p:sld xmlns:a="http://schemas.openxmlformats.org/drawingml/2006/main" xmlns:r="http://schemas.openxmlformats.org/officeDocument/2006/relationships" xmlns:p="http://schemas.openxmlformats.org/presentationml/2006/main">
-  <p:cSld>
-    <p:spTree>
-      <p:nvGrpSpPr>
-        <p:cNvPr id="1" name=""/>
-        <p:cNvGrpSpPr/>
-        <p:nvPr/>
-      </p:nvGrpSpPr>
-      <p:grpSpPr>
-        <a:xfrm>
-          <a:off x="0" y="0"/>
-          <a:ext cx="0" cy="0"/>
-          <a:chOff x="0" y="0"/>
-          <a:chExt cx="0" cy="0"/>
-        </a:xfrm>
-      </p:grpSpPr>
-      <p:sp>
-        <p:nvSpPr>
-          <p:cNvPr id="2" name="Title 1">
-            <a:extLst>
-              <a:ext uri="{FF2B5EF4-FFF2-40B4-BE49-F238E27FC236}">
-                <a16:creationId xmlns:a16="http://schemas.microsoft.com/office/drawing/2014/main" id="{543925F3-AEA9-4425-BE85-A907329B807D}"/>
-              </a:ext>
-            </a:extLst>
-          </p:cNvPr>
-          <p:cNvSpPr>
-            <a:spLocks noGrp="1"/>
-          </p:cNvSpPr>
-          <p:nvPr>
-            <p:ph type="title"/>
-          </p:nvPr>
-        </p:nvSpPr>
-        <p:spPr/>
-        <p:txBody>
-          <a:bodyPr>
-            <a:normAutofit/>
-          </a:bodyPr>
-          <a:lstStyle/>
-          <a:p>
-            <a:pPr algn="l"/>
-            <a:r>
-              <a:rPr lang="en-US" sz="4000" dirty="0"/>
-              <a:t>Introduction</a:t>
-            </a:r>
-          </a:p>
-        </p:txBody>
-      </p:sp>
-      <p:sp>
-        <p:nvSpPr>
-          <p:cNvPr id="3" name="Content Placeholder 2">
-            <a:extLst>
-              <a:ext uri="{FF2B5EF4-FFF2-40B4-BE49-F238E27FC236}">
-                <a16:creationId xmlns:a16="http://schemas.microsoft.com/office/drawing/2014/main" id="{58171DD3-3E42-48DF-95D4-3408C189D523}"/>
-              </a:ext>
-            </a:extLst>
-          </p:cNvPr>
-          <p:cNvSpPr>
-            <a:spLocks noGrp="1"/>
-          </p:cNvSpPr>
-          <p:nvPr>
-            <p:ph idx="1"/>
-          </p:nvPr>
-        </p:nvSpPr>
-        <p:spPr>
-          <a:xfrm>
-            <a:off x="457200" y="1295400"/>
-            <a:ext cx="8686800" cy="5562600"/>
-          </a:xfrm>
-        </p:spPr>
-        <p:txBody>
-          <a:bodyPr>
-            <a:normAutofit lnSpcReduction="10000"/>
-          </a:bodyPr>
-          <a:lstStyle/>
-          <a:p>
-            <a:r>
-              <a:rPr lang="en-US" sz="2800" dirty="0"/>
-              <a:t>People avail vehicle loan from banks to buy their dream cars. Car loans have taken off in India witnessing an increase in growth of 18-20% which is a huge increase in 2019.</a:t>
-            </a:r>
-          </a:p>
-          <a:p>
-            <a:r>
-              <a:rPr lang="en-US" sz="2800" dirty="0"/>
-              <a:t>Bank and vehicle finance companies are making this dream come true by providing the vehicle loan facility. </a:t>
-            </a:r>
-          </a:p>
-          <a:p>
-            <a:r>
-              <a:rPr lang="en-US" sz="2800" dirty="0"/>
-              <a:t>Financing a vehicle involves a lot of technicalities like the kind of vehicle to be financed, the route on which the vehicle will be plying, the operating expenses of the customer, etc. </a:t>
-            </a:r>
-          </a:p>
-          <a:p>
-            <a:r>
-              <a:rPr lang="en-US" sz="2800" dirty="0"/>
-              <a:t>It is also being influenced by processing fee, loan clearance time, requirement of documentation and methodology being followed in computation of interest.</a:t>
-            </a:r>
-          </a:p>
-          <a:p>
-            <a:endParaRPr lang="en-US" dirty="0"/>
-          </a:p>
-        </p:txBody>
-      </p:sp>
-    </p:spTree>
-    <p:extLst>
-      <p:ext uri="{BB962C8B-B14F-4D97-AF65-F5344CB8AC3E}">
-        <p14:creationId xmlns:p14="http://schemas.microsoft.com/office/powerpoint/2010/main" val="3561413167"/>
-      </p:ext>
-    </p:extLst>
-  </p:cSld>
-  <p:clrMapOvr>
-    <a:masterClrMapping/>
-  </p:clrMapOvr>
-</p:sld>
-</file>
-
-<file path=ppt/slides/slide3.xml><?xml version="1.0" encoding="utf-8"?>
-<p:sld xmlns:a="http://schemas.openxmlformats.org/drawingml/2006/main" xmlns:r="http://schemas.openxmlformats.org/officeDocument/2006/relationships" xmlns:p="http://schemas.openxmlformats.org/presentationml/2006/main">
-  <p:cSld>
-    <p:spTree>
-      <p:nvGrpSpPr>
-        <p:cNvPr id="1" name=""/>
-        <p:cNvGrpSpPr/>
-        <p:nvPr/>
-      </p:nvGrpSpPr>
-      <p:grpSpPr>
-        <a:xfrm>
-          <a:off x="0" y="0"/>
-          <a:ext cx="0" cy="0"/>
-          <a:chOff x="0" y="0"/>
-          <a:chExt cx="0" cy="0"/>
-        </a:xfrm>
-      </p:grpSpPr>
-      <p:sp>
-        <p:nvSpPr>
-          <p:cNvPr id="4" name="Round Diagonal Corner Rectangle 3"/>
-          <p:cNvSpPr/>
-          <p:nvPr/>
-        </p:nvSpPr>
-        <p:spPr>
-          <a:xfrm>
-            <a:off x="45026" y="58880"/>
-            <a:ext cx="206087" cy="2209800"/>
-          </a:xfrm>
-          <a:prstGeom prst="round2DiagRect">
-            <a:avLst/>
-          </a:prstGeom>
-          <a:solidFill>
-            <a:srgbClr val="0070C0"/>
-          </a:solidFill>
-          <a:ln>
-            <a:solidFill>
-              <a:srgbClr val="0070C0"/>
-            </a:solidFill>
-          </a:ln>
-        </p:spPr>
-        <p:style>
-          <a:lnRef idx="2">
-            <a:schemeClr val="accent3"/>
-          </a:lnRef>
-          <a:fillRef idx="1">
-            <a:schemeClr val="lt1"/>
-          </a:fillRef>
-          <a:effectRef idx="0">
-            <a:schemeClr val="accent3"/>
-          </a:effectRef>
-          <a:fontRef idx="minor">
-            <a:schemeClr val="dk1"/>
-          </a:fontRef>
-        </p:style>
-        <p:txBody>
-          <a:bodyPr rtlCol="0" anchor="ctr"/>
-          <a:lstStyle/>
-          <a:p>
-            <a:pPr algn="ctr"/>
-            <a:endParaRPr lang="en-US"/>
-          </a:p>
-        </p:txBody>
-      </p:sp>
-      <p:sp>
-        <p:nvSpPr>
-          <p:cNvPr id="5" name="Round Diagonal Corner Rectangle 4"/>
-          <p:cNvSpPr/>
-          <p:nvPr/>
-        </p:nvSpPr>
-        <p:spPr>
-          <a:xfrm>
-            <a:off x="45026" y="2313700"/>
-            <a:ext cx="206087" cy="4461170"/>
-          </a:xfrm>
-          <a:prstGeom prst="round2DiagRect">
-            <a:avLst/>
-          </a:prstGeom>
-          <a:solidFill>
-            <a:srgbClr val="00B0F0"/>
-          </a:solidFill>
-          <a:ln>
-            <a:solidFill>
-              <a:srgbClr val="00B0F0"/>
-            </a:solidFill>
-          </a:ln>
-        </p:spPr>
-        <p:style>
-          <a:lnRef idx="2">
-            <a:schemeClr val="accent3"/>
-          </a:lnRef>
-          <a:fillRef idx="1">
-            <a:schemeClr val="lt1"/>
-          </a:fillRef>
-          <a:effectRef idx="0">
-            <a:schemeClr val="accent3"/>
-          </a:effectRef>
-          <a:fontRef idx="minor">
-            <a:schemeClr val="dk1"/>
-          </a:fontRef>
-        </p:style>
-        <p:txBody>
-          <a:bodyPr rtlCol="0" anchor="ctr"/>
-          <a:lstStyle/>
-          <a:p>
-            <a:pPr algn="ctr"/>
-            <a:endParaRPr lang="en-US"/>
-          </a:p>
-        </p:txBody>
-      </p:sp>
-      <p:sp>
-        <p:nvSpPr>
-          <p:cNvPr id="30" name="Content Placeholder 2"/>
-          <p:cNvSpPr txBox="1">
-            <a:spLocks/>
-          </p:cNvSpPr>
-          <p:nvPr/>
-        </p:nvSpPr>
-        <p:spPr>
-          <a:xfrm>
-            <a:off x="429658" y="980501"/>
-            <a:ext cx="8485742" cy="5648899"/>
-          </a:xfrm>
-          <a:prstGeom prst="rect">
-            <a:avLst/>
-          </a:prstGeom>
-        </p:spPr>
-        <p:txBody>
-          <a:bodyPr vert="horz" lIns="91440" tIns="45720" rIns="91440" bIns="45720" rtlCol="0">
-            <a:normAutofit/>
-          </a:bodyPr>
-          <a:lstStyle>
-            <a:lvl1pPr marL="0" indent="0" algn="ctr" defTabSz="914400" rtl="0" eaLnBrk="1" latinLnBrk="0" hangingPunct="1">
-              <a:spcBef>
-                <a:spcPct val="20000"/>
-              </a:spcBef>
-              <a:buFont typeface="Arial" panose="020B0604020202020204" pitchFamily="34" charset="0"/>
-              <a:buNone/>
-              <a:defRPr sz="3200" kern="1200">
-                <a:solidFill>
-                  <a:schemeClr val="tx1">
-                    <a:tint val="75000"/>
-                  </a:schemeClr>
-                </a:solidFill>
-                <a:latin typeface="+mn-lt"/>
-                <a:ea typeface="+mn-ea"/>
-                <a:cs typeface="+mn-cs"/>
-              </a:defRPr>
-            </a:lvl1pPr>
-            <a:lvl2pPr marL="457200" indent="0" algn="ctr" defTabSz="914400" rtl="0" eaLnBrk="1" latinLnBrk="0" hangingPunct="1">
-              <a:spcBef>
-                <a:spcPct val="20000"/>
-              </a:spcBef>
-              <a:buFont typeface="Arial" panose="020B0604020202020204" pitchFamily="34" charset="0"/>
-              <a:buNone/>
-              <a:defRPr sz="2800" kern="1200">
-                <a:solidFill>
-                  <a:schemeClr val="tx1">
-                    <a:tint val="75000"/>
-                  </a:schemeClr>
-                </a:solidFill>
-                <a:latin typeface="+mn-lt"/>
-                <a:ea typeface="+mn-ea"/>
-                <a:cs typeface="+mn-cs"/>
-              </a:defRPr>
-            </a:lvl2pPr>
-            <a:lvl3pPr marL="914400" indent="0" algn="ctr" defTabSz="914400" rtl="0" eaLnBrk="1" latinLnBrk="0" hangingPunct="1">
-              <a:spcBef>
-                <a:spcPct val="20000"/>
-              </a:spcBef>
-              <a:buFont typeface="Arial" panose="020B0604020202020204" pitchFamily="34" charset="0"/>
-              <a:buNone/>
-              <a:defRPr sz="2400" kern="1200">
-                <a:solidFill>
-                  <a:schemeClr val="tx1">
-                    <a:tint val="75000"/>
-                  </a:schemeClr>
-                </a:solidFill>
-                <a:latin typeface="+mn-lt"/>
-                <a:ea typeface="+mn-ea"/>
-                <a:cs typeface="+mn-cs"/>
-              </a:defRPr>
-            </a:lvl3pPr>
-            <a:lvl4pPr marL="1371600" indent="0" algn="ctr" defTabSz="914400" rtl="0" eaLnBrk="1" latinLnBrk="0" hangingPunct="1">
-              <a:spcBef>
-                <a:spcPct val="20000"/>
-              </a:spcBef>
-              <a:buFont typeface="Arial" panose="020B0604020202020204" pitchFamily="34" charset="0"/>
-              <a:buNone/>
-              <a:defRPr sz="2000" kern="1200">
-                <a:solidFill>
-                  <a:schemeClr val="tx1">
-                    <a:tint val="75000"/>
-                  </a:schemeClr>
-                </a:solidFill>
-                <a:latin typeface="+mn-lt"/>
-                <a:ea typeface="+mn-ea"/>
-                <a:cs typeface="+mn-cs"/>
-              </a:defRPr>
-            </a:lvl4pPr>
-            <a:lvl5pPr marL="1828800" indent="0" algn="ctr" defTabSz="914400" rtl="0" eaLnBrk="1" latinLnBrk="0" hangingPunct="1">
-              <a:spcBef>
-                <a:spcPct val="20000"/>
-              </a:spcBef>
-              <a:buFont typeface="Arial" panose="020B0604020202020204" pitchFamily="34" charset="0"/>
-              <a:buNone/>
-              <a:defRPr sz="2000" kern="1200">
-                <a:solidFill>
-                  <a:schemeClr val="tx1">
-                    <a:tint val="75000"/>
-                  </a:schemeClr>
-                </a:solidFill>
-                <a:latin typeface="+mn-lt"/>
-                <a:ea typeface="+mn-ea"/>
-                <a:cs typeface="+mn-cs"/>
-              </a:defRPr>
-            </a:lvl5pPr>
-            <a:lvl6pPr marL="2286000" indent="0" algn="ctr" defTabSz="914400" rtl="0" eaLnBrk="1" latinLnBrk="0" hangingPunct="1">
-              <a:spcBef>
-                <a:spcPct val="20000"/>
-              </a:spcBef>
-              <a:buFont typeface="Arial" panose="020B0604020202020204" pitchFamily="34" charset="0"/>
-              <a:buNone/>
-              <a:defRPr sz="2000" kern="1200">
-                <a:solidFill>
-                  <a:schemeClr val="tx1">
-                    <a:tint val="75000"/>
-                  </a:schemeClr>
-                </a:solidFill>
-                <a:latin typeface="+mn-lt"/>
-                <a:ea typeface="+mn-ea"/>
-                <a:cs typeface="+mn-cs"/>
-              </a:defRPr>
-            </a:lvl6pPr>
-            <a:lvl7pPr marL="2743200" indent="0" algn="ctr" defTabSz="914400" rtl="0" eaLnBrk="1" latinLnBrk="0" hangingPunct="1">
-              <a:spcBef>
-                <a:spcPct val="20000"/>
-              </a:spcBef>
-              <a:buFont typeface="Arial" panose="020B0604020202020204" pitchFamily="34" charset="0"/>
-              <a:buNone/>
-              <a:defRPr sz="2000" kern="1200">
-                <a:solidFill>
-                  <a:schemeClr val="tx1">
-                    <a:tint val="75000"/>
-                  </a:schemeClr>
-                </a:solidFill>
-                <a:latin typeface="+mn-lt"/>
-                <a:ea typeface="+mn-ea"/>
-                <a:cs typeface="+mn-cs"/>
-              </a:defRPr>
-            </a:lvl7pPr>
-            <a:lvl8pPr marL="3200400" indent="0" algn="ctr" defTabSz="914400" rtl="0" eaLnBrk="1" latinLnBrk="0" hangingPunct="1">
-              <a:spcBef>
-                <a:spcPct val="20000"/>
-              </a:spcBef>
-              <a:buFont typeface="Arial" panose="020B0604020202020204" pitchFamily="34" charset="0"/>
-              <a:buNone/>
-              <a:defRPr sz="2000" kern="1200">
-                <a:solidFill>
-                  <a:schemeClr val="tx1">
-                    <a:tint val="75000"/>
-                  </a:schemeClr>
-                </a:solidFill>
-                <a:latin typeface="+mn-lt"/>
-                <a:ea typeface="+mn-ea"/>
-                <a:cs typeface="+mn-cs"/>
-              </a:defRPr>
-            </a:lvl8pPr>
-            <a:lvl9pPr marL="3657600" indent="0" algn="ctr" defTabSz="914400" rtl="0" eaLnBrk="1" latinLnBrk="0" hangingPunct="1">
-              <a:spcBef>
-                <a:spcPct val="20000"/>
-              </a:spcBef>
-              <a:buFont typeface="Arial" panose="020B0604020202020204" pitchFamily="34" charset="0"/>
-              <a:buNone/>
-              <a:defRPr sz="2000" kern="1200">
-                <a:solidFill>
-                  <a:schemeClr val="tx1">
-                    <a:tint val="75000"/>
-                  </a:schemeClr>
-                </a:solidFill>
-                <a:latin typeface="+mn-lt"/>
-                <a:ea typeface="+mn-ea"/>
-                <a:cs typeface="+mn-cs"/>
-              </a:defRPr>
-            </a:lvl9pPr>
-          </a:lstStyle>
-          <a:p>
-            <a:pPr marL="342900" indent="-342900" algn="l">
-              <a:buFont typeface="Arial" panose="020B0604020202020204" pitchFamily="34" charset="0"/>
-              <a:buChar char="•"/>
-            </a:pPr>
-            <a:r>
-              <a:rPr lang="en-IN" sz="2400" dirty="0">
-                <a:solidFill>
-                  <a:schemeClr val="tx1"/>
-                </a:solidFill>
-              </a:rPr>
-              <a:t>The objective of this project is to predict whether the customer will default based on these critical features.</a:t>
-            </a:r>
-          </a:p>
-          <a:p>
-            <a:pPr marL="914400" lvl="1" indent="-457200" algn="l">
-              <a:buFont typeface="Arial" panose="020B0604020202020204" pitchFamily="34" charset="0"/>
-              <a:buChar char="•"/>
-            </a:pPr>
-            <a:r>
-              <a:rPr lang="en-US" sz="2200" dirty="0">
-                <a:solidFill>
-                  <a:schemeClr val="tx1"/>
-                </a:solidFill>
-              </a:rPr>
-              <a:t>To find out consumers’ awareness about vehicle finance activities </a:t>
-            </a:r>
-          </a:p>
-          <a:p>
-            <a:pPr marL="914400" lvl="1" indent="-457200" algn="l">
-              <a:buFont typeface="Arial" panose="020B0604020202020204" pitchFamily="34" charset="0"/>
-              <a:buChar char="•"/>
-            </a:pPr>
-            <a:r>
-              <a:rPr lang="en-US" sz="2200" dirty="0">
-                <a:solidFill>
-                  <a:schemeClr val="tx1"/>
-                </a:solidFill>
-              </a:rPr>
-              <a:t>  To identify reasons for availing of vehicle finance </a:t>
-            </a:r>
-          </a:p>
-          <a:p>
-            <a:pPr marL="914400" lvl="1" indent="-457200" algn="l">
-              <a:buFont typeface="Arial" panose="020B0604020202020204" pitchFamily="34" charset="0"/>
-              <a:buChar char="•"/>
-            </a:pPr>
-            <a:r>
-              <a:rPr lang="en-US" sz="2200" dirty="0">
-                <a:solidFill>
-                  <a:schemeClr val="tx1"/>
-                </a:solidFill>
-              </a:rPr>
-              <a:t>To find out problem faced by consumers in availing of vehicle finance</a:t>
-            </a:r>
-            <a:endParaRPr lang="en-IN" sz="2000" dirty="0">
-              <a:solidFill>
-                <a:schemeClr val="tx1"/>
-              </a:solidFill>
-            </a:endParaRPr>
-          </a:p>
-          <a:p>
-            <a:pPr marL="342900" indent="-342900" algn="l">
-              <a:buFont typeface="Arial" panose="020B0604020202020204" pitchFamily="34" charset="0"/>
-              <a:buChar char="•"/>
-            </a:pPr>
-            <a:r>
-              <a:rPr lang="en-US" sz="2400" dirty="0">
-                <a:solidFill>
-                  <a:schemeClr val="tx1"/>
-                </a:solidFill>
-              </a:rPr>
-              <a:t>Finding out the critical features that to help him/the company to evaluate the probability of default of the customer, as well as prevent loosing out potential customers otherwise lost.</a:t>
-            </a:r>
-          </a:p>
-          <a:p>
-            <a:pPr marL="342900" indent="-342900" algn="l">
-              <a:buFont typeface="Arial" panose="020B0604020202020204" pitchFamily="34" charset="0"/>
-              <a:buChar char="•"/>
-            </a:pPr>
-            <a:r>
-              <a:rPr lang="en-US" sz="2400" dirty="0">
-                <a:solidFill>
-                  <a:schemeClr val="tx1"/>
-                </a:solidFill>
-              </a:rPr>
-              <a:t>Implementing a model that will help Banks to provide a better understanding about the customers and their status</a:t>
-            </a:r>
-          </a:p>
-          <a:p>
-            <a:pPr marL="342900" indent="-342900" algn="l">
-              <a:buFont typeface="Arial" panose="020B0604020202020204" pitchFamily="34" charset="0"/>
-              <a:buChar char="•"/>
-            </a:pPr>
-            <a:r>
-              <a:rPr lang="en-US" sz="2400" dirty="0">
-                <a:solidFill>
-                  <a:schemeClr val="tx1"/>
-                </a:solidFill>
-              </a:rPr>
-              <a:t>Reducing the losses suffered by the banks by availing loans to potential defaulters.</a:t>
-            </a:r>
-          </a:p>
-          <a:p>
-            <a:pPr algn="l"/>
-            <a:endParaRPr lang="en-US" sz="2400" dirty="0">
-              <a:solidFill>
-                <a:srgbClr val="0055A0"/>
-              </a:solidFill>
-            </a:endParaRPr>
-          </a:p>
-          <a:p>
-            <a:pPr marL="342900" indent="-342900" algn="l">
-              <a:buFont typeface="Wingdings" panose="05000000000000000000" pitchFamily="2" charset="2"/>
-              <a:buChar char="Ø"/>
-            </a:pPr>
-            <a:endParaRPr lang="en-IN" sz="2400" dirty="0">
-              <a:solidFill>
-                <a:srgbClr val="0055A0"/>
-              </a:solidFill>
-            </a:endParaRPr>
-          </a:p>
-          <a:p>
-            <a:pPr marL="342900" indent="-342900" algn="l">
-              <a:buFont typeface="Wingdings" panose="05000000000000000000" pitchFamily="2" charset="2"/>
-              <a:buChar char="Ø"/>
-            </a:pPr>
-            <a:endParaRPr lang="en-IN" sz="2400" dirty="0">
-              <a:solidFill>
-                <a:srgbClr val="0055A0"/>
-              </a:solidFill>
-            </a:endParaRPr>
-          </a:p>
-        </p:txBody>
-      </p:sp>
-      <p:sp>
-        <p:nvSpPr>
-          <p:cNvPr id="31" name="TextBox 30"/>
-          <p:cNvSpPr txBox="1"/>
-          <p:nvPr/>
-        </p:nvSpPr>
-        <p:spPr>
-          <a:xfrm>
-            <a:off x="454231" y="54114"/>
-            <a:ext cx="8537369" cy="707886"/>
-          </a:xfrm>
-          <a:prstGeom prst="rect">
-            <a:avLst/>
-          </a:prstGeom>
-          <a:noFill/>
-        </p:spPr>
-        <p:txBody>
-          <a:bodyPr wrap="square" rtlCol="0">
-            <a:spAutoFit/>
-          </a:bodyPr>
-          <a:lstStyle/>
-          <a:p>
-            <a:r>
-              <a:rPr lang="en-US" sz="4000" dirty="0">
-                <a:ea typeface="굴림" panose="020B0600000101010101" pitchFamily="34" charset="-127"/>
-              </a:rPr>
-              <a:t>Problem Definition</a:t>
-            </a:r>
-            <a:endParaRPr lang="en-US" sz="4000" b="1" dirty="0"/>
-          </a:p>
-        </p:txBody>
-      </p:sp>
-    </p:spTree>
-    <p:extLst>
-      <p:ext uri="{BB962C8B-B14F-4D97-AF65-F5344CB8AC3E}">
-        <p14:creationId xmlns:p14="http://schemas.microsoft.com/office/powerpoint/2010/main" val="3761210359"/>
-      </p:ext>
-    </p:extLst>
-  </p:cSld>
-  <p:clrMapOvr>
-    <a:masterClrMapping/>
-  </p:clrMapOvr>
-</p:sld>
-</file>
-
-<file path=ppt/slides/slide4.xml><?xml version="1.0" encoding="utf-8"?>
-<p:sld xmlns:a="http://schemas.openxmlformats.org/drawingml/2006/main" xmlns:r="http://schemas.openxmlformats.org/officeDocument/2006/relationships" xmlns:p="http://schemas.openxmlformats.org/presentationml/2006/main">
-  <p:cSld>
-    <p:spTree>
-      <p:nvGrpSpPr>
-        <p:cNvPr id="1" name=""/>
-        <p:cNvGrpSpPr/>
-        <p:nvPr/>
-      </p:nvGrpSpPr>
-      <p:grpSpPr>
-        <a:xfrm>
-          <a:off x="0" y="0"/>
-          <a:ext cx="0" cy="0"/>
-          <a:chOff x="0" y="0"/>
-          <a:chExt cx="0" cy="0"/>
-        </a:xfrm>
-      </p:grpSpPr>
-      <p:sp>
-        <p:nvSpPr>
-          <p:cNvPr id="2" name="Title 1"/>
-          <p:cNvSpPr>
-            <a:spLocks noGrp="1"/>
-          </p:cNvSpPr>
-          <p:nvPr>
-            <p:ph type="title"/>
-          </p:nvPr>
-        </p:nvSpPr>
-        <p:spPr>
-          <a:xfrm>
-            <a:off x="628650" y="457200"/>
-            <a:ext cx="7886700" cy="1590571"/>
-          </a:xfrm>
-        </p:spPr>
-        <p:txBody>
-          <a:bodyPr>
-            <a:normAutofit/>
-          </a:bodyPr>
-          <a:lstStyle/>
-          <a:p>
-            <a:pPr algn="l"/>
-            <a:r>
-              <a:rPr lang="en-IN" sz="1650" dirty="0">
-                <a:latin typeface="Arial Rounded MT Bold" panose="020F0704030504030204" pitchFamily="34" charset="0"/>
-              </a:rPr>
-              <a:t>Distribution plot on numerical features:</a:t>
-            </a:r>
-            <a:br>
-              <a:rPr lang="en-IN" sz="1650" b="1" dirty="0">
-                <a:latin typeface="Arial Rounded MT Bold" panose="020F0704030504030204" pitchFamily="34" charset="0"/>
-              </a:rPr>
-            </a:br>
-            <a:r>
-              <a:rPr lang="en-IN" sz="1400" dirty="0">
-                <a:latin typeface="+mn-lt"/>
-              </a:rPr>
-              <a:t>Here numerical features are used for distribution plot. Most of the numerical variable like Asset cost distribution, primary CB, disbursed amount follows right skewed distribution whereas LTV follows left skewed distribution. Because in case if the borrower defaults on the loan</a:t>
-            </a:r>
-            <a:br>
-              <a:rPr lang="en-IN" sz="1400" dirty="0">
-                <a:latin typeface="+mn-lt"/>
-              </a:rPr>
-            </a:br>
-            <a:r>
-              <a:rPr lang="en-IN" sz="1400" dirty="0">
-                <a:latin typeface="+mn-lt"/>
-              </a:rPr>
-              <a:t>the lender can reposes the collateral and collect the money by selling it off. They can recover the losses for defaulted loan.</a:t>
-            </a:r>
-            <a:endParaRPr lang="en-IN" sz="1400" dirty="0">
-              <a:latin typeface="Arial Rounded MT Bold" panose="020F0704030504030204" pitchFamily="34" charset="0"/>
-            </a:endParaRPr>
-          </a:p>
-        </p:txBody>
-      </p:sp>
-      <p:pic>
-        <p:nvPicPr>
-          <p:cNvPr id="7" name="Picture 6"/>
-          <p:cNvPicPr>
-            <a:picLocks noChangeAspect="1"/>
-          </p:cNvPicPr>
-          <p:nvPr/>
-        </p:nvPicPr>
-        <p:blipFill>
-          <a:blip r:embed="rId2">
-            <a:extLst>
-              <a:ext uri="{28A0092B-C50C-407E-A947-70E740481C1C}">
-                <a14:useLocalDpi xmlns:a14="http://schemas.microsoft.com/office/drawing/2010/main" val="0"/>
-              </a:ext>
-            </a:extLst>
-          </a:blip>
-          <a:stretch>
-            <a:fillRect/>
-          </a:stretch>
-        </p:blipFill>
-        <p:spPr>
-          <a:xfrm>
-            <a:off x="484153" y="2103087"/>
-            <a:ext cx="3729706" cy="2366615"/>
-          </a:xfrm>
-          <a:prstGeom prst="rect">
-            <a:avLst/>
-          </a:prstGeom>
-        </p:spPr>
-      </p:pic>
-      <p:pic>
-        <p:nvPicPr>
-          <p:cNvPr id="8" name="Picture 7"/>
-          <p:cNvPicPr>
-            <a:picLocks noChangeAspect="1"/>
-          </p:cNvPicPr>
-          <p:nvPr/>
-        </p:nvPicPr>
-        <p:blipFill>
-          <a:blip r:embed="rId3">
-            <a:extLst>
-              <a:ext uri="{28A0092B-C50C-407E-A947-70E740481C1C}">
-                <a14:useLocalDpi xmlns:a14="http://schemas.microsoft.com/office/drawing/2010/main" val="0"/>
-              </a:ext>
-            </a:extLst>
-          </a:blip>
-          <a:stretch>
-            <a:fillRect/>
-          </a:stretch>
-        </p:blipFill>
-        <p:spPr>
-          <a:xfrm>
-            <a:off x="4973274" y="2208503"/>
-            <a:ext cx="3686573" cy="2155782"/>
-          </a:xfrm>
-          <a:prstGeom prst="rect">
-            <a:avLst/>
-          </a:prstGeom>
-        </p:spPr>
-      </p:pic>
-      <p:pic>
-        <p:nvPicPr>
-          <p:cNvPr id="10" name="Content Placeholder 9"/>
-          <p:cNvPicPr>
-            <a:picLocks noGrp="1" noChangeAspect="1"/>
-          </p:cNvPicPr>
-          <p:nvPr>
-            <p:ph idx="1"/>
-          </p:nvPr>
-        </p:nvPicPr>
-        <p:blipFill>
-          <a:blip r:embed="rId4">
-            <a:extLst>
-              <a:ext uri="{28A0092B-C50C-407E-A947-70E740481C1C}">
-                <a14:useLocalDpi xmlns:a14="http://schemas.microsoft.com/office/drawing/2010/main" val="0"/>
-              </a:ext>
-            </a:extLst>
-          </a:blip>
-          <a:stretch>
-            <a:fillRect/>
-          </a:stretch>
-        </p:blipFill>
-        <p:spPr>
-          <a:xfrm>
-            <a:off x="4891177" y="4419600"/>
-            <a:ext cx="3752959" cy="2155782"/>
-          </a:xfrm>
-        </p:spPr>
-      </p:pic>
-      <p:pic>
-        <p:nvPicPr>
-          <p:cNvPr id="11" name="Picture 10"/>
-          <p:cNvPicPr>
-            <a:picLocks noChangeAspect="1"/>
-          </p:cNvPicPr>
-          <p:nvPr/>
-        </p:nvPicPr>
-        <p:blipFill>
-          <a:blip r:embed="rId5">
-            <a:extLst>
-              <a:ext uri="{28A0092B-C50C-407E-A947-70E740481C1C}">
-                <a14:useLocalDpi xmlns:a14="http://schemas.microsoft.com/office/drawing/2010/main" val="0"/>
-              </a:ext>
-            </a:extLst>
-          </a:blip>
-          <a:stretch>
-            <a:fillRect/>
-          </a:stretch>
-        </p:blipFill>
-        <p:spPr>
-          <a:xfrm>
-            <a:off x="499864" y="4503481"/>
-            <a:ext cx="3762899" cy="2086827"/>
-          </a:xfrm>
-          <a:prstGeom prst="rect">
-            <a:avLst/>
-          </a:prstGeom>
-        </p:spPr>
-      </p:pic>
-    </p:spTree>
-    <p:extLst>
-      <p:ext uri="{BB962C8B-B14F-4D97-AF65-F5344CB8AC3E}">
-        <p14:creationId xmlns:p14="http://schemas.microsoft.com/office/powerpoint/2010/main" val="3383383383"/>
-      </p:ext>
-    </p:extLst>
-  </p:cSld>
-  <p:clrMapOvr>
-    <a:masterClrMapping/>
-  </p:clrMapOvr>
-</p:sld>
-</file>
-
-<file path=ppt/slides/slide5.xml><?xml version="1.0" encoding="utf-8"?>
-<p:sld xmlns:a="http://schemas.openxmlformats.org/drawingml/2006/main" xmlns:r="http://schemas.openxmlformats.org/officeDocument/2006/relationships" xmlns:p="http://schemas.openxmlformats.org/presentationml/2006/main">
-  <p:cSld>
-    <p:spTree>
-      <p:nvGrpSpPr>
-        <p:cNvPr id="1" name=""/>
-        <p:cNvGrpSpPr/>
-        <p:nvPr/>
-      </p:nvGrpSpPr>
-      <p:grpSpPr>
-        <a:xfrm>
-          <a:off x="0" y="0"/>
-          <a:ext cx="0" cy="0"/>
-          <a:chOff x="0" y="0"/>
-          <a:chExt cx="0" cy="0"/>
-        </a:xfrm>
-      </p:grpSpPr>
-      <p:sp>
-        <p:nvSpPr>
-          <p:cNvPr id="2" name="Title 1"/>
-          <p:cNvSpPr>
-            <a:spLocks noGrp="1"/>
-          </p:cNvSpPr>
-          <p:nvPr>
-            <p:ph type="title"/>
-          </p:nvPr>
-        </p:nvSpPr>
-        <p:spPr>
-          <a:xfrm>
-            <a:off x="439947" y="381000"/>
-            <a:ext cx="8119613" cy="1981200"/>
-          </a:xfrm>
-        </p:spPr>
-        <p:txBody>
-          <a:bodyPr>
-            <a:normAutofit fontScale="90000"/>
-          </a:bodyPr>
-          <a:lstStyle/>
-          <a:p>
-            <a:pPr algn="l"/>
-            <a:r>
-              <a:rPr lang="en-IN" sz="1800" dirty="0">
-                <a:latin typeface="Arial Rounded MT Bold" panose="020F0704030504030204" pitchFamily="34" charset="0"/>
-              </a:rPr>
-              <a:t>Plots on various features:</a:t>
-            </a:r>
-            <a:br>
-              <a:rPr lang="en-IN" sz="1800" dirty="0">
-                <a:latin typeface="Arial Rounded MT Bold" panose="020F0704030504030204" pitchFamily="34" charset="0"/>
-              </a:rPr>
-            </a:br>
-            <a:r>
-              <a:rPr lang="en-IN" sz="1800" dirty="0">
-                <a:latin typeface="+mn-lt"/>
-              </a:rPr>
-              <a:t> Count plot for employment type is compared with the loan defaulters here where most of the self employed are a non-loan defaulters. </a:t>
-            </a:r>
-            <a:r>
-              <a:rPr lang="en-IN" sz="1800" dirty="0" err="1">
-                <a:latin typeface="+mn-lt"/>
-              </a:rPr>
-              <a:t>Aadhar</a:t>
-            </a:r>
-            <a:r>
-              <a:rPr lang="en-IN" sz="1800" dirty="0">
-                <a:latin typeface="+mn-lt"/>
-              </a:rPr>
-              <a:t> and pan details compared with loan defaulters. Person with </a:t>
-            </a:r>
-            <a:r>
-              <a:rPr lang="en-IN" sz="1800" dirty="0" err="1">
-                <a:latin typeface="+mn-lt"/>
-              </a:rPr>
-              <a:t>aadhar</a:t>
-            </a:r>
-            <a:r>
-              <a:rPr lang="en-IN" sz="1800" dirty="0">
-                <a:latin typeface="+mn-lt"/>
-              </a:rPr>
-              <a:t> are a loan defaulter whereas its just opposite to Pan details. Significant features like disbursed amount and asset amount plotted with loan defaulters, here the distribution is almost same shows no correlation with the target variable.</a:t>
-            </a:r>
-            <a:br>
-              <a:rPr lang="en-IN" sz="1800" dirty="0">
-                <a:latin typeface="Arial Rounded MT Bold" panose="020F0704030504030204" pitchFamily="34" charset="0"/>
-              </a:rPr>
-            </a:br>
-            <a:br>
-              <a:rPr lang="en-IN" sz="1650" dirty="0">
-                <a:latin typeface="Arial Rounded MT Bold" panose="020F0704030504030204" pitchFamily="34" charset="0"/>
-              </a:rPr>
-            </a:br>
-            <a:endParaRPr lang="en-IN" sz="1650" dirty="0">
-              <a:latin typeface="Arial Rounded MT Bold" panose="020F0704030504030204" pitchFamily="34" charset="0"/>
-            </a:endParaRPr>
-          </a:p>
-        </p:txBody>
-      </p:sp>
-      <p:pic>
-        <p:nvPicPr>
-          <p:cNvPr id="5" name="Picture 4"/>
-          <p:cNvPicPr>
-            <a:picLocks noChangeAspect="1"/>
-          </p:cNvPicPr>
-          <p:nvPr/>
-        </p:nvPicPr>
-        <p:blipFill>
-          <a:blip r:embed="rId2">
-            <a:extLst>
-              <a:ext uri="{28A0092B-C50C-407E-A947-70E740481C1C}">
-                <a14:useLocalDpi xmlns:a14="http://schemas.microsoft.com/office/drawing/2010/main" val="0"/>
-              </a:ext>
-            </a:extLst>
-          </a:blip>
-          <a:stretch>
-            <a:fillRect/>
-          </a:stretch>
-        </p:blipFill>
-        <p:spPr>
-          <a:xfrm>
-            <a:off x="735291" y="2223674"/>
-            <a:ext cx="3329687" cy="2177370"/>
-          </a:xfrm>
-          <a:prstGeom prst="rect">
-            <a:avLst/>
-          </a:prstGeom>
-        </p:spPr>
-      </p:pic>
-      <p:pic>
-        <p:nvPicPr>
-          <p:cNvPr id="6" name="Picture 5"/>
-          <p:cNvPicPr>
-            <a:picLocks noChangeAspect="1"/>
-          </p:cNvPicPr>
-          <p:nvPr/>
-        </p:nvPicPr>
-        <p:blipFill>
-          <a:blip r:embed="rId3">
-            <a:extLst>
-              <a:ext uri="{28A0092B-C50C-407E-A947-70E740481C1C}">
-                <a14:useLocalDpi xmlns:a14="http://schemas.microsoft.com/office/drawing/2010/main" val="0"/>
-              </a:ext>
-            </a:extLst>
-          </a:blip>
-          <a:stretch>
-            <a:fillRect/>
-          </a:stretch>
-        </p:blipFill>
-        <p:spPr>
-          <a:xfrm>
-            <a:off x="5079024" y="2223674"/>
-            <a:ext cx="2835935" cy="2177370"/>
-          </a:xfrm>
-          <a:prstGeom prst="rect">
-            <a:avLst/>
-          </a:prstGeom>
-        </p:spPr>
-      </p:pic>
-      <p:pic>
-        <p:nvPicPr>
-          <p:cNvPr id="11" name="Picture 10"/>
-          <p:cNvPicPr>
-            <a:picLocks noChangeAspect="1"/>
-          </p:cNvPicPr>
-          <p:nvPr/>
-        </p:nvPicPr>
-        <p:blipFill>
-          <a:blip r:embed="rId4">
-            <a:extLst>
-              <a:ext uri="{28A0092B-C50C-407E-A947-70E740481C1C}">
-                <a14:useLocalDpi xmlns:a14="http://schemas.microsoft.com/office/drawing/2010/main" val="0"/>
-              </a:ext>
-            </a:extLst>
-          </a:blip>
-          <a:stretch>
-            <a:fillRect/>
-          </a:stretch>
-        </p:blipFill>
-        <p:spPr>
-          <a:xfrm>
-            <a:off x="762000" y="4353974"/>
-            <a:ext cx="3302978" cy="2275426"/>
-          </a:xfrm>
-          <a:prstGeom prst="rect">
-            <a:avLst/>
-          </a:prstGeom>
-        </p:spPr>
-      </p:pic>
-      <p:pic>
-        <p:nvPicPr>
-          <p:cNvPr id="12" name="Picture 11"/>
-          <p:cNvPicPr>
-            <a:picLocks noChangeAspect="1"/>
-          </p:cNvPicPr>
-          <p:nvPr/>
-        </p:nvPicPr>
-        <p:blipFill>
-          <a:blip r:embed="rId5">
-            <a:extLst>
-              <a:ext uri="{28A0092B-C50C-407E-A947-70E740481C1C}">
-                <a14:useLocalDpi xmlns:a14="http://schemas.microsoft.com/office/drawing/2010/main" val="0"/>
-              </a:ext>
-            </a:extLst>
-          </a:blip>
-          <a:stretch>
-            <a:fillRect/>
-          </a:stretch>
-        </p:blipFill>
-        <p:spPr>
-          <a:xfrm>
-            <a:off x="5120116" y="4353974"/>
-            <a:ext cx="2753750" cy="2131524"/>
-          </a:xfrm>
-          <a:prstGeom prst="rect">
-            <a:avLst/>
-          </a:prstGeom>
-        </p:spPr>
-      </p:pic>
-    </p:spTree>
-    <p:extLst>
-      <p:ext uri="{BB962C8B-B14F-4D97-AF65-F5344CB8AC3E}">
-        <p14:creationId xmlns:p14="http://schemas.microsoft.com/office/powerpoint/2010/main" val="2232089093"/>
-      </p:ext>
-    </p:extLst>
-  </p:cSld>
-  <p:clrMapOvr>
-    <a:masterClrMapping/>
-  </p:clrMapOvr>
-</p:sld>
-</file>
-
-<file path=ppt/slides/slide6.xml><?xml version="1.0" encoding="utf-8"?>
-<p:sld xmlns:a="http://schemas.openxmlformats.org/drawingml/2006/main" xmlns:r="http://schemas.openxmlformats.org/officeDocument/2006/relationships" xmlns:p="http://schemas.openxmlformats.org/presentationml/2006/main">
-  <p:cSld>
-    <p:spTree>
-      <p:nvGrpSpPr>
-        <p:cNvPr id="1" name=""/>
-        <p:cNvGrpSpPr/>
-        <p:nvPr/>
-      </p:nvGrpSpPr>
-      <p:grpSpPr>
-        <a:xfrm>
-          <a:off x="0" y="0"/>
-          <a:ext cx="0" cy="0"/>
-          <a:chOff x="0" y="0"/>
-          <a:chExt cx="0" cy="0"/>
-        </a:xfrm>
-      </p:grpSpPr>
-      <p:sp>
-        <p:nvSpPr>
-          <p:cNvPr id="2" name="Title 1"/>
-          <p:cNvSpPr>
-            <a:spLocks noGrp="1"/>
-          </p:cNvSpPr>
-          <p:nvPr>
-            <p:ph type="title"/>
-          </p:nvPr>
-        </p:nvSpPr>
-        <p:spPr>
-          <a:xfrm>
-            <a:off x="628650" y="457200"/>
-            <a:ext cx="8134350" cy="1459298"/>
-          </a:xfrm>
-        </p:spPr>
-        <p:txBody>
-          <a:bodyPr>
-            <a:normAutofit fontScale="90000"/>
-          </a:bodyPr>
-          <a:lstStyle/>
-          <a:p>
-            <a:pPr algn="l"/>
-            <a:br>
-              <a:rPr lang="en-IN" sz="2700" dirty="0"/>
-            </a:br>
-            <a:r>
-              <a:rPr lang="en-IN" sz="2700" dirty="0"/>
-              <a:t>Box plot on significant feature:</a:t>
-            </a:r>
-            <a:br>
-              <a:rPr lang="en-IN" sz="1650" dirty="0">
-                <a:latin typeface="Arial Rounded MT Bold" panose="020F0704030504030204" pitchFamily="34" charset="0"/>
-              </a:rPr>
-            </a:br>
-            <a:br>
-              <a:rPr lang="en-IN" sz="1650" dirty="0">
-                <a:latin typeface="Arial Rounded MT Bold" panose="020F0704030504030204" pitchFamily="34" charset="0"/>
-              </a:rPr>
-            </a:br>
-            <a:r>
-              <a:rPr lang="en-IN" sz="2000" dirty="0">
-                <a:latin typeface="+mn-lt"/>
-              </a:rPr>
-              <a:t>Significant features like disbursed amount and asset amount plotted with loan defaulters, here the distribution is almost same shows no correlation with the target variable.</a:t>
-            </a:r>
-            <a:br>
-              <a:rPr lang="en-IN" sz="2000" dirty="0">
-                <a:latin typeface="+mn-lt"/>
-              </a:rPr>
-            </a:br>
-            <a:endParaRPr lang="en-IN" sz="2000" dirty="0">
-              <a:latin typeface="+mn-lt"/>
-            </a:endParaRPr>
-          </a:p>
-        </p:txBody>
-      </p:sp>
-      <p:pic>
-        <p:nvPicPr>
-          <p:cNvPr id="4" name="Content Placeholder 3"/>
-          <p:cNvPicPr>
-            <a:picLocks noGrp="1" noChangeAspect="1"/>
-          </p:cNvPicPr>
-          <p:nvPr>
-            <p:ph idx="1"/>
-          </p:nvPr>
-        </p:nvPicPr>
-        <p:blipFill>
-          <a:blip r:embed="rId2">
-            <a:extLst>
-              <a:ext uri="{28A0092B-C50C-407E-A947-70E740481C1C}">
-                <a14:useLocalDpi xmlns:a14="http://schemas.microsoft.com/office/drawing/2010/main" val="0"/>
-              </a:ext>
-            </a:extLst>
-          </a:blip>
-          <a:stretch>
-            <a:fillRect/>
-          </a:stretch>
-        </p:blipFill>
-        <p:spPr>
-          <a:xfrm>
-            <a:off x="628650" y="1916498"/>
-            <a:ext cx="3434392" cy="2050930"/>
-          </a:xfrm>
-        </p:spPr>
-      </p:pic>
-      <p:pic>
-        <p:nvPicPr>
-          <p:cNvPr id="5" name="Picture 4"/>
-          <p:cNvPicPr>
-            <a:picLocks noChangeAspect="1"/>
-          </p:cNvPicPr>
-          <p:nvPr/>
-        </p:nvPicPr>
-        <p:blipFill>
-          <a:blip r:embed="rId3">
-            <a:extLst>
-              <a:ext uri="{28A0092B-C50C-407E-A947-70E740481C1C}">
-                <a14:useLocalDpi xmlns:a14="http://schemas.microsoft.com/office/drawing/2010/main" val="0"/>
-              </a:ext>
-            </a:extLst>
-          </a:blip>
-          <a:stretch>
-            <a:fillRect/>
-          </a:stretch>
-        </p:blipFill>
-        <p:spPr>
-          <a:xfrm>
-            <a:off x="4787660" y="1834192"/>
-            <a:ext cx="3202557" cy="2093297"/>
-          </a:xfrm>
-          <a:prstGeom prst="rect">
-            <a:avLst/>
-          </a:prstGeom>
-        </p:spPr>
-      </p:pic>
-      <p:sp>
-        <p:nvSpPr>
-          <p:cNvPr id="6" name="Rectangle 5"/>
-          <p:cNvSpPr/>
-          <p:nvPr/>
-        </p:nvSpPr>
-        <p:spPr>
-          <a:xfrm>
-            <a:off x="517585" y="4273541"/>
-            <a:ext cx="7142672" cy="2123658"/>
-          </a:xfrm>
-          <a:prstGeom prst="rect">
-            <a:avLst/>
-          </a:prstGeom>
-        </p:spPr>
-        <p:txBody>
-          <a:bodyPr wrap="square">
-            <a:spAutoFit/>
-          </a:bodyPr>
-          <a:lstStyle/>
-          <a:p>
-            <a:r>
-              <a:rPr lang="en-IN" sz="2400" dirty="0"/>
-              <a:t>Multi collinearity check:</a:t>
-            </a:r>
-          </a:p>
-          <a:p>
-            <a:endParaRPr lang="en-IN" dirty="0"/>
-          </a:p>
-          <a:p>
-            <a:pPr marL="214313" indent="-214313">
-              <a:buFont typeface="Arial" panose="020B0604020202020204" pitchFamily="34" charset="0"/>
-              <a:buChar char="•"/>
-            </a:pPr>
-            <a:r>
-              <a:rPr lang="en-IN" dirty="0"/>
-              <a:t>Multi collinearity check is performed.</a:t>
-            </a:r>
-          </a:p>
-          <a:p>
-            <a:endParaRPr lang="en-IN" dirty="0"/>
-          </a:p>
-          <a:p>
-            <a:pPr marL="214313" indent="-214313">
-              <a:buFont typeface="Arial" panose="020B0604020202020204" pitchFamily="34" charset="0"/>
-              <a:buChar char="•"/>
-            </a:pPr>
-            <a:r>
-              <a:rPr lang="en-IN" dirty="0"/>
-              <a:t> Features like primary disbursed amount, secondary sanctioned amount and secondary disbursed amount is highly correlated with target variable.</a:t>
-            </a:r>
-          </a:p>
-        </p:txBody>
-      </p:sp>
-    </p:spTree>
-    <p:extLst>
-      <p:ext uri="{BB962C8B-B14F-4D97-AF65-F5344CB8AC3E}">
-        <p14:creationId xmlns:p14="http://schemas.microsoft.com/office/powerpoint/2010/main" val="4214860241"/>
-      </p:ext>
-    </p:extLst>
-  </p:cSld>
-  <p:clrMapOvr>
-    <a:masterClrMapping/>
-  </p:clrMapOvr>
-</p:sld>
-</file>
-
-<file path=ppt/slides/slide7.xml><?xml version="1.0" encoding="utf-8"?>
-<p:sld xmlns:a="http://schemas.openxmlformats.org/drawingml/2006/main" xmlns:r="http://schemas.openxmlformats.org/officeDocument/2006/relationships" xmlns:p="http://schemas.openxmlformats.org/presentationml/2006/main">
-  <p:cSld>
-    <p:spTree>
-      <p:nvGrpSpPr>
-        <p:cNvPr id="1" name=""/>
-        <p:cNvGrpSpPr/>
-        <p:nvPr/>
-      </p:nvGrpSpPr>
-      <p:grpSpPr>
-        <a:xfrm>
-          <a:off x="0" y="0"/>
-          <a:ext cx="0" cy="0"/>
-          <a:chOff x="0" y="0"/>
-          <a:chExt cx="0" cy="0"/>
-        </a:xfrm>
-      </p:grpSpPr>
-      <p:sp>
-        <p:nvSpPr>
-          <p:cNvPr id="2" name="Title 1">
-            <a:extLst>
-              <a:ext uri="{FF2B5EF4-FFF2-40B4-BE49-F238E27FC236}">
                 <a16:creationId xmlns:a16="http://schemas.microsoft.com/office/drawing/2014/main" id="{9AB43798-AC9D-4740-8653-01EC298A70B8}"/>
               </a:ext>
             </a:extLst>
@@ -5961,7 +4053,7 @@
 </p:sld>
 </file>
 
-<file path=ppt/slides/slide8.xml><?xml version="1.0" encoding="utf-8"?>
+<file path=ppt/slides/slide11.xml><?xml version="1.0" encoding="utf-8"?>
 <p:sld xmlns:a="http://schemas.openxmlformats.org/drawingml/2006/main" xmlns:r="http://schemas.openxmlformats.org/officeDocument/2006/relationships" xmlns:p="http://schemas.openxmlformats.org/presentationml/2006/main">
   <p:cSld>
     <p:spTree>
@@ -6430,6 +4522,3304 @@
 </p:sld>
 </file>
 
+<file path=ppt/slides/slide12.xml><?xml version="1.0" encoding="utf-8"?>
+<p:sld xmlns:a="http://schemas.openxmlformats.org/drawingml/2006/main" xmlns:r="http://schemas.openxmlformats.org/officeDocument/2006/relationships" xmlns:p="http://schemas.openxmlformats.org/presentationml/2006/main">
+  <p:cSld>
+    <p:spTree>
+      <p:nvGrpSpPr>
+        <p:cNvPr id="1" name=""/>
+        <p:cNvGrpSpPr/>
+        <p:nvPr/>
+      </p:nvGrpSpPr>
+      <p:grpSpPr>
+        <a:xfrm>
+          <a:off x="0" y="0"/>
+          <a:ext cx="0" cy="0"/>
+          <a:chOff x="0" y="0"/>
+          <a:chExt cx="0" cy="0"/>
+        </a:xfrm>
+      </p:grpSpPr>
+      <p:sp>
+        <p:nvSpPr>
+          <p:cNvPr id="2" name="Title 1">
+            <a:extLst>
+              <a:ext uri="{FF2B5EF4-FFF2-40B4-BE49-F238E27FC236}">
+                <a16:creationId xmlns:a16="http://schemas.microsoft.com/office/drawing/2014/main" id="{541A397E-F577-49FF-BC80-010E4660590D}"/>
+              </a:ext>
+            </a:extLst>
+          </p:cNvPr>
+          <p:cNvSpPr>
+            <a:spLocks noGrp="1"/>
+          </p:cNvSpPr>
+          <p:nvPr>
+            <p:ph type="title"/>
+          </p:nvPr>
+        </p:nvSpPr>
+        <p:spPr/>
+        <p:txBody>
+          <a:bodyPr/>
+          <a:lstStyle/>
+          <a:p>
+            <a:pPr algn="l"/>
+            <a:r>
+              <a:rPr lang="en-US" dirty="0"/>
+              <a:t>Feature Engineering</a:t>
+            </a:r>
+          </a:p>
+        </p:txBody>
+      </p:sp>
+      <p:sp>
+        <p:nvSpPr>
+          <p:cNvPr id="3" name="Content Placeholder 2">
+            <a:extLst>
+              <a:ext uri="{FF2B5EF4-FFF2-40B4-BE49-F238E27FC236}">
+                <a16:creationId xmlns:a16="http://schemas.microsoft.com/office/drawing/2014/main" id="{4887195E-57E5-4EF2-9755-BE81F07132A4}"/>
+              </a:ext>
+            </a:extLst>
+          </p:cNvPr>
+          <p:cNvSpPr>
+            <a:spLocks noGrp="1"/>
+          </p:cNvSpPr>
+          <p:nvPr>
+            <p:ph idx="1"/>
+          </p:nvPr>
+        </p:nvSpPr>
+        <p:spPr/>
+        <p:txBody>
+          <a:bodyPr>
+            <a:normAutofit/>
+          </a:bodyPr>
+          <a:lstStyle/>
+          <a:p>
+            <a:pPr marL="0" indent="0">
+              <a:buNone/>
+            </a:pPr>
+            <a:r>
+              <a:rPr lang="en-IN" sz="2400" dirty="0"/>
+              <a:t>1. </a:t>
+            </a:r>
+            <a:r>
+              <a:rPr lang="en-IN" sz="2400" b="1" dirty="0"/>
+              <a:t>Transformations</a:t>
+            </a:r>
+            <a:r>
+              <a:rPr lang="en-IN" sz="2400" dirty="0"/>
+              <a:t> :</a:t>
+            </a:r>
+          </a:p>
+          <a:p>
+            <a:pPr marL="0" indent="0">
+              <a:buNone/>
+            </a:pPr>
+            <a:r>
+              <a:rPr lang="en-IN" sz="2400" dirty="0"/>
+              <a:t>Yes . Since the data is not normally distributed (Highly right skewed), We tried Log transform, Sqrt transform.</a:t>
+            </a:r>
+          </a:p>
+          <a:p>
+            <a:pPr marL="0" indent="0">
+              <a:buNone/>
+            </a:pPr>
+            <a:r>
+              <a:rPr lang="en-IN" sz="2400" dirty="0"/>
+              <a:t>2. </a:t>
+            </a:r>
+            <a:r>
+              <a:rPr lang="en-IN" sz="2400" b="1" dirty="0"/>
+              <a:t>Scaling the data </a:t>
+            </a:r>
+            <a:r>
+              <a:rPr lang="en-IN" sz="2400" dirty="0"/>
+              <a:t>:</a:t>
+            </a:r>
+          </a:p>
+          <a:p>
+            <a:pPr marL="0" indent="0">
+              <a:buNone/>
+            </a:pPr>
+            <a:r>
+              <a:rPr lang="en-IN" sz="2400" dirty="0"/>
+              <a:t>Yes, the data has been scaled.</a:t>
+            </a:r>
+          </a:p>
+          <a:p>
+            <a:pPr marL="0" indent="0">
+              <a:buNone/>
+            </a:pPr>
+            <a:r>
+              <a:rPr lang="en-IN" sz="2400" dirty="0"/>
+              <a:t>3. </a:t>
+            </a:r>
+            <a:r>
+              <a:rPr lang="en-IN" sz="2400" b="1" dirty="0"/>
+              <a:t>Dimensionality reduction </a:t>
+            </a:r>
+            <a:r>
+              <a:rPr lang="en-IN" sz="2400" dirty="0"/>
+              <a:t>:</a:t>
+            </a:r>
+          </a:p>
+          <a:p>
+            <a:pPr marL="0" indent="0">
+              <a:buNone/>
+            </a:pPr>
+            <a:r>
+              <a:rPr lang="en-US" sz="2400" dirty="0"/>
+              <a:t>Since there is no multicollinearity in our data presently(removed after checking VIF), We haven’t done PCA.</a:t>
+            </a:r>
+            <a:endParaRPr lang="en-IN" sz="2400" dirty="0"/>
+          </a:p>
+        </p:txBody>
+      </p:sp>
+    </p:spTree>
+    <p:extLst>
+      <p:ext uri="{BB962C8B-B14F-4D97-AF65-F5344CB8AC3E}">
+        <p14:creationId xmlns:p14="http://schemas.microsoft.com/office/powerpoint/2010/main" val="3227524239"/>
+      </p:ext>
+    </p:extLst>
+  </p:cSld>
+  <p:clrMapOvr>
+    <a:masterClrMapping/>
+  </p:clrMapOvr>
+</p:sld>
+</file>
+
+<file path=ppt/slides/slide13.xml><?xml version="1.0" encoding="utf-8"?>
+<p:sld xmlns:a="http://schemas.openxmlformats.org/drawingml/2006/main" xmlns:r="http://schemas.openxmlformats.org/officeDocument/2006/relationships" xmlns:p="http://schemas.openxmlformats.org/presentationml/2006/main">
+  <p:cSld>
+    <p:spTree>
+      <p:nvGrpSpPr>
+        <p:cNvPr id="1" name=""/>
+        <p:cNvGrpSpPr/>
+        <p:nvPr/>
+      </p:nvGrpSpPr>
+      <p:grpSpPr>
+        <a:xfrm>
+          <a:off x="0" y="0"/>
+          <a:ext cx="0" cy="0"/>
+          <a:chOff x="0" y="0"/>
+          <a:chExt cx="0" cy="0"/>
+        </a:xfrm>
+      </p:grpSpPr>
+      <p:sp>
+        <p:nvSpPr>
+          <p:cNvPr id="2" name="Title 1">
+            <a:extLst>
+              <a:ext uri="{FF2B5EF4-FFF2-40B4-BE49-F238E27FC236}">
+                <a16:creationId xmlns:a16="http://schemas.microsoft.com/office/drawing/2014/main" id="{F6584AFD-6D6B-41BD-8AA7-E55CA8893D30}"/>
+              </a:ext>
+            </a:extLst>
+          </p:cNvPr>
+          <p:cNvSpPr>
+            <a:spLocks noGrp="1"/>
+          </p:cNvSpPr>
+          <p:nvPr>
+            <p:ph type="title"/>
+          </p:nvPr>
+        </p:nvSpPr>
+        <p:spPr>
+          <a:xfrm>
+            <a:off x="696798" y="228600"/>
+            <a:ext cx="8229600" cy="1143000"/>
+          </a:xfrm>
+        </p:spPr>
+        <p:txBody>
+          <a:bodyPr/>
+          <a:lstStyle/>
+          <a:p>
+            <a:pPr algn="l"/>
+            <a:r>
+              <a:rPr lang="en-US" dirty="0"/>
+              <a:t>Assumptions</a:t>
+            </a:r>
+          </a:p>
+        </p:txBody>
+      </p:sp>
+      <p:sp>
+        <p:nvSpPr>
+          <p:cNvPr id="3" name="Content Placeholder 2">
+            <a:extLst>
+              <a:ext uri="{FF2B5EF4-FFF2-40B4-BE49-F238E27FC236}">
+                <a16:creationId xmlns:a16="http://schemas.microsoft.com/office/drawing/2014/main" id="{1DD175B5-E4E4-4BD1-8A11-20DED898F8EA}"/>
+              </a:ext>
+            </a:extLst>
+          </p:cNvPr>
+          <p:cNvSpPr>
+            <a:spLocks noGrp="1"/>
+          </p:cNvSpPr>
+          <p:nvPr>
+            <p:ph idx="1"/>
+          </p:nvPr>
+        </p:nvSpPr>
+        <p:spPr>
+          <a:xfrm>
+            <a:off x="446988" y="1295400"/>
+            <a:ext cx="8229600" cy="2362200"/>
+          </a:xfrm>
+        </p:spPr>
+        <p:txBody>
+          <a:bodyPr>
+            <a:normAutofit/>
+          </a:bodyPr>
+          <a:lstStyle/>
+          <a:p>
+            <a:r>
+              <a:rPr lang="en-IN" sz="2400" b="1" dirty="0"/>
+              <a:t>General Assumptions: </a:t>
+            </a:r>
+          </a:p>
+          <a:p>
+            <a:pPr marL="0" indent="0">
+              <a:buNone/>
+            </a:pPr>
+            <a:r>
+              <a:rPr lang="en-IN" sz="2400" dirty="0"/>
+              <a:t>      1. No redundant data.</a:t>
+            </a:r>
+          </a:p>
+          <a:p>
+            <a:pPr marL="0" indent="0">
+              <a:buNone/>
+            </a:pPr>
+            <a:r>
+              <a:rPr lang="en-IN" sz="2400" b="1" dirty="0"/>
+              <a:t>      </a:t>
+            </a:r>
+            <a:r>
+              <a:rPr lang="en-IN" sz="2400" dirty="0"/>
+              <a:t>2.  Absence of Multicollinearity</a:t>
+            </a:r>
+          </a:p>
+          <a:p>
+            <a:r>
+              <a:rPr lang="en-IN" sz="2400" b="1" dirty="0"/>
+              <a:t>Naive Bayes</a:t>
+            </a:r>
+            <a:r>
+              <a:rPr lang="en-US" sz="2400" b="1" dirty="0"/>
+              <a:t> -  </a:t>
+            </a:r>
+            <a:r>
+              <a:rPr lang="en-US" sz="2400" dirty="0"/>
+              <a:t>Attributes are conditionally independent.</a:t>
+            </a:r>
+          </a:p>
+          <a:p>
+            <a:r>
+              <a:rPr lang="en-US" sz="2400" dirty="0"/>
+              <a:t>Decision Tree, Random Forest, KNN – No assumptions</a:t>
+            </a:r>
+          </a:p>
+          <a:p>
+            <a:endParaRPr lang="en-IN" sz="2400" b="1" dirty="0"/>
+          </a:p>
+        </p:txBody>
+      </p:sp>
+      <p:sp>
+        <p:nvSpPr>
+          <p:cNvPr id="4" name="Title 1">
+            <a:extLst>
+              <a:ext uri="{FF2B5EF4-FFF2-40B4-BE49-F238E27FC236}">
+                <a16:creationId xmlns:a16="http://schemas.microsoft.com/office/drawing/2014/main" id="{A148EF26-8D46-4B15-973B-75E03A95CDAE}"/>
+              </a:ext>
+            </a:extLst>
+          </p:cNvPr>
+          <p:cNvSpPr txBox="1">
+            <a:spLocks/>
+          </p:cNvSpPr>
+          <p:nvPr/>
+        </p:nvSpPr>
+        <p:spPr>
+          <a:xfrm>
+            <a:off x="685800" y="3657600"/>
+            <a:ext cx="8229600" cy="1143000"/>
+          </a:xfrm>
+          <a:prstGeom prst="rect">
+            <a:avLst/>
+          </a:prstGeom>
+        </p:spPr>
+        <p:txBody>
+          <a:bodyPr vert="horz" lIns="91440" tIns="45720" rIns="91440" bIns="45720" rtlCol="0" anchor="ctr">
+            <a:normAutofit/>
+          </a:bodyPr>
+          <a:lstStyle>
+            <a:lvl1pPr algn="ctr" defTabSz="914400" rtl="0" eaLnBrk="1" latinLnBrk="0" hangingPunct="1">
+              <a:spcBef>
+                <a:spcPct val="0"/>
+              </a:spcBef>
+              <a:buNone/>
+              <a:defRPr sz="4400" kern="1200">
+                <a:solidFill>
+                  <a:schemeClr val="tx1"/>
+                </a:solidFill>
+                <a:latin typeface="+mj-lt"/>
+                <a:ea typeface="+mj-ea"/>
+                <a:cs typeface="+mj-cs"/>
+              </a:defRPr>
+            </a:lvl1pPr>
+          </a:lstStyle>
+          <a:p>
+            <a:pPr algn="l"/>
+            <a:r>
+              <a:rPr lang="en-US" dirty="0"/>
+              <a:t>Reference</a:t>
+            </a:r>
+          </a:p>
+        </p:txBody>
+      </p:sp>
+      <p:sp>
+        <p:nvSpPr>
+          <p:cNvPr id="5" name="Content Placeholder 2">
+            <a:extLst>
+              <a:ext uri="{FF2B5EF4-FFF2-40B4-BE49-F238E27FC236}">
+                <a16:creationId xmlns:a16="http://schemas.microsoft.com/office/drawing/2014/main" id="{AC2B98C8-1410-4EE3-98A2-9AA56034D000}"/>
+              </a:ext>
+            </a:extLst>
+          </p:cNvPr>
+          <p:cNvSpPr txBox="1">
+            <a:spLocks/>
+          </p:cNvSpPr>
+          <p:nvPr/>
+        </p:nvSpPr>
+        <p:spPr>
+          <a:xfrm>
+            <a:off x="685800" y="4724400"/>
+            <a:ext cx="8229600" cy="4525963"/>
+          </a:xfrm>
+          <a:prstGeom prst="rect">
+            <a:avLst/>
+          </a:prstGeom>
+        </p:spPr>
+        <p:txBody>
+          <a:bodyPr vert="horz" lIns="91440" tIns="45720" rIns="91440" bIns="45720" rtlCol="0">
+            <a:normAutofit/>
+          </a:bodyPr>
+          <a:lstStyle>
+            <a:lvl1pPr marL="342900" indent="-342900" algn="l" defTabSz="914400" rtl="0" eaLnBrk="1" latinLnBrk="0" hangingPunct="1">
+              <a:spcBef>
+                <a:spcPct val="20000"/>
+              </a:spcBef>
+              <a:buFont typeface="Arial" panose="020B0604020202020204" pitchFamily="34" charset="0"/>
+              <a:buChar char="•"/>
+              <a:defRPr sz="3200" kern="1200">
+                <a:solidFill>
+                  <a:schemeClr val="tx1"/>
+                </a:solidFill>
+                <a:latin typeface="+mn-lt"/>
+                <a:ea typeface="+mn-ea"/>
+                <a:cs typeface="+mn-cs"/>
+              </a:defRPr>
+            </a:lvl1pPr>
+            <a:lvl2pPr marL="742950" indent="-285750" algn="l" defTabSz="914400" rtl="0" eaLnBrk="1" latinLnBrk="0" hangingPunct="1">
+              <a:spcBef>
+                <a:spcPct val="20000"/>
+              </a:spcBef>
+              <a:buFont typeface="Arial" panose="020B0604020202020204" pitchFamily="34" charset="0"/>
+              <a:buChar char="–"/>
+              <a:defRPr sz="2800" kern="1200">
+                <a:solidFill>
+                  <a:schemeClr val="tx1"/>
+                </a:solidFill>
+                <a:latin typeface="+mn-lt"/>
+                <a:ea typeface="+mn-ea"/>
+                <a:cs typeface="+mn-cs"/>
+              </a:defRPr>
+            </a:lvl2pPr>
+            <a:lvl3pPr marL="1143000" indent="-228600" algn="l" defTabSz="914400" rtl="0" eaLnBrk="1" latinLnBrk="0" hangingPunct="1">
+              <a:spcBef>
+                <a:spcPct val="20000"/>
+              </a:spcBef>
+              <a:buFont typeface="Arial" panose="020B0604020202020204" pitchFamily="34" charset="0"/>
+              <a:buChar char="•"/>
+              <a:defRPr sz="2400" kern="1200">
+                <a:solidFill>
+                  <a:schemeClr val="tx1"/>
+                </a:solidFill>
+                <a:latin typeface="+mn-lt"/>
+                <a:ea typeface="+mn-ea"/>
+                <a:cs typeface="+mn-cs"/>
+              </a:defRPr>
+            </a:lvl3pPr>
+            <a:lvl4pPr marL="1600200" indent="-228600" algn="l" defTabSz="914400" rtl="0" eaLnBrk="1" latinLnBrk="0" hangingPunct="1">
+              <a:spcBef>
+                <a:spcPct val="20000"/>
+              </a:spcBef>
+              <a:buFont typeface="Arial" panose="020B0604020202020204" pitchFamily="34" charset="0"/>
+              <a:buChar char="–"/>
+              <a:defRPr sz="2000" kern="1200">
+                <a:solidFill>
+                  <a:schemeClr val="tx1"/>
+                </a:solidFill>
+                <a:latin typeface="+mn-lt"/>
+                <a:ea typeface="+mn-ea"/>
+                <a:cs typeface="+mn-cs"/>
+              </a:defRPr>
+            </a:lvl4pPr>
+            <a:lvl5pPr marL="2057400" indent="-228600" algn="l" defTabSz="914400" rtl="0" eaLnBrk="1" latinLnBrk="0" hangingPunct="1">
+              <a:spcBef>
+                <a:spcPct val="20000"/>
+              </a:spcBef>
+              <a:buFont typeface="Arial" panose="020B0604020202020204" pitchFamily="34" charset="0"/>
+              <a:buChar char="»"/>
+              <a:defRPr sz="2000" kern="1200">
+                <a:solidFill>
+                  <a:schemeClr val="tx1"/>
+                </a:solidFill>
+                <a:latin typeface="+mn-lt"/>
+                <a:ea typeface="+mn-ea"/>
+                <a:cs typeface="+mn-cs"/>
+              </a:defRPr>
+            </a:lvl5pPr>
+            <a:lvl6pPr marL="2514600" indent="-228600" algn="l" defTabSz="914400" rtl="0" eaLnBrk="1" latinLnBrk="0" hangingPunct="1">
+              <a:spcBef>
+                <a:spcPct val="20000"/>
+              </a:spcBef>
+              <a:buFont typeface="Arial" panose="020B0604020202020204" pitchFamily="34" charset="0"/>
+              <a:buChar char="•"/>
+              <a:defRPr sz="2000" kern="1200">
+                <a:solidFill>
+                  <a:schemeClr val="tx1"/>
+                </a:solidFill>
+                <a:latin typeface="+mn-lt"/>
+                <a:ea typeface="+mn-ea"/>
+                <a:cs typeface="+mn-cs"/>
+              </a:defRPr>
+            </a:lvl6pPr>
+            <a:lvl7pPr marL="2971800" indent="-228600" algn="l" defTabSz="914400" rtl="0" eaLnBrk="1" latinLnBrk="0" hangingPunct="1">
+              <a:spcBef>
+                <a:spcPct val="20000"/>
+              </a:spcBef>
+              <a:buFont typeface="Arial" panose="020B0604020202020204" pitchFamily="34" charset="0"/>
+              <a:buChar char="•"/>
+              <a:defRPr sz="2000" kern="1200">
+                <a:solidFill>
+                  <a:schemeClr val="tx1"/>
+                </a:solidFill>
+                <a:latin typeface="+mn-lt"/>
+                <a:ea typeface="+mn-ea"/>
+                <a:cs typeface="+mn-cs"/>
+              </a:defRPr>
+            </a:lvl7pPr>
+            <a:lvl8pPr marL="3429000" indent="-228600" algn="l" defTabSz="914400" rtl="0" eaLnBrk="1" latinLnBrk="0" hangingPunct="1">
+              <a:spcBef>
+                <a:spcPct val="20000"/>
+              </a:spcBef>
+              <a:buFont typeface="Arial" panose="020B0604020202020204" pitchFamily="34" charset="0"/>
+              <a:buChar char="•"/>
+              <a:defRPr sz="2000" kern="1200">
+                <a:solidFill>
+                  <a:schemeClr val="tx1"/>
+                </a:solidFill>
+                <a:latin typeface="+mn-lt"/>
+                <a:ea typeface="+mn-ea"/>
+                <a:cs typeface="+mn-cs"/>
+              </a:defRPr>
+            </a:lvl8pPr>
+            <a:lvl9pPr marL="3886200" indent="-228600" algn="l" defTabSz="914400" rtl="0" eaLnBrk="1" latinLnBrk="0" hangingPunct="1">
+              <a:spcBef>
+                <a:spcPct val="20000"/>
+              </a:spcBef>
+              <a:buFont typeface="Arial" panose="020B0604020202020204" pitchFamily="34" charset="0"/>
+              <a:buChar char="•"/>
+              <a:defRPr sz="2000" kern="1200">
+                <a:solidFill>
+                  <a:schemeClr val="tx1"/>
+                </a:solidFill>
+                <a:latin typeface="+mn-lt"/>
+                <a:ea typeface="+mn-ea"/>
+                <a:cs typeface="+mn-cs"/>
+              </a:defRPr>
+            </a:lvl9pPr>
+          </a:lstStyle>
+          <a:p>
+            <a:pPr marL="0" indent="0">
+              <a:buNone/>
+            </a:pPr>
+            <a:r>
+              <a:rPr lang="en-US" sz="2400" dirty="0">
+                <a:hlinkClick r:id="rId2"/>
+              </a:rPr>
+              <a:t>https://github.com/xavierigneous/Vehicle-Loan-Default-Prediction</a:t>
+            </a:r>
+            <a:endParaRPr lang="en-IN" sz="2400" b="1" dirty="0"/>
+          </a:p>
+        </p:txBody>
+      </p:sp>
+    </p:spTree>
+    <p:extLst>
+      <p:ext uri="{BB962C8B-B14F-4D97-AF65-F5344CB8AC3E}">
+        <p14:creationId xmlns:p14="http://schemas.microsoft.com/office/powerpoint/2010/main" val="1235205643"/>
+      </p:ext>
+    </p:extLst>
+  </p:cSld>
+  <p:clrMapOvr>
+    <a:masterClrMapping/>
+  </p:clrMapOvr>
+</p:sld>
+</file>
+
+<file path=ppt/slides/slide14.xml><?xml version="1.0" encoding="utf-8"?>
+<p:sld xmlns:a="http://schemas.openxmlformats.org/drawingml/2006/main" xmlns:r="http://schemas.openxmlformats.org/officeDocument/2006/relationships" xmlns:p="http://schemas.openxmlformats.org/presentationml/2006/main">
+  <p:cSld>
+    <p:spTree>
+      <p:nvGrpSpPr>
+        <p:cNvPr id="1" name=""/>
+        <p:cNvGrpSpPr/>
+        <p:nvPr/>
+      </p:nvGrpSpPr>
+      <p:grpSpPr>
+        <a:xfrm>
+          <a:off x="0" y="0"/>
+          <a:ext cx="0" cy="0"/>
+          <a:chOff x="0" y="0"/>
+          <a:chExt cx="0" cy="0"/>
+        </a:xfrm>
+      </p:grpSpPr>
+      <p:sp>
+        <p:nvSpPr>
+          <p:cNvPr id="4" name="Round Diagonal Corner Rectangle 3"/>
+          <p:cNvSpPr/>
+          <p:nvPr/>
+        </p:nvSpPr>
+        <p:spPr>
+          <a:xfrm>
+            <a:off x="45026" y="58880"/>
+            <a:ext cx="206087" cy="2209800"/>
+          </a:xfrm>
+          <a:prstGeom prst="round2DiagRect">
+            <a:avLst/>
+          </a:prstGeom>
+          <a:solidFill>
+            <a:srgbClr val="0070C0"/>
+          </a:solidFill>
+          <a:ln>
+            <a:solidFill>
+              <a:srgbClr val="0070C0"/>
+            </a:solidFill>
+          </a:ln>
+        </p:spPr>
+        <p:style>
+          <a:lnRef idx="2">
+            <a:schemeClr val="accent3"/>
+          </a:lnRef>
+          <a:fillRef idx="1">
+            <a:schemeClr val="lt1"/>
+          </a:fillRef>
+          <a:effectRef idx="0">
+            <a:schemeClr val="accent3"/>
+          </a:effectRef>
+          <a:fontRef idx="minor">
+            <a:schemeClr val="dk1"/>
+          </a:fontRef>
+        </p:style>
+        <p:txBody>
+          <a:bodyPr rtlCol="0" anchor="ctr"/>
+          <a:lstStyle/>
+          <a:p>
+            <a:pPr algn="ctr"/>
+            <a:endParaRPr lang="en-US"/>
+          </a:p>
+        </p:txBody>
+      </p:sp>
+      <p:sp>
+        <p:nvSpPr>
+          <p:cNvPr id="5" name="Round Diagonal Corner Rectangle 4"/>
+          <p:cNvSpPr/>
+          <p:nvPr/>
+        </p:nvSpPr>
+        <p:spPr>
+          <a:xfrm>
+            <a:off x="45026" y="2313700"/>
+            <a:ext cx="206087" cy="4461170"/>
+          </a:xfrm>
+          <a:prstGeom prst="round2DiagRect">
+            <a:avLst/>
+          </a:prstGeom>
+          <a:solidFill>
+            <a:srgbClr val="00B0F0"/>
+          </a:solidFill>
+          <a:ln>
+            <a:solidFill>
+              <a:srgbClr val="00B0F0"/>
+            </a:solidFill>
+          </a:ln>
+        </p:spPr>
+        <p:style>
+          <a:lnRef idx="2">
+            <a:schemeClr val="accent3"/>
+          </a:lnRef>
+          <a:fillRef idx="1">
+            <a:schemeClr val="lt1"/>
+          </a:fillRef>
+          <a:effectRef idx="0">
+            <a:schemeClr val="accent3"/>
+          </a:effectRef>
+          <a:fontRef idx="minor">
+            <a:schemeClr val="dk1"/>
+          </a:fontRef>
+        </p:style>
+        <p:txBody>
+          <a:bodyPr rtlCol="0" anchor="ctr"/>
+          <a:lstStyle/>
+          <a:p>
+            <a:pPr algn="ctr"/>
+            <a:endParaRPr lang="en-US"/>
+          </a:p>
+        </p:txBody>
+      </p:sp>
+      <p:sp>
+        <p:nvSpPr>
+          <p:cNvPr id="9" name="Content Placeholder 2"/>
+          <p:cNvSpPr txBox="1">
+            <a:spLocks/>
+          </p:cNvSpPr>
+          <p:nvPr/>
+        </p:nvSpPr>
+        <p:spPr>
+          <a:xfrm>
+            <a:off x="3042062" y="1958439"/>
+            <a:ext cx="4730338" cy="1546761"/>
+          </a:xfrm>
+          <a:prstGeom prst="rect">
+            <a:avLst/>
+          </a:prstGeom>
+        </p:spPr>
+        <p:txBody>
+          <a:bodyPr vert="horz" lIns="91440" tIns="45720" rIns="91440" bIns="45720" rtlCol="0">
+            <a:normAutofit/>
+          </a:bodyPr>
+          <a:lstStyle>
+            <a:lvl1pPr marL="0" indent="0" algn="ctr" defTabSz="914400" rtl="0" eaLnBrk="1" latinLnBrk="0" hangingPunct="1">
+              <a:spcBef>
+                <a:spcPct val="20000"/>
+              </a:spcBef>
+              <a:buFont typeface="Arial" panose="020B0604020202020204" pitchFamily="34" charset="0"/>
+              <a:buNone/>
+              <a:defRPr sz="3200" kern="1200">
+                <a:solidFill>
+                  <a:schemeClr val="tx1">
+                    <a:tint val="75000"/>
+                  </a:schemeClr>
+                </a:solidFill>
+                <a:latin typeface="+mn-lt"/>
+                <a:ea typeface="+mn-ea"/>
+                <a:cs typeface="+mn-cs"/>
+              </a:defRPr>
+            </a:lvl1pPr>
+            <a:lvl2pPr marL="457200" indent="0" algn="ctr" defTabSz="914400" rtl="0" eaLnBrk="1" latinLnBrk="0" hangingPunct="1">
+              <a:spcBef>
+                <a:spcPct val="20000"/>
+              </a:spcBef>
+              <a:buFont typeface="Arial" panose="020B0604020202020204" pitchFamily="34" charset="0"/>
+              <a:buNone/>
+              <a:defRPr sz="2800" kern="1200">
+                <a:solidFill>
+                  <a:schemeClr val="tx1">
+                    <a:tint val="75000"/>
+                  </a:schemeClr>
+                </a:solidFill>
+                <a:latin typeface="+mn-lt"/>
+                <a:ea typeface="+mn-ea"/>
+                <a:cs typeface="+mn-cs"/>
+              </a:defRPr>
+            </a:lvl2pPr>
+            <a:lvl3pPr marL="914400" indent="0" algn="ctr" defTabSz="914400" rtl="0" eaLnBrk="1" latinLnBrk="0" hangingPunct="1">
+              <a:spcBef>
+                <a:spcPct val="20000"/>
+              </a:spcBef>
+              <a:buFont typeface="Arial" panose="020B0604020202020204" pitchFamily="34" charset="0"/>
+              <a:buNone/>
+              <a:defRPr sz="2400" kern="1200">
+                <a:solidFill>
+                  <a:schemeClr val="tx1">
+                    <a:tint val="75000"/>
+                  </a:schemeClr>
+                </a:solidFill>
+                <a:latin typeface="+mn-lt"/>
+                <a:ea typeface="+mn-ea"/>
+                <a:cs typeface="+mn-cs"/>
+              </a:defRPr>
+            </a:lvl3pPr>
+            <a:lvl4pPr marL="1371600" indent="0" algn="ctr" defTabSz="914400" rtl="0" eaLnBrk="1" latinLnBrk="0" hangingPunct="1">
+              <a:spcBef>
+                <a:spcPct val="20000"/>
+              </a:spcBef>
+              <a:buFont typeface="Arial" panose="020B0604020202020204" pitchFamily="34" charset="0"/>
+              <a:buNone/>
+              <a:defRPr sz="2000" kern="1200">
+                <a:solidFill>
+                  <a:schemeClr val="tx1">
+                    <a:tint val="75000"/>
+                  </a:schemeClr>
+                </a:solidFill>
+                <a:latin typeface="+mn-lt"/>
+                <a:ea typeface="+mn-ea"/>
+                <a:cs typeface="+mn-cs"/>
+              </a:defRPr>
+            </a:lvl4pPr>
+            <a:lvl5pPr marL="1828800" indent="0" algn="ctr" defTabSz="914400" rtl="0" eaLnBrk="1" latinLnBrk="0" hangingPunct="1">
+              <a:spcBef>
+                <a:spcPct val="20000"/>
+              </a:spcBef>
+              <a:buFont typeface="Arial" panose="020B0604020202020204" pitchFamily="34" charset="0"/>
+              <a:buNone/>
+              <a:defRPr sz="2000" kern="1200">
+                <a:solidFill>
+                  <a:schemeClr val="tx1">
+                    <a:tint val="75000"/>
+                  </a:schemeClr>
+                </a:solidFill>
+                <a:latin typeface="+mn-lt"/>
+                <a:ea typeface="+mn-ea"/>
+                <a:cs typeface="+mn-cs"/>
+              </a:defRPr>
+            </a:lvl5pPr>
+            <a:lvl6pPr marL="2286000" indent="0" algn="ctr" defTabSz="914400" rtl="0" eaLnBrk="1" latinLnBrk="0" hangingPunct="1">
+              <a:spcBef>
+                <a:spcPct val="20000"/>
+              </a:spcBef>
+              <a:buFont typeface="Arial" panose="020B0604020202020204" pitchFamily="34" charset="0"/>
+              <a:buNone/>
+              <a:defRPr sz="2000" kern="1200">
+                <a:solidFill>
+                  <a:schemeClr val="tx1">
+                    <a:tint val="75000"/>
+                  </a:schemeClr>
+                </a:solidFill>
+                <a:latin typeface="+mn-lt"/>
+                <a:ea typeface="+mn-ea"/>
+                <a:cs typeface="+mn-cs"/>
+              </a:defRPr>
+            </a:lvl6pPr>
+            <a:lvl7pPr marL="2743200" indent="0" algn="ctr" defTabSz="914400" rtl="0" eaLnBrk="1" latinLnBrk="0" hangingPunct="1">
+              <a:spcBef>
+                <a:spcPct val="20000"/>
+              </a:spcBef>
+              <a:buFont typeface="Arial" panose="020B0604020202020204" pitchFamily="34" charset="0"/>
+              <a:buNone/>
+              <a:defRPr sz="2000" kern="1200">
+                <a:solidFill>
+                  <a:schemeClr val="tx1">
+                    <a:tint val="75000"/>
+                  </a:schemeClr>
+                </a:solidFill>
+                <a:latin typeface="+mn-lt"/>
+                <a:ea typeface="+mn-ea"/>
+                <a:cs typeface="+mn-cs"/>
+              </a:defRPr>
+            </a:lvl7pPr>
+            <a:lvl8pPr marL="3200400" indent="0" algn="ctr" defTabSz="914400" rtl="0" eaLnBrk="1" latinLnBrk="0" hangingPunct="1">
+              <a:spcBef>
+                <a:spcPct val="20000"/>
+              </a:spcBef>
+              <a:buFont typeface="Arial" panose="020B0604020202020204" pitchFamily="34" charset="0"/>
+              <a:buNone/>
+              <a:defRPr sz="2000" kern="1200">
+                <a:solidFill>
+                  <a:schemeClr val="tx1">
+                    <a:tint val="75000"/>
+                  </a:schemeClr>
+                </a:solidFill>
+                <a:latin typeface="+mn-lt"/>
+                <a:ea typeface="+mn-ea"/>
+                <a:cs typeface="+mn-cs"/>
+              </a:defRPr>
+            </a:lvl8pPr>
+            <a:lvl9pPr marL="3657600" indent="0" algn="ctr" defTabSz="914400" rtl="0" eaLnBrk="1" latinLnBrk="0" hangingPunct="1">
+              <a:spcBef>
+                <a:spcPct val="20000"/>
+              </a:spcBef>
+              <a:buFont typeface="Arial" panose="020B0604020202020204" pitchFamily="34" charset="0"/>
+              <a:buNone/>
+              <a:defRPr sz="2000" kern="1200">
+                <a:solidFill>
+                  <a:schemeClr val="tx1">
+                    <a:tint val="75000"/>
+                  </a:schemeClr>
+                </a:solidFill>
+                <a:latin typeface="+mn-lt"/>
+                <a:ea typeface="+mn-ea"/>
+                <a:cs typeface="+mn-cs"/>
+              </a:defRPr>
+            </a:lvl9pPr>
+          </a:lstStyle>
+          <a:p>
+            <a:pPr lvl="1" algn="l"/>
+            <a:endParaRPr lang="en-IN" sz="4000" dirty="0">
+              <a:solidFill>
+                <a:srgbClr val="0055A0"/>
+              </a:solidFill>
+            </a:endParaRPr>
+          </a:p>
+          <a:p>
+            <a:pPr lvl="1" algn="l"/>
+            <a:r>
+              <a:rPr lang="en-IN" sz="4000" dirty="0">
+                <a:solidFill>
+                  <a:srgbClr val="0055A0"/>
+                </a:solidFill>
+              </a:rPr>
+              <a:t>Thank You</a:t>
+            </a:r>
+          </a:p>
+        </p:txBody>
+      </p:sp>
+    </p:spTree>
+    <p:extLst>
+      <p:ext uri="{BB962C8B-B14F-4D97-AF65-F5344CB8AC3E}">
+        <p14:creationId xmlns:p14="http://schemas.microsoft.com/office/powerpoint/2010/main" val="3724216054"/>
+      </p:ext>
+    </p:extLst>
+  </p:cSld>
+  <p:clrMapOvr>
+    <a:masterClrMapping/>
+  </p:clrMapOvr>
+</p:sld>
+</file>
+
+<file path=ppt/slides/slide2.xml><?xml version="1.0" encoding="utf-8"?>
+<p:sld xmlns:a="http://schemas.openxmlformats.org/drawingml/2006/main" xmlns:r="http://schemas.openxmlformats.org/officeDocument/2006/relationships" xmlns:p="http://schemas.openxmlformats.org/presentationml/2006/main">
+  <p:cSld>
+    <p:spTree>
+      <p:nvGrpSpPr>
+        <p:cNvPr id="1" name=""/>
+        <p:cNvGrpSpPr/>
+        <p:nvPr/>
+      </p:nvGrpSpPr>
+      <p:grpSpPr>
+        <a:xfrm>
+          <a:off x="0" y="0"/>
+          <a:ext cx="0" cy="0"/>
+          <a:chOff x="0" y="0"/>
+          <a:chExt cx="0" cy="0"/>
+        </a:xfrm>
+      </p:grpSpPr>
+      <p:sp>
+        <p:nvSpPr>
+          <p:cNvPr id="2" name="Title 1">
+            <a:extLst>
+              <a:ext uri="{FF2B5EF4-FFF2-40B4-BE49-F238E27FC236}">
+                <a16:creationId xmlns:a16="http://schemas.microsoft.com/office/drawing/2014/main" id="{543925F3-AEA9-4425-BE85-A907329B807D}"/>
+              </a:ext>
+            </a:extLst>
+          </p:cNvPr>
+          <p:cNvSpPr>
+            <a:spLocks noGrp="1"/>
+          </p:cNvSpPr>
+          <p:nvPr>
+            <p:ph type="title"/>
+          </p:nvPr>
+        </p:nvSpPr>
+        <p:spPr/>
+        <p:txBody>
+          <a:bodyPr>
+            <a:normAutofit/>
+          </a:bodyPr>
+          <a:lstStyle/>
+          <a:p>
+            <a:pPr algn="l"/>
+            <a:r>
+              <a:rPr lang="en-US" sz="4000" dirty="0"/>
+              <a:t>Introduction</a:t>
+            </a:r>
+          </a:p>
+        </p:txBody>
+      </p:sp>
+      <p:sp>
+        <p:nvSpPr>
+          <p:cNvPr id="3" name="Content Placeholder 2">
+            <a:extLst>
+              <a:ext uri="{FF2B5EF4-FFF2-40B4-BE49-F238E27FC236}">
+                <a16:creationId xmlns:a16="http://schemas.microsoft.com/office/drawing/2014/main" id="{58171DD3-3E42-48DF-95D4-3408C189D523}"/>
+              </a:ext>
+            </a:extLst>
+          </p:cNvPr>
+          <p:cNvSpPr>
+            <a:spLocks noGrp="1"/>
+          </p:cNvSpPr>
+          <p:nvPr>
+            <p:ph idx="1"/>
+          </p:nvPr>
+        </p:nvSpPr>
+        <p:spPr>
+          <a:xfrm>
+            <a:off x="457200" y="1295400"/>
+            <a:ext cx="8686800" cy="5562600"/>
+          </a:xfrm>
+        </p:spPr>
+        <p:txBody>
+          <a:bodyPr>
+            <a:normAutofit lnSpcReduction="10000"/>
+          </a:bodyPr>
+          <a:lstStyle/>
+          <a:p>
+            <a:r>
+              <a:rPr lang="en-US" sz="2800" dirty="0"/>
+              <a:t>People avail vehicle loan from banks to buy their dream cars. Car loans have taken off in India witnessing an increase in growth of 18-20% which is a huge increase in 2019.</a:t>
+            </a:r>
+          </a:p>
+          <a:p>
+            <a:r>
+              <a:rPr lang="en-US" sz="2800" dirty="0"/>
+              <a:t>Bank and vehicle finance companies are making this dream come true by providing the vehicle loan facility. </a:t>
+            </a:r>
+          </a:p>
+          <a:p>
+            <a:r>
+              <a:rPr lang="en-US" sz="2800" dirty="0"/>
+              <a:t>Financing a vehicle involves a lot of technicalities like the kind of vehicle to be financed, the route on which the vehicle will be plying, the operating expenses of the customer, etc. </a:t>
+            </a:r>
+          </a:p>
+          <a:p>
+            <a:r>
+              <a:rPr lang="en-US" sz="2800" dirty="0"/>
+              <a:t>It is also being influenced by processing fee, loan clearance time, requirement of documentation and methodology being followed in computation of interest.</a:t>
+            </a:r>
+          </a:p>
+          <a:p>
+            <a:endParaRPr lang="en-US" dirty="0"/>
+          </a:p>
+        </p:txBody>
+      </p:sp>
+    </p:spTree>
+    <p:extLst>
+      <p:ext uri="{BB962C8B-B14F-4D97-AF65-F5344CB8AC3E}">
+        <p14:creationId xmlns:p14="http://schemas.microsoft.com/office/powerpoint/2010/main" val="3561413167"/>
+      </p:ext>
+    </p:extLst>
+  </p:cSld>
+  <p:clrMapOvr>
+    <a:masterClrMapping/>
+  </p:clrMapOvr>
+</p:sld>
+</file>
+
+<file path=ppt/slides/slide3.xml><?xml version="1.0" encoding="utf-8"?>
+<p:sld xmlns:a="http://schemas.openxmlformats.org/drawingml/2006/main" xmlns:r="http://schemas.openxmlformats.org/officeDocument/2006/relationships" xmlns:p="http://schemas.openxmlformats.org/presentationml/2006/main">
+  <p:cSld>
+    <p:spTree>
+      <p:nvGrpSpPr>
+        <p:cNvPr id="1" name=""/>
+        <p:cNvGrpSpPr/>
+        <p:nvPr/>
+      </p:nvGrpSpPr>
+      <p:grpSpPr>
+        <a:xfrm>
+          <a:off x="0" y="0"/>
+          <a:ext cx="0" cy="0"/>
+          <a:chOff x="0" y="0"/>
+          <a:chExt cx="0" cy="0"/>
+        </a:xfrm>
+      </p:grpSpPr>
+      <p:sp>
+        <p:nvSpPr>
+          <p:cNvPr id="4" name="Round Diagonal Corner Rectangle 3"/>
+          <p:cNvSpPr/>
+          <p:nvPr/>
+        </p:nvSpPr>
+        <p:spPr>
+          <a:xfrm>
+            <a:off x="45026" y="58880"/>
+            <a:ext cx="206087" cy="2209800"/>
+          </a:xfrm>
+          <a:prstGeom prst="round2DiagRect">
+            <a:avLst/>
+          </a:prstGeom>
+          <a:solidFill>
+            <a:srgbClr val="0070C0"/>
+          </a:solidFill>
+          <a:ln>
+            <a:solidFill>
+              <a:srgbClr val="0070C0"/>
+            </a:solidFill>
+          </a:ln>
+        </p:spPr>
+        <p:style>
+          <a:lnRef idx="2">
+            <a:schemeClr val="accent3"/>
+          </a:lnRef>
+          <a:fillRef idx="1">
+            <a:schemeClr val="lt1"/>
+          </a:fillRef>
+          <a:effectRef idx="0">
+            <a:schemeClr val="accent3"/>
+          </a:effectRef>
+          <a:fontRef idx="minor">
+            <a:schemeClr val="dk1"/>
+          </a:fontRef>
+        </p:style>
+        <p:txBody>
+          <a:bodyPr rtlCol="0" anchor="ctr"/>
+          <a:lstStyle/>
+          <a:p>
+            <a:pPr algn="ctr"/>
+            <a:endParaRPr lang="en-US"/>
+          </a:p>
+        </p:txBody>
+      </p:sp>
+      <p:sp>
+        <p:nvSpPr>
+          <p:cNvPr id="5" name="Round Diagonal Corner Rectangle 4"/>
+          <p:cNvSpPr/>
+          <p:nvPr/>
+        </p:nvSpPr>
+        <p:spPr>
+          <a:xfrm>
+            <a:off x="45026" y="2313700"/>
+            <a:ext cx="206087" cy="4461170"/>
+          </a:xfrm>
+          <a:prstGeom prst="round2DiagRect">
+            <a:avLst/>
+          </a:prstGeom>
+          <a:solidFill>
+            <a:srgbClr val="00B0F0"/>
+          </a:solidFill>
+          <a:ln>
+            <a:solidFill>
+              <a:srgbClr val="00B0F0"/>
+            </a:solidFill>
+          </a:ln>
+        </p:spPr>
+        <p:style>
+          <a:lnRef idx="2">
+            <a:schemeClr val="accent3"/>
+          </a:lnRef>
+          <a:fillRef idx="1">
+            <a:schemeClr val="lt1"/>
+          </a:fillRef>
+          <a:effectRef idx="0">
+            <a:schemeClr val="accent3"/>
+          </a:effectRef>
+          <a:fontRef idx="minor">
+            <a:schemeClr val="dk1"/>
+          </a:fontRef>
+        </p:style>
+        <p:txBody>
+          <a:bodyPr rtlCol="0" anchor="ctr"/>
+          <a:lstStyle/>
+          <a:p>
+            <a:pPr algn="ctr"/>
+            <a:endParaRPr lang="en-US"/>
+          </a:p>
+        </p:txBody>
+      </p:sp>
+      <p:sp>
+        <p:nvSpPr>
+          <p:cNvPr id="30" name="Content Placeholder 2"/>
+          <p:cNvSpPr txBox="1">
+            <a:spLocks/>
+          </p:cNvSpPr>
+          <p:nvPr/>
+        </p:nvSpPr>
+        <p:spPr>
+          <a:xfrm>
+            <a:off x="429658" y="980501"/>
+            <a:ext cx="8485742" cy="5648899"/>
+          </a:xfrm>
+          <a:prstGeom prst="rect">
+            <a:avLst/>
+          </a:prstGeom>
+        </p:spPr>
+        <p:txBody>
+          <a:bodyPr vert="horz" lIns="91440" tIns="45720" rIns="91440" bIns="45720" rtlCol="0">
+            <a:normAutofit/>
+          </a:bodyPr>
+          <a:lstStyle>
+            <a:lvl1pPr marL="0" indent="0" algn="ctr" defTabSz="914400" rtl="0" eaLnBrk="1" latinLnBrk="0" hangingPunct="1">
+              <a:spcBef>
+                <a:spcPct val="20000"/>
+              </a:spcBef>
+              <a:buFont typeface="Arial" panose="020B0604020202020204" pitchFamily="34" charset="0"/>
+              <a:buNone/>
+              <a:defRPr sz="3200" kern="1200">
+                <a:solidFill>
+                  <a:schemeClr val="tx1">
+                    <a:tint val="75000"/>
+                  </a:schemeClr>
+                </a:solidFill>
+                <a:latin typeface="+mn-lt"/>
+                <a:ea typeface="+mn-ea"/>
+                <a:cs typeface="+mn-cs"/>
+              </a:defRPr>
+            </a:lvl1pPr>
+            <a:lvl2pPr marL="457200" indent="0" algn="ctr" defTabSz="914400" rtl="0" eaLnBrk="1" latinLnBrk="0" hangingPunct="1">
+              <a:spcBef>
+                <a:spcPct val="20000"/>
+              </a:spcBef>
+              <a:buFont typeface="Arial" panose="020B0604020202020204" pitchFamily="34" charset="0"/>
+              <a:buNone/>
+              <a:defRPr sz="2800" kern="1200">
+                <a:solidFill>
+                  <a:schemeClr val="tx1">
+                    <a:tint val="75000"/>
+                  </a:schemeClr>
+                </a:solidFill>
+                <a:latin typeface="+mn-lt"/>
+                <a:ea typeface="+mn-ea"/>
+                <a:cs typeface="+mn-cs"/>
+              </a:defRPr>
+            </a:lvl2pPr>
+            <a:lvl3pPr marL="914400" indent="0" algn="ctr" defTabSz="914400" rtl="0" eaLnBrk="1" latinLnBrk="0" hangingPunct="1">
+              <a:spcBef>
+                <a:spcPct val="20000"/>
+              </a:spcBef>
+              <a:buFont typeface="Arial" panose="020B0604020202020204" pitchFamily="34" charset="0"/>
+              <a:buNone/>
+              <a:defRPr sz="2400" kern="1200">
+                <a:solidFill>
+                  <a:schemeClr val="tx1">
+                    <a:tint val="75000"/>
+                  </a:schemeClr>
+                </a:solidFill>
+                <a:latin typeface="+mn-lt"/>
+                <a:ea typeface="+mn-ea"/>
+                <a:cs typeface="+mn-cs"/>
+              </a:defRPr>
+            </a:lvl3pPr>
+            <a:lvl4pPr marL="1371600" indent="0" algn="ctr" defTabSz="914400" rtl="0" eaLnBrk="1" latinLnBrk="0" hangingPunct="1">
+              <a:spcBef>
+                <a:spcPct val="20000"/>
+              </a:spcBef>
+              <a:buFont typeface="Arial" panose="020B0604020202020204" pitchFamily="34" charset="0"/>
+              <a:buNone/>
+              <a:defRPr sz="2000" kern="1200">
+                <a:solidFill>
+                  <a:schemeClr val="tx1">
+                    <a:tint val="75000"/>
+                  </a:schemeClr>
+                </a:solidFill>
+                <a:latin typeface="+mn-lt"/>
+                <a:ea typeface="+mn-ea"/>
+                <a:cs typeface="+mn-cs"/>
+              </a:defRPr>
+            </a:lvl4pPr>
+            <a:lvl5pPr marL="1828800" indent="0" algn="ctr" defTabSz="914400" rtl="0" eaLnBrk="1" latinLnBrk="0" hangingPunct="1">
+              <a:spcBef>
+                <a:spcPct val="20000"/>
+              </a:spcBef>
+              <a:buFont typeface="Arial" panose="020B0604020202020204" pitchFamily="34" charset="0"/>
+              <a:buNone/>
+              <a:defRPr sz="2000" kern="1200">
+                <a:solidFill>
+                  <a:schemeClr val="tx1">
+                    <a:tint val="75000"/>
+                  </a:schemeClr>
+                </a:solidFill>
+                <a:latin typeface="+mn-lt"/>
+                <a:ea typeface="+mn-ea"/>
+                <a:cs typeface="+mn-cs"/>
+              </a:defRPr>
+            </a:lvl5pPr>
+            <a:lvl6pPr marL="2286000" indent="0" algn="ctr" defTabSz="914400" rtl="0" eaLnBrk="1" latinLnBrk="0" hangingPunct="1">
+              <a:spcBef>
+                <a:spcPct val="20000"/>
+              </a:spcBef>
+              <a:buFont typeface="Arial" panose="020B0604020202020204" pitchFamily="34" charset="0"/>
+              <a:buNone/>
+              <a:defRPr sz="2000" kern="1200">
+                <a:solidFill>
+                  <a:schemeClr val="tx1">
+                    <a:tint val="75000"/>
+                  </a:schemeClr>
+                </a:solidFill>
+                <a:latin typeface="+mn-lt"/>
+                <a:ea typeface="+mn-ea"/>
+                <a:cs typeface="+mn-cs"/>
+              </a:defRPr>
+            </a:lvl6pPr>
+            <a:lvl7pPr marL="2743200" indent="0" algn="ctr" defTabSz="914400" rtl="0" eaLnBrk="1" latinLnBrk="0" hangingPunct="1">
+              <a:spcBef>
+                <a:spcPct val="20000"/>
+              </a:spcBef>
+              <a:buFont typeface="Arial" panose="020B0604020202020204" pitchFamily="34" charset="0"/>
+              <a:buNone/>
+              <a:defRPr sz="2000" kern="1200">
+                <a:solidFill>
+                  <a:schemeClr val="tx1">
+                    <a:tint val="75000"/>
+                  </a:schemeClr>
+                </a:solidFill>
+                <a:latin typeface="+mn-lt"/>
+                <a:ea typeface="+mn-ea"/>
+                <a:cs typeface="+mn-cs"/>
+              </a:defRPr>
+            </a:lvl7pPr>
+            <a:lvl8pPr marL="3200400" indent="0" algn="ctr" defTabSz="914400" rtl="0" eaLnBrk="1" latinLnBrk="0" hangingPunct="1">
+              <a:spcBef>
+                <a:spcPct val="20000"/>
+              </a:spcBef>
+              <a:buFont typeface="Arial" panose="020B0604020202020204" pitchFamily="34" charset="0"/>
+              <a:buNone/>
+              <a:defRPr sz="2000" kern="1200">
+                <a:solidFill>
+                  <a:schemeClr val="tx1">
+                    <a:tint val="75000"/>
+                  </a:schemeClr>
+                </a:solidFill>
+                <a:latin typeface="+mn-lt"/>
+                <a:ea typeface="+mn-ea"/>
+                <a:cs typeface="+mn-cs"/>
+              </a:defRPr>
+            </a:lvl8pPr>
+            <a:lvl9pPr marL="3657600" indent="0" algn="ctr" defTabSz="914400" rtl="0" eaLnBrk="1" latinLnBrk="0" hangingPunct="1">
+              <a:spcBef>
+                <a:spcPct val="20000"/>
+              </a:spcBef>
+              <a:buFont typeface="Arial" panose="020B0604020202020204" pitchFamily="34" charset="0"/>
+              <a:buNone/>
+              <a:defRPr sz="2000" kern="1200">
+                <a:solidFill>
+                  <a:schemeClr val="tx1">
+                    <a:tint val="75000"/>
+                  </a:schemeClr>
+                </a:solidFill>
+                <a:latin typeface="+mn-lt"/>
+                <a:ea typeface="+mn-ea"/>
+                <a:cs typeface="+mn-cs"/>
+              </a:defRPr>
+            </a:lvl9pPr>
+          </a:lstStyle>
+          <a:p>
+            <a:pPr marL="342900" indent="-342900" algn="l">
+              <a:buFont typeface="Arial" panose="020B0604020202020204" pitchFamily="34" charset="0"/>
+              <a:buChar char="•"/>
+            </a:pPr>
+            <a:r>
+              <a:rPr lang="en-IN" sz="2400" dirty="0">
+                <a:solidFill>
+                  <a:schemeClr val="tx1"/>
+                </a:solidFill>
+              </a:rPr>
+              <a:t>The objective of this project is to predict whether the customer will default based on these critical features.</a:t>
+            </a:r>
+          </a:p>
+          <a:p>
+            <a:pPr marL="914400" lvl="1" indent="-457200" algn="l">
+              <a:buFont typeface="Arial" panose="020B0604020202020204" pitchFamily="34" charset="0"/>
+              <a:buChar char="•"/>
+            </a:pPr>
+            <a:r>
+              <a:rPr lang="en-US" sz="2200" dirty="0">
+                <a:solidFill>
+                  <a:schemeClr val="tx1"/>
+                </a:solidFill>
+              </a:rPr>
+              <a:t>To find out consumers’ awareness about vehicle finance activities </a:t>
+            </a:r>
+          </a:p>
+          <a:p>
+            <a:pPr marL="914400" lvl="1" indent="-457200" algn="l">
+              <a:buFont typeface="Arial" panose="020B0604020202020204" pitchFamily="34" charset="0"/>
+              <a:buChar char="•"/>
+            </a:pPr>
+            <a:r>
+              <a:rPr lang="en-US" sz="2200" dirty="0">
+                <a:solidFill>
+                  <a:schemeClr val="tx1"/>
+                </a:solidFill>
+              </a:rPr>
+              <a:t>  To identify reasons for availing of vehicle finance </a:t>
+            </a:r>
+          </a:p>
+          <a:p>
+            <a:pPr marL="914400" lvl="1" indent="-457200" algn="l">
+              <a:buFont typeface="Arial" panose="020B0604020202020204" pitchFamily="34" charset="0"/>
+              <a:buChar char="•"/>
+            </a:pPr>
+            <a:r>
+              <a:rPr lang="en-US" sz="2200" dirty="0">
+                <a:solidFill>
+                  <a:schemeClr val="tx1"/>
+                </a:solidFill>
+              </a:rPr>
+              <a:t>To find out problem faced by consumers in availing of vehicle finance</a:t>
+            </a:r>
+            <a:endParaRPr lang="en-IN" sz="2000" dirty="0">
+              <a:solidFill>
+                <a:schemeClr val="tx1"/>
+              </a:solidFill>
+            </a:endParaRPr>
+          </a:p>
+          <a:p>
+            <a:pPr marL="342900" indent="-342900" algn="l">
+              <a:buFont typeface="Arial" panose="020B0604020202020204" pitchFamily="34" charset="0"/>
+              <a:buChar char="•"/>
+            </a:pPr>
+            <a:r>
+              <a:rPr lang="en-US" sz="2400" dirty="0">
+                <a:solidFill>
+                  <a:schemeClr val="tx1"/>
+                </a:solidFill>
+              </a:rPr>
+              <a:t>Finding out the critical features that to help him/the company to evaluate the probability of default of the customer, as well as prevent loosing out potential customers otherwise lost.</a:t>
+            </a:r>
+          </a:p>
+          <a:p>
+            <a:pPr marL="342900" indent="-342900" algn="l">
+              <a:buFont typeface="Arial" panose="020B0604020202020204" pitchFamily="34" charset="0"/>
+              <a:buChar char="•"/>
+            </a:pPr>
+            <a:r>
+              <a:rPr lang="en-US" sz="2400" dirty="0">
+                <a:solidFill>
+                  <a:schemeClr val="tx1"/>
+                </a:solidFill>
+              </a:rPr>
+              <a:t>Implementing a model that will help Banks to provide a better understanding about the customers and their status</a:t>
+            </a:r>
+          </a:p>
+          <a:p>
+            <a:pPr marL="342900" indent="-342900" algn="l">
+              <a:buFont typeface="Arial" panose="020B0604020202020204" pitchFamily="34" charset="0"/>
+              <a:buChar char="•"/>
+            </a:pPr>
+            <a:r>
+              <a:rPr lang="en-US" sz="2400" dirty="0">
+                <a:solidFill>
+                  <a:schemeClr val="tx1"/>
+                </a:solidFill>
+              </a:rPr>
+              <a:t>Reducing the losses suffered by the banks by availing loans to potential defaulters.</a:t>
+            </a:r>
+          </a:p>
+          <a:p>
+            <a:pPr algn="l"/>
+            <a:endParaRPr lang="en-US" sz="2400" dirty="0">
+              <a:solidFill>
+                <a:srgbClr val="0055A0"/>
+              </a:solidFill>
+            </a:endParaRPr>
+          </a:p>
+          <a:p>
+            <a:pPr marL="342900" indent="-342900" algn="l">
+              <a:buFont typeface="Wingdings" panose="05000000000000000000" pitchFamily="2" charset="2"/>
+              <a:buChar char="Ø"/>
+            </a:pPr>
+            <a:endParaRPr lang="en-IN" sz="2400" dirty="0">
+              <a:solidFill>
+                <a:srgbClr val="0055A0"/>
+              </a:solidFill>
+            </a:endParaRPr>
+          </a:p>
+          <a:p>
+            <a:pPr marL="342900" indent="-342900" algn="l">
+              <a:buFont typeface="Wingdings" panose="05000000000000000000" pitchFamily="2" charset="2"/>
+              <a:buChar char="Ø"/>
+            </a:pPr>
+            <a:endParaRPr lang="en-IN" sz="2400" dirty="0">
+              <a:solidFill>
+                <a:srgbClr val="0055A0"/>
+              </a:solidFill>
+            </a:endParaRPr>
+          </a:p>
+        </p:txBody>
+      </p:sp>
+      <p:sp>
+        <p:nvSpPr>
+          <p:cNvPr id="31" name="TextBox 30"/>
+          <p:cNvSpPr txBox="1"/>
+          <p:nvPr/>
+        </p:nvSpPr>
+        <p:spPr>
+          <a:xfrm>
+            <a:off x="454231" y="54114"/>
+            <a:ext cx="8537369" cy="707886"/>
+          </a:xfrm>
+          <a:prstGeom prst="rect">
+            <a:avLst/>
+          </a:prstGeom>
+          <a:noFill/>
+        </p:spPr>
+        <p:txBody>
+          <a:bodyPr wrap="square" rtlCol="0">
+            <a:spAutoFit/>
+          </a:bodyPr>
+          <a:lstStyle/>
+          <a:p>
+            <a:r>
+              <a:rPr lang="en-US" sz="4000" dirty="0">
+                <a:ea typeface="굴림" panose="020B0600000101010101" pitchFamily="34" charset="-127"/>
+              </a:rPr>
+              <a:t>Problem Definition</a:t>
+            </a:r>
+            <a:endParaRPr lang="en-US" sz="4000" b="1" dirty="0"/>
+          </a:p>
+        </p:txBody>
+      </p:sp>
+    </p:spTree>
+    <p:extLst>
+      <p:ext uri="{BB962C8B-B14F-4D97-AF65-F5344CB8AC3E}">
+        <p14:creationId xmlns:p14="http://schemas.microsoft.com/office/powerpoint/2010/main" val="3761210359"/>
+      </p:ext>
+    </p:extLst>
+  </p:cSld>
+  <p:clrMapOvr>
+    <a:masterClrMapping/>
+  </p:clrMapOvr>
+</p:sld>
+</file>
+
+<file path=ppt/slides/slide4.xml><?xml version="1.0" encoding="utf-8"?>
+<p:sld xmlns:a="http://schemas.openxmlformats.org/drawingml/2006/main" xmlns:r="http://schemas.openxmlformats.org/officeDocument/2006/relationships" xmlns:p="http://schemas.openxmlformats.org/presentationml/2006/main">
+  <p:cSld>
+    <p:spTree>
+      <p:nvGrpSpPr>
+        <p:cNvPr id="1" name=""/>
+        <p:cNvGrpSpPr/>
+        <p:nvPr/>
+      </p:nvGrpSpPr>
+      <p:grpSpPr>
+        <a:xfrm>
+          <a:off x="0" y="0"/>
+          <a:ext cx="0" cy="0"/>
+          <a:chOff x="0" y="0"/>
+          <a:chExt cx="0" cy="0"/>
+        </a:xfrm>
+      </p:grpSpPr>
+      <p:sp>
+        <p:nvSpPr>
+          <p:cNvPr id="4" name="Round Diagonal Corner Rectangle 3"/>
+          <p:cNvSpPr/>
+          <p:nvPr/>
+        </p:nvSpPr>
+        <p:spPr>
+          <a:xfrm>
+            <a:off x="45026" y="58880"/>
+            <a:ext cx="206087" cy="2209800"/>
+          </a:xfrm>
+          <a:prstGeom prst="round2DiagRect">
+            <a:avLst/>
+          </a:prstGeom>
+          <a:solidFill>
+            <a:srgbClr val="0070C0"/>
+          </a:solidFill>
+          <a:ln>
+            <a:solidFill>
+              <a:srgbClr val="0070C0"/>
+            </a:solidFill>
+          </a:ln>
+        </p:spPr>
+        <p:style>
+          <a:lnRef idx="2">
+            <a:schemeClr val="accent3"/>
+          </a:lnRef>
+          <a:fillRef idx="1">
+            <a:schemeClr val="lt1"/>
+          </a:fillRef>
+          <a:effectRef idx="0">
+            <a:schemeClr val="accent3"/>
+          </a:effectRef>
+          <a:fontRef idx="minor">
+            <a:schemeClr val="dk1"/>
+          </a:fontRef>
+        </p:style>
+        <p:txBody>
+          <a:bodyPr rtlCol="0" anchor="ctr"/>
+          <a:lstStyle/>
+          <a:p>
+            <a:pPr algn="ctr"/>
+            <a:endParaRPr lang="en-US"/>
+          </a:p>
+        </p:txBody>
+      </p:sp>
+      <p:sp>
+        <p:nvSpPr>
+          <p:cNvPr id="5" name="Round Diagonal Corner Rectangle 4"/>
+          <p:cNvSpPr/>
+          <p:nvPr/>
+        </p:nvSpPr>
+        <p:spPr>
+          <a:xfrm>
+            <a:off x="45026" y="2313700"/>
+            <a:ext cx="206087" cy="4461170"/>
+          </a:xfrm>
+          <a:prstGeom prst="round2DiagRect">
+            <a:avLst/>
+          </a:prstGeom>
+          <a:solidFill>
+            <a:srgbClr val="00B0F0"/>
+          </a:solidFill>
+          <a:ln>
+            <a:solidFill>
+              <a:srgbClr val="00B0F0"/>
+            </a:solidFill>
+          </a:ln>
+        </p:spPr>
+        <p:style>
+          <a:lnRef idx="2">
+            <a:schemeClr val="accent3"/>
+          </a:lnRef>
+          <a:fillRef idx="1">
+            <a:schemeClr val="lt1"/>
+          </a:fillRef>
+          <a:effectRef idx="0">
+            <a:schemeClr val="accent3"/>
+          </a:effectRef>
+          <a:fontRef idx="minor">
+            <a:schemeClr val="dk1"/>
+          </a:fontRef>
+        </p:style>
+        <p:txBody>
+          <a:bodyPr rtlCol="0" anchor="ctr"/>
+          <a:lstStyle/>
+          <a:p>
+            <a:pPr algn="ctr"/>
+            <a:endParaRPr lang="en-US"/>
+          </a:p>
+        </p:txBody>
+      </p:sp>
+      <p:sp>
+        <p:nvSpPr>
+          <p:cNvPr id="6" name="TextBox 5"/>
+          <p:cNvSpPr txBox="1"/>
+          <p:nvPr/>
+        </p:nvSpPr>
+        <p:spPr>
+          <a:xfrm>
+            <a:off x="457200" y="751820"/>
+            <a:ext cx="8001000" cy="523220"/>
+          </a:xfrm>
+          <a:prstGeom prst="rect">
+            <a:avLst/>
+          </a:prstGeom>
+          <a:noFill/>
+        </p:spPr>
+        <p:txBody>
+          <a:bodyPr wrap="square" rtlCol="0">
+            <a:spAutoFit/>
+          </a:bodyPr>
+          <a:lstStyle/>
+          <a:p>
+            <a:r>
+              <a:rPr lang="en-US" sz="2800" b="1" dirty="0">
+                <a:latin typeface="+mj-lt"/>
+                <a:cs typeface="Times New Roman" pitchFamily="18" charset="0"/>
+              </a:rPr>
+              <a:t>Data Dictionary:</a:t>
+            </a:r>
+          </a:p>
+        </p:txBody>
+      </p:sp>
+      <p:sp>
+        <p:nvSpPr>
+          <p:cNvPr id="9" name="TextBox 8"/>
+          <p:cNvSpPr txBox="1"/>
+          <p:nvPr/>
+        </p:nvSpPr>
+        <p:spPr>
+          <a:xfrm>
+            <a:off x="462949" y="1600200"/>
+            <a:ext cx="8305800" cy="2308324"/>
+          </a:xfrm>
+          <a:prstGeom prst="rect">
+            <a:avLst/>
+          </a:prstGeom>
+          <a:noFill/>
+        </p:spPr>
+        <p:txBody>
+          <a:bodyPr wrap="square" rtlCol="0">
+            <a:spAutoFit/>
+          </a:bodyPr>
+          <a:lstStyle/>
+          <a:p>
+            <a:pPr marL="285750" indent="-285750">
+              <a:buFont typeface="Arial" pitchFamily="34" charset="0"/>
+              <a:buChar char="•"/>
+            </a:pPr>
+            <a:r>
+              <a:rPr lang="en-US" dirty="0"/>
+              <a:t>The Dataset contains 233154 Rows and 41 Columns</a:t>
+            </a:r>
+          </a:p>
+          <a:p>
+            <a:pPr marL="285750" indent="-285750">
+              <a:buFont typeface="Arial" pitchFamily="34" charset="0"/>
+              <a:buChar char="•"/>
+            </a:pPr>
+            <a:r>
+              <a:rPr lang="en-US" dirty="0"/>
+              <a:t>14 Numerical columns,2 </a:t>
+            </a:r>
+            <a:r>
+              <a:rPr lang="en-US" dirty="0" err="1"/>
+              <a:t>Datetype</a:t>
+            </a:r>
+            <a:r>
+              <a:rPr lang="en-US" dirty="0"/>
+              <a:t> columns and 25 Categorical columns</a:t>
+            </a:r>
+          </a:p>
+          <a:p>
+            <a:pPr marL="285750" indent="-285750">
+              <a:buFont typeface="Arial" pitchFamily="34" charset="0"/>
+              <a:buChar char="•"/>
+            </a:pPr>
+            <a:r>
+              <a:rPr lang="en-US" dirty="0"/>
+              <a:t>The Only column with missing values is Employment Type. It has 7661 missing values which is about 3.3%  of the data </a:t>
+            </a:r>
+          </a:p>
+          <a:p>
+            <a:pPr marL="285750" indent="-285750">
+              <a:buFont typeface="Arial" pitchFamily="34" charset="0"/>
+              <a:buChar char="•"/>
+            </a:pPr>
+            <a:r>
+              <a:rPr lang="en-US" dirty="0"/>
+              <a:t>Current Balance has 1,50,000 Entries as zero, out of which 70,000 entries have applied for their first loan </a:t>
+            </a:r>
+          </a:p>
+          <a:p>
+            <a:pPr marL="285750" indent="-285750">
+              <a:buFont typeface="Arial" pitchFamily="34" charset="0"/>
+              <a:buChar char="•"/>
+            </a:pPr>
+            <a:endParaRPr lang="en-US" dirty="0"/>
+          </a:p>
+          <a:p>
+            <a:endParaRPr lang="en-US" dirty="0"/>
+          </a:p>
+        </p:txBody>
+      </p:sp>
+      <p:sp>
+        <p:nvSpPr>
+          <p:cNvPr id="8" name="TextBox 7"/>
+          <p:cNvSpPr txBox="1"/>
+          <p:nvPr/>
+        </p:nvSpPr>
+        <p:spPr>
+          <a:xfrm>
+            <a:off x="465668" y="3505200"/>
+            <a:ext cx="8277682" cy="1754326"/>
+          </a:xfrm>
+          <a:prstGeom prst="rect">
+            <a:avLst/>
+          </a:prstGeom>
+          <a:noFill/>
+        </p:spPr>
+        <p:txBody>
+          <a:bodyPr wrap="square" rtlCol="0">
+            <a:spAutoFit/>
+          </a:bodyPr>
+          <a:lstStyle/>
+          <a:p>
+            <a:r>
+              <a:rPr lang="en-US" dirty="0"/>
+              <a:t>There are few possible columns which can be requested to better predict the data , namely –</a:t>
+            </a:r>
+          </a:p>
+          <a:p>
+            <a:pPr marL="342900" indent="-342900">
+              <a:buFont typeface="+mj-lt"/>
+              <a:buAutoNum type="arabicPeriod"/>
+            </a:pPr>
+            <a:r>
+              <a:rPr lang="en-US" dirty="0"/>
+              <a:t>Interest Rate : The Interest rate which is charged for the current Loan.</a:t>
+            </a:r>
+          </a:p>
+          <a:p>
+            <a:pPr marL="342900" indent="-342900">
+              <a:buFont typeface="+mj-lt"/>
+              <a:buAutoNum type="arabicPeriod"/>
+            </a:pPr>
+            <a:r>
+              <a:rPr lang="en-US" dirty="0"/>
+              <a:t>Total Previous loan : Total Amount of loan which was availed by the customer before taking the current loan.</a:t>
+            </a:r>
+          </a:p>
+          <a:p>
+            <a:pPr marL="342900" indent="-342900">
+              <a:buFont typeface="+mj-lt"/>
+              <a:buAutoNum type="arabicPeriod"/>
+            </a:pPr>
+            <a:r>
+              <a:rPr lang="en-US" dirty="0"/>
+              <a:t>Age of the vehicle : zero for new vehicle and no of years if it’s a used vehicle.</a:t>
+            </a:r>
+          </a:p>
+        </p:txBody>
+      </p:sp>
+    </p:spTree>
+    <p:extLst>
+      <p:ext uri="{BB962C8B-B14F-4D97-AF65-F5344CB8AC3E}">
+        <p14:creationId xmlns:p14="http://schemas.microsoft.com/office/powerpoint/2010/main" val="1338971478"/>
+      </p:ext>
+    </p:extLst>
+  </p:cSld>
+  <p:clrMapOvr>
+    <a:masterClrMapping/>
+  </p:clrMapOvr>
+</p:sld>
+</file>
+
+<file path=ppt/slides/slide5.xml><?xml version="1.0" encoding="utf-8"?>
+<p:sld xmlns:a="http://schemas.openxmlformats.org/drawingml/2006/main" xmlns:r="http://schemas.openxmlformats.org/officeDocument/2006/relationships" xmlns:p="http://schemas.openxmlformats.org/presentationml/2006/main">
+  <p:cSld>
+    <p:spTree>
+      <p:nvGrpSpPr>
+        <p:cNvPr id="1" name=""/>
+        <p:cNvGrpSpPr/>
+        <p:nvPr/>
+      </p:nvGrpSpPr>
+      <p:grpSpPr>
+        <a:xfrm>
+          <a:off x="0" y="0"/>
+          <a:ext cx="0" cy="0"/>
+          <a:chOff x="0" y="0"/>
+          <a:chExt cx="0" cy="0"/>
+        </a:xfrm>
+      </p:grpSpPr>
+      <p:graphicFrame>
+        <p:nvGraphicFramePr>
+          <p:cNvPr id="4" name="Table 3"/>
+          <p:cNvGraphicFramePr>
+            <a:graphicFrameLocks noGrp="1"/>
+          </p:cNvGraphicFramePr>
+          <p:nvPr/>
+        </p:nvGraphicFramePr>
+        <p:xfrm>
+          <a:off x="1488275" y="1787604"/>
+          <a:ext cx="6096000" cy="3774440"/>
+        </p:xfrm>
+        <a:graphic>
+          <a:graphicData uri="http://schemas.openxmlformats.org/drawingml/2006/table">
+            <a:tbl>
+              <a:tblPr firstRow="1" bandRow="1">
+                <a:tableStyleId>{5C22544A-7EE6-4342-B048-85BDC9FD1C3A}</a:tableStyleId>
+              </a:tblPr>
+              <a:tblGrid>
+                <a:gridCol w="3048000">
+                  <a:extLst>
+                    <a:ext uri="{9D8B030D-6E8A-4147-A177-3AD203B41FA5}">
+                      <a16:colId xmlns:a16="http://schemas.microsoft.com/office/drawing/2014/main" val="20000"/>
+                    </a:ext>
+                  </a:extLst>
+                </a:gridCol>
+                <a:gridCol w="3048000">
+                  <a:extLst>
+                    <a:ext uri="{9D8B030D-6E8A-4147-A177-3AD203B41FA5}">
+                      <a16:colId xmlns:a16="http://schemas.microsoft.com/office/drawing/2014/main" val="20001"/>
+                    </a:ext>
+                  </a:extLst>
+                </a:gridCol>
+              </a:tblGrid>
+              <a:tr h="370840">
+                <a:tc>
+                  <a:txBody>
+                    <a:bodyPr/>
+                    <a:lstStyle/>
+                    <a:p>
+                      <a:r>
+                        <a:rPr lang="en-US" dirty="0"/>
+                        <a:t>Column Name</a:t>
+                      </a:r>
+                    </a:p>
+                  </a:txBody>
+                  <a:tcPr/>
+                </a:tc>
+                <a:tc>
+                  <a:txBody>
+                    <a:bodyPr/>
+                    <a:lstStyle/>
+                    <a:p>
+                      <a:r>
+                        <a:rPr lang="en-US" dirty="0"/>
+                        <a:t>Description</a:t>
+                      </a:r>
+                    </a:p>
+                  </a:txBody>
+                  <a:tcPr/>
+                </a:tc>
+                <a:extLst>
+                  <a:ext uri="{0D108BD9-81ED-4DB2-BD59-A6C34878D82A}">
+                    <a16:rowId xmlns:a16="http://schemas.microsoft.com/office/drawing/2014/main" val="10000"/>
+                  </a:ext>
+                </a:extLst>
+              </a:tr>
+              <a:tr h="370840">
+                <a:tc>
+                  <a:txBody>
+                    <a:bodyPr/>
+                    <a:lstStyle/>
+                    <a:p>
+                      <a:pPr algn="ctr"/>
+                      <a:r>
+                        <a:rPr lang="en-US" dirty="0"/>
+                        <a:t>Disbursed</a:t>
+                      </a:r>
+                      <a:r>
+                        <a:rPr lang="en-US" baseline="0" dirty="0"/>
+                        <a:t> Amount</a:t>
+                      </a:r>
+                      <a:endParaRPr lang="en-US" dirty="0"/>
+                    </a:p>
+                  </a:txBody>
+                  <a:tcPr/>
+                </a:tc>
+                <a:tc>
+                  <a:txBody>
+                    <a:bodyPr/>
+                    <a:lstStyle/>
+                    <a:p>
+                      <a:pPr marL="0" marR="0" indent="0" algn="ctr" defTabSz="914400" rtl="0" eaLnBrk="1" fontAlgn="b" latinLnBrk="0" hangingPunct="1">
+                        <a:lnSpc>
+                          <a:spcPct val="100000"/>
+                        </a:lnSpc>
+                        <a:spcBef>
+                          <a:spcPts val="0"/>
+                        </a:spcBef>
+                        <a:spcAft>
+                          <a:spcPts val="0"/>
+                        </a:spcAft>
+                        <a:buClrTx/>
+                        <a:buSzTx/>
+                        <a:buFontTx/>
+                        <a:buNone/>
+                        <a:tabLst/>
+                        <a:defRPr/>
+                      </a:pPr>
+                      <a:r>
+                        <a:rPr lang="en-US" sz="1800" kern="1200" dirty="0">
+                          <a:solidFill>
+                            <a:schemeClr val="dk1"/>
+                          </a:solidFill>
+                          <a:latin typeface="+mn-lt"/>
+                          <a:ea typeface="+mn-ea"/>
+                          <a:cs typeface="+mn-cs"/>
+                        </a:rPr>
+                        <a:t>Amount of Loan disbursed</a:t>
+                      </a:r>
+                    </a:p>
+                  </a:txBody>
+                  <a:tcPr marL="7620" marR="7620" marT="7620" marB="0" anchor="ctr"/>
+                </a:tc>
+                <a:extLst>
+                  <a:ext uri="{0D108BD9-81ED-4DB2-BD59-A6C34878D82A}">
+                    <a16:rowId xmlns:a16="http://schemas.microsoft.com/office/drawing/2014/main" val="10001"/>
+                  </a:ext>
+                </a:extLst>
+              </a:tr>
+              <a:tr h="370840">
+                <a:tc>
+                  <a:txBody>
+                    <a:bodyPr/>
+                    <a:lstStyle/>
+                    <a:p>
+                      <a:pPr algn="ctr"/>
+                      <a:r>
+                        <a:rPr lang="en-US" dirty="0"/>
+                        <a:t>Asset Cost</a:t>
+                      </a:r>
+                    </a:p>
+                  </a:txBody>
+                  <a:tcPr/>
+                </a:tc>
+                <a:tc>
+                  <a:txBody>
+                    <a:bodyPr/>
+                    <a:lstStyle/>
+                    <a:p>
+                      <a:pPr algn="ctr"/>
+                      <a:r>
+                        <a:rPr lang="en-US" dirty="0"/>
+                        <a:t>Cost of the Vehicle</a:t>
+                      </a:r>
+                    </a:p>
+                  </a:txBody>
+                  <a:tcPr/>
+                </a:tc>
+                <a:extLst>
+                  <a:ext uri="{0D108BD9-81ED-4DB2-BD59-A6C34878D82A}">
+                    <a16:rowId xmlns:a16="http://schemas.microsoft.com/office/drawing/2014/main" val="10002"/>
+                  </a:ext>
+                </a:extLst>
+              </a:tr>
+              <a:tr h="370840">
+                <a:tc>
+                  <a:txBody>
+                    <a:bodyPr/>
+                    <a:lstStyle/>
+                    <a:p>
+                      <a:pPr algn="ctr"/>
+                      <a:r>
+                        <a:rPr lang="en-US" dirty="0"/>
+                        <a:t>LTV</a:t>
+                      </a:r>
+                    </a:p>
+                  </a:txBody>
+                  <a:tcPr/>
+                </a:tc>
+                <a:tc>
+                  <a:txBody>
+                    <a:bodyPr/>
+                    <a:lstStyle/>
+                    <a:p>
+                      <a:pPr algn="ctr"/>
+                      <a:r>
+                        <a:rPr lang="en-US" dirty="0"/>
+                        <a:t>Loan to Asset</a:t>
+                      </a:r>
+                      <a:r>
+                        <a:rPr lang="en-US" baseline="0" dirty="0"/>
+                        <a:t> Value Ratio</a:t>
+                      </a:r>
+                      <a:endParaRPr lang="en-US" dirty="0"/>
+                    </a:p>
+                  </a:txBody>
+                  <a:tcPr/>
+                </a:tc>
+                <a:extLst>
+                  <a:ext uri="{0D108BD9-81ED-4DB2-BD59-A6C34878D82A}">
+                    <a16:rowId xmlns:a16="http://schemas.microsoft.com/office/drawing/2014/main" val="10003"/>
+                  </a:ext>
+                </a:extLst>
+              </a:tr>
+              <a:tr h="370840">
+                <a:tc>
+                  <a:txBody>
+                    <a:bodyPr/>
+                    <a:lstStyle/>
+                    <a:p>
+                      <a:pPr algn="ctr"/>
+                      <a:r>
+                        <a:rPr lang="en-US" dirty="0"/>
+                        <a:t>Primary Current Balance</a:t>
+                      </a:r>
+                    </a:p>
+                  </a:txBody>
+                  <a:tcPr/>
+                </a:tc>
+                <a:tc>
+                  <a:txBody>
+                    <a:bodyPr/>
+                    <a:lstStyle/>
+                    <a:p>
+                      <a:pPr algn="ctr"/>
+                      <a:r>
+                        <a:rPr lang="en-US" dirty="0"/>
+                        <a:t>Total</a:t>
+                      </a:r>
+                      <a:r>
+                        <a:rPr lang="en-US" baseline="0" dirty="0"/>
+                        <a:t> Outstanding Amount of Loan at Disbursement</a:t>
+                      </a:r>
+                      <a:endParaRPr lang="en-US" dirty="0"/>
+                    </a:p>
+                  </a:txBody>
+                  <a:tcPr/>
+                </a:tc>
+                <a:extLst>
+                  <a:ext uri="{0D108BD9-81ED-4DB2-BD59-A6C34878D82A}">
+                    <a16:rowId xmlns:a16="http://schemas.microsoft.com/office/drawing/2014/main" val="10004"/>
+                  </a:ext>
+                </a:extLst>
+              </a:tr>
+              <a:tr h="370840">
+                <a:tc>
+                  <a:txBody>
+                    <a:bodyPr/>
+                    <a:lstStyle/>
+                    <a:p>
+                      <a:pPr algn="ctr"/>
+                      <a:r>
+                        <a:rPr lang="en-US" dirty="0"/>
+                        <a:t>Installment Amount</a:t>
+                      </a:r>
+                    </a:p>
+                  </a:txBody>
+                  <a:tcPr/>
+                </a:tc>
+                <a:tc>
+                  <a:txBody>
+                    <a:bodyPr/>
+                    <a:lstStyle/>
+                    <a:p>
+                      <a:pPr algn="ctr"/>
+                      <a:r>
+                        <a:rPr lang="en-US" dirty="0"/>
+                        <a:t>EMI</a:t>
+                      </a:r>
+                      <a:r>
+                        <a:rPr lang="en-US" baseline="0" dirty="0"/>
+                        <a:t> Amount of the Loan</a:t>
+                      </a:r>
+                      <a:endParaRPr lang="en-US" dirty="0"/>
+                    </a:p>
+                  </a:txBody>
+                  <a:tcPr/>
+                </a:tc>
+                <a:extLst>
+                  <a:ext uri="{0D108BD9-81ED-4DB2-BD59-A6C34878D82A}">
+                    <a16:rowId xmlns:a16="http://schemas.microsoft.com/office/drawing/2014/main" val="10005"/>
+                  </a:ext>
+                </a:extLst>
+              </a:tr>
+              <a:tr h="370840">
+                <a:tc>
+                  <a:txBody>
+                    <a:bodyPr/>
+                    <a:lstStyle/>
+                    <a:p>
+                      <a:pPr algn="ctr"/>
+                      <a:r>
+                        <a:rPr lang="en-US" baseline="0" dirty="0"/>
+                        <a:t>Age at disbursal</a:t>
+                      </a:r>
+                    </a:p>
+                  </a:txBody>
+                  <a:tcPr/>
+                </a:tc>
+                <a:tc>
+                  <a:txBody>
+                    <a:bodyPr/>
+                    <a:lstStyle/>
+                    <a:p>
+                      <a:pPr algn="ctr"/>
+                      <a:r>
+                        <a:rPr lang="en-US" dirty="0"/>
+                        <a:t>Age of</a:t>
+                      </a:r>
+                      <a:r>
+                        <a:rPr lang="en-US" baseline="0" dirty="0"/>
+                        <a:t> the customer when loan was disbursed</a:t>
+                      </a:r>
+                      <a:endParaRPr lang="en-US" dirty="0"/>
+                    </a:p>
+                  </a:txBody>
+                  <a:tcPr/>
+                </a:tc>
+                <a:extLst>
+                  <a:ext uri="{0D108BD9-81ED-4DB2-BD59-A6C34878D82A}">
+                    <a16:rowId xmlns:a16="http://schemas.microsoft.com/office/drawing/2014/main" val="10006"/>
+                  </a:ext>
+                </a:extLst>
+              </a:tr>
+              <a:tr h="370840">
+                <a:tc>
+                  <a:txBody>
+                    <a:bodyPr/>
+                    <a:lstStyle/>
+                    <a:p>
+                      <a:pPr algn="ctr"/>
+                      <a:r>
+                        <a:rPr lang="en-US" dirty="0"/>
+                        <a:t>Delinquent</a:t>
+                      </a:r>
+                      <a:r>
+                        <a:rPr lang="en-US" baseline="0" dirty="0"/>
+                        <a:t> Accounts in last six months</a:t>
+                      </a:r>
+                      <a:endParaRPr lang="en-US" dirty="0"/>
+                    </a:p>
+                  </a:txBody>
+                  <a:tcPr/>
+                </a:tc>
+                <a:tc>
+                  <a:txBody>
+                    <a:bodyPr/>
+                    <a:lstStyle/>
+                    <a:p>
+                      <a:pPr algn="ctr"/>
+                      <a:r>
+                        <a:rPr lang="en-US" dirty="0"/>
+                        <a:t>Loan Defaulted in last</a:t>
+                      </a:r>
+                      <a:r>
+                        <a:rPr lang="en-US" baseline="0" dirty="0"/>
+                        <a:t> six months</a:t>
+                      </a:r>
+                      <a:endParaRPr lang="en-US" dirty="0"/>
+                    </a:p>
+                  </a:txBody>
+                  <a:tcPr/>
+                </a:tc>
+                <a:extLst>
+                  <a:ext uri="{0D108BD9-81ED-4DB2-BD59-A6C34878D82A}">
+                    <a16:rowId xmlns:a16="http://schemas.microsoft.com/office/drawing/2014/main" val="10007"/>
+                  </a:ext>
+                </a:extLst>
+              </a:tr>
+            </a:tbl>
+          </a:graphicData>
+        </a:graphic>
+      </p:graphicFrame>
+      <p:sp>
+        <p:nvSpPr>
+          <p:cNvPr id="5" name="TextBox 4"/>
+          <p:cNvSpPr txBox="1"/>
+          <p:nvPr/>
+        </p:nvSpPr>
+        <p:spPr>
+          <a:xfrm>
+            <a:off x="3962400" y="1141086"/>
+            <a:ext cx="1147750" cy="369332"/>
+          </a:xfrm>
+          <a:prstGeom prst="rect">
+            <a:avLst/>
+          </a:prstGeom>
+          <a:noFill/>
+        </p:spPr>
+        <p:txBody>
+          <a:bodyPr wrap="none" rtlCol="0">
+            <a:spAutoFit/>
+          </a:bodyPr>
+          <a:lstStyle/>
+          <a:p>
+            <a:r>
+              <a:rPr lang="en-US" dirty="0"/>
+              <a:t>Numerical</a:t>
+            </a:r>
+          </a:p>
+        </p:txBody>
+      </p:sp>
+      <p:sp>
+        <p:nvSpPr>
+          <p:cNvPr id="6" name="TextBox 5"/>
+          <p:cNvSpPr txBox="1"/>
+          <p:nvPr/>
+        </p:nvSpPr>
+        <p:spPr>
+          <a:xfrm>
+            <a:off x="838200" y="457200"/>
+            <a:ext cx="3240374" cy="461665"/>
+          </a:xfrm>
+          <a:prstGeom prst="rect">
+            <a:avLst/>
+          </a:prstGeom>
+          <a:noFill/>
+        </p:spPr>
+        <p:txBody>
+          <a:bodyPr wrap="none" rtlCol="0">
+            <a:spAutoFit/>
+          </a:bodyPr>
+          <a:lstStyle/>
+          <a:p>
+            <a:r>
+              <a:rPr lang="en-US" sz="2400" b="1" dirty="0"/>
+              <a:t>Description of Columns:</a:t>
+            </a:r>
+          </a:p>
+        </p:txBody>
+      </p:sp>
+    </p:spTree>
+    <p:extLst>
+      <p:ext uri="{BB962C8B-B14F-4D97-AF65-F5344CB8AC3E}">
+        <p14:creationId xmlns:p14="http://schemas.microsoft.com/office/powerpoint/2010/main" val="3651703389"/>
+      </p:ext>
+    </p:extLst>
+  </p:cSld>
+  <p:clrMapOvr>
+    <a:masterClrMapping/>
+  </p:clrMapOvr>
+</p:sld>
+</file>
+
+<file path=ppt/slides/slide6.xml><?xml version="1.0" encoding="utf-8"?>
+<p:sld xmlns:a="http://schemas.openxmlformats.org/drawingml/2006/main" xmlns:r="http://schemas.openxmlformats.org/officeDocument/2006/relationships" xmlns:p="http://schemas.openxmlformats.org/presentationml/2006/main">
+  <p:cSld>
+    <p:spTree>
+      <p:nvGrpSpPr>
+        <p:cNvPr id="1" name=""/>
+        <p:cNvGrpSpPr/>
+        <p:nvPr/>
+      </p:nvGrpSpPr>
+      <p:grpSpPr>
+        <a:xfrm>
+          <a:off x="0" y="0"/>
+          <a:ext cx="0" cy="0"/>
+          <a:chOff x="0" y="0"/>
+          <a:chExt cx="0" cy="0"/>
+        </a:xfrm>
+      </p:grpSpPr>
+      <p:sp>
+        <p:nvSpPr>
+          <p:cNvPr id="4" name="TextBox 3"/>
+          <p:cNvSpPr txBox="1"/>
+          <p:nvPr/>
+        </p:nvSpPr>
+        <p:spPr>
+          <a:xfrm>
+            <a:off x="3776133" y="211203"/>
+            <a:ext cx="1228093" cy="369332"/>
+          </a:xfrm>
+          <a:prstGeom prst="rect">
+            <a:avLst/>
+          </a:prstGeom>
+          <a:noFill/>
+        </p:spPr>
+        <p:txBody>
+          <a:bodyPr wrap="none" rtlCol="0">
+            <a:spAutoFit/>
+          </a:bodyPr>
+          <a:lstStyle/>
+          <a:p>
+            <a:r>
+              <a:rPr lang="en-US" dirty="0"/>
+              <a:t>Categorical</a:t>
+            </a:r>
+          </a:p>
+        </p:txBody>
+      </p:sp>
+      <p:graphicFrame>
+        <p:nvGraphicFramePr>
+          <p:cNvPr id="5" name="Table 4"/>
+          <p:cNvGraphicFramePr>
+            <a:graphicFrameLocks noGrp="1"/>
+          </p:cNvGraphicFramePr>
+          <p:nvPr/>
+        </p:nvGraphicFramePr>
+        <p:xfrm>
+          <a:off x="1342179" y="762000"/>
+          <a:ext cx="6096000" cy="5610860"/>
+        </p:xfrm>
+        <a:graphic>
+          <a:graphicData uri="http://schemas.openxmlformats.org/drawingml/2006/table">
+            <a:tbl>
+              <a:tblPr firstRow="1" bandRow="1">
+                <a:tableStyleId>{5C22544A-7EE6-4342-B048-85BDC9FD1C3A}</a:tableStyleId>
+              </a:tblPr>
+              <a:tblGrid>
+                <a:gridCol w="3048000">
+                  <a:extLst>
+                    <a:ext uri="{9D8B030D-6E8A-4147-A177-3AD203B41FA5}">
+                      <a16:colId xmlns:a16="http://schemas.microsoft.com/office/drawing/2014/main" val="20000"/>
+                    </a:ext>
+                  </a:extLst>
+                </a:gridCol>
+                <a:gridCol w="3048000">
+                  <a:extLst>
+                    <a:ext uri="{9D8B030D-6E8A-4147-A177-3AD203B41FA5}">
+                      <a16:colId xmlns:a16="http://schemas.microsoft.com/office/drawing/2014/main" val="20001"/>
+                    </a:ext>
+                  </a:extLst>
+                </a:gridCol>
+              </a:tblGrid>
+              <a:tr h="370840">
+                <a:tc>
+                  <a:txBody>
+                    <a:bodyPr/>
+                    <a:lstStyle/>
+                    <a:p>
+                      <a:r>
+                        <a:rPr lang="en-US" dirty="0"/>
+                        <a:t>Column Name</a:t>
+                      </a:r>
+                    </a:p>
+                  </a:txBody>
+                  <a:tcPr/>
+                </a:tc>
+                <a:tc>
+                  <a:txBody>
+                    <a:bodyPr/>
+                    <a:lstStyle/>
+                    <a:p>
+                      <a:r>
+                        <a:rPr lang="en-US" dirty="0"/>
+                        <a:t>Description</a:t>
+                      </a:r>
+                    </a:p>
+                  </a:txBody>
+                  <a:tcPr/>
+                </a:tc>
+                <a:extLst>
+                  <a:ext uri="{0D108BD9-81ED-4DB2-BD59-A6C34878D82A}">
+                    <a16:rowId xmlns:a16="http://schemas.microsoft.com/office/drawing/2014/main" val="10000"/>
+                  </a:ext>
+                </a:extLst>
+              </a:tr>
+              <a:tr h="370840">
+                <a:tc>
+                  <a:txBody>
+                    <a:bodyPr/>
+                    <a:lstStyle/>
+                    <a:p>
+                      <a:pPr algn="ctr"/>
+                      <a:r>
+                        <a:rPr lang="en-US" dirty="0"/>
+                        <a:t>Number</a:t>
+                      </a:r>
+                      <a:r>
+                        <a:rPr lang="en-US" baseline="0" dirty="0"/>
+                        <a:t> of accounts</a:t>
+                      </a:r>
+                      <a:endParaRPr lang="en-US" dirty="0"/>
+                    </a:p>
+                  </a:txBody>
+                  <a:tcPr/>
+                </a:tc>
+                <a:tc>
+                  <a:txBody>
+                    <a:bodyPr/>
+                    <a:lstStyle/>
+                    <a:p>
+                      <a:pPr marL="0" marR="0" indent="0" algn="ctr" defTabSz="914400" rtl="0" eaLnBrk="1" fontAlgn="b" latinLnBrk="0" hangingPunct="1">
+                        <a:lnSpc>
+                          <a:spcPct val="100000"/>
+                        </a:lnSpc>
+                        <a:spcBef>
+                          <a:spcPts val="0"/>
+                        </a:spcBef>
+                        <a:spcAft>
+                          <a:spcPts val="0"/>
+                        </a:spcAft>
+                        <a:buClrTx/>
+                        <a:buSzTx/>
+                        <a:buFontTx/>
+                        <a:buNone/>
+                        <a:tabLst/>
+                        <a:defRPr/>
+                      </a:pPr>
+                      <a:r>
+                        <a:rPr lang="en-US" sz="1800" kern="1200" dirty="0">
+                          <a:solidFill>
+                            <a:schemeClr val="dk1"/>
+                          </a:solidFill>
+                          <a:latin typeface="+mn-lt"/>
+                          <a:ea typeface="+mn-ea"/>
+                          <a:cs typeface="+mn-cs"/>
+                        </a:rPr>
+                        <a:t>Total number of accounts</a:t>
+                      </a:r>
+                      <a:r>
+                        <a:rPr lang="en-US" sz="1800" kern="1200" baseline="0" dirty="0">
+                          <a:solidFill>
+                            <a:schemeClr val="dk1"/>
+                          </a:solidFill>
+                          <a:latin typeface="+mn-lt"/>
+                          <a:ea typeface="+mn-ea"/>
+                          <a:cs typeface="+mn-cs"/>
+                        </a:rPr>
+                        <a:t> of the customer</a:t>
+                      </a:r>
+                      <a:endParaRPr lang="en-US" sz="1800" kern="1200" dirty="0">
+                        <a:solidFill>
+                          <a:schemeClr val="dk1"/>
+                        </a:solidFill>
+                        <a:latin typeface="+mn-lt"/>
+                        <a:ea typeface="+mn-ea"/>
+                        <a:cs typeface="+mn-cs"/>
+                      </a:endParaRPr>
+                    </a:p>
+                  </a:txBody>
+                  <a:tcPr marL="7620" marR="7620" marT="7620" marB="0" anchor="ctr"/>
+                </a:tc>
+                <a:extLst>
+                  <a:ext uri="{0D108BD9-81ED-4DB2-BD59-A6C34878D82A}">
+                    <a16:rowId xmlns:a16="http://schemas.microsoft.com/office/drawing/2014/main" val="10001"/>
+                  </a:ext>
+                </a:extLst>
+              </a:tr>
+              <a:tr h="370840">
+                <a:tc>
+                  <a:txBody>
+                    <a:bodyPr/>
+                    <a:lstStyle/>
+                    <a:p>
+                      <a:pPr algn="ctr"/>
+                      <a:r>
+                        <a:rPr lang="en-US" dirty="0"/>
+                        <a:t>Active Accounts</a:t>
+                      </a:r>
+                    </a:p>
+                  </a:txBody>
+                  <a:tcPr/>
+                </a:tc>
+                <a:tc>
+                  <a:txBody>
+                    <a:bodyPr/>
+                    <a:lstStyle/>
+                    <a:p>
+                      <a:pPr algn="ctr"/>
+                      <a:r>
+                        <a:rPr lang="en-US" dirty="0"/>
+                        <a:t>Loan accounts at time of disbursements</a:t>
+                      </a:r>
+                    </a:p>
+                  </a:txBody>
+                  <a:tcPr/>
+                </a:tc>
+                <a:extLst>
+                  <a:ext uri="{0D108BD9-81ED-4DB2-BD59-A6C34878D82A}">
+                    <a16:rowId xmlns:a16="http://schemas.microsoft.com/office/drawing/2014/main" val="10002"/>
+                  </a:ext>
+                </a:extLst>
+              </a:tr>
+              <a:tr h="370840">
+                <a:tc>
+                  <a:txBody>
+                    <a:bodyPr/>
+                    <a:lstStyle/>
+                    <a:p>
+                      <a:pPr algn="ctr"/>
+                      <a:r>
+                        <a:rPr lang="en-US" dirty="0"/>
+                        <a:t>Overdue</a:t>
+                      </a:r>
+                      <a:r>
+                        <a:rPr lang="en-US" baseline="0" dirty="0"/>
+                        <a:t> Accounts</a:t>
+                      </a:r>
+                      <a:endParaRPr lang="en-US" dirty="0"/>
+                    </a:p>
+                  </a:txBody>
+                  <a:tcPr/>
+                </a:tc>
+                <a:tc>
+                  <a:txBody>
+                    <a:bodyPr/>
+                    <a:lstStyle/>
+                    <a:p>
+                      <a:pPr algn="ctr"/>
+                      <a:r>
+                        <a:rPr lang="en-US" dirty="0"/>
+                        <a:t>Count</a:t>
+                      </a:r>
+                      <a:r>
+                        <a:rPr lang="en-US" baseline="0" dirty="0"/>
+                        <a:t> of overdue accounts at time of disbursement</a:t>
+                      </a:r>
+                      <a:endParaRPr lang="en-US" dirty="0"/>
+                    </a:p>
+                  </a:txBody>
+                  <a:tcPr/>
+                </a:tc>
+                <a:extLst>
+                  <a:ext uri="{0D108BD9-81ED-4DB2-BD59-A6C34878D82A}">
+                    <a16:rowId xmlns:a16="http://schemas.microsoft.com/office/drawing/2014/main" val="10003"/>
+                  </a:ext>
+                </a:extLst>
+              </a:tr>
+              <a:tr h="370840">
+                <a:tc>
+                  <a:txBody>
+                    <a:bodyPr/>
+                    <a:lstStyle/>
+                    <a:p>
+                      <a:pPr algn="ctr"/>
+                      <a:r>
+                        <a:rPr lang="en-US" sz="1800" b="0" i="0" kern="1200" dirty="0">
+                          <a:solidFill>
+                            <a:schemeClr val="dk1"/>
+                          </a:solidFill>
+                          <a:effectLst/>
+                          <a:latin typeface="+mn-lt"/>
+                          <a:ea typeface="+mn-ea"/>
+                          <a:cs typeface="+mn-cs"/>
+                        </a:rPr>
+                        <a:t>New accounts in last 6 months</a:t>
+                      </a:r>
+                      <a:endParaRPr lang="en-US" dirty="0"/>
+                    </a:p>
+                  </a:txBody>
+                  <a:tcPr/>
+                </a:tc>
+                <a:tc>
+                  <a:txBody>
+                    <a:bodyPr/>
+                    <a:lstStyle/>
+                    <a:p>
+                      <a:pPr algn="ctr"/>
+                      <a:r>
+                        <a:rPr lang="en-US" dirty="0"/>
+                        <a:t>New loan taken by customer</a:t>
+                      </a:r>
+                      <a:r>
+                        <a:rPr lang="en-US" baseline="0" dirty="0"/>
+                        <a:t> in last 6 months</a:t>
+                      </a:r>
+                      <a:endParaRPr lang="en-US" dirty="0"/>
+                    </a:p>
+                  </a:txBody>
+                  <a:tcPr/>
+                </a:tc>
+                <a:extLst>
+                  <a:ext uri="{0D108BD9-81ED-4DB2-BD59-A6C34878D82A}">
+                    <a16:rowId xmlns:a16="http://schemas.microsoft.com/office/drawing/2014/main" val="10004"/>
+                  </a:ext>
+                </a:extLst>
+              </a:tr>
+              <a:tr h="370840">
+                <a:tc>
+                  <a:txBody>
+                    <a:bodyPr/>
+                    <a:lstStyle/>
+                    <a:p>
+                      <a:pPr algn="ctr"/>
+                      <a:r>
+                        <a:rPr lang="en-US" sz="1800" b="0" i="0" kern="1200" dirty="0">
+                          <a:solidFill>
+                            <a:schemeClr val="dk1"/>
+                          </a:solidFill>
+                          <a:effectLst/>
+                          <a:latin typeface="+mn-lt"/>
+                          <a:ea typeface="+mn-ea"/>
+                          <a:cs typeface="+mn-cs"/>
+                        </a:rPr>
+                        <a:t>No of inquiries</a:t>
+                      </a:r>
+                      <a:endParaRPr lang="en-US" dirty="0"/>
+                    </a:p>
+                  </a:txBody>
+                  <a:tcPr/>
+                </a:tc>
+                <a:tc>
+                  <a:txBody>
+                    <a:bodyPr/>
+                    <a:lstStyle/>
+                    <a:p>
+                      <a:pPr algn="ctr"/>
+                      <a:r>
+                        <a:rPr lang="en-US" dirty="0"/>
+                        <a:t>Enquiries</a:t>
+                      </a:r>
+                      <a:r>
+                        <a:rPr lang="en-US" baseline="0" dirty="0"/>
+                        <a:t> done by customer for the loan</a:t>
+                      </a:r>
+                      <a:endParaRPr lang="en-US" dirty="0"/>
+                    </a:p>
+                  </a:txBody>
+                  <a:tcPr/>
+                </a:tc>
+                <a:extLst>
+                  <a:ext uri="{0D108BD9-81ED-4DB2-BD59-A6C34878D82A}">
+                    <a16:rowId xmlns:a16="http://schemas.microsoft.com/office/drawing/2014/main" val="10005"/>
+                  </a:ext>
+                </a:extLst>
+              </a:tr>
+              <a:tr h="370840">
+                <a:tc>
+                  <a:txBody>
+                    <a:bodyPr/>
+                    <a:lstStyle/>
+                    <a:p>
+                      <a:pPr algn="ctr"/>
+                      <a:r>
+                        <a:rPr lang="en-US" sz="1800" b="0" i="0" kern="1200" dirty="0">
+                          <a:solidFill>
+                            <a:schemeClr val="dk1"/>
+                          </a:solidFill>
+                          <a:effectLst/>
+                          <a:latin typeface="+mn-lt"/>
+                          <a:ea typeface="+mn-ea"/>
+                          <a:cs typeface="+mn-cs"/>
+                        </a:rPr>
+                        <a:t>Average Loan tenure</a:t>
+                      </a:r>
+                      <a:endParaRPr lang="en-US" dirty="0"/>
+                    </a:p>
+                  </a:txBody>
+                  <a:tcPr/>
+                </a:tc>
+                <a:tc>
+                  <a:txBody>
+                    <a:bodyPr/>
+                    <a:lstStyle/>
+                    <a:p>
+                      <a:pPr algn="ctr"/>
+                      <a:r>
+                        <a:rPr lang="en-US" dirty="0"/>
+                        <a:t>Average</a:t>
+                      </a:r>
+                      <a:r>
+                        <a:rPr lang="en-US" baseline="0" dirty="0"/>
+                        <a:t> period of loan in months</a:t>
+                      </a:r>
+                    </a:p>
+                  </a:txBody>
+                  <a:tcPr/>
+                </a:tc>
+                <a:extLst>
+                  <a:ext uri="{0D108BD9-81ED-4DB2-BD59-A6C34878D82A}">
+                    <a16:rowId xmlns:a16="http://schemas.microsoft.com/office/drawing/2014/main" val="10006"/>
+                  </a:ext>
+                </a:extLst>
+              </a:tr>
+              <a:tr h="370840">
+                <a:tc>
+                  <a:txBody>
+                    <a:bodyPr/>
+                    <a:lstStyle/>
+                    <a:p>
+                      <a:pPr algn="ctr"/>
+                      <a:r>
+                        <a:rPr lang="en-US" sz="1800" b="0" i="0" kern="1200" dirty="0">
+                          <a:solidFill>
+                            <a:schemeClr val="dk1"/>
+                          </a:solidFill>
+                          <a:effectLst/>
+                          <a:latin typeface="+mn-lt"/>
+                          <a:ea typeface="+mn-ea"/>
+                          <a:cs typeface="+mn-cs"/>
+                        </a:rPr>
+                        <a:t>Time_since_1st_loan</a:t>
+                      </a:r>
+                      <a:endParaRPr lang="en-US" dirty="0"/>
+                    </a:p>
+                  </a:txBody>
+                  <a:tcPr/>
+                </a:tc>
+                <a:tc>
+                  <a:txBody>
+                    <a:bodyPr/>
+                    <a:lstStyle/>
+                    <a:p>
+                      <a:pPr algn="ctr"/>
+                      <a:r>
+                        <a:rPr lang="en-US" dirty="0"/>
+                        <a:t>Time since first</a:t>
+                      </a:r>
+                      <a:r>
+                        <a:rPr lang="en-US" baseline="0" dirty="0"/>
+                        <a:t> loan in months</a:t>
+                      </a:r>
+                      <a:endParaRPr lang="en-US" dirty="0"/>
+                    </a:p>
+                  </a:txBody>
+                  <a:tcPr/>
+                </a:tc>
+                <a:extLst>
+                  <a:ext uri="{0D108BD9-81ED-4DB2-BD59-A6C34878D82A}">
+                    <a16:rowId xmlns:a16="http://schemas.microsoft.com/office/drawing/2014/main" val="10007"/>
+                  </a:ext>
+                </a:extLst>
+              </a:tr>
+              <a:tr h="370840">
+                <a:tc>
+                  <a:txBody>
+                    <a:bodyPr/>
+                    <a:lstStyle/>
+                    <a:p>
+                      <a:pPr algn="ctr"/>
+                      <a:r>
+                        <a:rPr lang="en-US" sz="1800" b="0" i="0" kern="1200" dirty="0" err="1">
+                          <a:solidFill>
+                            <a:schemeClr val="dk1"/>
+                          </a:solidFill>
+                          <a:effectLst/>
+                          <a:latin typeface="+mn-lt"/>
+                          <a:ea typeface="+mn-ea"/>
+                          <a:cs typeface="+mn-cs"/>
+                        </a:rPr>
+                        <a:t>Aadhar</a:t>
+                      </a:r>
+                      <a:r>
+                        <a:rPr lang="en-US" sz="1800" b="0" i="0" kern="1200" dirty="0">
+                          <a:solidFill>
+                            <a:schemeClr val="dk1"/>
+                          </a:solidFill>
+                          <a:effectLst/>
+                          <a:latin typeface="+mn-lt"/>
+                          <a:ea typeface="+mn-ea"/>
+                          <a:cs typeface="+mn-cs"/>
+                        </a:rPr>
+                        <a:t> Flag</a:t>
+                      </a:r>
+                      <a:endParaRPr lang="en-US" dirty="0"/>
+                    </a:p>
+                  </a:txBody>
+                  <a:tcPr/>
+                </a:tc>
+                <a:tc>
+                  <a:txBody>
+                    <a:bodyPr/>
+                    <a:lstStyle/>
+                    <a:p>
+                      <a:pPr algn="ctr"/>
+                      <a:r>
+                        <a:rPr lang="en-US" dirty="0"/>
+                        <a:t>If </a:t>
+                      </a:r>
+                      <a:r>
+                        <a:rPr lang="en-US" dirty="0" err="1"/>
+                        <a:t>Aadhar</a:t>
+                      </a:r>
+                      <a:r>
+                        <a:rPr lang="en-US" baseline="0" dirty="0"/>
+                        <a:t> was shared-Flag 1</a:t>
+                      </a:r>
+                      <a:endParaRPr lang="en-US" dirty="0"/>
+                    </a:p>
+                  </a:txBody>
+                  <a:tcPr/>
+                </a:tc>
+                <a:extLst>
+                  <a:ext uri="{0D108BD9-81ED-4DB2-BD59-A6C34878D82A}">
+                    <a16:rowId xmlns:a16="http://schemas.microsoft.com/office/drawing/2014/main" val="10008"/>
+                  </a:ext>
+                </a:extLst>
+              </a:tr>
+              <a:tr h="370840">
+                <a:tc>
+                  <a:txBody>
+                    <a:bodyPr/>
+                    <a:lstStyle/>
+                    <a:p>
+                      <a:pPr algn="ctr"/>
+                      <a:r>
+                        <a:rPr lang="en-US" dirty="0"/>
+                        <a:t>Passport</a:t>
+                      </a:r>
+                      <a:r>
+                        <a:rPr lang="en-US" baseline="0" dirty="0"/>
+                        <a:t> Flag</a:t>
+                      </a:r>
+                      <a:endParaRPr lang="en-US" dirty="0"/>
+                    </a:p>
+                  </a:txBody>
+                  <a:tcPr/>
+                </a:tc>
+                <a:tc>
+                  <a:txBody>
+                    <a:bodyPr/>
+                    <a:lstStyle/>
+                    <a:p>
+                      <a:pPr marL="0" marR="0" indent="0" algn="ctr" defTabSz="914400" rtl="0" eaLnBrk="1" fontAlgn="auto" latinLnBrk="0" hangingPunct="1">
+                        <a:lnSpc>
+                          <a:spcPct val="100000"/>
+                        </a:lnSpc>
+                        <a:spcBef>
+                          <a:spcPts val="0"/>
+                        </a:spcBef>
+                        <a:spcAft>
+                          <a:spcPts val="0"/>
+                        </a:spcAft>
+                        <a:buClrTx/>
+                        <a:buSzTx/>
+                        <a:buFontTx/>
+                        <a:buNone/>
+                        <a:tabLst/>
+                        <a:defRPr/>
+                      </a:pPr>
+                      <a:r>
+                        <a:rPr lang="en-US" dirty="0"/>
+                        <a:t>If passport </a:t>
+                      </a:r>
+                      <a:r>
+                        <a:rPr lang="en-US" baseline="0" dirty="0"/>
+                        <a:t>was shared-Flag 1</a:t>
+                      </a:r>
+                      <a:endParaRPr lang="en-US" dirty="0"/>
+                    </a:p>
+                  </a:txBody>
+                  <a:tcPr/>
+                </a:tc>
+                <a:extLst>
+                  <a:ext uri="{0D108BD9-81ED-4DB2-BD59-A6C34878D82A}">
+                    <a16:rowId xmlns:a16="http://schemas.microsoft.com/office/drawing/2014/main" val="10009"/>
+                  </a:ext>
+                </a:extLst>
+              </a:tr>
+              <a:tr h="370840">
+                <a:tc>
+                  <a:txBody>
+                    <a:bodyPr/>
+                    <a:lstStyle/>
+                    <a:p>
+                      <a:pPr algn="ctr"/>
+                      <a:r>
+                        <a:rPr lang="en-US" dirty="0"/>
+                        <a:t>PAN Flag</a:t>
+                      </a:r>
+                    </a:p>
+                  </a:txBody>
+                  <a:tcPr/>
+                </a:tc>
+                <a:tc>
+                  <a:txBody>
+                    <a:bodyPr/>
+                    <a:lstStyle/>
+                    <a:p>
+                      <a:pPr marL="0" marR="0" indent="0" algn="ctr" defTabSz="914400" rtl="0" eaLnBrk="1" fontAlgn="auto" latinLnBrk="0" hangingPunct="1">
+                        <a:lnSpc>
+                          <a:spcPct val="100000"/>
+                        </a:lnSpc>
+                        <a:spcBef>
+                          <a:spcPts val="0"/>
+                        </a:spcBef>
+                        <a:spcAft>
+                          <a:spcPts val="0"/>
+                        </a:spcAft>
+                        <a:buClrTx/>
+                        <a:buSzTx/>
+                        <a:buFontTx/>
+                        <a:buNone/>
+                        <a:tabLst/>
+                        <a:defRPr/>
+                      </a:pPr>
+                      <a:r>
+                        <a:rPr lang="en-US" dirty="0"/>
+                        <a:t>If PAN </a:t>
+                      </a:r>
+                      <a:r>
+                        <a:rPr lang="en-US" baseline="0" dirty="0"/>
+                        <a:t>was shared-Flag 1</a:t>
+                      </a:r>
+                      <a:endParaRPr lang="en-US" dirty="0"/>
+                    </a:p>
+                  </a:txBody>
+                  <a:tcPr/>
+                </a:tc>
+                <a:extLst>
+                  <a:ext uri="{0D108BD9-81ED-4DB2-BD59-A6C34878D82A}">
+                    <a16:rowId xmlns:a16="http://schemas.microsoft.com/office/drawing/2014/main" val="10010"/>
+                  </a:ext>
+                </a:extLst>
+              </a:tr>
+            </a:tbl>
+          </a:graphicData>
+        </a:graphic>
+      </p:graphicFrame>
+    </p:spTree>
+    <p:extLst>
+      <p:ext uri="{BB962C8B-B14F-4D97-AF65-F5344CB8AC3E}">
+        <p14:creationId xmlns:p14="http://schemas.microsoft.com/office/powerpoint/2010/main" val="2401624301"/>
+      </p:ext>
+    </p:extLst>
+  </p:cSld>
+  <p:clrMapOvr>
+    <a:masterClrMapping/>
+  </p:clrMapOvr>
+</p:sld>
+</file>
+
+<file path=ppt/slides/slide7.xml><?xml version="1.0" encoding="utf-8"?>
+<p:sld xmlns:a="http://schemas.openxmlformats.org/drawingml/2006/main" xmlns:r="http://schemas.openxmlformats.org/officeDocument/2006/relationships" xmlns:p="http://schemas.openxmlformats.org/presentationml/2006/main">
+  <p:cSld>
+    <p:spTree>
+      <p:nvGrpSpPr>
+        <p:cNvPr id="1" name=""/>
+        <p:cNvGrpSpPr/>
+        <p:nvPr/>
+      </p:nvGrpSpPr>
+      <p:grpSpPr>
+        <a:xfrm>
+          <a:off x="0" y="0"/>
+          <a:ext cx="0" cy="0"/>
+          <a:chOff x="0" y="0"/>
+          <a:chExt cx="0" cy="0"/>
+        </a:xfrm>
+      </p:grpSpPr>
+      <p:sp>
+        <p:nvSpPr>
+          <p:cNvPr id="2" name="Title 1"/>
+          <p:cNvSpPr>
+            <a:spLocks noGrp="1"/>
+          </p:cNvSpPr>
+          <p:nvPr>
+            <p:ph type="title"/>
+          </p:nvPr>
+        </p:nvSpPr>
+        <p:spPr>
+          <a:xfrm>
+            <a:off x="628650" y="457200"/>
+            <a:ext cx="7886700" cy="1590571"/>
+          </a:xfrm>
+        </p:spPr>
+        <p:txBody>
+          <a:bodyPr>
+            <a:normAutofit/>
+          </a:bodyPr>
+          <a:lstStyle/>
+          <a:p>
+            <a:pPr algn="l"/>
+            <a:r>
+              <a:rPr lang="en-IN" sz="1650" dirty="0">
+                <a:latin typeface="Arial Rounded MT Bold" panose="020F0704030504030204" pitchFamily="34" charset="0"/>
+              </a:rPr>
+              <a:t>Distribution plot on numerical features:</a:t>
+            </a:r>
+            <a:br>
+              <a:rPr lang="en-IN" sz="1650" b="1" dirty="0">
+                <a:latin typeface="Arial Rounded MT Bold" panose="020F0704030504030204" pitchFamily="34" charset="0"/>
+              </a:rPr>
+            </a:br>
+            <a:r>
+              <a:rPr lang="en-IN" sz="1400" dirty="0">
+                <a:latin typeface="+mn-lt"/>
+              </a:rPr>
+              <a:t>Here numerical features are used for distribution plot. Most of the numerical variable like Asset cost distribution, primary CB, disbursed amount follows right skewed distribution whereas LTV follows left skewed distribution. Because in case if the borrower defaults on the loan</a:t>
+            </a:r>
+            <a:br>
+              <a:rPr lang="en-IN" sz="1400" dirty="0">
+                <a:latin typeface="+mn-lt"/>
+              </a:rPr>
+            </a:br>
+            <a:r>
+              <a:rPr lang="en-IN" sz="1400" dirty="0">
+                <a:latin typeface="+mn-lt"/>
+              </a:rPr>
+              <a:t>the lender can reposes the collateral and collect the money by selling it off. They can recover the losses for defaulted loan.</a:t>
+            </a:r>
+            <a:endParaRPr lang="en-IN" sz="1400" dirty="0">
+              <a:latin typeface="Arial Rounded MT Bold" panose="020F0704030504030204" pitchFamily="34" charset="0"/>
+            </a:endParaRPr>
+          </a:p>
+        </p:txBody>
+      </p:sp>
+      <p:pic>
+        <p:nvPicPr>
+          <p:cNvPr id="7" name="Picture 6"/>
+          <p:cNvPicPr>
+            <a:picLocks noChangeAspect="1"/>
+          </p:cNvPicPr>
+          <p:nvPr/>
+        </p:nvPicPr>
+        <p:blipFill>
+          <a:blip r:embed="rId2">
+            <a:extLst>
+              <a:ext uri="{28A0092B-C50C-407E-A947-70E740481C1C}">
+                <a14:useLocalDpi xmlns:a14="http://schemas.microsoft.com/office/drawing/2010/main" val="0"/>
+              </a:ext>
+            </a:extLst>
+          </a:blip>
+          <a:stretch>
+            <a:fillRect/>
+          </a:stretch>
+        </p:blipFill>
+        <p:spPr>
+          <a:xfrm>
+            <a:off x="484153" y="2103087"/>
+            <a:ext cx="3729706" cy="2366615"/>
+          </a:xfrm>
+          <a:prstGeom prst="rect">
+            <a:avLst/>
+          </a:prstGeom>
+        </p:spPr>
+      </p:pic>
+      <p:pic>
+        <p:nvPicPr>
+          <p:cNvPr id="8" name="Picture 7"/>
+          <p:cNvPicPr>
+            <a:picLocks noChangeAspect="1"/>
+          </p:cNvPicPr>
+          <p:nvPr/>
+        </p:nvPicPr>
+        <p:blipFill>
+          <a:blip r:embed="rId3">
+            <a:extLst>
+              <a:ext uri="{28A0092B-C50C-407E-A947-70E740481C1C}">
+                <a14:useLocalDpi xmlns:a14="http://schemas.microsoft.com/office/drawing/2010/main" val="0"/>
+              </a:ext>
+            </a:extLst>
+          </a:blip>
+          <a:stretch>
+            <a:fillRect/>
+          </a:stretch>
+        </p:blipFill>
+        <p:spPr>
+          <a:xfrm>
+            <a:off x="4973274" y="2208503"/>
+            <a:ext cx="3686573" cy="2155782"/>
+          </a:xfrm>
+          <a:prstGeom prst="rect">
+            <a:avLst/>
+          </a:prstGeom>
+        </p:spPr>
+      </p:pic>
+      <p:pic>
+        <p:nvPicPr>
+          <p:cNvPr id="10" name="Content Placeholder 9"/>
+          <p:cNvPicPr>
+            <a:picLocks noGrp="1" noChangeAspect="1"/>
+          </p:cNvPicPr>
+          <p:nvPr>
+            <p:ph idx="1"/>
+          </p:nvPr>
+        </p:nvPicPr>
+        <p:blipFill>
+          <a:blip r:embed="rId4">
+            <a:extLst>
+              <a:ext uri="{28A0092B-C50C-407E-A947-70E740481C1C}">
+                <a14:useLocalDpi xmlns:a14="http://schemas.microsoft.com/office/drawing/2010/main" val="0"/>
+              </a:ext>
+            </a:extLst>
+          </a:blip>
+          <a:stretch>
+            <a:fillRect/>
+          </a:stretch>
+        </p:blipFill>
+        <p:spPr>
+          <a:xfrm>
+            <a:off x="4891177" y="4419600"/>
+            <a:ext cx="3752959" cy="2155782"/>
+          </a:xfrm>
+        </p:spPr>
+      </p:pic>
+      <p:pic>
+        <p:nvPicPr>
+          <p:cNvPr id="11" name="Picture 10"/>
+          <p:cNvPicPr>
+            <a:picLocks noChangeAspect="1"/>
+          </p:cNvPicPr>
+          <p:nvPr/>
+        </p:nvPicPr>
+        <p:blipFill>
+          <a:blip r:embed="rId5">
+            <a:extLst>
+              <a:ext uri="{28A0092B-C50C-407E-A947-70E740481C1C}">
+                <a14:useLocalDpi xmlns:a14="http://schemas.microsoft.com/office/drawing/2010/main" val="0"/>
+              </a:ext>
+            </a:extLst>
+          </a:blip>
+          <a:stretch>
+            <a:fillRect/>
+          </a:stretch>
+        </p:blipFill>
+        <p:spPr>
+          <a:xfrm>
+            <a:off x="499864" y="4503481"/>
+            <a:ext cx="3762899" cy="2086827"/>
+          </a:xfrm>
+          <a:prstGeom prst="rect">
+            <a:avLst/>
+          </a:prstGeom>
+        </p:spPr>
+      </p:pic>
+    </p:spTree>
+    <p:extLst>
+      <p:ext uri="{BB962C8B-B14F-4D97-AF65-F5344CB8AC3E}">
+        <p14:creationId xmlns:p14="http://schemas.microsoft.com/office/powerpoint/2010/main" val="3383383383"/>
+      </p:ext>
+    </p:extLst>
+  </p:cSld>
+  <p:clrMapOvr>
+    <a:masterClrMapping/>
+  </p:clrMapOvr>
+</p:sld>
+</file>
+
+<file path=ppt/slides/slide8.xml><?xml version="1.0" encoding="utf-8"?>
+<p:sld xmlns:a="http://schemas.openxmlformats.org/drawingml/2006/main" xmlns:r="http://schemas.openxmlformats.org/officeDocument/2006/relationships" xmlns:p="http://schemas.openxmlformats.org/presentationml/2006/main">
+  <p:cSld>
+    <p:spTree>
+      <p:nvGrpSpPr>
+        <p:cNvPr id="1" name=""/>
+        <p:cNvGrpSpPr/>
+        <p:nvPr/>
+      </p:nvGrpSpPr>
+      <p:grpSpPr>
+        <a:xfrm>
+          <a:off x="0" y="0"/>
+          <a:ext cx="0" cy="0"/>
+          <a:chOff x="0" y="0"/>
+          <a:chExt cx="0" cy="0"/>
+        </a:xfrm>
+      </p:grpSpPr>
+      <p:sp>
+        <p:nvSpPr>
+          <p:cNvPr id="2" name="Title 1"/>
+          <p:cNvSpPr>
+            <a:spLocks noGrp="1"/>
+          </p:cNvSpPr>
+          <p:nvPr>
+            <p:ph type="title"/>
+          </p:nvPr>
+        </p:nvSpPr>
+        <p:spPr>
+          <a:xfrm>
+            <a:off x="439947" y="381000"/>
+            <a:ext cx="8119613" cy="1981200"/>
+          </a:xfrm>
+        </p:spPr>
+        <p:txBody>
+          <a:bodyPr>
+            <a:normAutofit fontScale="90000"/>
+          </a:bodyPr>
+          <a:lstStyle/>
+          <a:p>
+            <a:pPr algn="l"/>
+            <a:r>
+              <a:rPr lang="en-IN" sz="1800" dirty="0">
+                <a:latin typeface="Arial Rounded MT Bold" panose="020F0704030504030204" pitchFamily="34" charset="0"/>
+              </a:rPr>
+              <a:t>Plots on various features:</a:t>
+            </a:r>
+            <a:br>
+              <a:rPr lang="en-IN" sz="1800" dirty="0">
+                <a:latin typeface="Arial Rounded MT Bold" panose="020F0704030504030204" pitchFamily="34" charset="0"/>
+              </a:rPr>
+            </a:br>
+            <a:r>
+              <a:rPr lang="en-IN" sz="1800" dirty="0">
+                <a:latin typeface="+mn-lt"/>
+              </a:rPr>
+              <a:t> Count plot for employment type is compared with the loan defaulters here where most of the self employed are a non-loan defaulters. </a:t>
+            </a:r>
+            <a:r>
+              <a:rPr lang="en-IN" sz="1800" dirty="0" err="1">
+                <a:latin typeface="+mn-lt"/>
+              </a:rPr>
+              <a:t>Aadhar</a:t>
+            </a:r>
+            <a:r>
+              <a:rPr lang="en-IN" sz="1800" dirty="0">
+                <a:latin typeface="+mn-lt"/>
+              </a:rPr>
+              <a:t> and pan details compared with loan defaulters. Person with </a:t>
+            </a:r>
+            <a:r>
+              <a:rPr lang="en-IN" sz="1800" dirty="0" err="1">
+                <a:latin typeface="+mn-lt"/>
+              </a:rPr>
+              <a:t>aadhar</a:t>
+            </a:r>
+            <a:r>
+              <a:rPr lang="en-IN" sz="1800" dirty="0">
+                <a:latin typeface="+mn-lt"/>
+              </a:rPr>
+              <a:t> are a loan defaulter whereas its just opposite to Pan details. Significant features like disbursed amount and asset amount plotted with loan defaulters, here the distribution is almost same shows no correlation with the target variable.</a:t>
+            </a:r>
+            <a:br>
+              <a:rPr lang="en-IN" sz="1800" dirty="0">
+                <a:latin typeface="Arial Rounded MT Bold" panose="020F0704030504030204" pitchFamily="34" charset="0"/>
+              </a:rPr>
+            </a:br>
+            <a:br>
+              <a:rPr lang="en-IN" sz="1650" dirty="0">
+                <a:latin typeface="Arial Rounded MT Bold" panose="020F0704030504030204" pitchFamily="34" charset="0"/>
+              </a:rPr>
+            </a:br>
+            <a:endParaRPr lang="en-IN" sz="1650" dirty="0">
+              <a:latin typeface="Arial Rounded MT Bold" panose="020F0704030504030204" pitchFamily="34" charset="0"/>
+            </a:endParaRPr>
+          </a:p>
+        </p:txBody>
+      </p:sp>
+      <p:pic>
+        <p:nvPicPr>
+          <p:cNvPr id="5" name="Picture 4"/>
+          <p:cNvPicPr>
+            <a:picLocks noChangeAspect="1"/>
+          </p:cNvPicPr>
+          <p:nvPr/>
+        </p:nvPicPr>
+        <p:blipFill>
+          <a:blip r:embed="rId2">
+            <a:extLst>
+              <a:ext uri="{28A0092B-C50C-407E-A947-70E740481C1C}">
+                <a14:useLocalDpi xmlns:a14="http://schemas.microsoft.com/office/drawing/2010/main" val="0"/>
+              </a:ext>
+            </a:extLst>
+          </a:blip>
+          <a:stretch>
+            <a:fillRect/>
+          </a:stretch>
+        </p:blipFill>
+        <p:spPr>
+          <a:xfrm>
+            <a:off x="735291" y="2223674"/>
+            <a:ext cx="3329687" cy="2177370"/>
+          </a:xfrm>
+          <a:prstGeom prst="rect">
+            <a:avLst/>
+          </a:prstGeom>
+        </p:spPr>
+      </p:pic>
+      <p:pic>
+        <p:nvPicPr>
+          <p:cNvPr id="6" name="Picture 5"/>
+          <p:cNvPicPr>
+            <a:picLocks noChangeAspect="1"/>
+          </p:cNvPicPr>
+          <p:nvPr/>
+        </p:nvPicPr>
+        <p:blipFill>
+          <a:blip r:embed="rId3">
+            <a:extLst>
+              <a:ext uri="{28A0092B-C50C-407E-A947-70E740481C1C}">
+                <a14:useLocalDpi xmlns:a14="http://schemas.microsoft.com/office/drawing/2010/main" val="0"/>
+              </a:ext>
+            </a:extLst>
+          </a:blip>
+          <a:stretch>
+            <a:fillRect/>
+          </a:stretch>
+        </p:blipFill>
+        <p:spPr>
+          <a:xfrm>
+            <a:off x="5079024" y="2223674"/>
+            <a:ext cx="2835935" cy="2177370"/>
+          </a:xfrm>
+          <a:prstGeom prst="rect">
+            <a:avLst/>
+          </a:prstGeom>
+        </p:spPr>
+      </p:pic>
+      <p:pic>
+        <p:nvPicPr>
+          <p:cNvPr id="11" name="Picture 10"/>
+          <p:cNvPicPr>
+            <a:picLocks noChangeAspect="1"/>
+          </p:cNvPicPr>
+          <p:nvPr/>
+        </p:nvPicPr>
+        <p:blipFill>
+          <a:blip r:embed="rId4">
+            <a:extLst>
+              <a:ext uri="{28A0092B-C50C-407E-A947-70E740481C1C}">
+                <a14:useLocalDpi xmlns:a14="http://schemas.microsoft.com/office/drawing/2010/main" val="0"/>
+              </a:ext>
+            </a:extLst>
+          </a:blip>
+          <a:stretch>
+            <a:fillRect/>
+          </a:stretch>
+        </p:blipFill>
+        <p:spPr>
+          <a:xfrm>
+            <a:off x="762000" y="4353974"/>
+            <a:ext cx="3302978" cy="2275426"/>
+          </a:xfrm>
+          <a:prstGeom prst="rect">
+            <a:avLst/>
+          </a:prstGeom>
+        </p:spPr>
+      </p:pic>
+      <p:pic>
+        <p:nvPicPr>
+          <p:cNvPr id="12" name="Picture 11"/>
+          <p:cNvPicPr>
+            <a:picLocks noChangeAspect="1"/>
+          </p:cNvPicPr>
+          <p:nvPr/>
+        </p:nvPicPr>
+        <p:blipFill>
+          <a:blip r:embed="rId5">
+            <a:extLst>
+              <a:ext uri="{28A0092B-C50C-407E-A947-70E740481C1C}">
+                <a14:useLocalDpi xmlns:a14="http://schemas.microsoft.com/office/drawing/2010/main" val="0"/>
+              </a:ext>
+            </a:extLst>
+          </a:blip>
+          <a:stretch>
+            <a:fillRect/>
+          </a:stretch>
+        </p:blipFill>
+        <p:spPr>
+          <a:xfrm>
+            <a:off x="5120116" y="4353974"/>
+            <a:ext cx="2753750" cy="2131524"/>
+          </a:xfrm>
+          <a:prstGeom prst="rect">
+            <a:avLst/>
+          </a:prstGeom>
+        </p:spPr>
+      </p:pic>
+    </p:spTree>
+    <p:extLst>
+      <p:ext uri="{BB962C8B-B14F-4D97-AF65-F5344CB8AC3E}">
+        <p14:creationId xmlns:p14="http://schemas.microsoft.com/office/powerpoint/2010/main" val="2232089093"/>
+      </p:ext>
+    </p:extLst>
+  </p:cSld>
+  <p:clrMapOvr>
+    <a:masterClrMapping/>
+  </p:clrMapOvr>
+</p:sld>
+</file>
+
 <file path=ppt/slides/slide9.xml><?xml version="1.0" encoding="utf-8"?>
 <p:sld xmlns:a="http://schemas.openxmlformats.org/drawingml/2006/main" xmlns:r="http://schemas.openxmlformats.org/officeDocument/2006/relationships" xmlns:p="http://schemas.openxmlformats.org/presentationml/2006/main">
   <p:cSld>
@@ -6449,13 +7839,7 @@
       </p:grpSpPr>
       <p:sp>
         <p:nvSpPr>
-          <p:cNvPr id="2" name="Title 1">
-            <a:extLst>
-              <a:ext uri="{FF2B5EF4-FFF2-40B4-BE49-F238E27FC236}">
-                <a16:creationId xmlns:a16="http://schemas.microsoft.com/office/drawing/2014/main" id="{541A397E-F577-49FF-BC80-010E4660590D}"/>
-              </a:ext>
-            </a:extLst>
-          </p:cNvPr>
+          <p:cNvPr id="2" name="Title 1"/>
           <p:cNvSpPr>
             <a:spLocks noGrp="1"/>
           </p:cNvSpPr>
@@ -6463,126 +7847,170 @@
             <p:ph type="title"/>
           </p:nvPr>
         </p:nvSpPr>
-        <p:spPr/>
-        <p:txBody>
-          <a:bodyPr/>
+        <p:spPr>
+          <a:xfrm>
+            <a:off x="628650" y="457200"/>
+            <a:ext cx="8134350" cy="1459298"/>
+          </a:xfrm>
+        </p:spPr>
+        <p:txBody>
+          <a:bodyPr>
+            <a:normAutofit fontScale="90000"/>
+          </a:bodyPr>
           <a:lstStyle/>
           <a:p>
             <a:pPr algn="l"/>
-            <a:r>
-              <a:rPr lang="en-US" dirty="0"/>
-              <a:t>Feature Engineering</a:t>
-            </a:r>
-          </a:p>
-        </p:txBody>
-      </p:sp>
-      <p:sp>
-        <p:nvSpPr>
-          <p:cNvPr id="3" name="Content Placeholder 2">
-            <a:extLst>
-              <a:ext uri="{FF2B5EF4-FFF2-40B4-BE49-F238E27FC236}">
-                <a16:creationId xmlns:a16="http://schemas.microsoft.com/office/drawing/2014/main" id="{4887195E-57E5-4EF2-9755-BE81F07132A4}"/>
-              </a:ext>
-            </a:extLst>
-          </p:cNvPr>
-          <p:cNvSpPr>
-            <a:spLocks noGrp="1"/>
-          </p:cNvSpPr>
+            <a:br>
+              <a:rPr lang="en-IN" sz="2700" dirty="0"/>
+            </a:br>
+            <a:r>
+              <a:rPr lang="en-IN" sz="2700" dirty="0"/>
+              <a:t>Box plot on significant feature:</a:t>
+            </a:r>
+            <a:br>
+              <a:rPr lang="en-IN" sz="1650" dirty="0">
+                <a:latin typeface="Arial Rounded MT Bold" panose="020F0704030504030204" pitchFamily="34" charset="0"/>
+              </a:rPr>
+            </a:br>
+            <a:br>
+              <a:rPr lang="en-IN" sz="1650" dirty="0">
+                <a:latin typeface="Arial Rounded MT Bold" panose="020F0704030504030204" pitchFamily="34" charset="0"/>
+              </a:rPr>
+            </a:br>
+            <a:r>
+              <a:rPr lang="en-IN" sz="2000" dirty="0">
+                <a:latin typeface="+mn-lt"/>
+              </a:rPr>
+              <a:t>Significant features like disbursed amount and asset amount plotted with loan defaulters, here the distribution is almost same shows no correlation with the target variable.</a:t>
+            </a:r>
+            <a:br>
+              <a:rPr lang="en-IN" sz="2000" dirty="0">
+                <a:latin typeface="+mn-lt"/>
+              </a:rPr>
+            </a:br>
+            <a:endParaRPr lang="en-IN" sz="2000" dirty="0">
+              <a:latin typeface="+mn-lt"/>
+            </a:endParaRPr>
+          </a:p>
+        </p:txBody>
+      </p:sp>
+      <p:pic>
+        <p:nvPicPr>
+          <p:cNvPr id="4" name="Content Placeholder 3"/>
+          <p:cNvPicPr>
+            <a:picLocks noGrp="1" noChangeAspect="1"/>
+          </p:cNvPicPr>
           <p:nvPr>
             <p:ph idx="1"/>
           </p:nvPr>
-        </p:nvSpPr>
-        <p:spPr/>
-        <p:txBody>
-          <a:bodyPr>
-            <a:normAutofit/>
+        </p:nvPicPr>
+        <p:blipFill>
+          <a:blip r:embed="rId2">
+            <a:extLst>
+              <a:ext uri="{28A0092B-C50C-407E-A947-70E740481C1C}">
+                <a14:useLocalDpi xmlns:a14="http://schemas.microsoft.com/office/drawing/2010/main" val="0"/>
+              </a:ext>
+            </a:extLst>
+          </a:blip>
+          <a:stretch>
+            <a:fillRect/>
+          </a:stretch>
+        </p:blipFill>
+        <p:spPr>
+          <a:xfrm>
+            <a:off x="628650" y="1916498"/>
+            <a:ext cx="3434392" cy="2050930"/>
+          </a:xfrm>
+        </p:spPr>
+      </p:pic>
+      <p:pic>
+        <p:nvPicPr>
+          <p:cNvPr id="5" name="Picture 4"/>
+          <p:cNvPicPr>
+            <a:picLocks noChangeAspect="1"/>
+          </p:cNvPicPr>
+          <p:nvPr/>
+        </p:nvPicPr>
+        <p:blipFill>
+          <a:blip r:embed="rId3">
+            <a:extLst>
+              <a:ext uri="{28A0092B-C50C-407E-A947-70E740481C1C}">
+                <a14:useLocalDpi xmlns:a14="http://schemas.microsoft.com/office/drawing/2010/main" val="0"/>
+              </a:ext>
+            </a:extLst>
+          </a:blip>
+          <a:stretch>
+            <a:fillRect/>
+          </a:stretch>
+        </p:blipFill>
+        <p:spPr>
+          <a:xfrm>
+            <a:off x="4787660" y="1834192"/>
+            <a:ext cx="3202557" cy="2093297"/>
+          </a:xfrm>
+          <a:prstGeom prst="rect">
+            <a:avLst/>
+          </a:prstGeom>
+        </p:spPr>
+      </p:pic>
+      <p:sp>
+        <p:nvSpPr>
+          <p:cNvPr id="6" name="Rectangle 5"/>
+          <p:cNvSpPr/>
+          <p:nvPr/>
+        </p:nvSpPr>
+        <p:spPr>
+          <a:xfrm>
+            <a:off x="517585" y="4273541"/>
+            <a:ext cx="7142672" cy="2123658"/>
+          </a:xfrm>
+          <a:prstGeom prst="rect">
+            <a:avLst/>
+          </a:prstGeom>
+        </p:spPr>
+        <p:txBody>
+          <a:bodyPr wrap="square">
+            <a:spAutoFit/>
           </a:bodyPr>
           <a:lstStyle/>
           <a:p>
-            <a:pPr marL="0" indent="0">
-              <a:buNone/>
+            <a:r>
+              <a:rPr lang="en-IN" sz="2400" dirty="0"/>
+              <a:t>Multi collinearity check:</a:t>
+            </a:r>
+          </a:p>
+          <a:p>
+            <a:endParaRPr lang="en-IN" dirty="0"/>
+          </a:p>
+          <a:p>
+            <a:pPr marL="214313" indent="-214313">
+              <a:buFont typeface="Arial" panose="020B0604020202020204" pitchFamily="34" charset="0"/>
+              <a:buChar char="•"/>
             </a:pPr>
             <a:r>
-              <a:rPr lang="en-IN" sz="2400" dirty="0"/>
-              <a:t>1. </a:t>
-            </a:r>
-            <a:r>
-              <a:rPr lang="en-IN" sz="2400" b="1" dirty="0"/>
-              <a:t>Transformations</a:t>
-            </a:r>
-            <a:r>
-              <a:rPr lang="en-IN" sz="2400" dirty="0"/>
-              <a:t> :</a:t>
-            </a:r>
-          </a:p>
-          <a:p>
-            <a:pPr marL="0" indent="0">
-              <a:buNone/>
+              <a:rPr lang="en-IN" dirty="0"/>
+              <a:t>Multi collinearity check is performed.</a:t>
+            </a:r>
+          </a:p>
+          <a:p>
+            <a:endParaRPr lang="en-IN" dirty="0"/>
+          </a:p>
+          <a:p>
+            <a:pPr marL="214313" indent="-214313">
+              <a:buFont typeface="Arial" panose="020B0604020202020204" pitchFamily="34" charset="0"/>
+              <a:buChar char="•"/>
             </a:pPr>
             <a:r>
-              <a:rPr lang="en-IN" sz="2400" dirty="0"/>
-              <a:t>Yes . Since the data is not normally distributed (Highly right skewed), We tried Log transform, Sqrt transform.</a:t>
-            </a:r>
-          </a:p>
-          <a:p>
-            <a:pPr marL="0" indent="0">
-              <a:buNone/>
-            </a:pPr>
-            <a:r>
-              <a:rPr lang="en-IN" sz="2400" dirty="0"/>
-              <a:t>2. </a:t>
-            </a:r>
-            <a:r>
-              <a:rPr lang="en-IN" sz="2400" b="1" dirty="0"/>
-              <a:t>Scaling the data </a:t>
-            </a:r>
-            <a:r>
-              <a:rPr lang="en-IN" sz="2400" dirty="0"/>
-              <a:t>:</a:t>
-            </a:r>
-          </a:p>
-          <a:p>
-            <a:pPr marL="0" indent="0">
-              <a:buNone/>
-            </a:pPr>
-            <a:r>
-              <a:rPr lang="en-IN" sz="2400" dirty="0"/>
-              <a:t>Yes, the data has been scaled.</a:t>
-            </a:r>
-          </a:p>
-          <a:p>
-            <a:pPr marL="0" indent="0">
-              <a:buNone/>
-            </a:pPr>
-            <a:r>
-              <a:rPr lang="en-IN" sz="2400" dirty="0"/>
-              <a:t>3. </a:t>
-            </a:r>
-            <a:r>
-              <a:rPr lang="en-IN" sz="2400" b="1" dirty="0"/>
-              <a:t>Dimensionality reduction </a:t>
-            </a:r>
-            <a:r>
-              <a:rPr lang="en-IN" sz="2400" dirty="0"/>
-              <a:t>:</a:t>
-            </a:r>
-          </a:p>
-          <a:p>
-            <a:pPr marL="0" indent="0">
-              <a:buNone/>
-            </a:pPr>
-            <a:r>
-              <a:rPr lang="en-US" sz="2400" dirty="0"/>
-              <a:t>Since there is no multicollinearity in our data presently(removed after checking VIF), We haven’t done PCA.</a:t>
-            </a:r>
-            <a:endParaRPr lang="en-IN" sz="2400" dirty="0"/>
+              <a:rPr lang="en-IN" dirty="0"/>
+              <a:t> Features like primary disbursed amount, secondary sanctioned amount and secondary disbursed amount is highly correlated with target variable.</a:t>
+            </a:r>
           </a:p>
         </p:txBody>
       </p:sp>
     </p:spTree>
     <p:extLst>
       <p:ext uri="{BB962C8B-B14F-4D97-AF65-F5344CB8AC3E}">
-        <p14:creationId xmlns:p14="http://schemas.microsoft.com/office/powerpoint/2010/main" val="3227524239"/>
+        <p14:creationId xmlns:p14="http://schemas.microsoft.com/office/powerpoint/2010/main" val="4214860241"/>
       </p:ext>
     </p:extLst>
   </p:cSld>

--- a/Vehicle Loan Default Prediction.pptx
+++ b/Vehicle Loan Default Prediction.pptx
@@ -3799,18 +3799,26 @@
                   <a:srgbClr val="FF0000"/>
                 </a:solidFill>
               </a:rPr>
-              <a:t>Krishnaraj Palanychamy</a:t>
+              <a:t>Krishnamurthy S</a:t>
             </a:r>
           </a:p>
           <a:p>
             <a:pPr algn="r"/>
+            <a:r>
+              <a:rPr lang="en-US" sz="2000" dirty="0" err="1">
+                <a:solidFill>
+                  <a:srgbClr val="FF0000"/>
+                </a:solidFill>
+              </a:rPr>
+              <a:t>Krishnaraj</a:t>
+            </a:r>
             <a:r>
               <a:rPr lang="en-US" sz="2000" dirty="0">
                 <a:solidFill>
                   <a:srgbClr val="FF0000"/>
                 </a:solidFill>
               </a:rPr>
-              <a:t>Krishnamurthy S</a:t>
+              <a:t> Palanychamy</a:t>
             </a:r>
           </a:p>
           <a:p>

--- a/Vehicle Loan Default Prediction.pptx
+++ b/Vehicle Loan Default Prediction.pptx
@@ -5457,32 +5457,46 @@
         </p:spPr>
         <p:txBody>
           <a:bodyPr>
-            <a:normAutofit lnSpcReduction="10000"/>
+            <a:normAutofit/>
           </a:bodyPr>
           <a:lstStyle/>
           <a:p>
             <a:r>
-              <a:rPr lang="en-US" sz="2800" dirty="0"/>
+              <a:rPr lang="en-US" sz="2400" dirty="0"/>
               <a:t>People avail vehicle loan from banks to buy their dream cars. Car loans have taken off in India witnessing an increase in growth of 18-20% which is a huge increase in 2019.</a:t>
             </a:r>
           </a:p>
           <a:p>
             <a:r>
-              <a:rPr lang="en-US" sz="2800" dirty="0"/>
-              <a:t>Bank and vehicle finance companies are making this dream come true by providing the vehicle loan facility. </a:t>
-            </a:r>
-          </a:p>
-          <a:p>
-            <a:r>
-              <a:rPr lang="en-US" sz="2800" dirty="0"/>
+              <a:rPr lang="en-US" sz="2400" dirty="0"/>
+              <a:t>Bank and vehicle finance companies are making this dream come true by providing the vehicle loan facility.</a:t>
+            </a:r>
+          </a:p>
+          <a:p>
+            <a:r>
+              <a:rPr lang="en-US" sz="2400" dirty="0"/>
+              <a:t>India has lost 200 Crore Rupees each year due to </a:t>
+            </a:r>
+            <a:r>
+              <a:rPr lang="en-US" sz="2400"/>
+              <a:t>defaulters.</a:t>
+            </a:r>
+            <a:endParaRPr lang="en-US" sz="2400" dirty="0"/>
+          </a:p>
+          <a:p>
+            <a:r>
+              <a:rPr lang="en-US" sz="2400" dirty="0"/>
               <a:t>Financing a vehicle involves a lot of technicalities like the kind of vehicle to be financed, the route on which the vehicle will be plying, the operating expenses of the customer, etc. </a:t>
             </a:r>
           </a:p>
           <a:p>
             <a:r>
-              <a:rPr lang="en-US" sz="2800" dirty="0"/>
+              <a:rPr lang="en-US" sz="2400" dirty="0"/>
               <a:t>It is also being influenced by processing fee, loan clearance time, requirement of documentation and methodology being followed in computation of interest.</a:t>
             </a:r>
+          </a:p>
+          <a:p>
+            <a:endParaRPr lang="en-US" sz="2800" dirty="0"/>
           </a:p>
           <a:p>
             <a:endParaRPr lang="en-US" dirty="0"/>
@@ -6116,8 +6130,8 @@
         </p:nvSpPr>
         <p:spPr>
           <a:xfrm>
-            <a:off x="462949" y="1600200"/>
-            <a:ext cx="8305800" cy="2308324"/>
+            <a:off x="518562" y="1275040"/>
+            <a:ext cx="8305800" cy="2862322"/>
           </a:xfrm>
           <a:prstGeom prst="rect">
             <a:avLst/>
@@ -6130,10 +6144,18 @@
           </a:bodyPr>
           <a:lstStyle/>
           <a:p>
-            <a:pPr marL="285750" indent="-285750">
-              <a:buFont typeface="Arial" pitchFamily="34" charset="0"/>
-              <a:buChar char="•"/>
-            </a:pPr>
+            <a:r>
+              <a:rPr lang="en-US" dirty="0">
+                <a:hlinkClick r:id="rId2"/>
+              </a:rPr>
+              <a:t>https://www.kaggle.com/mamtadhaker/lt-vehicle-loan-default-prediction</a:t>
+            </a:r>
+            <a:endParaRPr lang="en-US" dirty="0"/>
+          </a:p>
+          <a:p>
+            <a:endParaRPr lang="en-US" dirty="0"/>
+          </a:p>
+          <a:p>
             <a:r>
               <a:rPr lang="en-US" dirty="0"/>
               <a:t>The Dataset contains 233154 Rows and 41 Columns</a:t>
@@ -6197,7 +6219,7 @@
         </p:nvSpPr>
         <p:spPr>
           <a:xfrm>
-            <a:off x="465668" y="3505200"/>
+            <a:off x="536237" y="3783419"/>
             <a:ext cx="8277682" cy="1754326"/>
           </a:xfrm>
           <a:prstGeom prst="rect">
@@ -7421,48 +7443,41 @@
         </p:nvSpPr>
         <p:spPr>
           <a:xfrm>
-            <a:off x="628650" y="457200"/>
-            <a:ext cx="7886700" cy="1590571"/>
+            <a:off x="628650" y="428919"/>
+            <a:ext cx="7886700" cy="1724269"/>
           </a:xfrm>
         </p:spPr>
         <p:txBody>
           <a:bodyPr>
-            <a:normAutofit/>
+            <a:normAutofit fontScale="90000"/>
           </a:bodyPr>
           <a:lstStyle/>
           <a:p>
             <a:pPr algn="l"/>
             <a:r>
-              <a:rPr lang="en-IN" sz="1650" dirty="0">
-                <a:latin typeface="Arial Rounded MT Bold" panose="020F0704030504030204" pitchFamily="34" charset="0"/>
-              </a:rPr>
+              <a:rPr lang="en-IN" sz="2700" dirty="0"/>
               <a:t>Distribution plot on numerical features:</a:t>
             </a:r>
             <a:br>
-              <a:rPr lang="en-IN" sz="1650" b="1" dirty="0">
-                <a:latin typeface="Arial Rounded MT Bold" panose="020F0704030504030204" pitchFamily="34" charset="0"/>
-              </a:rPr>
+              <a:rPr lang="en-IN" sz="1800" b="1" dirty="0"/>
             </a:br>
             <a:r>
-              <a:rPr lang="en-IN" sz="1400" dirty="0">
+              <a:rPr lang="en-IN" sz="1600" dirty="0">
                 <a:latin typeface="+mn-lt"/>
               </a:rPr>
               <a:t>Here numerical features are used for distribution plot. Most of the numerical variable like Asset cost distribution, primary CB, disbursed amount follows right skewed distribution whereas LTV follows left skewed distribution. Because in case if the borrower defaults on the loan</a:t>
             </a:r>
             <a:br>
-              <a:rPr lang="en-IN" sz="1400" dirty="0">
+              <a:rPr lang="en-IN" sz="1600" dirty="0">
                 <a:latin typeface="+mn-lt"/>
               </a:rPr>
             </a:br>
             <a:r>
-              <a:rPr lang="en-IN" sz="1400" dirty="0">
+              <a:rPr lang="en-IN" sz="1600" dirty="0">
                 <a:latin typeface="+mn-lt"/>
               </a:rPr>
               <a:t>the lender can reposes the collateral and collect the money by selling it off. They can recover the losses for defaulted loan.</a:t>
             </a:r>
-            <a:endParaRPr lang="en-IN" sz="1400" dirty="0">
-              <a:latin typeface="Arial Rounded MT Bold" panose="020F0704030504030204" pitchFamily="34" charset="0"/>
-            </a:endParaRPr>
           </a:p>
         </p:txBody>
       </p:sp>
@@ -7488,7 +7503,7 @@
         </p:blipFill>
         <p:spPr>
           <a:xfrm>
-            <a:off x="484153" y="2103087"/>
+            <a:off x="484153" y="2196919"/>
             <a:ext cx="3729706" cy="2366615"/>
           </a:xfrm>
           <a:prstGeom prst="rect">
@@ -7518,7 +7533,7 @@
         </p:blipFill>
         <p:spPr>
           <a:xfrm>
-            <a:off x="4973274" y="2208503"/>
+            <a:off x="4945378" y="2332173"/>
             <a:ext cx="3686573" cy="2155782"/>
           </a:xfrm>
           <a:prstGeom prst="rect">
@@ -7550,7 +7565,7 @@
         </p:blipFill>
         <p:spPr>
           <a:xfrm>
-            <a:off x="4891177" y="4419600"/>
+            <a:off x="4904532" y="4563534"/>
             <a:ext cx="3752959" cy="2155782"/>
           </a:xfrm>
         </p:spPr>
@@ -7577,7 +7592,7 @@
         </p:blipFill>
         <p:spPr>
           <a:xfrm>
-            <a:off x="499864" y="4503481"/>
+            <a:off x="499864" y="4648200"/>
             <a:ext cx="3762899" cy="2086827"/>
           </a:xfrm>
           <a:prstGeom prst="rect">
@@ -7627,8 +7642,8 @@
         </p:nvSpPr>
         <p:spPr>
           <a:xfrm>
-            <a:off x="439947" y="381000"/>
-            <a:ext cx="8119613" cy="1981200"/>
+            <a:off x="439947" y="533400"/>
+            <a:ext cx="8119613" cy="1600200"/>
           </a:xfrm>
         </p:spPr>
         <p:txBody>
@@ -7639,13 +7654,11 @@
           <a:p>
             <a:pPr algn="l"/>
             <a:r>
-              <a:rPr lang="en-IN" sz="1800" dirty="0">
-                <a:latin typeface="Arial Rounded MT Bold" panose="020F0704030504030204" pitchFamily="34" charset="0"/>
-              </a:rPr>
+              <a:rPr lang="en-IN" sz="2700" dirty="0"/>
               <a:t>Plots on various features:</a:t>
             </a:r>
             <a:br>
-              <a:rPr lang="en-IN" sz="1800" dirty="0">
+              <a:rPr lang="en-IN" sz="2800" dirty="0">
                 <a:latin typeface="Arial Rounded MT Bold" panose="020F0704030504030204" pitchFamily="34" charset="0"/>
               </a:rPr>
             </a:br>
@@ -7677,19 +7690,14 @@
               <a:rPr lang="en-IN" sz="1800" dirty="0">
                 <a:latin typeface="+mn-lt"/>
               </a:rPr>
-              <a:t> are a loan defaulter whereas its just opposite to Pan details. Significant features like disbursed amount and asset amount plotted with loan defaulters, here the distribution is almost same shows no correlation with the target variable.</a:t>
+              <a:t> are a loan defaulter whereas its just opposite to Pan details. </a:t>
             </a:r>
             <a:br>
-              <a:rPr lang="en-IN" sz="1800" dirty="0">
+              <a:rPr lang="en-IN" sz="2800" dirty="0">
                 <a:latin typeface="Arial Rounded MT Bold" panose="020F0704030504030204" pitchFamily="34" charset="0"/>
               </a:rPr>
             </a:br>
-            <a:br>
-              <a:rPr lang="en-IN" sz="1650" dirty="0">
-                <a:latin typeface="Arial Rounded MT Bold" panose="020F0704030504030204" pitchFamily="34" charset="0"/>
-              </a:rPr>
-            </a:br>
-            <a:endParaRPr lang="en-IN" sz="1650" dirty="0">
+            <a:endParaRPr lang="en-IN" sz="1600" dirty="0">
               <a:latin typeface="Arial Rounded MT Bold" panose="020F0704030504030204" pitchFamily="34" charset="0"/>
             </a:endParaRPr>
           </a:p>
@@ -7697,11 +7705,13 @@
       </p:sp>
       <p:pic>
         <p:nvPicPr>
-          <p:cNvPr id="5" name="Picture 4"/>
+          <p:cNvPr id="4" name="Content Placeholder 3"/>
           <p:cNvPicPr>
-            <a:picLocks noChangeAspect="1"/>
+            <a:picLocks noGrp="1" noChangeAspect="1"/>
           </p:cNvPicPr>
-          <p:nvPr/>
+          <p:nvPr>
+            <p:ph idx="1"/>
+          </p:nvPr>
         </p:nvPicPr>
         <p:blipFill>
           <a:blip r:embed="rId2">
@@ -7717,17 +7727,14 @@
         </p:blipFill>
         <p:spPr>
           <a:xfrm>
-            <a:off x="735291" y="2223674"/>
-            <a:ext cx="3329687" cy="2177370"/>
+            <a:off x="457036" y="1802130"/>
+            <a:ext cx="3715993" cy="2177370"/>
           </a:xfrm>
-          <a:prstGeom prst="rect">
-            <a:avLst/>
-          </a:prstGeom>
         </p:spPr>
       </p:pic>
       <p:pic>
         <p:nvPicPr>
-          <p:cNvPr id="6" name="Picture 5"/>
+          <p:cNvPr id="5" name="Picture 4"/>
           <p:cNvPicPr>
             <a:picLocks noChangeAspect="1"/>
           </p:cNvPicPr>
@@ -7747,8 +7754,8 @@
         </p:blipFill>
         <p:spPr>
           <a:xfrm>
-            <a:off x="5079024" y="2223674"/>
-            <a:ext cx="2835935" cy="2177370"/>
+            <a:off x="4964364" y="3933890"/>
+            <a:ext cx="3595196" cy="2177370"/>
           </a:xfrm>
           <a:prstGeom prst="rect">
             <a:avLst/>
@@ -7757,7 +7764,7 @@
       </p:pic>
       <p:pic>
         <p:nvPicPr>
-          <p:cNvPr id="11" name="Picture 10"/>
+          <p:cNvPr id="6" name="Picture 5"/>
           <p:cNvPicPr>
             <a:picLocks noChangeAspect="1"/>
           </p:cNvPicPr>
@@ -7777,8 +7784,8 @@
         </p:blipFill>
         <p:spPr>
           <a:xfrm>
-            <a:off x="762000" y="4353974"/>
-            <a:ext cx="3302978" cy="2275426"/>
+            <a:off x="4719187" y="1779326"/>
+            <a:ext cx="4015058" cy="2177370"/>
           </a:xfrm>
           <a:prstGeom prst="rect">
             <a:avLst/>
@@ -7787,7 +7794,7 @@
       </p:pic>
       <p:pic>
         <p:nvPicPr>
-          <p:cNvPr id="12" name="Picture 11"/>
+          <p:cNvPr id="7" name="Picture 6"/>
           <p:cNvPicPr>
             <a:picLocks noChangeAspect="1"/>
           </p:cNvPicPr>
@@ -7807,8 +7814,8 @@
         </p:blipFill>
         <p:spPr>
           <a:xfrm>
-            <a:off x="5120116" y="4353974"/>
-            <a:ext cx="2753750" cy="2131524"/>
+            <a:off x="671994" y="3933890"/>
+            <a:ext cx="3518124" cy="1989188"/>
           </a:xfrm>
           <a:prstGeom prst="rect">
             <a:avLst/>

--- a/Vehicle Loan Default Prediction.pptx
+++ b/Vehicle Loan Default Prediction.pptx
@@ -5475,13 +5475,8 @@
           <a:p>
             <a:r>
               <a:rPr lang="en-US" sz="2400" dirty="0"/>
-              <a:t>India has lost 200 Crore Rupees each year due to </a:t>
-            </a:r>
-            <a:r>
-              <a:rPr lang="en-US" sz="2400"/>
-              <a:t>defaulters.</a:t>
-            </a:r>
-            <a:endParaRPr lang="en-US" sz="2400" dirty="0"/>
+              <a:t>Indian Banks has lost 200 Crore Rupees each year due to defaulters.</a:t>
+            </a:r>
           </a:p>
           <a:p>
             <a:r>

--- a/Vehicle Loan Default Prediction.pptx
+++ b/Vehicle Loan Default Prediction.pptx
@@ -5998,7 +5998,15 @@
             </a:pPr>
             <a:r>
               <a:rPr lang="en-IN" sz="2400" dirty="0"/>
-              <a:t> Since there is no multicollinearity in our data, We haven’t done PCA.</a:t>
+              <a:t> Since there is no multicollinearity in our data presently(removed </a:t>
+            </a:r>
+            <a:r>
+              <a:rPr lang="en-IN" sz="2400"/>
+              <a:t>after checking VIF), </a:t>
+            </a:r>
+            <a:r>
+              <a:rPr lang="en-IN" sz="2400" dirty="0"/>
+              <a:t>We haven’t done PCA.</a:t>
             </a:r>
             <a:endParaRPr lang="en-US" sz="2400" dirty="0"/>
           </a:p>

--- a/Vehicle Loan Default Prediction.pptx
+++ b/Vehicle Loan Default Prediction.pptx
@@ -3778,7 +3778,7 @@
         </p:nvSpPr>
         <p:spPr>
           <a:xfrm>
-            <a:off x="838200" y="3810000"/>
+            <a:off x="990600" y="3791146"/>
             <a:ext cx="8030570" cy="1938992"/>
           </a:xfrm>
           <a:prstGeom prst="rect">
@@ -3877,6 +3877,102 @@
               </a:rPr>
               <a:t>Vishwanath Kannan</a:t>
             </a:r>
+          </a:p>
+        </p:txBody>
+      </p:sp>
+      <p:sp>
+        <p:nvSpPr>
+          <p:cNvPr id="9" name="TextBox 8">
+            <a:extLst>
+              <a:ext uri="{FF2B5EF4-FFF2-40B4-BE49-F238E27FC236}">
+                <a16:creationId xmlns:a16="http://schemas.microsoft.com/office/drawing/2014/main" id="{F0925139-94CD-4C6B-A9C3-EF453909B24F}"/>
+              </a:ext>
+            </a:extLst>
+          </p:cNvPr>
+          <p:cNvSpPr txBox="1"/>
+          <p:nvPr/>
+        </p:nvSpPr>
+        <p:spPr>
+          <a:xfrm>
+            <a:off x="1068404" y="3284423"/>
+            <a:ext cx="7770796" cy="523220"/>
+          </a:xfrm>
+          <a:prstGeom prst="rect">
+            <a:avLst/>
+          </a:prstGeom>
+          <a:noFill/>
+        </p:spPr>
+        <p:txBody>
+          <a:bodyPr wrap="square" rtlCol="0">
+            <a:spAutoFit/>
+          </a:bodyPr>
+          <a:lstStyle/>
+          <a:p>
+            <a:r>
+              <a:rPr lang="en-US" sz="2800" dirty="0"/>
+              <a:t>Guided by </a:t>
+            </a:r>
+          </a:p>
+        </p:txBody>
+      </p:sp>
+      <p:sp>
+        <p:nvSpPr>
+          <p:cNvPr id="10" name="TextBox 9">
+            <a:extLst>
+              <a:ext uri="{FF2B5EF4-FFF2-40B4-BE49-F238E27FC236}">
+                <a16:creationId xmlns:a16="http://schemas.microsoft.com/office/drawing/2014/main" id="{F16BA0AC-D071-4127-8D44-544C643DFE1F}"/>
+              </a:ext>
+            </a:extLst>
+          </p:cNvPr>
+          <p:cNvSpPr txBox="1"/>
+          <p:nvPr/>
+        </p:nvSpPr>
+        <p:spPr>
+          <a:xfrm>
+            <a:off x="808630" y="3791932"/>
+            <a:ext cx="1981200" cy="400110"/>
+          </a:xfrm>
+          <a:prstGeom prst="rect">
+            <a:avLst/>
+          </a:prstGeom>
+          <a:noFill/>
+        </p:spPr>
+        <p:txBody>
+          <a:bodyPr wrap="square" rtlCol="0">
+            <a:spAutoFit/>
+          </a:bodyPr>
+          <a:lstStyle/>
+          <a:p>
+            <a:pPr algn="r"/>
+            <a:r>
+              <a:rPr lang="en-US" sz="2000" dirty="0" err="1">
+                <a:solidFill>
+                  <a:srgbClr val="FF0000"/>
+                </a:solidFill>
+              </a:rPr>
+              <a:t>Animesh</a:t>
+            </a:r>
+            <a:r>
+              <a:rPr lang="en-US" sz="2000" dirty="0">
+                <a:solidFill>
+                  <a:srgbClr val="FF0000"/>
+                </a:solidFill>
+              </a:rPr>
+              <a:t> </a:t>
+            </a:r>
+            <a:r>
+              <a:rPr lang="en-US" sz="2000" dirty="0" err="1">
+                <a:solidFill>
+                  <a:srgbClr val="FF0000"/>
+                </a:solidFill>
+              </a:rPr>
+              <a:t>Tiweri</a:t>
+            </a:r>
+            <a:endParaRPr lang="en-US" sz="2000" dirty="0">
+              <a:solidFill>
+                <a:srgbClr val="FF0000"/>
+              </a:solidFill>
+            </a:endParaRPr>
           </a:p>
         </p:txBody>
       </p:sp>

--- a/Vehicle Loan Default Prediction.pptx
+++ b/Vehicle Loan Default Prediction.pptx
@@ -233,7 +233,7 @@
           <a:p>
             <a:fld id="{CA38C360-1451-4FAC-96AE-AED9435A5117}" type="datetimeFigureOut">
               <a:rPr lang="en-US" smtClean="0"/>
-              <a:t>1/9/2020</a:t>
+              <a:t>1/10/2020</a:t>
             </a:fld>
             <a:endParaRPr lang="en-US"/>
           </a:p>
@@ -679,7 +679,7 @@
           <a:p>
             <a:fld id="{A2D47140-E761-4776-BB05-B90A68E34D64}" type="datetimeFigureOut">
               <a:rPr lang="en-US" smtClean="0"/>
-              <a:t>1/9/2020</a:t>
+              <a:t>1/10/2020</a:t>
             </a:fld>
             <a:endParaRPr lang="en-US"/>
           </a:p>
@@ -847,7 +847,7 @@
           <a:p>
             <a:fld id="{A2D47140-E761-4776-BB05-B90A68E34D64}" type="datetimeFigureOut">
               <a:rPr lang="en-US" smtClean="0"/>
-              <a:t>1/9/2020</a:t>
+              <a:t>1/10/2020</a:t>
             </a:fld>
             <a:endParaRPr lang="en-US"/>
           </a:p>
@@ -1025,7 +1025,7 @@
           <a:p>
             <a:fld id="{A2D47140-E761-4776-BB05-B90A68E34D64}" type="datetimeFigureOut">
               <a:rPr lang="en-US" smtClean="0"/>
-              <a:t>1/9/2020</a:t>
+              <a:t>1/10/2020</a:t>
             </a:fld>
             <a:endParaRPr lang="en-US"/>
           </a:p>
@@ -1193,7 +1193,7 @@
           <a:p>
             <a:fld id="{A2D47140-E761-4776-BB05-B90A68E34D64}" type="datetimeFigureOut">
               <a:rPr lang="en-US" smtClean="0"/>
-              <a:t>1/9/2020</a:t>
+              <a:t>1/10/2020</a:t>
             </a:fld>
             <a:endParaRPr lang="en-US"/>
           </a:p>
@@ -1438,7 +1438,7 @@
           <a:p>
             <a:fld id="{A2D47140-E761-4776-BB05-B90A68E34D64}" type="datetimeFigureOut">
               <a:rPr lang="en-US" smtClean="0"/>
-              <a:t>1/9/2020</a:t>
+              <a:t>1/10/2020</a:t>
             </a:fld>
             <a:endParaRPr lang="en-US"/>
           </a:p>
@@ -1723,7 +1723,7 @@
           <a:p>
             <a:fld id="{A2D47140-E761-4776-BB05-B90A68E34D64}" type="datetimeFigureOut">
               <a:rPr lang="en-US" smtClean="0"/>
-              <a:t>1/9/2020</a:t>
+              <a:t>1/10/2020</a:t>
             </a:fld>
             <a:endParaRPr lang="en-US"/>
           </a:p>
@@ -2142,7 +2142,7 @@
           <a:p>
             <a:fld id="{A2D47140-E761-4776-BB05-B90A68E34D64}" type="datetimeFigureOut">
               <a:rPr lang="en-US" smtClean="0"/>
-              <a:t>1/9/2020</a:t>
+              <a:t>1/10/2020</a:t>
             </a:fld>
             <a:endParaRPr lang="en-US"/>
           </a:p>
@@ -2259,7 +2259,7 @@
           <a:p>
             <a:fld id="{A2D47140-E761-4776-BB05-B90A68E34D64}" type="datetimeFigureOut">
               <a:rPr lang="en-US" smtClean="0"/>
-              <a:t>1/9/2020</a:t>
+              <a:t>1/10/2020</a:t>
             </a:fld>
             <a:endParaRPr lang="en-US"/>
           </a:p>
@@ -2354,7 +2354,7 @@
           <a:p>
             <a:fld id="{A2D47140-E761-4776-BB05-B90A68E34D64}" type="datetimeFigureOut">
               <a:rPr lang="en-US" smtClean="0"/>
-              <a:t>1/9/2020</a:t>
+              <a:t>1/10/2020</a:t>
             </a:fld>
             <a:endParaRPr lang="en-US"/>
           </a:p>
@@ -2629,7 +2629,7 @@
           <a:p>
             <a:fld id="{A2D47140-E761-4776-BB05-B90A68E34D64}" type="datetimeFigureOut">
               <a:rPr lang="en-US" smtClean="0"/>
-              <a:t>1/9/2020</a:t>
+              <a:t>1/10/2020</a:t>
             </a:fld>
             <a:endParaRPr lang="en-US"/>
           </a:p>
@@ -2881,7 +2881,7 @@
           <a:p>
             <a:fld id="{A2D47140-E761-4776-BB05-B90A68E34D64}" type="datetimeFigureOut">
               <a:rPr lang="en-US" smtClean="0"/>
-              <a:t>1/9/2020</a:t>
+              <a:t>1/10/2020</a:t>
             </a:fld>
             <a:endParaRPr lang="en-US"/>
           </a:p>
@@ -3092,7 +3092,7 @@
           <a:p>
             <a:fld id="{A2D47140-E761-4776-BB05-B90A68E34D64}" type="datetimeFigureOut">
               <a:rPr lang="en-US" smtClean="0"/>
-              <a:t>1/9/2020</a:t>
+              <a:t>1/10/2020</a:t>
             </a:fld>
             <a:endParaRPr lang="en-US"/>
           </a:p>
@@ -3953,20 +3953,12 @@
               <a:t>Animesh</a:t>
             </a:r>
             <a:r>
-              <a:rPr lang="en-US" sz="2000" dirty="0">
+              <a:rPr lang="en-US" sz="2000">
                 <a:solidFill>
                   <a:srgbClr val="FF0000"/>
                 </a:solidFill>
               </a:rPr>
-              <a:t> </a:t>
-            </a:r>
-            <a:r>
-              <a:rPr lang="en-US" sz="2000" dirty="0" err="1">
-                <a:solidFill>
-                  <a:srgbClr val="FF0000"/>
-                </a:solidFill>
-              </a:rPr>
-              <a:t>Tiweri</a:t>
+              <a:t> Tiwari</a:t>
             </a:r>
             <a:endParaRPr lang="en-US" sz="2000" dirty="0">
               <a:solidFill>

--- a/Vehicle Loan Default Prediction.pptx
+++ b/Vehicle Loan Default Prediction.pptx
@@ -5,7 +5,7 @@
     <p:sldMasterId id="2147483648" r:id="rId1"/>
   </p:sldMasterIdLst>
   <p:notesMasterIdLst>
-    <p:notesMasterId r:id="rId12"/>
+    <p:notesMasterId r:id="rId11"/>
   </p:notesMasterIdLst>
   <p:sldIdLst>
     <p:sldId id="328" r:id="rId2"/>
@@ -13,11 +13,10 @@
     <p:sldId id="329" r:id="rId4"/>
     <p:sldId id="257" r:id="rId5"/>
     <p:sldId id="258" r:id="rId6"/>
-    <p:sldId id="338" r:id="rId7"/>
-    <p:sldId id="335" r:id="rId8"/>
-    <p:sldId id="337" r:id="rId9"/>
-    <p:sldId id="336" r:id="rId10"/>
-    <p:sldId id="263" r:id="rId11"/>
+    <p:sldId id="335" r:id="rId7"/>
+    <p:sldId id="337" r:id="rId8"/>
+    <p:sldId id="336" r:id="rId9"/>
+    <p:sldId id="263" r:id="rId10"/>
   </p:sldIdLst>
   <p:sldSz cx="9144000" cy="6858000" type="screen4x3"/>
   <p:notesSz cx="6858000" cy="9144000"/>
@@ -3881,7 +3880,122 @@
 </p:sld>
 </file>
 
-<file path=ppt/slides/slide10.xml><?xml version="1.0" encoding="utf-8"?>
+<file path=ppt/slides/slide2.xml><?xml version="1.0" encoding="utf-8"?>
+<p:sld xmlns:a="http://schemas.openxmlformats.org/drawingml/2006/main" xmlns:r="http://schemas.openxmlformats.org/officeDocument/2006/relationships" xmlns:p="http://schemas.openxmlformats.org/presentationml/2006/main">
+  <p:cSld>
+    <p:spTree>
+      <p:nvGrpSpPr>
+        <p:cNvPr id="1" name=""/>
+        <p:cNvGrpSpPr/>
+        <p:nvPr/>
+      </p:nvGrpSpPr>
+      <p:grpSpPr>
+        <a:xfrm>
+          <a:off x="0" y="0"/>
+          <a:ext cx="0" cy="0"/>
+          <a:chOff x="0" y="0"/>
+          <a:chExt cx="0" cy="0"/>
+        </a:xfrm>
+      </p:grpSpPr>
+      <p:sp>
+        <p:nvSpPr>
+          <p:cNvPr id="2" name="Title 1">
+            <a:extLst>
+              <a:ext uri="{FF2B5EF4-FFF2-40B4-BE49-F238E27FC236}">
+                <a16:creationId xmlns:a16="http://schemas.microsoft.com/office/drawing/2014/main" id="{543925F3-AEA9-4425-BE85-A907329B807D}"/>
+              </a:ext>
+            </a:extLst>
+          </p:cNvPr>
+          <p:cNvSpPr>
+            <a:spLocks noGrp="1"/>
+          </p:cNvSpPr>
+          <p:nvPr>
+            <p:ph type="title"/>
+          </p:nvPr>
+        </p:nvSpPr>
+        <p:spPr/>
+        <p:txBody>
+          <a:bodyPr/>
+          <a:lstStyle/>
+          <a:p>
+            <a:pPr algn="l"/>
+            <a:r>
+              <a:rPr lang="en-US" dirty="0"/>
+              <a:t>Introduction</a:t>
+            </a:r>
+          </a:p>
+        </p:txBody>
+      </p:sp>
+      <p:sp>
+        <p:nvSpPr>
+          <p:cNvPr id="3" name="Content Placeholder 2">
+            <a:extLst>
+              <a:ext uri="{FF2B5EF4-FFF2-40B4-BE49-F238E27FC236}">
+                <a16:creationId xmlns:a16="http://schemas.microsoft.com/office/drawing/2014/main" id="{58171DD3-3E42-48DF-95D4-3408C189D523}"/>
+              </a:ext>
+            </a:extLst>
+          </p:cNvPr>
+          <p:cNvSpPr>
+            <a:spLocks noGrp="1"/>
+          </p:cNvSpPr>
+          <p:nvPr>
+            <p:ph idx="1"/>
+          </p:nvPr>
+        </p:nvSpPr>
+        <p:spPr>
+          <a:xfrm>
+            <a:off x="457200" y="1295400"/>
+            <a:ext cx="8686800" cy="5562600"/>
+          </a:xfrm>
+        </p:spPr>
+        <p:txBody>
+          <a:bodyPr>
+            <a:normAutofit fontScale="85000" lnSpcReduction="10000"/>
+          </a:bodyPr>
+          <a:lstStyle/>
+          <a:p>
+            <a:r>
+              <a:rPr lang="en-US" dirty="0"/>
+              <a:t>People avail vehicle loan from banks to buy their dream cars. Car loans have taken off in India witnessing an increase in growth of 18-20% which is a huge increase in 2019.</a:t>
+            </a:r>
+          </a:p>
+          <a:p>
+            <a:r>
+              <a:rPr lang="en-US" dirty="0"/>
+              <a:t>Bank and vehicle finance companies are making this dream come true by providing the vehicle loan facility. </a:t>
+            </a:r>
+          </a:p>
+          <a:p>
+            <a:r>
+              <a:rPr lang="en-US" dirty="0"/>
+              <a:t>Financing a vehicle involves a lot of technicalities like the kind of vehicle to be financed, the route on which the vehicle will be plying, the operating expenses of the customer, etc. </a:t>
+            </a:r>
+          </a:p>
+          <a:p>
+            <a:r>
+              <a:rPr lang="en-US" dirty="0"/>
+              <a:t>It is also being influenced by processing fee, loan clearance time, requirement of documentation and methodology being followed in computation of interest.</a:t>
+            </a:r>
+          </a:p>
+          <a:p>
+            <a:endParaRPr lang="en-US" dirty="0"/>
+          </a:p>
+        </p:txBody>
+      </p:sp>
+    </p:spTree>
+    <p:extLst>
+      <p:ext uri="{BB962C8B-B14F-4D97-AF65-F5344CB8AC3E}">
+        <p14:creationId xmlns:p14="http://schemas.microsoft.com/office/powerpoint/2010/main" val="3561413167"/>
+      </p:ext>
+    </p:extLst>
+  </p:cSld>
+  <p:clrMapOvr>
+    <a:masterClrMapping/>
+  </p:clrMapOvr>
+</p:sld>
+</file>
+
+<file path=ppt/slides/slide3.xml><?xml version="1.0" encoding="utf-8"?>
 <p:sld xmlns:a="http://schemas.openxmlformats.org/drawingml/2006/main" xmlns:r="http://schemas.openxmlformats.org/officeDocument/2006/relationships" xmlns:p="http://schemas.openxmlformats.org/presentationml/2006/main">
   <p:cSld>
     <p:spTree>
@@ -3992,7 +4106,7 @@
       </p:sp>
       <p:sp>
         <p:nvSpPr>
-          <p:cNvPr id="9" name="Content Placeholder 2"/>
+          <p:cNvPr id="30" name="Content Placeholder 2"/>
           <p:cNvSpPr txBox="1">
             <a:spLocks/>
           </p:cNvSpPr>
@@ -4000,8 +4114,8 @@
         </p:nvSpPr>
         <p:spPr>
           <a:xfrm>
-            <a:off x="3042062" y="1958439"/>
-            <a:ext cx="4730338" cy="1546761"/>
+            <a:off x="429658" y="980501"/>
+            <a:ext cx="8485742" cy="5648899"/>
           </a:xfrm>
           <a:prstGeom prst="rect">
             <a:avLst/>
@@ -4009,7 +4123,7 @@
         </p:spPr>
         <p:txBody>
           <a:bodyPr vert="horz" lIns="91440" tIns="45720" rIns="91440" bIns="45720" rtlCol="0">
-            <a:normAutofit/>
+            <a:normAutofit lnSpcReduction="10000"/>
           </a:bodyPr>
           <a:lstStyle>
             <a:lvl1pPr marL="0" indent="0" algn="ctr" defTabSz="914400" rtl="0" eaLnBrk="1" latinLnBrk="0" hangingPunct="1">
@@ -4167,442 +4281,6 @@
             </a:lvl9pPr>
           </a:lstStyle>
           <a:p>
-            <a:pPr lvl="1" algn="l"/>
-            <a:endParaRPr lang="en-IN" sz="4000" dirty="0">
-              <a:solidFill>
-                <a:srgbClr val="0055A0"/>
-              </a:solidFill>
-            </a:endParaRPr>
-          </a:p>
-          <a:p>
-            <a:pPr lvl="1" algn="l"/>
-            <a:r>
-              <a:rPr lang="en-IN" sz="4000" dirty="0">
-                <a:solidFill>
-                  <a:srgbClr val="0055A0"/>
-                </a:solidFill>
-              </a:rPr>
-              <a:t>Thank You</a:t>
-            </a:r>
-          </a:p>
-        </p:txBody>
-      </p:sp>
-    </p:spTree>
-    <p:extLst>
-      <p:ext uri="{BB962C8B-B14F-4D97-AF65-F5344CB8AC3E}">
-        <p14:creationId xmlns:p14="http://schemas.microsoft.com/office/powerpoint/2010/main" val="3724216054"/>
-      </p:ext>
-    </p:extLst>
-  </p:cSld>
-  <p:clrMapOvr>
-    <a:masterClrMapping/>
-  </p:clrMapOvr>
-</p:sld>
-</file>
-
-<file path=ppt/slides/slide2.xml><?xml version="1.0" encoding="utf-8"?>
-<p:sld xmlns:a="http://schemas.openxmlformats.org/drawingml/2006/main" xmlns:r="http://schemas.openxmlformats.org/officeDocument/2006/relationships" xmlns:p="http://schemas.openxmlformats.org/presentationml/2006/main">
-  <p:cSld>
-    <p:spTree>
-      <p:nvGrpSpPr>
-        <p:cNvPr id="1" name=""/>
-        <p:cNvGrpSpPr/>
-        <p:nvPr/>
-      </p:nvGrpSpPr>
-      <p:grpSpPr>
-        <a:xfrm>
-          <a:off x="0" y="0"/>
-          <a:ext cx="0" cy="0"/>
-          <a:chOff x="0" y="0"/>
-          <a:chExt cx="0" cy="0"/>
-        </a:xfrm>
-      </p:grpSpPr>
-      <p:sp>
-        <p:nvSpPr>
-          <p:cNvPr id="2" name="Title 1">
-            <a:extLst>
-              <a:ext uri="{FF2B5EF4-FFF2-40B4-BE49-F238E27FC236}">
-                <a16:creationId xmlns:a16="http://schemas.microsoft.com/office/drawing/2014/main" id="{543925F3-AEA9-4425-BE85-A907329B807D}"/>
-              </a:ext>
-            </a:extLst>
-          </p:cNvPr>
-          <p:cNvSpPr>
-            <a:spLocks noGrp="1"/>
-          </p:cNvSpPr>
-          <p:nvPr>
-            <p:ph type="title"/>
-          </p:nvPr>
-        </p:nvSpPr>
-        <p:spPr/>
-        <p:txBody>
-          <a:bodyPr>
-            <a:normAutofit/>
-          </a:bodyPr>
-          <a:lstStyle/>
-          <a:p>
-            <a:pPr algn="l"/>
-            <a:r>
-              <a:rPr lang="en-US" sz="4000" dirty="0"/>
-              <a:t>Introduction</a:t>
-            </a:r>
-          </a:p>
-        </p:txBody>
-      </p:sp>
-      <p:sp>
-        <p:nvSpPr>
-          <p:cNvPr id="3" name="Content Placeholder 2">
-            <a:extLst>
-              <a:ext uri="{FF2B5EF4-FFF2-40B4-BE49-F238E27FC236}">
-                <a16:creationId xmlns:a16="http://schemas.microsoft.com/office/drawing/2014/main" id="{58171DD3-3E42-48DF-95D4-3408C189D523}"/>
-              </a:ext>
-            </a:extLst>
-          </p:cNvPr>
-          <p:cNvSpPr>
-            <a:spLocks noGrp="1"/>
-          </p:cNvSpPr>
-          <p:nvPr>
-            <p:ph idx="1"/>
-          </p:nvPr>
-        </p:nvSpPr>
-        <p:spPr>
-          <a:xfrm>
-            <a:off x="457200" y="1295400"/>
-            <a:ext cx="8686800" cy="5562600"/>
-          </a:xfrm>
-        </p:spPr>
-        <p:txBody>
-          <a:bodyPr>
-            <a:normAutofit lnSpcReduction="10000"/>
-          </a:bodyPr>
-          <a:lstStyle/>
-          <a:p>
-            <a:r>
-              <a:rPr lang="en-US" sz="2800" dirty="0"/>
-              <a:t>People avail vehicle loan from banks to buy their dream cars. Car loans have taken off in India witnessing an increase in growth of 18-20% which is a huge increase in 2019.</a:t>
-            </a:r>
-          </a:p>
-          <a:p>
-            <a:r>
-              <a:rPr lang="en-US" sz="2800" dirty="0"/>
-              <a:t>Bank and vehicle finance companies are making this dream come true by providing the vehicle loan facility. </a:t>
-            </a:r>
-          </a:p>
-          <a:p>
-            <a:r>
-              <a:rPr lang="en-US" sz="2800" dirty="0"/>
-              <a:t>Financing a vehicle involves a lot of technicalities like the kind of vehicle to be financed, the route on which the vehicle will be plying, the operating expenses of the customer, etc. </a:t>
-            </a:r>
-          </a:p>
-          <a:p>
-            <a:r>
-              <a:rPr lang="en-US" sz="2800" dirty="0"/>
-              <a:t>It is also being influenced by processing fee, loan clearance time, requirement of documentation and methodology being followed in computation of interest.</a:t>
-            </a:r>
-          </a:p>
-          <a:p>
-            <a:endParaRPr lang="en-US" dirty="0"/>
-          </a:p>
-        </p:txBody>
-      </p:sp>
-    </p:spTree>
-    <p:extLst>
-      <p:ext uri="{BB962C8B-B14F-4D97-AF65-F5344CB8AC3E}">
-        <p14:creationId xmlns:p14="http://schemas.microsoft.com/office/powerpoint/2010/main" val="3561413167"/>
-      </p:ext>
-    </p:extLst>
-  </p:cSld>
-  <p:clrMapOvr>
-    <a:masterClrMapping/>
-  </p:clrMapOvr>
-</p:sld>
-</file>
-
-<file path=ppt/slides/slide3.xml><?xml version="1.0" encoding="utf-8"?>
-<p:sld xmlns:a="http://schemas.openxmlformats.org/drawingml/2006/main" xmlns:r="http://schemas.openxmlformats.org/officeDocument/2006/relationships" xmlns:p="http://schemas.openxmlformats.org/presentationml/2006/main">
-  <p:cSld>
-    <p:spTree>
-      <p:nvGrpSpPr>
-        <p:cNvPr id="1" name=""/>
-        <p:cNvGrpSpPr/>
-        <p:nvPr/>
-      </p:nvGrpSpPr>
-      <p:grpSpPr>
-        <a:xfrm>
-          <a:off x="0" y="0"/>
-          <a:ext cx="0" cy="0"/>
-          <a:chOff x="0" y="0"/>
-          <a:chExt cx="0" cy="0"/>
-        </a:xfrm>
-      </p:grpSpPr>
-      <p:sp>
-        <p:nvSpPr>
-          <p:cNvPr id="4" name="Round Diagonal Corner Rectangle 3"/>
-          <p:cNvSpPr/>
-          <p:nvPr/>
-        </p:nvSpPr>
-        <p:spPr>
-          <a:xfrm>
-            <a:off x="45026" y="58880"/>
-            <a:ext cx="206087" cy="2209800"/>
-          </a:xfrm>
-          <a:prstGeom prst="round2DiagRect">
-            <a:avLst/>
-          </a:prstGeom>
-          <a:solidFill>
-            <a:srgbClr val="0070C0"/>
-          </a:solidFill>
-          <a:ln>
-            <a:solidFill>
-              <a:srgbClr val="0070C0"/>
-            </a:solidFill>
-          </a:ln>
-        </p:spPr>
-        <p:style>
-          <a:lnRef idx="2">
-            <a:schemeClr val="accent3"/>
-          </a:lnRef>
-          <a:fillRef idx="1">
-            <a:schemeClr val="lt1"/>
-          </a:fillRef>
-          <a:effectRef idx="0">
-            <a:schemeClr val="accent3"/>
-          </a:effectRef>
-          <a:fontRef idx="minor">
-            <a:schemeClr val="dk1"/>
-          </a:fontRef>
-        </p:style>
-        <p:txBody>
-          <a:bodyPr rtlCol="0" anchor="ctr"/>
-          <a:lstStyle/>
-          <a:p>
-            <a:pPr algn="ctr"/>
-            <a:endParaRPr lang="en-US"/>
-          </a:p>
-        </p:txBody>
-      </p:sp>
-      <p:sp>
-        <p:nvSpPr>
-          <p:cNvPr id="5" name="Round Diagonal Corner Rectangle 4"/>
-          <p:cNvSpPr/>
-          <p:nvPr/>
-        </p:nvSpPr>
-        <p:spPr>
-          <a:xfrm>
-            <a:off x="45026" y="2313700"/>
-            <a:ext cx="206087" cy="4461170"/>
-          </a:xfrm>
-          <a:prstGeom prst="round2DiagRect">
-            <a:avLst/>
-          </a:prstGeom>
-          <a:solidFill>
-            <a:srgbClr val="00B0F0"/>
-          </a:solidFill>
-          <a:ln>
-            <a:solidFill>
-              <a:srgbClr val="00B0F0"/>
-            </a:solidFill>
-          </a:ln>
-        </p:spPr>
-        <p:style>
-          <a:lnRef idx="2">
-            <a:schemeClr val="accent3"/>
-          </a:lnRef>
-          <a:fillRef idx="1">
-            <a:schemeClr val="lt1"/>
-          </a:fillRef>
-          <a:effectRef idx="0">
-            <a:schemeClr val="accent3"/>
-          </a:effectRef>
-          <a:fontRef idx="minor">
-            <a:schemeClr val="dk1"/>
-          </a:fontRef>
-        </p:style>
-        <p:txBody>
-          <a:bodyPr rtlCol="0" anchor="ctr"/>
-          <a:lstStyle/>
-          <a:p>
-            <a:pPr algn="ctr"/>
-            <a:endParaRPr lang="en-US"/>
-          </a:p>
-        </p:txBody>
-      </p:sp>
-      <p:sp>
-        <p:nvSpPr>
-          <p:cNvPr id="30" name="Content Placeholder 2"/>
-          <p:cNvSpPr txBox="1">
-            <a:spLocks/>
-          </p:cNvSpPr>
-          <p:nvPr/>
-        </p:nvSpPr>
-        <p:spPr>
-          <a:xfrm>
-            <a:off x="429658" y="980501"/>
-            <a:ext cx="8485742" cy="5648899"/>
-          </a:xfrm>
-          <a:prstGeom prst="rect">
-            <a:avLst/>
-          </a:prstGeom>
-        </p:spPr>
-        <p:txBody>
-          <a:bodyPr vert="horz" lIns="91440" tIns="45720" rIns="91440" bIns="45720" rtlCol="0">
-            <a:normAutofit/>
-          </a:bodyPr>
-          <a:lstStyle>
-            <a:lvl1pPr marL="0" indent="0" algn="ctr" defTabSz="914400" rtl="0" eaLnBrk="1" latinLnBrk="0" hangingPunct="1">
-              <a:spcBef>
-                <a:spcPct val="20000"/>
-              </a:spcBef>
-              <a:buFont typeface="Arial" panose="020B0604020202020204" pitchFamily="34" charset="0"/>
-              <a:buNone/>
-              <a:defRPr sz="3200" kern="1200">
-                <a:solidFill>
-                  <a:schemeClr val="tx1">
-                    <a:tint val="75000"/>
-                  </a:schemeClr>
-                </a:solidFill>
-                <a:latin typeface="+mn-lt"/>
-                <a:ea typeface="+mn-ea"/>
-                <a:cs typeface="+mn-cs"/>
-              </a:defRPr>
-            </a:lvl1pPr>
-            <a:lvl2pPr marL="457200" indent="0" algn="ctr" defTabSz="914400" rtl="0" eaLnBrk="1" latinLnBrk="0" hangingPunct="1">
-              <a:spcBef>
-                <a:spcPct val="20000"/>
-              </a:spcBef>
-              <a:buFont typeface="Arial" panose="020B0604020202020204" pitchFamily="34" charset="0"/>
-              <a:buNone/>
-              <a:defRPr sz="2800" kern="1200">
-                <a:solidFill>
-                  <a:schemeClr val="tx1">
-                    <a:tint val="75000"/>
-                  </a:schemeClr>
-                </a:solidFill>
-                <a:latin typeface="+mn-lt"/>
-                <a:ea typeface="+mn-ea"/>
-                <a:cs typeface="+mn-cs"/>
-              </a:defRPr>
-            </a:lvl2pPr>
-            <a:lvl3pPr marL="914400" indent="0" algn="ctr" defTabSz="914400" rtl="0" eaLnBrk="1" latinLnBrk="0" hangingPunct="1">
-              <a:spcBef>
-                <a:spcPct val="20000"/>
-              </a:spcBef>
-              <a:buFont typeface="Arial" panose="020B0604020202020204" pitchFamily="34" charset="0"/>
-              <a:buNone/>
-              <a:defRPr sz="2400" kern="1200">
-                <a:solidFill>
-                  <a:schemeClr val="tx1">
-                    <a:tint val="75000"/>
-                  </a:schemeClr>
-                </a:solidFill>
-                <a:latin typeface="+mn-lt"/>
-                <a:ea typeface="+mn-ea"/>
-                <a:cs typeface="+mn-cs"/>
-              </a:defRPr>
-            </a:lvl3pPr>
-            <a:lvl4pPr marL="1371600" indent="0" algn="ctr" defTabSz="914400" rtl="0" eaLnBrk="1" latinLnBrk="0" hangingPunct="1">
-              <a:spcBef>
-                <a:spcPct val="20000"/>
-              </a:spcBef>
-              <a:buFont typeface="Arial" panose="020B0604020202020204" pitchFamily="34" charset="0"/>
-              <a:buNone/>
-              <a:defRPr sz="2000" kern="1200">
-                <a:solidFill>
-                  <a:schemeClr val="tx1">
-                    <a:tint val="75000"/>
-                  </a:schemeClr>
-                </a:solidFill>
-                <a:latin typeface="+mn-lt"/>
-                <a:ea typeface="+mn-ea"/>
-                <a:cs typeface="+mn-cs"/>
-              </a:defRPr>
-            </a:lvl4pPr>
-            <a:lvl5pPr marL="1828800" indent="0" algn="ctr" defTabSz="914400" rtl="0" eaLnBrk="1" latinLnBrk="0" hangingPunct="1">
-              <a:spcBef>
-                <a:spcPct val="20000"/>
-              </a:spcBef>
-              <a:buFont typeface="Arial" panose="020B0604020202020204" pitchFamily="34" charset="0"/>
-              <a:buNone/>
-              <a:defRPr sz="2000" kern="1200">
-                <a:solidFill>
-                  <a:schemeClr val="tx1">
-                    <a:tint val="75000"/>
-                  </a:schemeClr>
-                </a:solidFill>
-                <a:latin typeface="+mn-lt"/>
-                <a:ea typeface="+mn-ea"/>
-                <a:cs typeface="+mn-cs"/>
-              </a:defRPr>
-            </a:lvl5pPr>
-            <a:lvl6pPr marL="2286000" indent="0" algn="ctr" defTabSz="914400" rtl="0" eaLnBrk="1" latinLnBrk="0" hangingPunct="1">
-              <a:spcBef>
-                <a:spcPct val="20000"/>
-              </a:spcBef>
-              <a:buFont typeface="Arial" panose="020B0604020202020204" pitchFamily="34" charset="0"/>
-              <a:buNone/>
-              <a:defRPr sz="2000" kern="1200">
-                <a:solidFill>
-                  <a:schemeClr val="tx1">
-                    <a:tint val="75000"/>
-                  </a:schemeClr>
-                </a:solidFill>
-                <a:latin typeface="+mn-lt"/>
-                <a:ea typeface="+mn-ea"/>
-                <a:cs typeface="+mn-cs"/>
-              </a:defRPr>
-            </a:lvl6pPr>
-            <a:lvl7pPr marL="2743200" indent="0" algn="ctr" defTabSz="914400" rtl="0" eaLnBrk="1" latinLnBrk="0" hangingPunct="1">
-              <a:spcBef>
-                <a:spcPct val="20000"/>
-              </a:spcBef>
-              <a:buFont typeface="Arial" panose="020B0604020202020204" pitchFamily="34" charset="0"/>
-              <a:buNone/>
-              <a:defRPr sz="2000" kern="1200">
-                <a:solidFill>
-                  <a:schemeClr val="tx1">
-                    <a:tint val="75000"/>
-                  </a:schemeClr>
-                </a:solidFill>
-                <a:latin typeface="+mn-lt"/>
-                <a:ea typeface="+mn-ea"/>
-                <a:cs typeface="+mn-cs"/>
-              </a:defRPr>
-            </a:lvl7pPr>
-            <a:lvl8pPr marL="3200400" indent="0" algn="ctr" defTabSz="914400" rtl="0" eaLnBrk="1" latinLnBrk="0" hangingPunct="1">
-              <a:spcBef>
-                <a:spcPct val="20000"/>
-              </a:spcBef>
-              <a:buFont typeface="Arial" panose="020B0604020202020204" pitchFamily="34" charset="0"/>
-              <a:buNone/>
-              <a:defRPr sz="2000" kern="1200">
-                <a:solidFill>
-                  <a:schemeClr val="tx1">
-                    <a:tint val="75000"/>
-                  </a:schemeClr>
-                </a:solidFill>
-                <a:latin typeface="+mn-lt"/>
-                <a:ea typeface="+mn-ea"/>
-                <a:cs typeface="+mn-cs"/>
-              </a:defRPr>
-            </a:lvl8pPr>
-            <a:lvl9pPr marL="3657600" indent="0" algn="ctr" defTabSz="914400" rtl="0" eaLnBrk="1" latinLnBrk="0" hangingPunct="1">
-              <a:spcBef>
-                <a:spcPct val="20000"/>
-              </a:spcBef>
-              <a:buFont typeface="Arial" panose="020B0604020202020204" pitchFamily="34" charset="0"/>
-              <a:buNone/>
-              <a:defRPr sz="2000" kern="1200">
-                <a:solidFill>
-                  <a:schemeClr val="tx1">
-                    <a:tint val="75000"/>
-                  </a:schemeClr>
-                </a:solidFill>
-                <a:latin typeface="+mn-lt"/>
-                <a:ea typeface="+mn-ea"/>
-                <a:cs typeface="+mn-cs"/>
-              </a:defRPr>
-            </a:lvl9pPr>
-          </a:lstStyle>
-          <a:p>
             <a:pPr marL="342900" indent="-342900" algn="l">
               <a:buFont typeface="Arial" panose="020B0604020202020204" pitchFamily="34" charset="0"/>
               <a:buChar char="•"/>
@@ -4657,6 +4335,12 @@
               </a:rPr>
               <a:t>To find out problem faced by consumers in availing of vehicle finance</a:t>
             </a:r>
+          </a:p>
+          <a:p>
+            <a:pPr marL="800100" lvl="1" indent="-342900" algn="l">
+              <a:buFont typeface="Wingdings" panose="05000000000000000000" pitchFamily="2" charset="2"/>
+              <a:buChar char="Ø"/>
+            </a:pPr>
             <a:endParaRPr lang="en-IN" sz="2000" dirty="0">
               <a:solidFill>
                 <a:schemeClr val="tx1"/>
@@ -4812,7 +4496,7 @@
         <p:spPr>
           <a:xfrm>
             <a:off x="628650" y="457200"/>
-            <a:ext cx="7886700" cy="1590571"/>
+            <a:ext cx="7886700" cy="1751303"/>
           </a:xfrm>
         </p:spPr>
         <p:txBody>
@@ -4823,9 +4507,7 @@
           <a:p>
             <a:pPr algn="l"/>
             <a:r>
-              <a:rPr lang="en-IN" sz="1650" dirty="0">
-                <a:latin typeface="Arial Rounded MT Bold" panose="020F0704030504030204" pitchFamily="34" charset="0"/>
-              </a:rPr>
+              <a:rPr lang="en-IN" sz="1650" dirty="0"/>
               <a:t>Distribution plot on numerical features:</a:t>
             </a:r>
             <a:br>
@@ -5029,9 +4711,7 @@
           <a:p>
             <a:pPr algn="l"/>
             <a:r>
-              <a:rPr lang="en-IN" sz="1800" dirty="0">
-                <a:latin typeface="Arial Rounded MT Bold" panose="020F0704030504030204" pitchFamily="34" charset="0"/>
-              </a:rPr>
+              <a:rPr lang="en-IN" sz="1800" dirty="0"/>
               <a:t>Plots on various features:</a:t>
             </a:r>
             <a:br>
@@ -5087,11 +4767,13 @@
       </p:sp>
       <p:pic>
         <p:nvPicPr>
-          <p:cNvPr id="5" name="Picture 4"/>
+          <p:cNvPr id="4" name="Content Placeholder 3"/>
           <p:cNvPicPr>
-            <a:picLocks noChangeAspect="1"/>
+            <a:picLocks noGrp="1" noChangeAspect="1"/>
           </p:cNvPicPr>
-          <p:nvPr/>
+          <p:nvPr>
+            <p:ph idx="1"/>
+          </p:nvPr>
         </p:nvPicPr>
         <p:blipFill>
           <a:blip r:embed="rId2">
@@ -5107,17 +4789,14 @@
         </p:blipFill>
         <p:spPr>
           <a:xfrm>
-            <a:off x="735291" y="2223674"/>
-            <a:ext cx="3329687" cy="2177370"/>
+            <a:off x="457036" y="2050628"/>
+            <a:ext cx="3052063" cy="2177370"/>
           </a:xfrm>
-          <a:prstGeom prst="rect">
-            <a:avLst/>
-          </a:prstGeom>
         </p:spPr>
       </p:pic>
       <p:pic>
         <p:nvPicPr>
-          <p:cNvPr id="6" name="Picture 5"/>
+          <p:cNvPr id="5" name="Picture 4"/>
           <p:cNvPicPr>
             <a:picLocks noChangeAspect="1"/>
           </p:cNvPicPr>
@@ -5137,8 +4816,8 @@
         </p:blipFill>
         <p:spPr>
           <a:xfrm>
-            <a:off x="5079024" y="2223674"/>
-            <a:ext cx="2835935" cy="2177370"/>
+            <a:off x="3291853" y="2130876"/>
+            <a:ext cx="3034343" cy="2177370"/>
           </a:xfrm>
           <a:prstGeom prst="rect">
             <a:avLst/>
@@ -5147,7 +4826,7 @@
       </p:pic>
       <p:pic>
         <p:nvPicPr>
-          <p:cNvPr id="11" name="Picture 10"/>
+          <p:cNvPr id="6" name="Picture 5"/>
           <p:cNvPicPr>
             <a:picLocks noChangeAspect="1"/>
           </p:cNvPicPr>
@@ -5167,8 +4846,8 @@
         </p:blipFill>
         <p:spPr>
           <a:xfrm>
-            <a:off x="762000" y="4353974"/>
-            <a:ext cx="3302978" cy="2275426"/>
+            <a:off x="6096990" y="2085148"/>
+            <a:ext cx="2835935" cy="2177370"/>
           </a:xfrm>
           <a:prstGeom prst="rect">
             <a:avLst/>
@@ -5177,7 +4856,7 @@
       </p:pic>
       <p:pic>
         <p:nvPicPr>
-          <p:cNvPr id="12" name="Picture 11"/>
+          <p:cNvPr id="7" name="Picture 6"/>
           <p:cNvPicPr>
             <a:picLocks noChangeAspect="1"/>
           </p:cNvPicPr>
@@ -5197,7 +4876,67 @@
         </p:blipFill>
         <p:spPr>
           <a:xfrm>
-            <a:off x="5120116" y="4353974"/>
+            <a:off x="590207" y="4522377"/>
+            <a:ext cx="2785722" cy="1989188"/>
+          </a:xfrm>
+          <a:prstGeom prst="rect">
+            <a:avLst/>
+          </a:prstGeom>
+        </p:spPr>
+      </p:pic>
+      <p:pic>
+        <p:nvPicPr>
+          <p:cNvPr id="11" name="Picture 10"/>
+          <p:cNvPicPr>
+            <a:picLocks noChangeAspect="1"/>
+          </p:cNvPicPr>
+          <p:nvPr/>
+        </p:nvPicPr>
+        <p:blipFill>
+          <a:blip r:embed="rId6">
+            <a:extLst>
+              <a:ext uri="{28A0092B-C50C-407E-A947-70E740481C1C}">
+                <a14:useLocalDpi xmlns:a14="http://schemas.microsoft.com/office/drawing/2010/main" val="0"/>
+              </a:ext>
+            </a:extLst>
+          </a:blip>
+          <a:stretch>
+            <a:fillRect/>
+          </a:stretch>
+        </p:blipFill>
+        <p:spPr>
+          <a:xfrm>
+            <a:off x="3294210" y="4476496"/>
+            <a:ext cx="2867440" cy="2035069"/>
+          </a:xfrm>
+          <a:prstGeom prst="rect">
+            <a:avLst/>
+          </a:prstGeom>
+        </p:spPr>
+      </p:pic>
+      <p:pic>
+        <p:nvPicPr>
+          <p:cNvPr id="12" name="Picture 11"/>
+          <p:cNvPicPr>
+            <a:picLocks noChangeAspect="1"/>
+          </p:cNvPicPr>
+          <p:nvPr/>
+        </p:nvPicPr>
+        <p:blipFill>
+          <a:blip r:embed="rId7">
+            <a:extLst>
+              <a:ext uri="{28A0092B-C50C-407E-A947-70E740481C1C}">
+                <a14:useLocalDpi xmlns:a14="http://schemas.microsoft.com/office/drawing/2010/main" val="0"/>
+              </a:ext>
+            </a:extLst>
+          </a:blip>
+          <a:stretch>
+            <a:fillRect/>
+          </a:stretch>
+        </p:blipFill>
+        <p:spPr>
+          <a:xfrm>
+            <a:off x="6202742" y="4353974"/>
             <a:ext cx="2753750" cy="2131524"/>
           </a:xfrm>
           <a:prstGeom prst="rect">
@@ -5240,174 +4979,6 @@
           <p:cNvPr id="2" name="Title 1">
             <a:extLst>
               <a:ext uri="{FF2B5EF4-FFF2-40B4-BE49-F238E27FC236}">
-                <a16:creationId xmlns:a16="http://schemas.microsoft.com/office/drawing/2014/main" id="{9AB43798-AC9D-4740-8653-01EC298A70B8}"/>
-              </a:ext>
-            </a:extLst>
-          </p:cNvPr>
-          <p:cNvSpPr>
-            <a:spLocks noGrp="1"/>
-          </p:cNvSpPr>
-          <p:nvPr>
-            <p:ph type="title"/>
-          </p:nvPr>
-        </p:nvSpPr>
-        <p:spPr/>
-        <p:txBody>
-          <a:bodyPr>
-            <a:normAutofit fontScale="90000"/>
-          </a:bodyPr>
-          <a:lstStyle/>
-          <a:p>
-            <a:r>
-              <a:rPr lang="en-US" dirty="0"/>
-              <a:t>Loan Default from Employment Type</a:t>
-            </a:r>
-          </a:p>
-        </p:txBody>
-      </p:sp>
-      <p:pic>
-        <p:nvPicPr>
-          <p:cNvPr id="5" name="Content Placeholder 4">
-            <a:extLst>
-              <a:ext uri="{FF2B5EF4-FFF2-40B4-BE49-F238E27FC236}">
-                <a16:creationId xmlns:a16="http://schemas.microsoft.com/office/drawing/2014/main" id="{3CE1B430-A11B-49FC-BFAC-6265DEF3CCE0}"/>
-              </a:ext>
-            </a:extLst>
-          </p:cNvPr>
-          <p:cNvPicPr>
-            <a:picLocks noGrp="1" noChangeAspect="1"/>
-          </p:cNvPicPr>
-          <p:nvPr>
-            <p:ph idx="1"/>
-          </p:nvPr>
-        </p:nvPicPr>
-        <p:blipFill rotWithShape="1">
-          <a:blip r:embed="rId2">
-            <a:extLst>
-              <a:ext uri="{28A0092B-C50C-407E-A947-70E740481C1C}">
-                <a14:useLocalDpi xmlns:a14="http://schemas.microsoft.com/office/drawing/2010/main" val="0"/>
-              </a:ext>
-            </a:extLst>
-          </a:blip>
-          <a:srcRect l="-101" t="4871" r="-234" b="961"/>
-          <a:stretch/>
-        </p:blipFill>
-        <p:spPr>
-          <a:xfrm>
-            <a:off x="457200" y="2057400"/>
-            <a:ext cx="8534400" cy="4419600"/>
-          </a:xfrm>
-        </p:spPr>
-      </p:pic>
-      <p:sp>
-        <p:nvSpPr>
-          <p:cNvPr id="6" name="TextBox 5">
-            <a:extLst>
-              <a:ext uri="{FF2B5EF4-FFF2-40B4-BE49-F238E27FC236}">
-                <a16:creationId xmlns:a16="http://schemas.microsoft.com/office/drawing/2014/main" id="{A9207DB9-9FE6-4200-801D-6AF13131EED7}"/>
-              </a:ext>
-            </a:extLst>
-          </p:cNvPr>
-          <p:cNvSpPr txBox="1"/>
-          <p:nvPr/>
-        </p:nvSpPr>
-        <p:spPr>
-          <a:xfrm>
-            <a:off x="1981200" y="1981200"/>
-            <a:ext cx="1600200" cy="369332"/>
-          </a:xfrm>
-          <a:prstGeom prst="rect">
-            <a:avLst/>
-          </a:prstGeom>
-          <a:solidFill>
-            <a:schemeClr val="bg1"/>
-          </a:solidFill>
-        </p:spPr>
-        <p:txBody>
-          <a:bodyPr wrap="square" rtlCol="0">
-            <a:spAutoFit/>
-          </a:bodyPr>
-          <a:lstStyle/>
-          <a:p>
-            <a:r>
-              <a:rPr lang="en-US" dirty="0"/>
-              <a:t>Not Defaulted</a:t>
-            </a:r>
-          </a:p>
-        </p:txBody>
-      </p:sp>
-      <p:sp>
-        <p:nvSpPr>
-          <p:cNvPr id="7" name="TextBox 6">
-            <a:extLst>
-              <a:ext uri="{FF2B5EF4-FFF2-40B4-BE49-F238E27FC236}">
-                <a16:creationId xmlns:a16="http://schemas.microsoft.com/office/drawing/2014/main" id="{015D19A7-76D6-4B90-8482-E07C37484E64}"/>
-              </a:ext>
-            </a:extLst>
-          </p:cNvPr>
-          <p:cNvSpPr txBox="1"/>
-          <p:nvPr/>
-        </p:nvSpPr>
-        <p:spPr>
-          <a:xfrm>
-            <a:off x="5867400" y="1973344"/>
-            <a:ext cx="1600200" cy="369332"/>
-          </a:xfrm>
-          <a:prstGeom prst="rect">
-            <a:avLst/>
-          </a:prstGeom>
-          <a:solidFill>
-            <a:schemeClr val="bg1"/>
-          </a:solidFill>
-        </p:spPr>
-        <p:txBody>
-          <a:bodyPr wrap="square" rtlCol="0">
-            <a:spAutoFit/>
-          </a:bodyPr>
-          <a:lstStyle/>
-          <a:p>
-            <a:r>
-              <a:rPr lang="en-US" dirty="0"/>
-              <a:t>Defaulted</a:t>
-            </a:r>
-          </a:p>
-        </p:txBody>
-      </p:sp>
-    </p:spTree>
-    <p:extLst>
-      <p:ext uri="{BB962C8B-B14F-4D97-AF65-F5344CB8AC3E}">
-        <p14:creationId xmlns:p14="http://schemas.microsoft.com/office/powerpoint/2010/main" val="3871781603"/>
-      </p:ext>
-    </p:extLst>
-  </p:cSld>
-  <p:clrMapOvr>
-    <a:masterClrMapping/>
-  </p:clrMapOvr>
-</p:sld>
-</file>
-
-<file path=ppt/slides/slide7.xml><?xml version="1.0" encoding="utf-8"?>
-<p:sld xmlns:a="http://schemas.openxmlformats.org/drawingml/2006/main" xmlns:r="http://schemas.openxmlformats.org/officeDocument/2006/relationships" xmlns:p="http://schemas.openxmlformats.org/presentationml/2006/main">
-  <p:cSld>
-    <p:spTree>
-      <p:nvGrpSpPr>
-        <p:cNvPr id="1" name=""/>
-        <p:cNvGrpSpPr/>
-        <p:nvPr/>
-      </p:nvGrpSpPr>
-      <p:grpSpPr>
-        <a:xfrm>
-          <a:off x="0" y="0"/>
-          <a:ext cx="0" cy="0"/>
-          <a:chOff x="0" y="0"/>
-          <a:chExt cx="0" cy="0"/>
-        </a:xfrm>
-      </p:grpSpPr>
-      <p:sp>
-        <p:nvSpPr>
-          <p:cNvPr id="2" name="Title 1">
-            <a:extLst>
-              <a:ext uri="{FF2B5EF4-FFF2-40B4-BE49-F238E27FC236}">
                 <a16:creationId xmlns:a16="http://schemas.microsoft.com/office/drawing/2014/main" id="{B6CDA166-D565-4795-B1AA-87976669D899}"/>
               </a:ext>
             </a:extLst>
@@ -5429,7 +5000,6 @@
           <a:bodyPr/>
           <a:lstStyle/>
           <a:p>
-            <a:pPr algn="l"/>
             <a:r>
               <a:rPr lang="en-US" dirty="0"/>
               <a:t>Statistical significance of variables</a:t>
@@ -5453,14 +5023,14 @@
             <p:ph idx="1"/>
             <p:extLst>
               <p:ext uri="{D42A27DB-BD31-4B8C-83A1-F6EECF244321}">
-                <p14:modId xmlns:p14="http://schemas.microsoft.com/office/powerpoint/2010/main" val="2492861082"/>
+                <p14:modId xmlns:p14="http://schemas.microsoft.com/office/powerpoint/2010/main" val="2173130277"/>
               </p:ext>
             </p:extLst>
           </p:nvPr>
         </p:nvGraphicFramePr>
         <p:xfrm>
           <a:off x="457200" y="1600200"/>
-          <a:ext cx="8229600" cy="4114800"/>
+          <a:ext cx="8229600" cy="3657600"/>
         </p:xfrm>
         <a:graphic>
           <a:graphicData uri="http://schemas.openxmlformats.org/drawingml/2006/table">
@@ -5791,53 +5361,6 @@
                   </a:ext>
                 </a:extLst>
               </a:tr>
-              <a:tr h="370840">
-                <a:tc>
-                  <a:txBody>
-                    <a:bodyPr/>
-                    <a:lstStyle/>
-                    <a:p>
-                      <a:pPr marL="0" marR="0" lvl="0" indent="0" algn="l" defTabSz="914400" rtl="0" eaLnBrk="1" fontAlgn="auto" latinLnBrk="0" hangingPunct="1">
-                        <a:lnSpc>
-                          <a:spcPct val="100000"/>
-                        </a:lnSpc>
-                        <a:spcBef>
-                          <a:spcPts val="0"/>
-                        </a:spcBef>
-                        <a:spcAft>
-                          <a:spcPts val="0"/>
-                        </a:spcAft>
-                        <a:buClrTx/>
-                        <a:buSzTx/>
-                        <a:buFontTx/>
-                        <a:buNone/>
-                        <a:tabLst/>
-                        <a:defRPr/>
-                      </a:pPr>
-                      <a:endParaRPr lang="en-IN" sz="2400" dirty="0"/>
-                    </a:p>
-                  </a:txBody>
-                  <a:tcPr/>
-                </a:tc>
-                <a:tc>
-                  <a:txBody>
-                    <a:bodyPr/>
-                    <a:lstStyle/>
-                    <a:p>
-                      <a:r>
-                        <a:rPr lang="en-IN" sz="2400" dirty="0"/>
-                        <a:t>Aadhar Flag</a:t>
-                      </a:r>
-                    </a:p>
-                  </a:txBody>
-                  <a:tcPr/>
-                </a:tc>
-                <a:extLst>
-                  <a:ext uri="{0D108BD9-81ED-4DB2-BD59-A6C34878D82A}">
-                    <a16:rowId xmlns:a16="http://schemas.microsoft.com/office/drawing/2014/main" val="122713326"/>
-                  </a:ext>
-                </a:extLst>
-              </a:tr>
             </a:tbl>
           </a:graphicData>
         </a:graphic>
@@ -5846,6 +5369,167 @@
     <p:extLst>
       <p:ext uri="{BB962C8B-B14F-4D97-AF65-F5344CB8AC3E}">
         <p14:creationId xmlns:p14="http://schemas.microsoft.com/office/powerpoint/2010/main" val="146618133"/>
+      </p:ext>
+    </p:extLst>
+  </p:cSld>
+  <p:clrMapOvr>
+    <a:masterClrMapping/>
+  </p:clrMapOvr>
+</p:sld>
+</file>
+
+<file path=ppt/slides/slide7.xml><?xml version="1.0" encoding="utf-8"?>
+<p:sld xmlns:a="http://schemas.openxmlformats.org/drawingml/2006/main" xmlns:r="http://schemas.openxmlformats.org/officeDocument/2006/relationships" xmlns:p="http://schemas.openxmlformats.org/presentationml/2006/main">
+  <p:cSld>
+    <p:spTree>
+      <p:nvGrpSpPr>
+        <p:cNvPr id="1" name=""/>
+        <p:cNvGrpSpPr/>
+        <p:nvPr/>
+      </p:nvGrpSpPr>
+      <p:grpSpPr>
+        <a:xfrm>
+          <a:off x="0" y="0"/>
+          <a:ext cx="0" cy="0"/>
+          <a:chOff x="0" y="0"/>
+          <a:chExt cx="0" cy="0"/>
+        </a:xfrm>
+      </p:grpSpPr>
+      <p:sp>
+        <p:nvSpPr>
+          <p:cNvPr id="2" name="Title 1">
+            <a:extLst>
+              <a:ext uri="{FF2B5EF4-FFF2-40B4-BE49-F238E27FC236}">
+                <a16:creationId xmlns:a16="http://schemas.microsoft.com/office/drawing/2014/main" id="{541A397E-F577-49FF-BC80-010E4660590D}"/>
+              </a:ext>
+            </a:extLst>
+          </p:cNvPr>
+          <p:cNvSpPr>
+            <a:spLocks noGrp="1"/>
+          </p:cNvSpPr>
+          <p:nvPr>
+            <p:ph type="title"/>
+          </p:nvPr>
+        </p:nvSpPr>
+        <p:spPr/>
+        <p:txBody>
+          <a:bodyPr/>
+          <a:lstStyle/>
+          <a:p>
+            <a:r>
+              <a:rPr lang="en-US" dirty="0"/>
+              <a:t>Feature Engineering</a:t>
+            </a:r>
+          </a:p>
+        </p:txBody>
+      </p:sp>
+      <p:sp>
+        <p:nvSpPr>
+          <p:cNvPr id="3" name="Content Placeholder 2">
+            <a:extLst>
+              <a:ext uri="{FF2B5EF4-FFF2-40B4-BE49-F238E27FC236}">
+                <a16:creationId xmlns:a16="http://schemas.microsoft.com/office/drawing/2014/main" id="{4887195E-57E5-4EF2-9755-BE81F07132A4}"/>
+              </a:ext>
+            </a:extLst>
+          </p:cNvPr>
+          <p:cNvSpPr>
+            <a:spLocks noGrp="1"/>
+          </p:cNvSpPr>
+          <p:nvPr>
+            <p:ph idx="1"/>
+          </p:nvPr>
+        </p:nvSpPr>
+        <p:spPr/>
+        <p:txBody>
+          <a:bodyPr>
+            <a:normAutofit/>
+          </a:bodyPr>
+          <a:lstStyle/>
+          <a:p>
+            <a:pPr marL="0" indent="0">
+              <a:buNone/>
+            </a:pPr>
+            <a:r>
+              <a:rPr lang="en-IN" sz="2400" dirty="0"/>
+              <a:t>1. </a:t>
+            </a:r>
+            <a:r>
+              <a:rPr lang="en-IN" sz="2400" b="1" dirty="0"/>
+              <a:t>Transformations</a:t>
+            </a:r>
+            <a:r>
+              <a:rPr lang="en-IN" sz="2400" dirty="0"/>
+              <a:t> :</a:t>
+            </a:r>
+          </a:p>
+          <a:p>
+            <a:pPr marL="0" indent="0">
+              <a:buNone/>
+            </a:pPr>
+            <a:r>
+              <a:rPr lang="en-IN" sz="2400" dirty="0"/>
+              <a:t>Yes . Since the data is not normally distributed (Highly right skewed), We tried Log transform, Sqrt transform.</a:t>
+            </a:r>
+          </a:p>
+          <a:p>
+            <a:pPr marL="0" indent="0">
+              <a:buNone/>
+            </a:pPr>
+            <a:r>
+              <a:rPr lang="en-IN" sz="2400" dirty="0"/>
+              <a:t>2. </a:t>
+            </a:r>
+            <a:r>
+              <a:rPr lang="en-IN" sz="2400" b="1" dirty="0"/>
+              <a:t>Scaling the data </a:t>
+            </a:r>
+            <a:r>
+              <a:rPr lang="en-IN" sz="2400" dirty="0"/>
+              <a:t>:</a:t>
+            </a:r>
+          </a:p>
+          <a:p>
+            <a:pPr marL="0" indent="0">
+              <a:buNone/>
+            </a:pPr>
+            <a:r>
+              <a:rPr lang="en-IN" sz="2400" dirty="0"/>
+              <a:t>Yes, the data has been scaled.</a:t>
+            </a:r>
+          </a:p>
+          <a:p>
+            <a:pPr marL="0" indent="0">
+              <a:buNone/>
+            </a:pPr>
+            <a:r>
+              <a:rPr lang="en-IN" sz="2400" dirty="0"/>
+              <a:t>3. </a:t>
+            </a:r>
+            <a:r>
+              <a:rPr lang="en-IN" sz="2400" b="1" dirty="0"/>
+              <a:t>Dimensionality reduction </a:t>
+            </a:r>
+            <a:r>
+              <a:rPr lang="en-IN" sz="2400" dirty="0"/>
+              <a:t>:</a:t>
+            </a:r>
+          </a:p>
+          <a:p>
+            <a:pPr marL="0" indent="0">
+              <a:buNone/>
+            </a:pPr>
+            <a:r>
+              <a:rPr lang="en-IN" sz="2400" dirty="0"/>
+              <a:t> Since there is no multicollinearity in our data, We haven’t done PCA.</a:t>
+            </a:r>
+            <a:endParaRPr lang="en-US" sz="2400" dirty="0"/>
+          </a:p>
+        </p:txBody>
+      </p:sp>
+    </p:spTree>
+    <p:extLst>
+      <p:ext uri="{BB962C8B-B14F-4D97-AF65-F5344CB8AC3E}">
+        <p14:creationId xmlns:p14="http://schemas.microsoft.com/office/powerpoint/2010/main" val="3227524239"/>
       </p:ext>
     </p:extLst>
   </p:cSld>
@@ -5877,7 +5561,7 @@
           <p:cNvPr id="2" name="Title 1">
             <a:extLst>
               <a:ext uri="{FF2B5EF4-FFF2-40B4-BE49-F238E27FC236}">
-                <a16:creationId xmlns:a16="http://schemas.microsoft.com/office/drawing/2014/main" id="{541A397E-F577-49FF-BC80-010E4660590D}"/>
+                <a16:creationId xmlns:a16="http://schemas.microsoft.com/office/drawing/2014/main" id="{F6584AFD-6D6B-41BD-8AA7-E55CA8893D30}"/>
               </a:ext>
             </a:extLst>
           </p:cNvPr>
@@ -5893,10 +5577,9 @@
           <a:bodyPr/>
           <a:lstStyle/>
           <a:p>
-            <a:pPr algn="l"/>
             <a:r>
               <a:rPr lang="en-US" dirty="0"/>
-              <a:t>Feature Engineering</a:t>
+              <a:t>Assumptions</a:t>
             </a:r>
           </a:p>
         </p:txBody>
@@ -5906,7 +5589,7 @@
           <p:cNvPr id="3" name="Content Placeholder 2">
             <a:extLst>
               <a:ext uri="{FF2B5EF4-FFF2-40B4-BE49-F238E27FC236}">
-                <a16:creationId xmlns:a16="http://schemas.microsoft.com/office/drawing/2014/main" id="{4887195E-57E5-4EF2-9755-BE81F07132A4}"/>
+                <a16:creationId xmlns:a16="http://schemas.microsoft.com/office/drawing/2014/main" id="{1DD175B5-E4E4-4BD1-8A11-20DED898F8EA}"/>
               </a:ext>
             </a:extLst>
           </p:cNvPr>
@@ -5924,98 +5607,62 @@
           </a:bodyPr>
           <a:lstStyle/>
           <a:p>
+            <a:r>
+              <a:rPr lang="en-IN" sz="2400" b="1" dirty="0"/>
+              <a:t>General Assumptions: </a:t>
+            </a:r>
+          </a:p>
+          <a:p>
             <a:pPr marL="0" indent="0">
               <a:buNone/>
             </a:pPr>
             <a:r>
               <a:rPr lang="en-IN" sz="2400" dirty="0"/>
-              <a:t>1. </a:t>
-            </a:r>
+              <a:t>      -&gt; No redundant data.</a:t>
+            </a:r>
+          </a:p>
+          <a:p>
+            <a:pPr marL="0" indent="0">
+              <a:buNone/>
+            </a:pPr>
             <a:r>
               <a:rPr lang="en-IN" sz="2400" b="1" dirty="0"/>
-              <a:t>Transformations</a:t>
+              <a:t>      </a:t>
             </a:r>
             <a:r>
               <a:rPr lang="en-IN" sz="2400" dirty="0"/>
-              <a:t> :</a:t>
-            </a:r>
-          </a:p>
-          <a:p>
-            <a:pPr marL="0" indent="0">
-              <a:buNone/>
-            </a:pPr>
-            <a:r>
-              <a:rPr lang="en-IN" sz="2400" dirty="0"/>
-              <a:t>Yes . Since the data is not normally distributed (Highly right skewed), We tried Log transform, Sqrt transform.</a:t>
-            </a:r>
-          </a:p>
-          <a:p>
-            <a:pPr marL="0" indent="0">
-              <a:buNone/>
-            </a:pPr>
-            <a:r>
-              <a:rPr lang="en-IN" sz="2400" dirty="0"/>
-              <a:t>2. </a:t>
-            </a:r>
+              <a:t>-&gt; Absence of Multicollinearity</a:t>
+            </a:r>
+          </a:p>
+          <a:p>
             <a:r>
               <a:rPr lang="en-IN" sz="2400" b="1" dirty="0"/>
-              <a:t>Scaling the data </a:t>
-            </a:r>
-            <a:r>
-              <a:rPr lang="en-IN" sz="2400" dirty="0"/>
-              <a:t>:</a:t>
-            </a:r>
-          </a:p>
-          <a:p>
-            <a:pPr marL="0" indent="0">
-              <a:buNone/>
-            </a:pPr>
-            <a:r>
-              <a:rPr lang="en-IN" sz="2400" dirty="0"/>
-              <a:t>Yes, the data has been scaled.</a:t>
-            </a:r>
-          </a:p>
-          <a:p>
-            <a:pPr marL="0" indent="0">
-              <a:buNone/>
-            </a:pPr>
-            <a:r>
-              <a:rPr lang="en-IN" sz="2400" dirty="0"/>
-              <a:t>3. </a:t>
-            </a:r>
-            <a:r>
-              <a:rPr lang="en-IN" sz="2400" b="1" dirty="0"/>
-              <a:t>Dimensionality reduction </a:t>
-            </a:r>
-            <a:r>
-              <a:rPr lang="en-IN" sz="2400" dirty="0"/>
-              <a:t>:</a:t>
-            </a:r>
-          </a:p>
-          <a:p>
-            <a:pPr marL="0" indent="0">
-              <a:buNone/>
-            </a:pPr>
-            <a:r>
-              <a:rPr lang="en-IN" sz="2400" dirty="0"/>
-              <a:t> Since there is no multicollinearity in our data presently(removed </a:t>
-            </a:r>
-            <a:r>
-              <a:rPr lang="en-IN" sz="2400"/>
-              <a:t>after checking VIF), </a:t>
-            </a:r>
-            <a:r>
-              <a:rPr lang="en-IN" sz="2400" dirty="0"/>
-              <a:t>We haven’t done PCA.</a:t>
-            </a:r>
-            <a:endParaRPr lang="en-US" sz="2400" dirty="0"/>
+              <a:t>Naive Bayes</a:t>
+            </a:r>
+            <a:r>
+              <a:rPr lang="en-US" sz="2400" b="1" dirty="0"/>
+              <a:t> -  </a:t>
+            </a:r>
+            <a:r>
+              <a:rPr lang="en-US" sz="2400" dirty="0"/>
+              <a:t>Attributes are conditionally independent.</a:t>
+            </a:r>
+          </a:p>
+          <a:p>
+            <a:r>
+              <a:rPr lang="en-US" sz="2400" dirty="0"/>
+              <a:t>Decision Tree, Random Forest, KNN – No assumptions</a:t>
+            </a:r>
+          </a:p>
+          <a:p>
+            <a:endParaRPr lang="en-IN" sz="2400" b="1" dirty="0"/>
           </a:p>
         </p:txBody>
       </p:sp>
     </p:spTree>
     <p:extLst>
       <p:ext uri="{BB962C8B-B14F-4D97-AF65-F5344CB8AC3E}">
-        <p14:creationId xmlns:p14="http://schemas.microsoft.com/office/powerpoint/2010/main" val="3227524239"/>
+        <p14:creationId xmlns:p14="http://schemas.microsoft.com/office/powerpoint/2010/main" val="1235205643"/>
       </p:ext>
     </p:extLst>
   </p:cSld>
@@ -6044,127 +5691,99 @@
       </p:grpSpPr>
       <p:sp>
         <p:nvSpPr>
-          <p:cNvPr id="2" name="Title 1">
-            <a:extLst>
-              <a:ext uri="{FF2B5EF4-FFF2-40B4-BE49-F238E27FC236}">
-                <a16:creationId xmlns:a16="http://schemas.microsoft.com/office/drawing/2014/main" id="{F6584AFD-6D6B-41BD-8AA7-E55CA8893D30}"/>
-              </a:ext>
-            </a:extLst>
-          </p:cNvPr>
-          <p:cNvSpPr>
-            <a:spLocks noGrp="1"/>
-          </p:cNvSpPr>
-          <p:nvPr>
-            <p:ph type="title"/>
-          </p:nvPr>
+          <p:cNvPr id="4" name="Round Diagonal Corner Rectangle 3"/>
+          <p:cNvSpPr/>
+          <p:nvPr/>
         </p:nvSpPr>
         <p:spPr>
           <a:xfrm>
-            <a:off x="696798" y="228600"/>
-            <a:ext cx="8229600" cy="1143000"/>
+            <a:off x="45026" y="58880"/>
+            <a:ext cx="206087" cy="2209800"/>
           </a:xfrm>
+          <a:prstGeom prst="round2DiagRect">
+            <a:avLst/>
+          </a:prstGeom>
+          <a:solidFill>
+            <a:srgbClr val="0070C0"/>
+          </a:solidFill>
+          <a:ln>
+            <a:solidFill>
+              <a:srgbClr val="0070C0"/>
+            </a:solidFill>
+          </a:ln>
         </p:spPr>
-        <p:txBody>
-          <a:bodyPr/>
-          <a:lstStyle/>
-          <a:p>
-            <a:pPr algn="l"/>
-            <a:r>
-              <a:rPr lang="en-US" dirty="0"/>
-              <a:t>Assumptions</a:t>
-            </a:r>
-          </a:p>
-        </p:txBody>
-      </p:sp>
-      <p:sp>
-        <p:nvSpPr>
-          <p:cNvPr id="3" name="Content Placeholder 2">
-            <a:extLst>
-              <a:ext uri="{FF2B5EF4-FFF2-40B4-BE49-F238E27FC236}">
-                <a16:creationId xmlns:a16="http://schemas.microsoft.com/office/drawing/2014/main" id="{1DD175B5-E4E4-4BD1-8A11-20DED898F8EA}"/>
-              </a:ext>
-            </a:extLst>
-          </p:cNvPr>
-          <p:cNvSpPr>
-            <a:spLocks noGrp="1"/>
-          </p:cNvSpPr>
-          <p:nvPr>
-            <p:ph idx="1"/>
-          </p:nvPr>
+        <p:style>
+          <a:lnRef idx="2">
+            <a:schemeClr val="accent3"/>
+          </a:lnRef>
+          <a:fillRef idx="1">
+            <a:schemeClr val="lt1"/>
+          </a:fillRef>
+          <a:effectRef idx="0">
+            <a:schemeClr val="accent3"/>
+          </a:effectRef>
+          <a:fontRef idx="minor">
+            <a:schemeClr val="dk1"/>
+          </a:fontRef>
+        </p:style>
+        <p:txBody>
+          <a:bodyPr rtlCol="0" anchor="ctr"/>
+          <a:lstStyle/>
+          <a:p>
+            <a:pPr algn="ctr"/>
+            <a:endParaRPr lang="en-US"/>
+          </a:p>
+        </p:txBody>
+      </p:sp>
+      <p:sp>
+        <p:nvSpPr>
+          <p:cNvPr id="5" name="Round Diagonal Corner Rectangle 4"/>
+          <p:cNvSpPr/>
+          <p:nvPr/>
         </p:nvSpPr>
         <p:spPr>
           <a:xfrm>
-            <a:off x="446988" y="1295400"/>
-            <a:ext cx="8229600" cy="2362200"/>
+            <a:off x="45026" y="2313700"/>
+            <a:ext cx="206087" cy="4461170"/>
           </a:xfrm>
+          <a:prstGeom prst="round2DiagRect">
+            <a:avLst/>
+          </a:prstGeom>
+          <a:solidFill>
+            <a:srgbClr val="00B0F0"/>
+          </a:solidFill>
+          <a:ln>
+            <a:solidFill>
+              <a:srgbClr val="00B0F0"/>
+            </a:solidFill>
+          </a:ln>
         </p:spPr>
-        <p:txBody>
-          <a:bodyPr>
-            <a:normAutofit/>
-          </a:bodyPr>
-          <a:lstStyle/>
-          <a:p>
-            <a:r>
-              <a:rPr lang="en-IN" sz="2400" b="1" dirty="0"/>
-              <a:t>General Assumptions: </a:t>
-            </a:r>
-          </a:p>
-          <a:p>
-            <a:pPr marL="0" indent="0">
-              <a:buNone/>
-            </a:pPr>
-            <a:r>
-              <a:rPr lang="en-IN" sz="2400" dirty="0"/>
-              <a:t>      1. No redundant data.</a:t>
-            </a:r>
-          </a:p>
-          <a:p>
-            <a:pPr marL="0" indent="0">
-              <a:buNone/>
-            </a:pPr>
-            <a:r>
-              <a:rPr lang="en-IN" sz="2400" b="1" dirty="0"/>
-              <a:t>      </a:t>
-            </a:r>
-            <a:r>
-              <a:rPr lang="en-IN" sz="2400" dirty="0"/>
-              <a:t>2.  Absence of Multicollinearity</a:t>
-            </a:r>
-          </a:p>
-          <a:p>
-            <a:r>
-              <a:rPr lang="en-IN" sz="2400" b="1" dirty="0"/>
-              <a:t>Naive Bayes</a:t>
-            </a:r>
-            <a:r>
-              <a:rPr lang="en-US" sz="2400" b="1" dirty="0"/>
-              <a:t> -  </a:t>
-            </a:r>
-            <a:r>
-              <a:rPr lang="en-US" sz="2400" dirty="0"/>
-              <a:t>Attributes are conditionally independent.</a:t>
-            </a:r>
-          </a:p>
-          <a:p>
-            <a:r>
-              <a:rPr lang="en-US" sz="2400" dirty="0"/>
-              <a:t>Decision Tree, Random Forest, KNN – No assumptions</a:t>
-            </a:r>
-          </a:p>
-          <a:p>
-            <a:endParaRPr lang="en-IN" sz="2400" b="1" dirty="0"/>
-          </a:p>
-        </p:txBody>
-      </p:sp>
-      <p:sp>
-        <p:nvSpPr>
-          <p:cNvPr id="4" name="Title 1">
-            <a:extLst>
-              <a:ext uri="{FF2B5EF4-FFF2-40B4-BE49-F238E27FC236}">
-                <a16:creationId xmlns:a16="http://schemas.microsoft.com/office/drawing/2014/main" id="{A148EF26-8D46-4B15-973B-75E03A95CDAE}"/>
-              </a:ext>
-            </a:extLst>
-          </p:cNvPr>
+        <p:style>
+          <a:lnRef idx="2">
+            <a:schemeClr val="accent3"/>
+          </a:lnRef>
+          <a:fillRef idx="1">
+            <a:schemeClr val="lt1"/>
+          </a:fillRef>
+          <a:effectRef idx="0">
+            <a:schemeClr val="accent3"/>
+          </a:effectRef>
+          <a:fontRef idx="minor">
+            <a:schemeClr val="dk1"/>
+          </a:fontRef>
+        </p:style>
+        <p:txBody>
+          <a:bodyPr rtlCol="0" anchor="ctr"/>
+          <a:lstStyle/>
+          <a:p>
+            <a:pPr algn="ctr"/>
+            <a:endParaRPr lang="en-US"/>
+          </a:p>
+        </p:txBody>
+      </p:sp>
+      <p:sp>
+        <p:nvSpPr>
+          <p:cNvPr id="9" name="Content Placeholder 2"/>
           <p:cNvSpPr txBox="1">
             <a:spLocks/>
           </p:cNvSpPr>
@@ -6172,199 +5791,165 @@
         </p:nvSpPr>
         <p:spPr>
           <a:xfrm>
-            <a:off x="685800" y="3657600"/>
-            <a:ext cx="8229600" cy="1143000"/>
+            <a:off x="3042062" y="1958439"/>
+            <a:ext cx="4730338" cy="1546761"/>
           </a:xfrm>
           <a:prstGeom prst="rect">
             <a:avLst/>
           </a:prstGeom>
         </p:spPr>
         <p:txBody>
-          <a:bodyPr vert="horz" lIns="91440" tIns="45720" rIns="91440" bIns="45720" rtlCol="0" anchor="ctr">
-            <a:normAutofit/>
-          </a:bodyPr>
-          <a:lstStyle>
-            <a:lvl1pPr algn="ctr" defTabSz="914400" rtl="0" eaLnBrk="1" latinLnBrk="0" hangingPunct="1">
-              <a:spcBef>
-                <a:spcPct val="0"/>
-              </a:spcBef>
-              <a:buNone/>
-              <a:defRPr sz="4400" kern="1200">
-                <a:solidFill>
-                  <a:schemeClr val="tx1"/>
-                </a:solidFill>
-                <a:latin typeface="+mj-lt"/>
-                <a:ea typeface="+mj-ea"/>
-                <a:cs typeface="+mj-cs"/>
-              </a:defRPr>
-            </a:lvl1pPr>
-          </a:lstStyle>
-          <a:p>
-            <a:pPr algn="l"/>
-            <a:r>
-              <a:rPr lang="en-US" dirty="0"/>
-              <a:t>Reference</a:t>
-            </a:r>
-          </a:p>
-        </p:txBody>
-      </p:sp>
-      <p:sp>
-        <p:nvSpPr>
-          <p:cNvPr id="5" name="Content Placeholder 2">
-            <a:extLst>
-              <a:ext uri="{FF2B5EF4-FFF2-40B4-BE49-F238E27FC236}">
-                <a16:creationId xmlns:a16="http://schemas.microsoft.com/office/drawing/2014/main" id="{AC2B98C8-1410-4EE3-98A2-9AA56034D000}"/>
-              </a:ext>
-            </a:extLst>
-          </p:cNvPr>
-          <p:cNvSpPr txBox="1">
-            <a:spLocks/>
-          </p:cNvSpPr>
-          <p:nvPr/>
-        </p:nvSpPr>
-        <p:spPr>
-          <a:xfrm>
-            <a:off x="685800" y="4724400"/>
-            <a:ext cx="8229600" cy="4525963"/>
-          </a:xfrm>
-          <a:prstGeom prst="rect">
-            <a:avLst/>
-          </a:prstGeom>
-        </p:spPr>
-        <p:txBody>
           <a:bodyPr vert="horz" lIns="91440" tIns="45720" rIns="91440" bIns="45720" rtlCol="0">
             <a:normAutofit/>
           </a:bodyPr>
           <a:lstStyle>
-            <a:lvl1pPr marL="342900" indent="-342900" algn="l" defTabSz="914400" rtl="0" eaLnBrk="1" latinLnBrk="0" hangingPunct="1">
+            <a:lvl1pPr marL="0" indent="0" algn="ctr" defTabSz="914400" rtl="0" eaLnBrk="1" latinLnBrk="0" hangingPunct="1">
               <a:spcBef>
                 <a:spcPct val="20000"/>
               </a:spcBef>
               <a:buFont typeface="Arial" panose="020B0604020202020204" pitchFamily="34" charset="0"/>
-              <a:buChar char="•"/>
+              <a:buNone/>
               <a:defRPr sz="3200" kern="1200">
                 <a:solidFill>
-                  <a:schemeClr val="tx1"/>
+                  <a:schemeClr val="tx1">
+                    <a:tint val="75000"/>
+                  </a:schemeClr>
                 </a:solidFill>
                 <a:latin typeface="+mn-lt"/>
                 <a:ea typeface="+mn-ea"/>
                 <a:cs typeface="+mn-cs"/>
               </a:defRPr>
             </a:lvl1pPr>
-            <a:lvl2pPr marL="742950" indent="-285750" algn="l" defTabSz="914400" rtl="0" eaLnBrk="1" latinLnBrk="0" hangingPunct="1">
+            <a:lvl2pPr marL="457200" indent="0" algn="ctr" defTabSz="914400" rtl="0" eaLnBrk="1" latinLnBrk="0" hangingPunct="1">
               <a:spcBef>
                 <a:spcPct val="20000"/>
               </a:spcBef>
               <a:buFont typeface="Arial" panose="020B0604020202020204" pitchFamily="34" charset="0"/>
-              <a:buChar char="–"/>
+              <a:buNone/>
               <a:defRPr sz="2800" kern="1200">
                 <a:solidFill>
-                  <a:schemeClr val="tx1"/>
+                  <a:schemeClr val="tx1">
+                    <a:tint val="75000"/>
+                  </a:schemeClr>
                 </a:solidFill>
                 <a:latin typeface="+mn-lt"/>
                 <a:ea typeface="+mn-ea"/>
                 <a:cs typeface="+mn-cs"/>
               </a:defRPr>
             </a:lvl2pPr>
-            <a:lvl3pPr marL="1143000" indent="-228600" algn="l" defTabSz="914400" rtl="0" eaLnBrk="1" latinLnBrk="0" hangingPunct="1">
+            <a:lvl3pPr marL="914400" indent="0" algn="ctr" defTabSz="914400" rtl="0" eaLnBrk="1" latinLnBrk="0" hangingPunct="1">
               <a:spcBef>
                 <a:spcPct val="20000"/>
               </a:spcBef>
               <a:buFont typeface="Arial" panose="020B0604020202020204" pitchFamily="34" charset="0"/>
-              <a:buChar char="•"/>
+              <a:buNone/>
               <a:defRPr sz="2400" kern="1200">
                 <a:solidFill>
-                  <a:schemeClr val="tx1"/>
+                  <a:schemeClr val="tx1">
+                    <a:tint val="75000"/>
+                  </a:schemeClr>
                 </a:solidFill>
                 <a:latin typeface="+mn-lt"/>
                 <a:ea typeface="+mn-ea"/>
                 <a:cs typeface="+mn-cs"/>
               </a:defRPr>
             </a:lvl3pPr>
-            <a:lvl4pPr marL="1600200" indent="-228600" algn="l" defTabSz="914400" rtl="0" eaLnBrk="1" latinLnBrk="0" hangingPunct="1">
+            <a:lvl4pPr marL="1371600" indent="0" algn="ctr" defTabSz="914400" rtl="0" eaLnBrk="1" latinLnBrk="0" hangingPunct="1">
               <a:spcBef>
                 <a:spcPct val="20000"/>
               </a:spcBef>
               <a:buFont typeface="Arial" panose="020B0604020202020204" pitchFamily="34" charset="0"/>
-              <a:buChar char="–"/>
+              <a:buNone/>
               <a:defRPr sz="2000" kern="1200">
                 <a:solidFill>
-                  <a:schemeClr val="tx1"/>
+                  <a:schemeClr val="tx1">
+                    <a:tint val="75000"/>
+                  </a:schemeClr>
                 </a:solidFill>
                 <a:latin typeface="+mn-lt"/>
                 <a:ea typeface="+mn-ea"/>
                 <a:cs typeface="+mn-cs"/>
               </a:defRPr>
             </a:lvl4pPr>
-            <a:lvl5pPr marL="2057400" indent="-228600" algn="l" defTabSz="914400" rtl="0" eaLnBrk="1" latinLnBrk="0" hangingPunct="1">
+            <a:lvl5pPr marL="1828800" indent="0" algn="ctr" defTabSz="914400" rtl="0" eaLnBrk="1" latinLnBrk="0" hangingPunct="1">
               <a:spcBef>
                 <a:spcPct val="20000"/>
               </a:spcBef>
               <a:buFont typeface="Arial" panose="020B0604020202020204" pitchFamily="34" charset="0"/>
-              <a:buChar char="»"/>
+              <a:buNone/>
               <a:defRPr sz="2000" kern="1200">
                 <a:solidFill>
-                  <a:schemeClr val="tx1"/>
+                  <a:schemeClr val="tx1">
+                    <a:tint val="75000"/>
+                  </a:schemeClr>
                 </a:solidFill>
                 <a:latin typeface="+mn-lt"/>
                 <a:ea typeface="+mn-ea"/>
                 <a:cs typeface="+mn-cs"/>
               </a:defRPr>
             </a:lvl5pPr>
-            <a:lvl6pPr marL="2514600" indent="-228600" algn="l" defTabSz="914400" rtl="0" eaLnBrk="1" latinLnBrk="0" hangingPunct="1">
+            <a:lvl6pPr marL="2286000" indent="0" algn="ctr" defTabSz="914400" rtl="0" eaLnBrk="1" latinLnBrk="0" hangingPunct="1">
               <a:spcBef>
                 <a:spcPct val="20000"/>
               </a:spcBef>
               <a:buFont typeface="Arial" panose="020B0604020202020204" pitchFamily="34" charset="0"/>
-              <a:buChar char="•"/>
+              <a:buNone/>
               <a:defRPr sz="2000" kern="1200">
                 <a:solidFill>
-                  <a:schemeClr val="tx1"/>
+                  <a:schemeClr val="tx1">
+                    <a:tint val="75000"/>
+                  </a:schemeClr>
                 </a:solidFill>
                 <a:latin typeface="+mn-lt"/>
                 <a:ea typeface="+mn-ea"/>
                 <a:cs typeface="+mn-cs"/>
               </a:defRPr>
             </a:lvl6pPr>
-            <a:lvl7pPr marL="2971800" indent="-228600" algn="l" defTabSz="914400" rtl="0" eaLnBrk="1" latinLnBrk="0" hangingPunct="1">
+            <a:lvl7pPr marL="2743200" indent="0" algn="ctr" defTabSz="914400" rtl="0" eaLnBrk="1" latinLnBrk="0" hangingPunct="1">
               <a:spcBef>
                 <a:spcPct val="20000"/>
               </a:spcBef>
               <a:buFont typeface="Arial" panose="020B0604020202020204" pitchFamily="34" charset="0"/>
-              <a:buChar char="•"/>
+              <a:buNone/>
               <a:defRPr sz="2000" kern="1200">
                 <a:solidFill>
-                  <a:schemeClr val="tx1"/>
+                  <a:schemeClr val="tx1">
+                    <a:tint val="75000"/>
+                  </a:schemeClr>
                 </a:solidFill>
                 <a:latin typeface="+mn-lt"/>
                 <a:ea typeface="+mn-ea"/>
                 <a:cs typeface="+mn-cs"/>
               </a:defRPr>
             </a:lvl7pPr>
-            <a:lvl8pPr marL="3429000" indent="-228600" algn="l" defTabSz="914400" rtl="0" eaLnBrk="1" latinLnBrk="0" hangingPunct="1">
+            <a:lvl8pPr marL="3200400" indent="0" algn="ctr" defTabSz="914400" rtl="0" eaLnBrk="1" latinLnBrk="0" hangingPunct="1">
               <a:spcBef>
                 <a:spcPct val="20000"/>
               </a:spcBef>
               <a:buFont typeface="Arial" panose="020B0604020202020204" pitchFamily="34" charset="0"/>
-              <a:buChar char="•"/>
+              <a:buNone/>
               <a:defRPr sz="2000" kern="1200">
                 <a:solidFill>
-                  <a:schemeClr val="tx1"/>
+                  <a:schemeClr val="tx1">
+                    <a:tint val="75000"/>
+                  </a:schemeClr>
                 </a:solidFill>
                 <a:latin typeface="+mn-lt"/>
                 <a:ea typeface="+mn-ea"/>
                 <a:cs typeface="+mn-cs"/>
               </a:defRPr>
             </a:lvl8pPr>
-            <a:lvl9pPr marL="3886200" indent="-228600" algn="l" defTabSz="914400" rtl="0" eaLnBrk="1" latinLnBrk="0" hangingPunct="1">
+            <a:lvl9pPr marL="3657600" indent="0" algn="ctr" defTabSz="914400" rtl="0" eaLnBrk="1" latinLnBrk="0" hangingPunct="1">
               <a:spcBef>
                 <a:spcPct val="20000"/>
               </a:spcBef>
               <a:buFont typeface="Arial" panose="020B0604020202020204" pitchFamily="34" charset="0"/>
-              <a:buChar char="•"/>
+              <a:buNone/>
               <a:defRPr sz="2000" kern="1200">
                 <a:solidFill>
-                  <a:schemeClr val="tx1"/>
+                  <a:schemeClr val="tx1">
+                    <a:tint val="75000"/>
+                  </a:schemeClr>
                 </a:solidFill>
                 <a:latin typeface="+mn-lt"/>
                 <a:ea typeface="+mn-ea"/>
@@ -6373,23 +5958,30 @@
             </a:lvl9pPr>
           </a:lstStyle>
           <a:p>
-            <a:pPr marL="0" indent="0">
-              <a:buNone/>
-            </a:pPr>
-            <a:r>
-              <a:rPr lang="en-US" sz="2400" dirty="0">
-                <a:hlinkClick r:id="rId2"/>
+            <a:pPr lvl="1" algn="l"/>
+            <a:endParaRPr lang="en-IN" sz="4000" dirty="0">
+              <a:solidFill>
+                <a:srgbClr val="0055A0"/>
+              </a:solidFill>
+            </a:endParaRPr>
+          </a:p>
+          <a:p>
+            <a:pPr lvl="1" algn="l"/>
+            <a:r>
+              <a:rPr lang="en-IN" sz="4000" dirty="0">
+                <a:solidFill>
+                  <a:srgbClr val="0055A0"/>
+                </a:solidFill>
               </a:rPr>
-              <a:t>https://github.com/xavierigneous/Vehicle-Loan-Default-Prediction</a:t>
-            </a:r>
-            <a:endParaRPr lang="en-IN" sz="2400" b="1" dirty="0"/>
+              <a:t>Thanks!</a:t>
+            </a:r>
           </a:p>
         </p:txBody>
       </p:sp>
     </p:spTree>
     <p:extLst>
       <p:ext uri="{BB962C8B-B14F-4D97-AF65-F5344CB8AC3E}">
-        <p14:creationId xmlns:p14="http://schemas.microsoft.com/office/powerpoint/2010/main" val="1235205643"/>
+        <p14:creationId xmlns:p14="http://schemas.microsoft.com/office/powerpoint/2010/main" val="3724216054"/>
       </p:ext>
     </p:extLst>
   </p:cSld>
